--- a/dnn/presentation/presentation_part2.pptx
+++ b/dnn/presentation/presentation_part2.pptx
@@ -240,7 +240,7 @@
           <a:p>
             <a:fld id="{9D8190EA-5EEC-4300-B6AE-D9734C6C648E}" type="datetimeFigureOut">
               <a:rPr lang="en-US" smtClean="0"/>
-              <a:t>4/5/2024</a:t>
+              <a:t>4/7/2024</a:t>
             </a:fld>
             <a:endParaRPr lang="en-US" dirty="0"/>
           </a:p>
@@ -417,7 +417,7 @@
           <a:p>
             <a:fld id="{7487ADD9-2083-264C-A652-8D52D02F7E72}" type="datetimeFigureOut">
               <a:rPr lang="en-US" smtClean="0"/>
-              <a:t>4/5/2024</a:t>
+              <a:t>4/7/2024</a:t>
             </a:fld>
             <a:endParaRPr lang="en-US" dirty="0"/>
           </a:p>
@@ -9627,7 +9627,7 @@
           <a:p>
             <a:r>
               <a:rPr lang="en-US" dirty="0"/>
-              <a:t>CE</a:t>
+              <a:t>CCE</a:t>
             </a:r>
           </a:p>
         </p:txBody>
@@ -10249,7 +10249,7 @@
             <p:ph idx="1"/>
             <p:extLst>
               <p:ext uri="{D42A27DB-BD31-4B8C-83A1-F6EECF244321}">
-                <p14:modId xmlns:p14="http://schemas.microsoft.com/office/powerpoint/2010/main" val="1229626359"/>
+                <p14:modId xmlns:p14="http://schemas.microsoft.com/office/powerpoint/2010/main" val="1208869859"/>
               </p:ext>
             </p:extLst>
           </p:nvPr>
@@ -10678,10 +10678,10 @@
                         </a:spcAft>
                       </a:pPr>
                       <a:r>
-                        <a:rPr lang="en-US" sz="2000" kern="100" dirty="0">
+                        <a:rPr lang="en-US" sz="2000" kern="100">
                           <a:effectLst/>
                         </a:rPr>
-                        <a:t>CE</a:t>
+                        <a:t>CCE</a:t>
                       </a:r>
                       <a:endParaRPr lang="en-US" sz="2000" kern="100" dirty="0">
                         <a:effectLst/>
@@ -10844,8 +10844,8 @@
           </a:p>
         </p:txBody>
       </p:sp>
-      <mc:AlternateContent xmlns:mc="http://schemas.openxmlformats.org/markup-compatibility/2006">
-        <mc:Choice xmlns:a14="http://schemas.microsoft.com/office/drawing/2010/main" Requires="a14">
+      <mc:AlternateContent xmlns:mc="http://schemas.openxmlformats.org/markup-compatibility/2006" xmlns:a14="http://schemas.microsoft.com/office/drawing/2010/main">
+        <mc:Choice Requires="a14">
           <p:sp>
             <p:nvSpPr>
               <p:cNvPr id="3" name="Content Placeholder 2">
@@ -11800,7 +11800,7 @@
             </p:txBody>
           </p:sp>
         </mc:Choice>
-        <mc:Fallback>
+        <mc:Fallback xmlns="">
           <p:sp>
             <p:nvSpPr>
               <p:cNvPr id="3" name="Content Placeholder 2">
@@ -11898,8 +11898,8 @@
           </a:p>
         </p:txBody>
       </p:sp>
-      <mc:AlternateContent xmlns:mc="http://schemas.openxmlformats.org/markup-compatibility/2006">
-        <mc:Choice xmlns:a14="http://schemas.microsoft.com/office/drawing/2010/main" Requires="a14">
+      <mc:AlternateContent xmlns:mc="http://schemas.openxmlformats.org/markup-compatibility/2006" xmlns:a14="http://schemas.microsoft.com/office/drawing/2010/main">
+        <mc:Choice Requires="a14">
           <p:sp>
             <p:nvSpPr>
               <p:cNvPr id="3" name="Content Placeholder 2">
@@ -13298,7 +13298,7 @@
             </p:txBody>
           </p:sp>
         </mc:Choice>
-        <mc:Fallback>
+        <mc:Fallback xmlns="">
           <p:sp>
             <p:nvSpPr>
               <p:cNvPr id="3" name="Content Placeholder 2">
@@ -13401,8 +13401,8 @@
           </a:p>
         </p:txBody>
       </p:sp>
-      <mc:AlternateContent xmlns:mc="http://schemas.openxmlformats.org/markup-compatibility/2006">
-        <mc:Choice xmlns:a14="http://schemas.microsoft.com/office/drawing/2010/main" Requires="a14">
+      <mc:AlternateContent xmlns:mc="http://schemas.openxmlformats.org/markup-compatibility/2006" xmlns:a14="http://schemas.microsoft.com/office/drawing/2010/main">
+        <mc:Choice Requires="a14">
           <p:sp>
             <p:nvSpPr>
               <p:cNvPr id="3" name="Content Placeholder 2">
@@ -14788,7 +14788,7 @@
             </p:txBody>
           </p:sp>
         </mc:Choice>
-        <mc:Fallback>
+        <mc:Fallback xmlns="">
           <p:sp>
             <p:nvSpPr>
               <p:cNvPr id="3" name="Content Placeholder 2">
@@ -14886,8 +14886,8 @@
           </a:p>
         </p:txBody>
       </p:sp>
-      <mc:AlternateContent xmlns:mc="http://schemas.openxmlformats.org/markup-compatibility/2006">
-        <mc:Choice xmlns:a14="http://schemas.microsoft.com/office/drawing/2010/main" Requires="a14">
+      <mc:AlternateContent xmlns:mc="http://schemas.openxmlformats.org/markup-compatibility/2006" xmlns:a14="http://schemas.microsoft.com/office/drawing/2010/main">
+        <mc:Choice Requires="a14">
           <p:sp>
             <p:nvSpPr>
               <p:cNvPr id="3" name="Content Placeholder 2">
@@ -17539,7 +17539,7 @@
             </p:txBody>
           </p:sp>
         </mc:Choice>
-        <mc:Fallback>
+        <mc:Fallback xmlns="">
           <p:sp>
             <p:nvSpPr>
               <p:cNvPr id="3" name="Content Placeholder 2">
@@ -17637,8 +17637,8 @@
           </a:p>
         </p:txBody>
       </p:sp>
-      <mc:AlternateContent xmlns:mc="http://schemas.openxmlformats.org/markup-compatibility/2006">
-        <mc:Choice xmlns:a14="http://schemas.microsoft.com/office/drawing/2010/main" Requires="a14">
+      <mc:AlternateContent xmlns:mc="http://schemas.openxmlformats.org/markup-compatibility/2006" xmlns:a14="http://schemas.microsoft.com/office/drawing/2010/main">
+        <mc:Choice Requires="a14">
           <p:sp>
             <p:nvSpPr>
               <p:cNvPr id="3" name="Content Placeholder 2">
@@ -18201,7 +18201,7 @@
             </p:txBody>
           </p:sp>
         </mc:Choice>
-        <mc:Fallback>
+        <mc:Fallback xmlns="">
           <p:sp>
             <p:nvSpPr>
               <p:cNvPr id="3" name="Content Placeholder 2">
@@ -18417,7 +18417,7 @@
           <a:p>
             <a:r>
               <a:rPr lang="en-US" dirty="0"/>
-              <a:t>Cross Entropy (CE)</a:t>
+              <a:t>Categorical Cross Entropy (CCE)</a:t>
             </a:r>
           </a:p>
         </p:txBody>
@@ -19321,15 +19321,6 @@
 </file>
 
 <file path=customXml/item1.xml><?xml version="1.0" encoding="utf-8"?>
-<?mso-contentType ?>
-<FormTemplates xmlns="http://schemas.microsoft.com/sharepoint/v3/contenttype/forms">
-  <Display>DocumentLibraryForm</Display>
-  <Edit>DocumentLibraryForm</Edit>
-  <New>DocumentLibraryForm</New>
-</FormTemplates>
-</file>
-
-<file path=customXml/item2.xml><?xml version="1.0" encoding="utf-8"?>
 <ct:contentTypeSchema xmlns:ct="http://schemas.microsoft.com/office/2006/metadata/contentType" xmlns:ma="http://schemas.microsoft.com/office/2006/metadata/properties/metaAttributes" ct:_="" ma:_="" ma:contentTypeName="Document" ma:contentTypeID="0x01010079F111ED35F8CC479449609E8A0923A6" ma:contentTypeVersion="28" ma:contentTypeDescription="Create a new document." ma:contentTypeScope="" ma:versionID="60f5a4f2d2b0abadcf532d48ebf9cb71">
   <xsd:schema xmlns:xsd="http://www.w3.org/2001/XMLSchema" xmlns:xs="http://www.w3.org/2001/XMLSchema" xmlns:p="http://schemas.microsoft.com/office/2006/metadata/properties" xmlns:ns1="http://schemas.microsoft.com/sharepoint/v3" xmlns:ns2="71af3243-3dd4-4a8d-8c0d-dd76da1f02a5" xmlns:ns3="16c05727-aa75-4e4a-9b5f-8a80a1165891" xmlns:ns4="230e9df3-be65-4c73-a93b-d1236ebd677e" targetNamespace="http://schemas.microsoft.com/office/2006/metadata/properties" ma:root="true" ma:fieldsID="7dd78129e6a1811f84807ad11c651531" ns1:_="" ns2:_="" ns3:_="" ns4:_="">
     <xsd:import namespace="http://schemas.microsoft.com/sharepoint/v3"/>
@@ -19641,6 +19632,15 @@
 </ct:contentTypeSchema>
 </file>
 
+<file path=customXml/item2.xml><?xml version="1.0" encoding="utf-8"?>
+<?mso-contentType ?>
+<FormTemplates xmlns="http://schemas.microsoft.com/sharepoint/v3/contenttype/forms">
+  <Display>DocumentLibraryForm</Display>
+  <Edit>DocumentLibraryForm</Edit>
+  <New>DocumentLibraryForm</New>
+</FormTemplates>
+</file>
+
 <file path=customXml/item3.xml><?xml version="1.0" encoding="utf-8"?>
 <p:properties xmlns:p="http://schemas.microsoft.com/office/2006/metadata/properties" xmlns:xsi="http://www.w3.org/2001/XMLSchema-instance" xmlns:pc="http://schemas.microsoft.com/office/infopath/2007/PartnerControls">
   <documentManagement>
@@ -19662,14 +19662,6 @@
 </file>
 
 <file path=customXml/itemProps1.xml><?xml version="1.0" encoding="utf-8"?>
-<ds:datastoreItem xmlns:ds="http://schemas.openxmlformats.org/officeDocument/2006/customXml" ds:itemID="{45A8381C-73EB-48EA-B45F-7B7C8C7DF409}">
-  <ds:schemaRefs>
-    <ds:schemaRef ds:uri="http://schemas.microsoft.com/sharepoint/v3/contenttype/forms"/>
-  </ds:schemaRefs>
-</ds:datastoreItem>
-</file>
-
-<file path=customXml/itemProps2.xml><?xml version="1.0" encoding="utf-8"?>
 <ds:datastoreItem xmlns:ds="http://schemas.openxmlformats.org/officeDocument/2006/customXml" ds:itemID="{5AA6A711-2C3F-4EC0-B88B-62D740851176}">
   <ds:schemaRefs>
     <ds:schemaRef ds:uri="http://schemas.microsoft.com/office/2006/metadata/contentType"/>
@@ -19690,6 +19682,14 @@
 </ds:datastoreItem>
 </file>
 
+<file path=customXml/itemProps2.xml><?xml version="1.0" encoding="utf-8"?>
+<ds:datastoreItem xmlns:ds="http://schemas.openxmlformats.org/officeDocument/2006/customXml" ds:itemID="{45A8381C-73EB-48EA-B45F-7B7C8C7DF409}">
+  <ds:schemaRefs>
+    <ds:schemaRef ds:uri="http://schemas.microsoft.com/sharepoint/v3/contenttype/forms"/>
+  </ds:schemaRefs>
+</ds:datastoreItem>
+</file>
+
 <file path=customXml/itemProps3.xml><?xml version="1.0" encoding="utf-8"?>
 <ds:datastoreItem xmlns:ds="http://schemas.openxmlformats.org/officeDocument/2006/customXml" ds:itemID="{61E98C35-9ECE-4425-BCBA-00E118C705CE}">
   <ds:schemaRefs>

--- a/dnn/presentation/presentation_part2.pptx
+++ b/dnn/presentation/presentation_part2.pptx
@@ -10844,8 +10844,8 @@
           </a:p>
         </p:txBody>
       </p:sp>
-      <mc:AlternateContent xmlns:mc="http://schemas.openxmlformats.org/markup-compatibility/2006" xmlns:a14="http://schemas.microsoft.com/office/drawing/2010/main">
-        <mc:Choice Requires="a14">
+      <mc:AlternateContent xmlns:mc="http://schemas.openxmlformats.org/markup-compatibility/2006">
+        <mc:Choice xmlns:a14="http://schemas.microsoft.com/office/drawing/2010/main" Requires="a14">
           <p:sp>
             <p:nvSpPr>
               <p:cNvPr id="3" name="Content Placeholder 2">
@@ -11044,52 +11044,6 @@
                             <a:ea typeface="Times New Roman" panose="02020603050405020304" pitchFamily="18" charset="0"/>
                             <a:cs typeface="B Nazanin" panose="00000400000000000000" pitchFamily="2" charset="-78"/>
                           </a:rPr>
-                          <m:t>𝑊</m:t>
-                        </m:r>
-                      </m:e>
-                      <m:sup>
-                        <m:d>
-                          <m:dPr>
-                            <m:begChr m:val="["/>
-                            <m:endChr m:val="]"/>
-                            <m:ctrlPr>
-                              <a:rPr lang="en-US" i="1">
-                                <a:latin typeface="Cambria Math" panose="02040503050406030204" pitchFamily="18" charset="0"/>
-                                <a:ea typeface="Times New Roman" panose="02020603050405020304" pitchFamily="18" charset="0"/>
-                                <a:cs typeface="B Nazanin" panose="00000400000000000000" pitchFamily="2" charset="-78"/>
-                              </a:rPr>
-                            </m:ctrlPr>
-                          </m:dPr>
-                          <m:e>
-                            <m:r>
-                              <a:rPr lang="en-US" i="1">
-                                <a:latin typeface="Cambria Math" panose="02040503050406030204" pitchFamily="18" charset="0"/>
-                                <a:ea typeface="Times New Roman" panose="02020603050405020304" pitchFamily="18" charset="0"/>
-                                <a:cs typeface="B Nazanin" panose="00000400000000000000" pitchFamily="2" charset="-78"/>
-                              </a:rPr>
-                              <m:t>𝑙</m:t>
-                            </m:r>
-                          </m:e>
-                        </m:d>
-                      </m:sup>
-                    </m:sSup>
-                    <m:sSup>
-                      <m:sSupPr>
-                        <m:ctrlPr>
-                          <a:rPr lang="en-US" i="1">
-                            <a:latin typeface="Cambria Math" panose="02040503050406030204" pitchFamily="18" charset="0"/>
-                            <a:ea typeface="Times New Roman" panose="02020603050405020304" pitchFamily="18" charset="0"/>
-                            <a:cs typeface="B Nazanin" panose="00000400000000000000" pitchFamily="2" charset="-78"/>
-                          </a:rPr>
-                        </m:ctrlPr>
-                      </m:sSupPr>
-                      <m:e>
-                        <m:r>
-                          <a:rPr lang="en-US" i="1">
-                            <a:latin typeface="Cambria Math" panose="02040503050406030204" pitchFamily="18" charset="0"/>
-                            <a:ea typeface="Times New Roman" panose="02020603050405020304" pitchFamily="18" charset="0"/>
-                            <a:cs typeface="B Nazanin" panose="00000400000000000000" pitchFamily="2" charset="-78"/>
-                          </a:rPr>
                           <m:t>𝐴</m:t>
                         </m:r>
                       </m:e>
@@ -11130,6 +11084,52 @@
                                 <a:cs typeface="B Nazanin" panose="00000400000000000000" pitchFamily="2" charset="-78"/>
                               </a:rPr>
                               <m:t>1</m:t>
+                            </m:r>
+                          </m:e>
+                        </m:d>
+                      </m:sup>
+                    </m:sSup>
+                    <m:sSup>
+                      <m:sSupPr>
+                        <m:ctrlPr>
+                          <a:rPr lang="en-US" i="1">
+                            <a:latin typeface="Cambria Math" panose="02040503050406030204" pitchFamily="18" charset="0"/>
+                            <a:ea typeface="Times New Roman" panose="02020603050405020304" pitchFamily="18" charset="0"/>
+                            <a:cs typeface="B Nazanin" panose="00000400000000000000" pitchFamily="2" charset="-78"/>
+                          </a:rPr>
+                        </m:ctrlPr>
+                      </m:sSupPr>
+                      <m:e>
+                        <m:r>
+                          <a:rPr lang="en-US" i="1">
+                            <a:latin typeface="Cambria Math" panose="02040503050406030204" pitchFamily="18" charset="0"/>
+                            <a:ea typeface="Times New Roman" panose="02020603050405020304" pitchFamily="18" charset="0"/>
+                            <a:cs typeface="B Nazanin" panose="00000400000000000000" pitchFamily="2" charset="-78"/>
+                          </a:rPr>
+                          <m:t>𝑊</m:t>
+                        </m:r>
+                      </m:e>
+                      <m:sup>
+                        <m:d>
+                          <m:dPr>
+                            <m:begChr m:val="["/>
+                            <m:endChr m:val="]"/>
+                            <m:ctrlPr>
+                              <a:rPr lang="en-US" i="1">
+                                <a:latin typeface="Cambria Math" panose="02040503050406030204" pitchFamily="18" charset="0"/>
+                                <a:ea typeface="Times New Roman" panose="02020603050405020304" pitchFamily="18" charset="0"/>
+                                <a:cs typeface="B Nazanin" panose="00000400000000000000" pitchFamily="2" charset="-78"/>
+                              </a:rPr>
+                            </m:ctrlPr>
+                          </m:dPr>
+                          <m:e>
+                            <m:r>
+                              <a:rPr lang="en-US" i="1">
+                                <a:latin typeface="Cambria Math" panose="02040503050406030204" pitchFamily="18" charset="0"/>
+                                <a:ea typeface="Times New Roman" panose="02020603050405020304" pitchFamily="18" charset="0"/>
+                                <a:cs typeface="B Nazanin" panose="00000400000000000000" pitchFamily="2" charset="-78"/>
+                              </a:rPr>
+                              <m:t>𝑙</m:t>
                             </m:r>
                           </m:e>
                         </m:d>
@@ -11800,7 +11800,7 @@
             </p:txBody>
           </p:sp>
         </mc:Choice>
-        <mc:Fallback xmlns="">
+        <mc:Fallback>
           <p:sp>
             <p:nvSpPr>
               <p:cNvPr id="3" name="Content Placeholder 2">
@@ -13401,8 +13401,8 @@
           </a:p>
         </p:txBody>
       </p:sp>
-      <mc:AlternateContent xmlns:mc="http://schemas.openxmlformats.org/markup-compatibility/2006" xmlns:a14="http://schemas.microsoft.com/office/drawing/2010/main">
-        <mc:Choice Requires="a14">
+      <mc:AlternateContent xmlns:mc="http://schemas.openxmlformats.org/markup-compatibility/2006">
+        <mc:Choice xmlns:a14="http://schemas.microsoft.com/office/drawing/2010/main" Requires="a14">
           <p:sp>
             <p:nvSpPr>
               <p:cNvPr id="3" name="Content Placeholder 2">
@@ -13440,7 +13440,7 @@
                     <m:sSup>
                       <m:sSupPr>
                         <m:ctrlPr>
-                          <a:rPr lang="en-US" i="1">
+                          <a:rPr lang="en-US" i="1" smtClean="0">
                             <a:solidFill>
                               <a:prstClr val="black"/>
                             </a:solidFill>
@@ -13529,64 +13529,6 @@
                             <a:ea typeface="Times New Roman" panose="02020603050405020304" pitchFamily="18" charset="0"/>
                             <a:cs typeface="B Nazanin" panose="00000400000000000000" pitchFamily="2" charset="-78"/>
                           </a:rPr>
-                          <m:t>𝑊</m:t>
-                        </m:r>
-                      </m:e>
-                      <m:sup>
-                        <m:d>
-                          <m:dPr>
-                            <m:begChr m:val="["/>
-                            <m:endChr m:val="]"/>
-                            <m:ctrlPr>
-                              <a:rPr lang="en-US" i="1">
-                                <a:solidFill>
-                                  <a:prstClr val="black"/>
-                                </a:solidFill>
-                                <a:latin typeface="Cambria Math" panose="02040503050406030204" pitchFamily="18" charset="0"/>
-                                <a:ea typeface="Times New Roman" panose="02020603050405020304" pitchFamily="18" charset="0"/>
-                                <a:cs typeface="B Nazanin" panose="00000400000000000000" pitchFamily="2" charset="-78"/>
-                              </a:rPr>
-                            </m:ctrlPr>
-                          </m:dPr>
-                          <m:e>
-                            <m:r>
-                              <a:rPr lang="en-US" i="1">
-                                <a:solidFill>
-                                  <a:prstClr val="black"/>
-                                </a:solidFill>
-                                <a:latin typeface="Cambria Math" panose="02040503050406030204" pitchFamily="18" charset="0"/>
-                                <a:ea typeface="Times New Roman" panose="02020603050405020304" pitchFamily="18" charset="0"/>
-                                <a:cs typeface="B Nazanin" panose="00000400000000000000" pitchFamily="2" charset="-78"/>
-                              </a:rPr>
-                              <m:t>𝑙</m:t>
-                            </m:r>
-                          </m:e>
-                        </m:d>
-                      </m:sup>
-                    </m:sSup>
-                    <m:sSup>
-                      <m:sSupPr>
-                        <m:ctrlPr>
-                          <a:rPr lang="en-US" i="1">
-                            <a:solidFill>
-                              <a:prstClr val="black"/>
-                            </a:solidFill>
-                            <a:latin typeface="Cambria Math" panose="02040503050406030204" pitchFamily="18" charset="0"/>
-                            <a:ea typeface="Times New Roman" panose="02020603050405020304" pitchFamily="18" charset="0"/>
-                            <a:cs typeface="B Nazanin" panose="00000400000000000000" pitchFamily="2" charset="-78"/>
-                          </a:rPr>
-                        </m:ctrlPr>
-                      </m:sSupPr>
-                      <m:e>
-                        <m:r>
-                          <a:rPr lang="en-US" i="1">
-                            <a:solidFill>
-                              <a:prstClr val="black"/>
-                            </a:solidFill>
-                            <a:latin typeface="Cambria Math" panose="02040503050406030204" pitchFamily="18" charset="0"/>
-                            <a:ea typeface="Times New Roman" panose="02020603050405020304" pitchFamily="18" charset="0"/>
-                            <a:cs typeface="B Nazanin" panose="00000400000000000000" pitchFamily="2" charset="-78"/>
-                          </a:rPr>
                           <m:t>𝐴</m:t>
                         </m:r>
                       </m:e>
@@ -13639,6 +13581,64 @@
                                 <a:cs typeface="B Nazanin" panose="00000400000000000000" pitchFamily="2" charset="-78"/>
                               </a:rPr>
                               <m:t>1</m:t>
+                            </m:r>
+                          </m:e>
+                        </m:d>
+                      </m:sup>
+                    </m:sSup>
+                    <m:sSup>
+                      <m:sSupPr>
+                        <m:ctrlPr>
+                          <a:rPr lang="en-US" i="1">
+                            <a:solidFill>
+                              <a:prstClr val="black"/>
+                            </a:solidFill>
+                            <a:latin typeface="Cambria Math" panose="02040503050406030204" pitchFamily="18" charset="0"/>
+                            <a:ea typeface="Times New Roman" panose="02020603050405020304" pitchFamily="18" charset="0"/>
+                            <a:cs typeface="B Nazanin" panose="00000400000000000000" pitchFamily="2" charset="-78"/>
+                          </a:rPr>
+                        </m:ctrlPr>
+                      </m:sSupPr>
+                      <m:e>
+                        <m:r>
+                          <a:rPr lang="en-US" i="1">
+                            <a:solidFill>
+                              <a:prstClr val="black"/>
+                            </a:solidFill>
+                            <a:latin typeface="Cambria Math" panose="02040503050406030204" pitchFamily="18" charset="0"/>
+                            <a:ea typeface="Times New Roman" panose="02020603050405020304" pitchFamily="18" charset="0"/>
+                            <a:cs typeface="B Nazanin" panose="00000400000000000000" pitchFamily="2" charset="-78"/>
+                          </a:rPr>
+                          <m:t>𝑊</m:t>
+                        </m:r>
+                      </m:e>
+                      <m:sup>
+                        <m:d>
+                          <m:dPr>
+                            <m:begChr m:val="["/>
+                            <m:endChr m:val="]"/>
+                            <m:ctrlPr>
+                              <a:rPr lang="en-US" i="1">
+                                <a:solidFill>
+                                  <a:prstClr val="black"/>
+                                </a:solidFill>
+                                <a:latin typeface="Cambria Math" panose="02040503050406030204" pitchFamily="18" charset="0"/>
+                                <a:ea typeface="Times New Roman" panose="02020603050405020304" pitchFamily="18" charset="0"/>
+                                <a:cs typeface="B Nazanin" panose="00000400000000000000" pitchFamily="2" charset="-78"/>
+                              </a:rPr>
+                            </m:ctrlPr>
+                          </m:dPr>
+                          <m:e>
+                            <m:r>
+                              <a:rPr lang="en-US" i="1">
+                                <a:solidFill>
+                                  <a:prstClr val="black"/>
+                                </a:solidFill>
+                                <a:latin typeface="Cambria Math" panose="02040503050406030204" pitchFamily="18" charset="0"/>
+                                <a:ea typeface="Times New Roman" panose="02020603050405020304" pitchFamily="18" charset="0"/>
+                                <a:cs typeface="B Nazanin" panose="00000400000000000000" pitchFamily="2" charset="-78"/>
+                              </a:rPr>
+                              <m:t>𝑙</m:t>
                             </m:r>
                           </m:e>
                         </m:d>
@@ -14322,15 +14322,15 @@
                       </m:e>
                       <m:sub>
                         <m:r>
-                          <a:rPr lang="en-US" i="1">
+                          <a:rPr lang="en-US" b="0" i="1" smtClean="0">
                             <a:latin typeface="Cambria Math" panose="02040503050406030204" pitchFamily="18" charset="0"/>
                             <a:ea typeface="Times New Roman" panose="02020603050405020304" pitchFamily="18" charset="0"/>
                             <a:cs typeface="B Nazanin" panose="00000400000000000000" pitchFamily="2" charset="-78"/>
                           </a:rPr>
-                          <m:t>𝑚</m:t>
+                          <m:t>1</m:t>
                         </m:r>
                         <m:r>
-                          <a:rPr lang="en-US" i="1">
+                          <a:rPr lang="en-US" b="0" i="1" smtClean="0">
                             <a:latin typeface="Cambria Math" panose="02040503050406030204" pitchFamily="18" charset="0"/>
                             <a:ea typeface="Times New Roman" panose="02020603050405020304" pitchFamily="18" charset="0"/>
                             <a:cs typeface="B Nazanin" panose="00000400000000000000" pitchFamily="2" charset="-78"/>
@@ -14338,12 +14338,12 @@
                           <m:t>×</m:t>
                         </m:r>
                         <m:r>
-                          <a:rPr lang="en-US" i="1">
+                          <a:rPr lang="en-US" b="0" i="1" smtClean="0">
                             <a:latin typeface="Cambria Math" panose="02040503050406030204" pitchFamily="18" charset="0"/>
                             <a:ea typeface="Times New Roman" panose="02020603050405020304" pitchFamily="18" charset="0"/>
                             <a:cs typeface="B Nazanin" panose="00000400000000000000" pitchFamily="2" charset="-78"/>
                           </a:rPr>
-                          <m:t>1</m:t>
+                          <m:t>𝑛</m:t>
                         </m:r>
                       </m:sub>
                     </m:sSub>
@@ -14355,7 +14355,7 @@
                     <a:ea typeface="Calibri" panose="020F0502020204030204" pitchFamily="34" charset="0"/>
                     <a:cs typeface="B Nazanin" panose="00000400000000000000" pitchFamily="2" charset="-78"/>
                   </a:rPr>
-                  <a:t>		</a:t>
+                  <a:t>			</a:t>
                 </a:r>
                 <a14:m>
                   <m:oMath xmlns:m="http://schemas.openxmlformats.org/officeDocument/2006/math">
@@ -14788,7 +14788,7 @@
             </p:txBody>
           </p:sp>
         </mc:Choice>
-        <mc:Fallback xmlns="">
+        <mc:Fallback>
           <p:sp>
             <p:nvSpPr>
               <p:cNvPr id="3" name="Content Placeholder 2">
@@ -14886,8 +14886,8 @@
           </a:p>
         </p:txBody>
       </p:sp>
-      <mc:AlternateContent xmlns:mc="http://schemas.openxmlformats.org/markup-compatibility/2006" xmlns:a14="http://schemas.microsoft.com/office/drawing/2010/main">
-        <mc:Choice Requires="a14">
+      <mc:AlternateContent xmlns:mc="http://schemas.openxmlformats.org/markup-compatibility/2006">
+        <mc:Choice xmlns:a14="http://schemas.microsoft.com/office/drawing/2010/main" Requires="a14">
           <p:sp>
             <p:nvSpPr>
               <p:cNvPr id="3" name="Content Placeholder 2">
@@ -14925,7 +14925,7 @@
                     <m:f>
                       <m:fPr>
                         <m:ctrlPr>
-                          <a:rPr lang="en-US" sz="2400" i="1">
+                          <a:rPr lang="en-US" sz="2400" i="1" smtClean="0">
                             <a:latin typeface="Cambria Math" panose="02040503050406030204" pitchFamily="18" charset="0"/>
                             <a:ea typeface="Times New Roman" panose="02020603050405020304" pitchFamily="18" charset="0"/>
                             <a:cs typeface="B Nazanin" panose="00000400000000000000" pitchFamily="2" charset="-78"/>
@@ -15015,236 +15015,6 @@
                       </a:rPr>
                       <m:t>=</m:t>
                     </m:r>
-                    <m:d>
-                      <m:dPr>
-                        <m:ctrlPr>
-                          <a:rPr lang="en-US" sz="2400" i="1">
-                            <a:latin typeface="Cambria Math" panose="02040503050406030204" pitchFamily="18" charset="0"/>
-                            <a:ea typeface="Times New Roman" panose="02020603050405020304" pitchFamily="18" charset="0"/>
-                            <a:cs typeface="B Nazanin" panose="00000400000000000000" pitchFamily="2" charset="-78"/>
-                          </a:rPr>
-                        </m:ctrlPr>
-                      </m:dPr>
-                      <m:e>
-                        <m:f>
-                          <m:fPr>
-                            <m:ctrlPr>
-                              <a:rPr lang="en-US" sz="2400" i="1">
-                                <a:latin typeface="Cambria Math" panose="02040503050406030204" pitchFamily="18" charset="0"/>
-                                <a:ea typeface="Times New Roman" panose="02020603050405020304" pitchFamily="18" charset="0"/>
-                                <a:cs typeface="B Nazanin" panose="00000400000000000000" pitchFamily="2" charset="-78"/>
-                              </a:rPr>
-                            </m:ctrlPr>
-                          </m:fPr>
-                          <m:num>
-                            <m:r>
-                              <a:rPr lang="en-US" sz="2400" i="1">
-                                <a:latin typeface="Cambria Math" panose="02040503050406030204" pitchFamily="18" charset="0"/>
-                                <a:ea typeface="Times New Roman" panose="02020603050405020304" pitchFamily="18" charset="0"/>
-                                <a:cs typeface="B Nazanin" panose="00000400000000000000" pitchFamily="2" charset="-78"/>
-                              </a:rPr>
-                              <m:t>𝜕</m:t>
-                            </m:r>
-                            <m:r>
-                              <a:rPr lang="en-US" sz="2400" i="1">
-                                <a:latin typeface="Cambria Math" panose="02040503050406030204" pitchFamily="18" charset="0"/>
-                                <a:ea typeface="Times New Roman" panose="02020603050405020304" pitchFamily="18" charset="0"/>
-                                <a:cs typeface="B Nazanin" panose="00000400000000000000" pitchFamily="2" charset="-78"/>
-                              </a:rPr>
-                              <m:t>𝐶</m:t>
-                            </m:r>
-                          </m:num>
-                          <m:den>
-                            <m:r>
-                              <a:rPr lang="en-US" sz="2400" i="1">
-                                <a:latin typeface="Cambria Math" panose="02040503050406030204" pitchFamily="18" charset="0"/>
-                                <a:ea typeface="Times New Roman" panose="02020603050405020304" pitchFamily="18" charset="0"/>
-                                <a:cs typeface="B Nazanin" panose="00000400000000000000" pitchFamily="2" charset="-78"/>
-                              </a:rPr>
-                              <m:t>𝜕</m:t>
-                            </m:r>
-                            <m:sSup>
-                              <m:sSupPr>
-                                <m:ctrlPr>
-                                  <a:rPr lang="en-US" sz="2400" i="1">
-                                    <a:latin typeface="Cambria Math" panose="02040503050406030204" pitchFamily="18" charset="0"/>
-                                    <a:ea typeface="Times New Roman" panose="02020603050405020304" pitchFamily="18" charset="0"/>
-                                    <a:cs typeface="B Nazanin" panose="00000400000000000000" pitchFamily="2" charset="-78"/>
-                                  </a:rPr>
-                                </m:ctrlPr>
-                              </m:sSupPr>
-                              <m:e>
-                                <m:r>
-                                  <a:rPr lang="en-US" sz="2400" i="1">
-                                    <a:latin typeface="Cambria Math" panose="02040503050406030204" pitchFamily="18" charset="0"/>
-                                    <a:ea typeface="Times New Roman" panose="02020603050405020304" pitchFamily="18" charset="0"/>
-                                    <a:cs typeface="B Nazanin" panose="00000400000000000000" pitchFamily="2" charset="-78"/>
-                                  </a:rPr>
-                                  <m:t>𝐴</m:t>
-                                </m:r>
-                              </m:e>
-                              <m:sup>
-                                <m:r>
-                                  <a:rPr lang="en-US" sz="2400" i="1">
-                                    <a:latin typeface="Cambria Math" panose="02040503050406030204" pitchFamily="18" charset="0"/>
-                                    <a:ea typeface="Times New Roman" panose="02020603050405020304" pitchFamily="18" charset="0"/>
-                                    <a:cs typeface="B Nazanin" panose="00000400000000000000" pitchFamily="2" charset="-78"/>
-                                  </a:rPr>
-                                  <m:t>[</m:t>
-                                </m:r>
-                                <m:r>
-                                  <a:rPr lang="en-US" sz="2400" i="1">
-                                    <a:latin typeface="Cambria Math" panose="02040503050406030204" pitchFamily="18" charset="0"/>
-                                    <a:ea typeface="Times New Roman" panose="02020603050405020304" pitchFamily="18" charset="0"/>
-                                    <a:cs typeface="B Nazanin" panose="00000400000000000000" pitchFamily="2" charset="-78"/>
-                                  </a:rPr>
-                                  <m:t>𝑙</m:t>
-                                </m:r>
-                                <m:r>
-                                  <a:rPr lang="en-US" sz="2400" i="1">
-                                    <a:latin typeface="Cambria Math" panose="02040503050406030204" pitchFamily="18" charset="0"/>
-                                    <a:ea typeface="Times New Roman" panose="02020603050405020304" pitchFamily="18" charset="0"/>
-                                    <a:cs typeface="B Nazanin" panose="00000400000000000000" pitchFamily="2" charset="-78"/>
-                                  </a:rPr>
-                                  <m:t>]</m:t>
-                                </m:r>
-                              </m:sup>
-                            </m:sSup>
-                          </m:den>
-                        </m:f>
-                        <m:r>
-                          <a:rPr lang="en-US" sz="2400" i="1">
-                            <a:latin typeface="Cambria Math" panose="02040503050406030204" pitchFamily="18" charset="0"/>
-                            <a:ea typeface="Times New Roman" panose="02020603050405020304" pitchFamily="18" charset="0"/>
-                            <a:cs typeface="B Nazanin" panose="00000400000000000000" pitchFamily="2" charset="-78"/>
-                          </a:rPr>
-                          <m:t>:</m:t>
-                        </m:r>
-                        <m:f>
-                          <m:fPr>
-                            <m:ctrlPr>
-                              <a:rPr lang="en-US" sz="2400" i="1">
-                                <a:latin typeface="Cambria Math" panose="02040503050406030204" pitchFamily="18" charset="0"/>
-                                <a:ea typeface="Times New Roman" panose="02020603050405020304" pitchFamily="18" charset="0"/>
-                                <a:cs typeface="B Nazanin" panose="00000400000000000000" pitchFamily="2" charset="-78"/>
-                              </a:rPr>
-                            </m:ctrlPr>
-                          </m:fPr>
-                          <m:num>
-                            <m:r>
-                              <a:rPr lang="en-US" sz="2400" i="1">
-                                <a:latin typeface="Cambria Math" panose="02040503050406030204" pitchFamily="18" charset="0"/>
-                                <a:ea typeface="Times New Roman" panose="02020603050405020304" pitchFamily="18" charset="0"/>
-                                <a:cs typeface="B Nazanin" panose="00000400000000000000" pitchFamily="2" charset="-78"/>
-                              </a:rPr>
-                              <m:t>𝜕</m:t>
-                            </m:r>
-                            <m:sSup>
-                              <m:sSupPr>
-                                <m:ctrlPr>
-                                  <a:rPr lang="en-US" sz="2400" i="1">
-                                    <a:latin typeface="Cambria Math" panose="02040503050406030204" pitchFamily="18" charset="0"/>
-                                    <a:ea typeface="Times New Roman" panose="02020603050405020304" pitchFamily="18" charset="0"/>
-                                    <a:cs typeface="B Nazanin" panose="00000400000000000000" pitchFamily="2" charset="-78"/>
-                                  </a:rPr>
-                                </m:ctrlPr>
-                              </m:sSupPr>
-                              <m:e>
-                                <m:r>
-                                  <a:rPr lang="en-US" sz="2400" i="1">
-                                    <a:latin typeface="Cambria Math" panose="02040503050406030204" pitchFamily="18" charset="0"/>
-                                    <a:ea typeface="Times New Roman" panose="02020603050405020304" pitchFamily="18" charset="0"/>
-                                    <a:cs typeface="B Nazanin" panose="00000400000000000000" pitchFamily="2" charset="-78"/>
-                                  </a:rPr>
-                                  <m:t>𝐴</m:t>
-                                </m:r>
-                              </m:e>
-                              <m:sup>
-                                <m:d>
-                                  <m:dPr>
-                                    <m:begChr m:val="["/>
-                                    <m:endChr m:val="]"/>
-                                    <m:ctrlPr>
-                                      <a:rPr lang="en-US" sz="2400" i="1">
-                                        <a:latin typeface="Cambria Math" panose="02040503050406030204" pitchFamily="18" charset="0"/>
-                                        <a:ea typeface="Times New Roman" panose="02020603050405020304" pitchFamily="18" charset="0"/>
-                                        <a:cs typeface="B Nazanin" panose="00000400000000000000" pitchFamily="2" charset="-78"/>
-                                      </a:rPr>
-                                    </m:ctrlPr>
-                                  </m:dPr>
-                                  <m:e>
-                                    <m:r>
-                                      <a:rPr lang="en-US" sz="2400" i="1">
-                                        <a:latin typeface="Cambria Math" panose="02040503050406030204" pitchFamily="18" charset="0"/>
-                                        <a:ea typeface="Times New Roman" panose="02020603050405020304" pitchFamily="18" charset="0"/>
-                                        <a:cs typeface="B Nazanin" panose="00000400000000000000" pitchFamily="2" charset="-78"/>
-                                      </a:rPr>
-                                      <m:t>𝑙</m:t>
-                                    </m:r>
-                                  </m:e>
-                                </m:d>
-                              </m:sup>
-                            </m:sSup>
-                          </m:num>
-                          <m:den>
-                            <m:r>
-                              <a:rPr lang="en-US" sz="2400" i="1">
-                                <a:latin typeface="Cambria Math" panose="02040503050406030204" pitchFamily="18" charset="0"/>
-                                <a:ea typeface="Times New Roman" panose="02020603050405020304" pitchFamily="18" charset="0"/>
-                                <a:cs typeface="B Nazanin" panose="00000400000000000000" pitchFamily="2" charset="-78"/>
-                              </a:rPr>
-                              <m:t>𝜕</m:t>
-                            </m:r>
-                            <m:sSup>
-                              <m:sSupPr>
-                                <m:ctrlPr>
-                                  <a:rPr lang="en-US" sz="2400" i="1">
-                                    <a:latin typeface="Cambria Math" panose="02040503050406030204" pitchFamily="18" charset="0"/>
-                                    <a:ea typeface="Times New Roman" panose="02020603050405020304" pitchFamily="18" charset="0"/>
-                                    <a:cs typeface="B Nazanin" panose="00000400000000000000" pitchFamily="2" charset="-78"/>
-                                  </a:rPr>
-                                </m:ctrlPr>
-                              </m:sSupPr>
-                              <m:e>
-                                <m:r>
-                                  <a:rPr lang="en-US" sz="2400" i="1">
-                                    <a:latin typeface="Cambria Math" panose="02040503050406030204" pitchFamily="18" charset="0"/>
-                                    <a:ea typeface="Times New Roman" panose="02020603050405020304" pitchFamily="18" charset="0"/>
-                                    <a:cs typeface="B Nazanin" panose="00000400000000000000" pitchFamily="2" charset="-78"/>
-                                  </a:rPr>
-                                  <m:t>𝑍</m:t>
-                                </m:r>
-                              </m:e>
-                              <m:sup>
-                                <m:d>
-                                  <m:dPr>
-                                    <m:begChr m:val="["/>
-                                    <m:endChr m:val="]"/>
-                                    <m:ctrlPr>
-                                      <a:rPr lang="en-US" sz="2400" i="1">
-                                        <a:latin typeface="Cambria Math" panose="02040503050406030204" pitchFamily="18" charset="0"/>
-                                        <a:ea typeface="Times New Roman" panose="02020603050405020304" pitchFamily="18" charset="0"/>
-                                        <a:cs typeface="B Nazanin" panose="00000400000000000000" pitchFamily="2" charset="-78"/>
-                                      </a:rPr>
-                                    </m:ctrlPr>
-                                  </m:dPr>
-                                  <m:e>
-                                    <m:r>
-                                      <a:rPr lang="en-US" sz="2400" i="1">
-                                        <a:latin typeface="Cambria Math" panose="02040503050406030204" pitchFamily="18" charset="0"/>
-                                        <a:ea typeface="Times New Roman" panose="02020603050405020304" pitchFamily="18" charset="0"/>
-                                        <a:cs typeface="B Nazanin" panose="00000400000000000000" pitchFamily="2" charset="-78"/>
-                                      </a:rPr>
-                                      <m:t>𝑙</m:t>
-                                    </m:r>
-                                  </m:e>
-                                </m:d>
-                              </m:sup>
-                            </m:sSup>
-                          </m:den>
-                        </m:f>
-                      </m:e>
-                    </m:d>
                     <m:f>
                       <m:fPr>
                         <m:ctrlPr>
@@ -15361,1540 +15131,6 @@
                                     <a:cs typeface="B Nazanin" panose="00000400000000000000" pitchFamily="2" charset="-78"/>
                                   </a:rPr>
                                   <m:t>𝑙</m:t>
-                                </m:r>
-                              </m:e>
-                            </m:d>
-                          </m:sup>
-                        </m:sSup>
-                      </m:den>
-                    </m:f>
-                    <m:r>
-                      <a:rPr lang="en-US" sz="2400" i="1">
-                        <a:latin typeface="Cambria Math" panose="02040503050406030204" pitchFamily="18" charset="0"/>
-                        <a:ea typeface="Times New Roman" panose="02020603050405020304" pitchFamily="18" charset="0"/>
-                        <a:cs typeface="B Nazanin" panose="00000400000000000000" pitchFamily="2" charset="-78"/>
-                      </a:rPr>
-                      <m:t>=</m:t>
-                    </m:r>
-                    <m:d>
-                      <m:dPr>
-                        <m:ctrlPr>
-                          <a:rPr lang="en-US" sz="2400" i="1">
-                            <a:latin typeface="Cambria Math" panose="02040503050406030204" pitchFamily="18" charset="0"/>
-                            <a:ea typeface="Times New Roman" panose="02020603050405020304" pitchFamily="18" charset="0"/>
-                            <a:cs typeface="B Nazanin" panose="00000400000000000000" pitchFamily="2" charset="-78"/>
-                          </a:rPr>
-                        </m:ctrlPr>
-                      </m:dPr>
-                      <m:e>
-                        <m:f>
-                          <m:fPr>
-                            <m:ctrlPr>
-                              <a:rPr lang="en-US" sz="2400" i="1">
-                                <a:latin typeface="Cambria Math" panose="02040503050406030204" pitchFamily="18" charset="0"/>
-                                <a:ea typeface="Times New Roman" panose="02020603050405020304" pitchFamily="18" charset="0"/>
-                                <a:cs typeface="B Nazanin" panose="00000400000000000000" pitchFamily="2" charset="-78"/>
-                              </a:rPr>
-                            </m:ctrlPr>
-                          </m:fPr>
-                          <m:num>
-                            <m:r>
-                              <a:rPr lang="en-US" sz="2400" i="1">
-                                <a:latin typeface="Cambria Math" panose="02040503050406030204" pitchFamily="18" charset="0"/>
-                                <a:ea typeface="Times New Roman" panose="02020603050405020304" pitchFamily="18" charset="0"/>
-                                <a:cs typeface="B Nazanin" panose="00000400000000000000" pitchFamily="2" charset="-78"/>
-                              </a:rPr>
-                              <m:t>𝜕</m:t>
-                            </m:r>
-                            <m:r>
-                              <a:rPr lang="en-US" sz="2400" i="1">
-                                <a:latin typeface="Cambria Math" panose="02040503050406030204" pitchFamily="18" charset="0"/>
-                                <a:ea typeface="Times New Roman" panose="02020603050405020304" pitchFamily="18" charset="0"/>
-                                <a:cs typeface="B Nazanin" panose="00000400000000000000" pitchFamily="2" charset="-78"/>
-                              </a:rPr>
-                              <m:t>𝐶</m:t>
-                            </m:r>
-                          </m:num>
-                          <m:den>
-                            <m:r>
-                              <a:rPr lang="en-US" sz="2400" i="1">
-                                <a:latin typeface="Cambria Math" panose="02040503050406030204" pitchFamily="18" charset="0"/>
-                                <a:ea typeface="Times New Roman" panose="02020603050405020304" pitchFamily="18" charset="0"/>
-                                <a:cs typeface="B Nazanin" panose="00000400000000000000" pitchFamily="2" charset="-78"/>
-                              </a:rPr>
-                              <m:t>𝜕</m:t>
-                            </m:r>
-                            <m:sSup>
-                              <m:sSupPr>
-                                <m:ctrlPr>
-                                  <a:rPr lang="en-US" sz="2400" i="1">
-                                    <a:latin typeface="Cambria Math" panose="02040503050406030204" pitchFamily="18" charset="0"/>
-                                    <a:ea typeface="Times New Roman" panose="02020603050405020304" pitchFamily="18" charset="0"/>
-                                    <a:cs typeface="B Nazanin" panose="00000400000000000000" pitchFamily="2" charset="-78"/>
-                                  </a:rPr>
-                                </m:ctrlPr>
-                              </m:sSupPr>
-                              <m:e>
-                                <m:r>
-                                  <a:rPr lang="en-US" sz="2400" i="1">
-                                    <a:latin typeface="Cambria Math" panose="02040503050406030204" pitchFamily="18" charset="0"/>
-                                    <a:ea typeface="Times New Roman" panose="02020603050405020304" pitchFamily="18" charset="0"/>
-                                    <a:cs typeface="B Nazanin" panose="00000400000000000000" pitchFamily="2" charset="-78"/>
-                                  </a:rPr>
-                                  <m:t>𝐴</m:t>
-                                </m:r>
-                              </m:e>
-                              <m:sup>
-                                <m:d>
-                                  <m:dPr>
-                                    <m:begChr m:val="["/>
-                                    <m:endChr m:val="]"/>
-                                    <m:ctrlPr>
-                                      <a:rPr lang="en-US" sz="2400" i="1">
-                                        <a:latin typeface="Cambria Math" panose="02040503050406030204" pitchFamily="18" charset="0"/>
-                                        <a:ea typeface="Times New Roman" panose="02020603050405020304" pitchFamily="18" charset="0"/>
-                                        <a:cs typeface="B Nazanin" panose="00000400000000000000" pitchFamily="2" charset="-78"/>
-                                      </a:rPr>
-                                    </m:ctrlPr>
-                                  </m:dPr>
-                                  <m:e>
-                                    <m:r>
-                                      <a:rPr lang="en-US" sz="2400" i="1">
-                                        <a:latin typeface="Cambria Math" panose="02040503050406030204" pitchFamily="18" charset="0"/>
-                                        <a:ea typeface="Times New Roman" panose="02020603050405020304" pitchFamily="18" charset="0"/>
-                                        <a:cs typeface="B Nazanin" panose="00000400000000000000" pitchFamily="2" charset="-78"/>
-                                      </a:rPr>
-                                      <m:t>𝑙</m:t>
-                                    </m:r>
-                                  </m:e>
-                                </m:d>
-                              </m:sup>
-                            </m:sSup>
-                          </m:den>
-                        </m:f>
-                        <m:r>
-                          <a:rPr lang="en-US" sz="2400" i="1">
-                            <a:latin typeface="Cambria Math" panose="02040503050406030204" pitchFamily="18" charset="0"/>
-                            <a:ea typeface="Times New Roman" panose="02020603050405020304" pitchFamily="18" charset="0"/>
-                            <a:cs typeface="B Nazanin" panose="00000400000000000000" pitchFamily="2" charset="-78"/>
-                          </a:rPr>
-                          <m:t>:</m:t>
-                        </m:r>
-                        <m:sSup>
-                          <m:sSupPr>
-                            <m:ctrlPr>
-                              <a:rPr lang="en-US" sz="2400" i="1">
-                                <a:latin typeface="Cambria Math" panose="02040503050406030204" pitchFamily="18" charset="0"/>
-                                <a:ea typeface="Times New Roman" panose="02020603050405020304" pitchFamily="18" charset="0"/>
-                                <a:cs typeface="B Nazanin" panose="00000400000000000000" pitchFamily="2" charset="-78"/>
-                              </a:rPr>
-                            </m:ctrlPr>
-                          </m:sSupPr>
-                          <m:e>
-                            <m:sSup>
-                              <m:sSupPr>
-                                <m:ctrlPr>
-                                  <a:rPr lang="en-US" sz="2400" i="1">
-                                    <a:latin typeface="Cambria Math" panose="02040503050406030204" pitchFamily="18" charset="0"/>
-                                    <a:ea typeface="Times New Roman" panose="02020603050405020304" pitchFamily="18" charset="0"/>
-                                    <a:cs typeface="B Nazanin" panose="00000400000000000000" pitchFamily="2" charset="-78"/>
-                                  </a:rPr>
-                                </m:ctrlPr>
-                              </m:sSupPr>
-                              <m:e>
-                                <m:r>
-                                  <a:rPr lang="en-US" sz="2400" i="1">
-                                    <a:latin typeface="Cambria Math" panose="02040503050406030204" pitchFamily="18" charset="0"/>
-                                    <a:ea typeface="Times New Roman" panose="02020603050405020304" pitchFamily="18" charset="0"/>
-                                    <a:cs typeface="B Nazanin" panose="00000400000000000000" pitchFamily="2" charset="-78"/>
-                                  </a:rPr>
-                                  <m:t>𝜎</m:t>
-                                </m:r>
-                              </m:e>
-                              <m:sup>
-                                <m:r>
-                                  <a:rPr lang="en-US" sz="2400" i="1">
-                                    <a:latin typeface="Cambria Math" panose="02040503050406030204" pitchFamily="18" charset="0"/>
-                                    <a:ea typeface="Times New Roman" panose="02020603050405020304" pitchFamily="18" charset="0"/>
-                                    <a:cs typeface="B Nazanin" panose="00000400000000000000" pitchFamily="2" charset="-78"/>
-                                  </a:rPr>
-                                  <m:t>′</m:t>
-                                </m:r>
-                              </m:sup>
-                            </m:sSup>
-                          </m:e>
-                          <m:sup>
-                            <m:d>
-                              <m:dPr>
-                                <m:begChr m:val="["/>
-                                <m:endChr m:val="]"/>
-                                <m:ctrlPr>
-                                  <a:rPr lang="en-US" sz="2400" i="1">
-                                    <a:latin typeface="Cambria Math" panose="02040503050406030204" pitchFamily="18" charset="0"/>
-                                    <a:ea typeface="Times New Roman" panose="02020603050405020304" pitchFamily="18" charset="0"/>
-                                    <a:cs typeface="B Nazanin" panose="00000400000000000000" pitchFamily="2" charset="-78"/>
-                                  </a:rPr>
-                                </m:ctrlPr>
-                              </m:dPr>
-                              <m:e>
-                                <m:r>
-                                  <a:rPr lang="en-US" sz="2400" i="1">
-                                    <a:latin typeface="Cambria Math" panose="02040503050406030204" pitchFamily="18" charset="0"/>
-                                    <a:ea typeface="Times New Roman" panose="02020603050405020304" pitchFamily="18" charset="0"/>
-                                    <a:cs typeface="B Nazanin" panose="00000400000000000000" pitchFamily="2" charset="-78"/>
-                                  </a:rPr>
-                                  <m:t>𝑙</m:t>
-                                </m:r>
-                              </m:e>
-                            </m:d>
-                          </m:sup>
-                        </m:sSup>
-                        <m:d>
-                          <m:dPr>
-                            <m:ctrlPr>
-                              <a:rPr lang="en-US" sz="2400" i="1">
-                                <a:latin typeface="Cambria Math" panose="02040503050406030204" pitchFamily="18" charset="0"/>
-                                <a:ea typeface="Times New Roman" panose="02020603050405020304" pitchFamily="18" charset="0"/>
-                                <a:cs typeface="B Nazanin" panose="00000400000000000000" pitchFamily="2" charset="-78"/>
-                              </a:rPr>
-                            </m:ctrlPr>
-                          </m:dPr>
-                          <m:e>
-                            <m:sSup>
-                              <m:sSupPr>
-                                <m:ctrlPr>
-                                  <a:rPr lang="en-US" sz="2400" i="1">
-                                    <a:latin typeface="Cambria Math" panose="02040503050406030204" pitchFamily="18" charset="0"/>
-                                    <a:ea typeface="Times New Roman" panose="02020603050405020304" pitchFamily="18" charset="0"/>
-                                    <a:cs typeface="B Nazanin" panose="00000400000000000000" pitchFamily="2" charset="-78"/>
-                                  </a:rPr>
-                                </m:ctrlPr>
-                              </m:sSupPr>
-                              <m:e>
-                                <m:r>
-                                  <a:rPr lang="en-US" sz="2400" i="1">
-                                    <a:latin typeface="Cambria Math" panose="02040503050406030204" pitchFamily="18" charset="0"/>
-                                    <a:ea typeface="Times New Roman" panose="02020603050405020304" pitchFamily="18" charset="0"/>
-                                    <a:cs typeface="B Nazanin" panose="00000400000000000000" pitchFamily="2" charset="-78"/>
-                                  </a:rPr>
-                                  <m:t>𝑍</m:t>
-                                </m:r>
-                              </m:e>
-                              <m:sup>
-                                <m:d>
-                                  <m:dPr>
-                                    <m:begChr m:val="["/>
-                                    <m:endChr m:val="]"/>
-                                    <m:ctrlPr>
-                                      <a:rPr lang="en-US" sz="2400" i="1">
-                                        <a:latin typeface="Cambria Math" panose="02040503050406030204" pitchFamily="18" charset="0"/>
-                                        <a:ea typeface="Times New Roman" panose="02020603050405020304" pitchFamily="18" charset="0"/>
-                                        <a:cs typeface="B Nazanin" panose="00000400000000000000" pitchFamily="2" charset="-78"/>
-                                      </a:rPr>
-                                    </m:ctrlPr>
-                                  </m:dPr>
-                                  <m:e>
-                                    <m:r>
-                                      <a:rPr lang="en-US" sz="2400" i="1">
-                                        <a:latin typeface="Cambria Math" panose="02040503050406030204" pitchFamily="18" charset="0"/>
-                                        <a:ea typeface="Times New Roman" panose="02020603050405020304" pitchFamily="18" charset="0"/>
-                                        <a:cs typeface="B Nazanin" panose="00000400000000000000" pitchFamily="2" charset="-78"/>
-                                      </a:rPr>
-                                      <m:t>𝑙</m:t>
-                                    </m:r>
-                                  </m:e>
-                                </m:d>
-                              </m:sup>
-                            </m:sSup>
-                          </m:e>
-                        </m:d>
-                      </m:e>
-                    </m:d>
-                    <m:sSup>
-                      <m:sSupPr>
-                        <m:ctrlPr>
-                          <a:rPr lang="en-US" sz="2400" i="1">
-                            <a:latin typeface="Cambria Math" panose="02040503050406030204" pitchFamily="18" charset="0"/>
-                            <a:ea typeface="Times New Roman" panose="02020603050405020304" pitchFamily="18" charset="0"/>
-                            <a:cs typeface="B Nazanin" panose="00000400000000000000" pitchFamily="2" charset="-78"/>
-                          </a:rPr>
-                        </m:ctrlPr>
-                      </m:sSupPr>
-                      <m:e>
-                        <m:r>
-                          <a:rPr lang="en-US" sz="2400" i="1">
-                            <a:latin typeface="Cambria Math" panose="02040503050406030204" pitchFamily="18" charset="0"/>
-                            <a:ea typeface="Times New Roman" panose="02020603050405020304" pitchFamily="18" charset="0"/>
-                            <a:cs typeface="B Nazanin" panose="00000400000000000000" pitchFamily="2" charset="-78"/>
-                          </a:rPr>
-                          <m:t>𝐴</m:t>
-                        </m:r>
-                      </m:e>
-                      <m:sup>
-                        <m:d>
-                          <m:dPr>
-                            <m:begChr m:val="["/>
-                            <m:endChr m:val="]"/>
-                            <m:ctrlPr>
-                              <a:rPr lang="en-US" sz="2400" i="1">
-                                <a:latin typeface="Cambria Math" panose="02040503050406030204" pitchFamily="18" charset="0"/>
-                                <a:ea typeface="Times New Roman" panose="02020603050405020304" pitchFamily="18" charset="0"/>
-                                <a:cs typeface="B Nazanin" panose="00000400000000000000" pitchFamily="2" charset="-78"/>
-                              </a:rPr>
-                            </m:ctrlPr>
-                          </m:dPr>
-                          <m:e>
-                            <m:r>
-                              <a:rPr lang="en-US" sz="2400" i="1">
-                                <a:latin typeface="Cambria Math" panose="02040503050406030204" pitchFamily="18" charset="0"/>
-                                <a:ea typeface="Times New Roman" panose="02020603050405020304" pitchFamily="18" charset="0"/>
-                                <a:cs typeface="B Nazanin" panose="00000400000000000000" pitchFamily="2" charset="-78"/>
-                              </a:rPr>
-                              <m:t>𝑙</m:t>
-                            </m:r>
-                            <m:r>
-                              <a:rPr lang="en-US" sz="2400" i="1">
-                                <a:latin typeface="Cambria Math" panose="02040503050406030204" pitchFamily="18" charset="0"/>
-                                <a:ea typeface="Times New Roman" panose="02020603050405020304" pitchFamily="18" charset="0"/>
-                                <a:cs typeface="B Nazanin" panose="00000400000000000000" pitchFamily="2" charset="-78"/>
-                              </a:rPr>
-                              <m:t>−</m:t>
-                            </m:r>
-                            <m:r>
-                              <a:rPr lang="en-US" sz="2400" i="1">
-                                <a:latin typeface="Cambria Math" panose="02040503050406030204" pitchFamily="18" charset="0"/>
-                                <a:ea typeface="Times New Roman" panose="02020603050405020304" pitchFamily="18" charset="0"/>
-                                <a:cs typeface="B Nazanin" panose="00000400000000000000" pitchFamily="2" charset="-78"/>
-                              </a:rPr>
-                              <m:t>1</m:t>
-                            </m:r>
-                          </m:e>
-                        </m:d>
-                        <m:r>
-                          <a:rPr lang="en-US" sz="2400" i="1">
-                            <a:latin typeface="Cambria Math" panose="02040503050406030204" pitchFamily="18" charset="0"/>
-                            <a:ea typeface="Times New Roman" panose="02020603050405020304" pitchFamily="18" charset="0"/>
-                            <a:cs typeface="B Nazanin" panose="00000400000000000000" pitchFamily="2" charset="-78"/>
-                          </a:rPr>
-                          <m:t>,</m:t>
-                        </m:r>
-                        <m:r>
-                          <a:rPr lang="en-US" sz="2400" i="1">
-                            <a:latin typeface="Cambria Math" panose="02040503050406030204" pitchFamily="18" charset="0"/>
-                            <a:ea typeface="Times New Roman" panose="02020603050405020304" pitchFamily="18" charset="0"/>
-                            <a:cs typeface="B Nazanin" panose="00000400000000000000" pitchFamily="2" charset="-78"/>
-                          </a:rPr>
-                          <m:t>𝑇</m:t>
-                        </m:r>
-                      </m:sup>
-                    </m:sSup>
-                  </m:oMath>
-                </a14:m>
-                <a:r>
-                  <a:rPr lang="en-US" sz="2400" dirty="0">
-                    <a:latin typeface="Times New Roman" panose="02020603050405020304" pitchFamily="18" charset="0"/>
-                    <a:ea typeface="Calibri" panose="020F0502020204030204" pitchFamily="34" charset="0"/>
-                    <a:cs typeface="B Nazanin" panose="00000400000000000000" pitchFamily="2" charset="-78"/>
-                  </a:rPr>
-                  <a:t>	</a:t>
-                </a:r>
-                <a14:m>
-                  <m:oMath xmlns:m="http://schemas.openxmlformats.org/officeDocument/2006/math">
-                    <m:r>
-                      <a:rPr lang="en-US" sz="2400" i="1">
-                        <a:latin typeface="Cambria Math" panose="02040503050406030204" pitchFamily="18" charset="0"/>
-                        <a:ea typeface="Times New Roman" panose="02020603050405020304" pitchFamily="18" charset="0"/>
-                        <a:cs typeface="B Nazanin" panose="00000400000000000000" pitchFamily="2" charset="-78"/>
-                      </a:rPr>
-                      <m:t>∀</m:t>
-                    </m:r>
-                    <m:r>
-                      <a:rPr lang="en-US" sz="2400" i="1">
-                        <a:latin typeface="Cambria Math" panose="02040503050406030204" pitchFamily="18" charset="0"/>
-                        <a:ea typeface="Times New Roman" panose="02020603050405020304" pitchFamily="18" charset="0"/>
-                        <a:cs typeface="B Nazanin" panose="00000400000000000000" pitchFamily="2" charset="-78"/>
-                      </a:rPr>
-                      <m:t>𝑙</m:t>
-                    </m:r>
-                    <m:r>
-                      <a:rPr lang="en-US" sz="2400" i="1">
-                        <a:latin typeface="Cambria Math" panose="02040503050406030204" pitchFamily="18" charset="0"/>
-                        <a:ea typeface="Times New Roman" panose="02020603050405020304" pitchFamily="18" charset="0"/>
-                        <a:cs typeface="B Nazanin" panose="00000400000000000000" pitchFamily="2" charset="-78"/>
-                      </a:rPr>
-                      <m:t>=</m:t>
-                    </m:r>
-                    <m:r>
-                      <a:rPr lang="en-US" sz="2400" i="1">
-                        <a:latin typeface="Cambria Math" panose="02040503050406030204" pitchFamily="18" charset="0"/>
-                        <a:ea typeface="Times New Roman" panose="02020603050405020304" pitchFamily="18" charset="0"/>
-                        <a:cs typeface="B Nazanin" panose="00000400000000000000" pitchFamily="2" charset="-78"/>
-                      </a:rPr>
-                      <m:t>𝐿</m:t>
-                    </m:r>
-                    <m:r>
-                      <a:rPr lang="en-US" sz="2400" i="1">
-                        <a:latin typeface="Cambria Math" panose="02040503050406030204" pitchFamily="18" charset="0"/>
-                        <a:ea typeface="Times New Roman" panose="02020603050405020304" pitchFamily="18" charset="0"/>
-                        <a:cs typeface="B Nazanin" panose="00000400000000000000" pitchFamily="2" charset="-78"/>
-                      </a:rPr>
-                      <m:t>,</m:t>
-                    </m:r>
-                    <m:r>
-                      <a:rPr lang="en-US" sz="2400" i="1">
-                        <a:latin typeface="Cambria Math" panose="02040503050406030204" pitchFamily="18" charset="0"/>
-                        <a:ea typeface="Times New Roman" panose="02020603050405020304" pitchFamily="18" charset="0"/>
-                        <a:cs typeface="B Nazanin" panose="00000400000000000000" pitchFamily="2" charset="-78"/>
-                      </a:rPr>
-                      <m:t>𝐿</m:t>
-                    </m:r>
-                    <m:r>
-                      <a:rPr lang="en-US" sz="2400" i="1">
-                        <a:latin typeface="Cambria Math" panose="02040503050406030204" pitchFamily="18" charset="0"/>
-                        <a:ea typeface="Times New Roman" panose="02020603050405020304" pitchFamily="18" charset="0"/>
-                        <a:cs typeface="B Nazanin" panose="00000400000000000000" pitchFamily="2" charset="-78"/>
-                      </a:rPr>
-                      <m:t>−</m:t>
-                    </m:r>
-                    <m:r>
-                      <a:rPr lang="en-US" sz="2400" i="1">
-                        <a:latin typeface="Cambria Math" panose="02040503050406030204" pitchFamily="18" charset="0"/>
-                        <a:ea typeface="Times New Roman" panose="02020603050405020304" pitchFamily="18" charset="0"/>
-                        <a:cs typeface="B Nazanin" panose="00000400000000000000" pitchFamily="2" charset="-78"/>
-                      </a:rPr>
-                      <m:t>1</m:t>
-                    </m:r>
-                    <m:r>
-                      <a:rPr lang="en-US" sz="2400" i="1">
-                        <a:latin typeface="Cambria Math" panose="02040503050406030204" pitchFamily="18" charset="0"/>
-                        <a:ea typeface="Times New Roman" panose="02020603050405020304" pitchFamily="18" charset="0"/>
-                        <a:cs typeface="B Nazanin" panose="00000400000000000000" pitchFamily="2" charset="-78"/>
-                      </a:rPr>
-                      <m:t>,…,</m:t>
-                    </m:r>
-                    <m:r>
-                      <a:rPr lang="en-US" sz="2400" i="1">
-                        <a:latin typeface="Cambria Math" panose="02040503050406030204" pitchFamily="18" charset="0"/>
-                        <a:ea typeface="Times New Roman" panose="02020603050405020304" pitchFamily="18" charset="0"/>
-                        <a:cs typeface="B Nazanin" panose="00000400000000000000" pitchFamily="2" charset="-78"/>
-                      </a:rPr>
-                      <m:t>1</m:t>
-                    </m:r>
-                  </m:oMath>
-                </a14:m>
-                <a:endParaRPr lang="en-US" sz="2400" dirty="0">
-                  <a:latin typeface="Times New Roman" panose="02020603050405020304" pitchFamily="18" charset="0"/>
-                  <a:ea typeface="Calibri" panose="020F0502020204030204" pitchFamily="34" charset="0"/>
-                  <a:cs typeface="B Nazanin" panose="00000400000000000000" pitchFamily="2" charset="-78"/>
-                </a:endParaRPr>
-              </a:p>
-              <a:p>
-                <a:pPr marL="0" marR="0" lvl="0" indent="0">
-                  <a:lnSpc>
-                    <a:spcPct val="150000"/>
-                  </a:lnSpc>
-                  <a:spcBef>
-                    <a:spcPts val="0"/>
-                  </a:spcBef>
-                  <a:spcAft>
-                    <a:spcPts val="0"/>
-                  </a:spcAft>
-                  <a:buNone/>
-                </a:pPr>
-                <a14:m>
-                  <m:oMath xmlns:m="http://schemas.openxmlformats.org/officeDocument/2006/math">
-                    <m:f>
-                      <m:fPr>
-                        <m:ctrlPr>
-                          <a:rPr lang="en-US" sz="2400" i="1">
-                            <a:latin typeface="Cambria Math" panose="02040503050406030204" pitchFamily="18" charset="0"/>
-                            <a:ea typeface="Times New Roman" panose="02020603050405020304" pitchFamily="18" charset="0"/>
-                            <a:cs typeface="B Nazanin" panose="00000400000000000000" pitchFamily="2" charset="-78"/>
-                          </a:rPr>
-                        </m:ctrlPr>
-                      </m:fPr>
-                      <m:num>
-                        <m:r>
-                          <a:rPr lang="en-US" sz="2400" i="1">
-                            <a:latin typeface="Cambria Math" panose="02040503050406030204" pitchFamily="18" charset="0"/>
-                            <a:ea typeface="Times New Roman" panose="02020603050405020304" pitchFamily="18" charset="0"/>
-                            <a:cs typeface="B Nazanin" panose="00000400000000000000" pitchFamily="2" charset="-78"/>
-                          </a:rPr>
-                          <m:t>𝜕</m:t>
-                        </m:r>
-                        <m:r>
-                          <a:rPr lang="en-US" sz="2400" i="1">
-                            <a:latin typeface="Cambria Math" panose="02040503050406030204" pitchFamily="18" charset="0"/>
-                            <a:ea typeface="Times New Roman" panose="02020603050405020304" pitchFamily="18" charset="0"/>
-                            <a:cs typeface="B Nazanin" panose="00000400000000000000" pitchFamily="2" charset="-78"/>
-                          </a:rPr>
-                          <m:t>𝐶</m:t>
-                        </m:r>
-                      </m:num>
-                      <m:den>
-                        <m:r>
-                          <a:rPr lang="en-US" sz="2400" i="1">
-                            <a:latin typeface="Cambria Math" panose="02040503050406030204" pitchFamily="18" charset="0"/>
-                            <a:ea typeface="Times New Roman" panose="02020603050405020304" pitchFamily="18" charset="0"/>
-                            <a:cs typeface="B Nazanin" panose="00000400000000000000" pitchFamily="2" charset="-78"/>
-                          </a:rPr>
-                          <m:t>𝜕</m:t>
-                        </m:r>
-                        <m:sSup>
-                          <m:sSupPr>
-                            <m:ctrlPr>
-                              <a:rPr lang="en-US" sz="2400" i="1">
-                                <a:latin typeface="Cambria Math" panose="02040503050406030204" pitchFamily="18" charset="0"/>
-                                <a:ea typeface="Times New Roman" panose="02020603050405020304" pitchFamily="18" charset="0"/>
-                                <a:cs typeface="B Nazanin" panose="00000400000000000000" pitchFamily="2" charset="-78"/>
-                              </a:rPr>
-                            </m:ctrlPr>
-                          </m:sSupPr>
-                          <m:e>
-                            <m:r>
-                              <a:rPr lang="en-US" sz="2400" i="1">
-                                <a:latin typeface="Cambria Math" panose="02040503050406030204" pitchFamily="18" charset="0"/>
-                                <a:ea typeface="Times New Roman" panose="02020603050405020304" pitchFamily="18" charset="0"/>
-                                <a:cs typeface="B Nazanin" panose="00000400000000000000" pitchFamily="2" charset="-78"/>
-                              </a:rPr>
-                              <m:t>𝑏</m:t>
-                            </m:r>
-                          </m:e>
-                          <m:sup>
-                            <m:d>
-                              <m:dPr>
-                                <m:begChr m:val="["/>
-                                <m:endChr m:val="]"/>
-                                <m:ctrlPr>
-                                  <a:rPr lang="en-US" sz="2400" i="1">
-                                    <a:latin typeface="Cambria Math" panose="02040503050406030204" pitchFamily="18" charset="0"/>
-                                    <a:ea typeface="Times New Roman" panose="02020603050405020304" pitchFamily="18" charset="0"/>
-                                    <a:cs typeface="B Nazanin" panose="00000400000000000000" pitchFamily="2" charset="-78"/>
-                                  </a:rPr>
-                                </m:ctrlPr>
-                              </m:dPr>
-                              <m:e>
-                                <m:r>
-                                  <a:rPr lang="en-US" sz="2400" i="1">
-                                    <a:latin typeface="Cambria Math" panose="02040503050406030204" pitchFamily="18" charset="0"/>
-                                    <a:ea typeface="Times New Roman" panose="02020603050405020304" pitchFamily="18" charset="0"/>
-                                    <a:cs typeface="B Nazanin" panose="00000400000000000000" pitchFamily="2" charset="-78"/>
-                                  </a:rPr>
-                                  <m:t>𝑙</m:t>
-                                </m:r>
-                              </m:e>
-                            </m:d>
-                          </m:sup>
-                        </m:sSup>
-                      </m:den>
-                    </m:f>
-                    <m:r>
-                      <a:rPr lang="en-US" sz="2400" i="1">
-                        <a:latin typeface="Cambria Math" panose="02040503050406030204" pitchFamily="18" charset="0"/>
-                        <a:ea typeface="Times New Roman" panose="02020603050405020304" pitchFamily="18" charset="0"/>
-                        <a:cs typeface="B Nazanin" panose="00000400000000000000" pitchFamily="2" charset="-78"/>
-                      </a:rPr>
-                      <m:t>=</m:t>
-                    </m:r>
-                    <m:d>
-                      <m:dPr>
-                        <m:ctrlPr>
-                          <a:rPr lang="en-US" sz="2400" i="1">
-                            <a:latin typeface="Cambria Math" panose="02040503050406030204" pitchFamily="18" charset="0"/>
-                            <a:ea typeface="Times New Roman" panose="02020603050405020304" pitchFamily="18" charset="0"/>
-                            <a:cs typeface="B Nazanin" panose="00000400000000000000" pitchFamily="2" charset="-78"/>
-                          </a:rPr>
-                        </m:ctrlPr>
-                      </m:dPr>
-                      <m:e>
-                        <m:f>
-                          <m:fPr>
-                            <m:ctrlPr>
-                              <a:rPr lang="en-US" sz="2400" i="1">
-                                <a:latin typeface="Cambria Math" panose="02040503050406030204" pitchFamily="18" charset="0"/>
-                                <a:ea typeface="Times New Roman" panose="02020603050405020304" pitchFamily="18" charset="0"/>
-                                <a:cs typeface="B Nazanin" panose="00000400000000000000" pitchFamily="2" charset="-78"/>
-                              </a:rPr>
-                            </m:ctrlPr>
-                          </m:fPr>
-                          <m:num>
-                            <m:r>
-                              <a:rPr lang="en-US" sz="2400" i="1">
-                                <a:latin typeface="Cambria Math" panose="02040503050406030204" pitchFamily="18" charset="0"/>
-                                <a:ea typeface="Times New Roman" panose="02020603050405020304" pitchFamily="18" charset="0"/>
-                                <a:cs typeface="B Nazanin" panose="00000400000000000000" pitchFamily="2" charset="-78"/>
-                              </a:rPr>
-                              <m:t>𝜕</m:t>
-                            </m:r>
-                            <m:r>
-                              <a:rPr lang="en-US" sz="2400" i="1">
-                                <a:latin typeface="Cambria Math" panose="02040503050406030204" pitchFamily="18" charset="0"/>
-                                <a:ea typeface="Times New Roman" panose="02020603050405020304" pitchFamily="18" charset="0"/>
-                                <a:cs typeface="B Nazanin" panose="00000400000000000000" pitchFamily="2" charset="-78"/>
-                              </a:rPr>
-                              <m:t>𝐶</m:t>
-                            </m:r>
-                          </m:num>
-                          <m:den>
-                            <m:r>
-                              <a:rPr lang="en-US" sz="2400" i="1">
-                                <a:latin typeface="Cambria Math" panose="02040503050406030204" pitchFamily="18" charset="0"/>
-                                <a:ea typeface="Times New Roman" panose="02020603050405020304" pitchFamily="18" charset="0"/>
-                                <a:cs typeface="B Nazanin" panose="00000400000000000000" pitchFamily="2" charset="-78"/>
-                              </a:rPr>
-                              <m:t>𝜕</m:t>
-                            </m:r>
-                            <m:sSup>
-                              <m:sSupPr>
-                                <m:ctrlPr>
-                                  <a:rPr lang="en-US" sz="2400" i="1">
-                                    <a:latin typeface="Cambria Math" panose="02040503050406030204" pitchFamily="18" charset="0"/>
-                                    <a:ea typeface="Times New Roman" panose="02020603050405020304" pitchFamily="18" charset="0"/>
-                                    <a:cs typeface="B Nazanin" panose="00000400000000000000" pitchFamily="2" charset="-78"/>
-                                  </a:rPr>
-                                </m:ctrlPr>
-                              </m:sSupPr>
-                              <m:e>
-                                <m:r>
-                                  <a:rPr lang="en-US" sz="2400" i="1">
-                                    <a:latin typeface="Cambria Math" panose="02040503050406030204" pitchFamily="18" charset="0"/>
-                                    <a:ea typeface="Times New Roman" panose="02020603050405020304" pitchFamily="18" charset="0"/>
-                                    <a:cs typeface="B Nazanin" panose="00000400000000000000" pitchFamily="2" charset="-78"/>
-                                  </a:rPr>
-                                  <m:t>𝐴</m:t>
-                                </m:r>
-                              </m:e>
-                              <m:sup>
-                                <m:r>
-                                  <a:rPr lang="en-US" sz="2400" i="1">
-                                    <a:latin typeface="Cambria Math" panose="02040503050406030204" pitchFamily="18" charset="0"/>
-                                    <a:ea typeface="Times New Roman" panose="02020603050405020304" pitchFamily="18" charset="0"/>
-                                    <a:cs typeface="B Nazanin" panose="00000400000000000000" pitchFamily="2" charset="-78"/>
-                                  </a:rPr>
-                                  <m:t>[</m:t>
-                                </m:r>
-                                <m:r>
-                                  <a:rPr lang="en-US" sz="2400" i="1">
-                                    <a:latin typeface="Cambria Math" panose="02040503050406030204" pitchFamily="18" charset="0"/>
-                                    <a:ea typeface="Times New Roman" panose="02020603050405020304" pitchFamily="18" charset="0"/>
-                                    <a:cs typeface="B Nazanin" panose="00000400000000000000" pitchFamily="2" charset="-78"/>
-                                  </a:rPr>
-                                  <m:t>𝑙</m:t>
-                                </m:r>
-                                <m:r>
-                                  <a:rPr lang="en-US" sz="2400" i="1">
-                                    <a:latin typeface="Cambria Math" panose="02040503050406030204" pitchFamily="18" charset="0"/>
-                                    <a:ea typeface="Times New Roman" panose="02020603050405020304" pitchFamily="18" charset="0"/>
-                                    <a:cs typeface="B Nazanin" panose="00000400000000000000" pitchFamily="2" charset="-78"/>
-                                  </a:rPr>
-                                  <m:t>]</m:t>
-                                </m:r>
-                              </m:sup>
-                            </m:sSup>
-                          </m:den>
-                        </m:f>
-                        <m:r>
-                          <a:rPr lang="en-US" sz="2400" i="1">
-                            <a:latin typeface="Cambria Math" panose="02040503050406030204" pitchFamily="18" charset="0"/>
-                            <a:ea typeface="Times New Roman" panose="02020603050405020304" pitchFamily="18" charset="0"/>
-                            <a:cs typeface="B Nazanin" panose="00000400000000000000" pitchFamily="2" charset="-78"/>
-                          </a:rPr>
-                          <m:t>:</m:t>
-                        </m:r>
-                        <m:f>
-                          <m:fPr>
-                            <m:ctrlPr>
-                              <a:rPr lang="en-US" sz="2400" i="1">
-                                <a:latin typeface="Cambria Math" panose="02040503050406030204" pitchFamily="18" charset="0"/>
-                                <a:ea typeface="Times New Roman" panose="02020603050405020304" pitchFamily="18" charset="0"/>
-                                <a:cs typeface="B Nazanin" panose="00000400000000000000" pitchFamily="2" charset="-78"/>
-                              </a:rPr>
-                            </m:ctrlPr>
-                          </m:fPr>
-                          <m:num>
-                            <m:r>
-                              <a:rPr lang="en-US" sz="2400" i="1">
-                                <a:latin typeface="Cambria Math" panose="02040503050406030204" pitchFamily="18" charset="0"/>
-                                <a:ea typeface="Times New Roman" panose="02020603050405020304" pitchFamily="18" charset="0"/>
-                                <a:cs typeface="B Nazanin" panose="00000400000000000000" pitchFamily="2" charset="-78"/>
-                              </a:rPr>
-                              <m:t>𝜕</m:t>
-                            </m:r>
-                            <m:sSup>
-                              <m:sSupPr>
-                                <m:ctrlPr>
-                                  <a:rPr lang="en-US" sz="2400" i="1">
-                                    <a:latin typeface="Cambria Math" panose="02040503050406030204" pitchFamily="18" charset="0"/>
-                                    <a:ea typeface="Times New Roman" panose="02020603050405020304" pitchFamily="18" charset="0"/>
-                                    <a:cs typeface="B Nazanin" panose="00000400000000000000" pitchFamily="2" charset="-78"/>
-                                  </a:rPr>
-                                </m:ctrlPr>
-                              </m:sSupPr>
-                              <m:e>
-                                <m:r>
-                                  <a:rPr lang="en-US" sz="2400" i="1">
-                                    <a:latin typeface="Cambria Math" panose="02040503050406030204" pitchFamily="18" charset="0"/>
-                                    <a:ea typeface="Times New Roman" panose="02020603050405020304" pitchFamily="18" charset="0"/>
-                                    <a:cs typeface="B Nazanin" panose="00000400000000000000" pitchFamily="2" charset="-78"/>
-                                  </a:rPr>
-                                  <m:t>𝐴</m:t>
-                                </m:r>
-                              </m:e>
-                              <m:sup>
-                                <m:d>
-                                  <m:dPr>
-                                    <m:begChr m:val="["/>
-                                    <m:endChr m:val="]"/>
-                                    <m:ctrlPr>
-                                      <a:rPr lang="en-US" sz="2400" i="1">
-                                        <a:latin typeface="Cambria Math" panose="02040503050406030204" pitchFamily="18" charset="0"/>
-                                        <a:ea typeface="Times New Roman" panose="02020603050405020304" pitchFamily="18" charset="0"/>
-                                        <a:cs typeface="B Nazanin" panose="00000400000000000000" pitchFamily="2" charset="-78"/>
-                                      </a:rPr>
-                                    </m:ctrlPr>
-                                  </m:dPr>
-                                  <m:e>
-                                    <m:r>
-                                      <a:rPr lang="en-US" sz="2400" i="1">
-                                        <a:latin typeface="Cambria Math" panose="02040503050406030204" pitchFamily="18" charset="0"/>
-                                        <a:ea typeface="Times New Roman" panose="02020603050405020304" pitchFamily="18" charset="0"/>
-                                        <a:cs typeface="B Nazanin" panose="00000400000000000000" pitchFamily="2" charset="-78"/>
-                                      </a:rPr>
-                                      <m:t>𝑙</m:t>
-                                    </m:r>
-                                  </m:e>
-                                </m:d>
-                              </m:sup>
-                            </m:sSup>
-                          </m:num>
-                          <m:den>
-                            <m:r>
-                              <a:rPr lang="en-US" sz="2400" i="1">
-                                <a:latin typeface="Cambria Math" panose="02040503050406030204" pitchFamily="18" charset="0"/>
-                                <a:ea typeface="Times New Roman" panose="02020603050405020304" pitchFamily="18" charset="0"/>
-                                <a:cs typeface="B Nazanin" panose="00000400000000000000" pitchFamily="2" charset="-78"/>
-                              </a:rPr>
-                              <m:t>𝜕</m:t>
-                            </m:r>
-                            <m:sSup>
-                              <m:sSupPr>
-                                <m:ctrlPr>
-                                  <a:rPr lang="en-US" sz="2400" i="1">
-                                    <a:latin typeface="Cambria Math" panose="02040503050406030204" pitchFamily="18" charset="0"/>
-                                    <a:ea typeface="Times New Roman" panose="02020603050405020304" pitchFamily="18" charset="0"/>
-                                    <a:cs typeface="B Nazanin" panose="00000400000000000000" pitchFamily="2" charset="-78"/>
-                                  </a:rPr>
-                                </m:ctrlPr>
-                              </m:sSupPr>
-                              <m:e>
-                                <m:r>
-                                  <a:rPr lang="en-US" sz="2400" i="1">
-                                    <a:latin typeface="Cambria Math" panose="02040503050406030204" pitchFamily="18" charset="0"/>
-                                    <a:ea typeface="Times New Roman" panose="02020603050405020304" pitchFamily="18" charset="0"/>
-                                    <a:cs typeface="B Nazanin" panose="00000400000000000000" pitchFamily="2" charset="-78"/>
-                                  </a:rPr>
-                                  <m:t>𝑍</m:t>
-                                </m:r>
-                              </m:e>
-                              <m:sup>
-                                <m:d>
-                                  <m:dPr>
-                                    <m:begChr m:val="["/>
-                                    <m:endChr m:val="]"/>
-                                    <m:ctrlPr>
-                                      <a:rPr lang="en-US" sz="2400" i="1">
-                                        <a:latin typeface="Cambria Math" panose="02040503050406030204" pitchFamily="18" charset="0"/>
-                                        <a:ea typeface="Times New Roman" panose="02020603050405020304" pitchFamily="18" charset="0"/>
-                                        <a:cs typeface="B Nazanin" panose="00000400000000000000" pitchFamily="2" charset="-78"/>
-                                      </a:rPr>
-                                    </m:ctrlPr>
-                                  </m:dPr>
-                                  <m:e>
-                                    <m:r>
-                                      <a:rPr lang="en-US" sz="2400" i="1">
-                                        <a:latin typeface="Cambria Math" panose="02040503050406030204" pitchFamily="18" charset="0"/>
-                                        <a:ea typeface="Times New Roman" panose="02020603050405020304" pitchFamily="18" charset="0"/>
-                                        <a:cs typeface="B Nazanin" panose="00000400000000000000" pitchFamily="2" charset="-78"/>
-                                      </a:rPr>
-                                      <m:t>𝑙</m:t>
-                                    </m:r>
-                                  </m:e>
-                                </m:d>
-                              </m:sup>
-                            </m:sSup>
-                          </m:den>
-                        </m:f>
-                      </m:e>
-                    </m:d>
-                    <m:f>
-                      <m:fPr>
-                        <m:ctrlPr>
-                          <a:rPr lang="en-US" sz="2400" i="1">
-                            <a:latin typeface="Cambria Math" panose="02040503050406030204" pitchFamily="18" charset="0"/>
-                            <a:ea typeface="Times New Roman" panose="02020603050405020304" pitchFamily="18" charset="0"/>
-                            <a:cs typeface="B Nazanin" panose="00000400000000000000" pitchFamily="2" charset="-78"/>
-                          </a:rPr>
-                        </m:ctrlPr>
-                      </m:fPr>
-                      <m:num>
-                        <m:r>
-                          <a:rPr lang="en-US" sz="2400" i="1">
-                            <a:latin typeface="Cambria Math" panose="02040503050406030204" pitchFamily="18" charset="0"/>
-                            <a:ea typeface="Times New Roman" panose="02020603050405020304" pitchFamily="18" charset="0"/>
-                            <a:cs typeface="B Nazanin" panose="00000400000000000000" pitchFamily="2" charset="-78"/>
-                          </a:rPr>
-                          <m:t>𝜕</m:t>
-                        </m:r>
-                        <m:sSup>
-                          <m:sSupPr>
-                            <m:ctrlPr>
-                              <a:rPr lang="en-US" sz="2400" i="1">
-                                <a:latin typeface="Cambria Math" panose="02040503050406030204" pitchFamily="18" charset="0"/>
-                                <a:ea typeface="Times New Roman" panose="02020603050405020304" pitchFamily="18" charset="0"/>
-                                <a:cs typeface="B Nazanin" panose="00000400000000000000" pitchFamily="2" charset="-78"/>
-                              </a:rPr>
-                            </m:ctrlPr>
-                          </m:sSupPr>
-                          <m:e>
-                            <m:r>
-                              <a:rPr lang="en-US" sz="2400" i="1">
-                                <a:latin typeface="Cambria Math" panose="02040503050406030204" pitchFamily="18" charset="0"/>
-                                <a:ea typeface="Times New Roman" panose="02020603050405020304" pitchFamily="18" charset="0"/>
-                                <a:cs typeface="B Nazanin" panose="00000400000000000000" pitchFamily="2" charset="-78"/>
-                              </a:rPr>
-                              <m:t>𝑍</m:t>
-                            </m:r>
-                          </m:e>
-                          <m:sup>
-                            <m:d>
-                              <m:dPr>
-                                <m:begChr m:val="["/>
-                                <m:endChr m:val="]"/>
-                                <m:ctrlPr>
-                                  <a:rPr lang="en-US" sz="2400" i="1">
-                                    <a:latin typeface="Cambria Math" panose="02040503050406030204" pitchFamily="18" charset="0"/>
-                                    <a:ea typeface="Times New Roman" panose="02020603050405020304" pitchFamily="18" charset="0"/>
-                                    <a:cs typeface="B Nazanin" panose="00000400000000000000" pitchFamily="2" charset="-78"/>
-                                  </a:rPr>
-                                </m:ctrlPr>
-                              </m:dPr>
-                              <m:e>
-                                <m:r>
-                                  <a:rPr lang="en-US" sz="2400" i="1">
-                                    <a:latin typeface="Cambria Math" panose="02040503050406030204" pitchFamily="18" charset="0"/>
-                                    <a:ea typeface="Times New Roman" panose="02020603050405020304" pitchFamily="18" charset="0"/>
-                                    <a:cs typeface="B Nazanin" panose="00000400000000000000" pitchFamily="2" charset="-78"/>
-                                  </a:rPr>
-                                  <m:t>𝑙</m:t>
-                                </m:r>
-                              </m:e>
-                            </m:d>
-                          </m:sup>
-                        </m:sSup>
-                      </m:num>
-                      <m:den>
-                        <m:r>
-                          <a:rPr lang="en-US" sz="2400" i="1">
-                            <a:latin typeface="Cambria Math" panose="02040503050406030204" pitchFamily="18" charset="0"/>
-                            <a:ea typeface="Times New Roman" panose="02020603050405020304" pitchFamily="18" charset="0"/>
-                            <a:cs typeface="B Nazanin" panose="00000400000000000000" pitchFamily="2" charset="-78"/>
-                          </a:rPr>
-                          <m:t>𝜕</m:t>
-                        </m:r>
-                        <m:sSup>
-                          <m:sSupPr>
-                            <m:ctrlPr>
-                              <a:rPr lang="en-US" sz="2400" i="1">
-                                <a:latin typeface="Cambria Math" panose="02040503050406030204" pitchFamily="18" charset="0"/>
-                                <a:ea typeface="Times New Roman" panose="02020603050405020304" pitchFamily="18" charset="0"/>
-                                <a:cs typeface="B Nazanin" panose="00000400000000000000" pitchFamily="2" charset="-78"/>
-                              </a:rPr>
-                            </m:ctrlPr>
-                          </m:sSupPr>
-                          <m:e>
-                            <m:r>
-                              <a:rPr lang="en-US" sz="2400" i="1">
-                                <a:latin typeface="Cambria Math" panose="02040503050406030204" pitchFamily="18" charset="0"/>
-                                <a:ea typeface="Times New Roman" panose="02020603050405020304" pitchFamily="18" charset="0"/>
-                                <a:cs typeface="B Nazanin" panose="00000400000000000000" pitchFamily="2" charset="-78"/>
-                              </a:rPr>
-                              <m:t>𝑏</m:t>
-                            </m:r>
-                          </m:e>
-                          <m:sup>
-                            <m:d>
-                              <m:dPr>
-                                <m:begChr m:val="["/>
-                                <m:endChr m:val="]"/>
-                                <m:ctrlPr>
-                                  <a:rPr lang="en-US" sz="2400" i="1">
-                                    <a:latin typeface="Cambria Math" panose="02040503050406030204" pitchFamily="18" charset="0"/>
-                                    <a:ea typeface="Times New Roman" panose="02020603050405020304" pitchFamily="18" charset="0"/>
-                                    <a:cs typeface="B Nazanin" panose="00000400000000000000" pitchFamily="2" charset="-78"/>
-                                  </a:rPr>
-                                </m:ctrlPr>
-                              </m:dPr>
-                              <m:e>
-                                <m:r>
-                                  <a:rPr lang="en-US" sz="2400" i="1">
-                                    <a:latin typeface="Cambria Math" panose="02040503050406030204" pitchFamily="18" charset="0"/>
-                                    <a:ea typeface="Times New Roman" panose="02020603050405020304" pitchFamily="18" charset="0"/>
-                                    <a:cs typeface="B Nazanin" panose="00000400000000000000" pitchFamily="2" charset="-78"/>
-                                  </a:rPr>
-                                  <m:t>𝑙</m:t>
-                                </m:r>
-                              </m:e>
-                            </m:d>
-                          </m:sup>
-                        </m:sSup>
-                      </m:den>
-                    </m:f>
-                    <m:r>
-                      <a:rPr lang="en-US" sz="2400" i="1">
-                        <a:latin typeface="Cambria Math" panose="02040503050406030204" pitchFamily="18" charset="0"/>
-                        <a:ea typeface="Times New Roman" panose="02020603050405020304" pitchFamily="18" charset="0"/>
-                        <a:cs typeface="B Nazanin" panose="00000400000000000000" pitchFamily="2" charset="-78"/>
-                      </a:rPr>
-                      <m:t>=</m:t>
-                    </m:r>
-                    <m:d>
-                      <m:dPr>
-                        <m:ctrlPr>
-                          <a:rPr lang="en-US" sz="2400" i="1">
-                            <a:latin typeface="Cambria Math" panose="02040503050406030204" pitchFamily="18" charset="0"/>
-                            <a:ea typeface="Times New Roman" panose="02020603050405020304" pitchFamily="18" charset="0"/>
-                            <a:cs typeface="B Nazanin" panose="00000400000000000000" pitchFamily="2" charset="-78"/>
-                          </a:rPr>
-                        </m:ctrlPr>
-                      </m:dPr>
-                      <m:e>
-                        <m:f>
-                          <m:fPr>
-                            <m:ctrlPr>
-                              <a:rPr lang="en-US" sz="2400" i="1">
-                                <a:latin typeface="Cambria Math" panose="02040503050406030204" pitchFamily="18" charset="0"/>
-                                <a:ea typeface="Times New Roman" panose="02020603050405020304" pitchFamily="18" charset="0"/>
-                                <a:cs typeface="B Nazanin" panose="00000400000000000000" pitchFamily="2" charset="-78"/>
-                              </a:rPr>
-                            </m:ctrlPr>
-                          </m:fPr>
-                          <m:num>
-                            <m:r>
-                              <a:rPr lang="en-US" sz="2400" i="1">
-                                <a:latin typeface="Cambria Math" panose="02040503050406030204" pitchFamily="18" charset="0"/>
-                                <a:ea typeface="Times New Roman" panose="02020603050405020304" pitchFamily="18" charset="0"/>
-                                <a:cs typeface="B Nazanin" panose="00000400000000000000" pitchFamily="2" charset="-78"/>
-                              </a:rPr>
-                              <m:t>𝜕</m:t>
-                            </m:r>
-                            <m:r>
-                              <a:rPr lang="en-US" sz="2400" i="1">
-                                <a:latin typeface="Cambria Math" panose="02040503050406030204" pitchFamily="18" charset="0"/>
-                                <a:ea typeface="Times New Roman" panose="02020603050405020304" pitchFamily="18" charset="0"/>
-                                <a:cs typeface="B Nazanin" panose="00000400000000000000" pitchFamily="2" charset="-78"/>
-                              </a:rPr>
-                              <m:t>𝐶</m:t>
-                            </m:r>
-                          </m:num>
-                          <m:den>
-                            <m:r>
-                              <a:rPr lang="en-US" sz="2400" i="1">
-                                <a:latin typeface="Cambria Math" panose="02040503050406030204" pitchFamily="18" charset="0"/>
-                                <a:ea typeface="Times New Roman" panose="02020603050405020304" pitchFamily="18" charset="0"/>
-                                <a:cs typeface="B Nazanin" panose="00000400000000000000" pitchFamily="2" charset="-78"/>
-                              </a:rPr>
-                              <m:t>𝜕</m:t>
-                            </m:r>
-                            <m:sSup>
-                              <m:sSupPr>
-                                <m:ctrlPr>
-                                  <a:rPr lang="en-US" sz="2400" i="1">
-                                    <a:latin typeface="Cambria Math" panose="02040503050406030204" pitchFamily="18" charset="0"/>
-                                    <a:ea typeface="Times New Roman" panose="02020603050405020304" pitchFamily="18" charset="0"/>
-                                    <a:cs typeface="B Nazanin" panose="00000400000000000000" pitchFamily="2" charset="-78"/>
-                                  </a:rPr>
-                                </m:ctrlPr>
-                              </m:sSupPr>
-                              <m:e>
-                                <m:r>
-                                  <a:rPr lang="en-US" sz="2400" i="1">
-                                    <a:latin typeface="Cambria Math" panose="02040503050406030204" pitchFamily="18" charset="0"/>
-                                    <a:ea typeface="Times New Roman" panose="02020603050405020304" pitchFamily="18" charset="0"/>
-                                    <a:cs typeface="B Nazanin" panose="00000400000000000000" pitchFamily="2" charset="-78"/>
-                                  </a:rPr>
-                                  <m:t>𝐴</m:t>
-                                </m:r>
-                              </m:e>
-                              <m:sup>
-                                <m:d>
-                                  <m:dPr>
-                                    <m:begChr m:val="["/>
-                                    <m:endChr m:val="]"/>
-                                    <m:ctrlPr>
-                                      <a:rPr lang="en-US" sz="2400" i="1">
-                                        <a:latin typeface="Cambria Math" panose="02040503050406030204" pitchFamily="18" charset="0"/>
-                                        <a:ea typeface="Times New Roman" panose="02020603050405020304" pitchFamily="18" charset="0"/>
-                                        <a:cs typeface="B Nazanin" panose="00000400000000000000" pitchFamily="2" charset="-78"/>
-                                      </a:rPr>
-                                    </m:ctrlPr>
-                                  </m:dPr>
-                                  <m:e>
-                                    <m:r>
-                                      <a:rPr lang="en-US" sz="2400" i="1">
-                                        <a:latin typeface="Cambria Math" panose="02040503050406030204" pitchFamily="18" charset="0"/>
-                                        <a:ea typeface="Times New Roman" panose="02020603050405020304" pitchFamily="18" charset="0"/>
-                                        <a:cs typeface="B Nazanin" panose="00000400000000000000" pitchFamily="2" charset="-78"/>
-                                      </a:rPr>
-                                      <m:t>𝑙</m:t>
-                                    </m:r>
-                                  </m:e>
-                                </m:d>
-                              </m:sup>
-                            </m:sSup>
-                          </m:den>
-                        </m:f>
-                        <m:r>
-                          <a:rPr lang="en-US" sz="2400" i="1">
-                            <a:latin typeface="Cambria Math" panose="02040503050406030204" pitchFamily="18" charset="0"/>
-                            <a:ea typeface="Times New Roman" panose="02020603050405020304" pitchFamily="18" charset="0"/>
-                            <a:cs typeface="B Nazanin" panose="00000400000000000000" pitchFamily="2" charset="-78"/>
-                          </a:rPr>
-                          <m:t>:</m:t>
-                        </m:r>
-                        <m:sSup>
-                          <m:sSupPr>
-                            <m:ctrlPr>
-                              <a:rPr lang="en-US" sz="2400" i="1">
-                                <a:latin typeface="Cambria Math" panose="02040503050406030204" pitchFamily="18" charset="0"/>
-                                <a:ea typeface="Times New Roman" panose="02020603050405020304" pitchFamily="18" charset="0"/>
-                                <a:cs typeface="B Nazanin" panose="00000400000000000000" pitchFamily="2" charset="-78"/>
-                              </a:rPr>
-                            </m:ctrlPr>
-                          </m:sSupPr>
-                          <m:e>
-                            <m:sSup>
-                              <m:sSupPr>
-                                <m:ctrlPr>
-                                  <a:rPr lang="en-US" sz="2400" i="1">
-                                    <a:latin typeface="Cambria Math" panose="02040503050406030204" pitchFamily="18" charset="0"/>
-                                    <a:ea typeface="Times New Roman" panose="02020603050405020304" pitchFamily="18" charset="0"/>
-                                    <a:cs typeface="B Nazanin" panose="00000400000000000000" pitchFamily="2" charset="-78"/>
-                                  </a:rPr>
-                                </m:ctrlPr>
-                              </m:sSupPr>
-                              <m:e>
-                                <m:r>
-                                  <a:rPr lang="en-US" sz="2400" i="1">
-                                    <a:latin typeface="Cambria Math" panose="02040503050406030204" pitchFamily="18" charset="0"/>
-                                    <a:ea typeface="Times New Roman" panose="02020603050405020304" pitchFamily="18" charset="0"/>
-                                    <a:cs typeface="B Nazanin" panose="00000400000000000000" pitchFamily="2" charset="-78"/>
-                                  </a:rPr>
-                                  <m:t>𝜎</m:t>
-                                </m:r>
-                              </m:e>
-                              <m:sup>
-                                <m:r>
-                                  <a:rPr lang="en-US" sz="2400" i="1">
-                                    <a:latin typeface="Cambria Math" panose="02040503050406030204" pitchFamily="18" charset="0"/>
-                                    <a:ea typeface="Times New Roman" panose="02020603050405020304" pitchFamily="18" charset="0"/>
-                                    <a:cs typeface="B Nazanin" panose="00000400000000000000" pitchFamily="2" charset="-78"/>
-                                  </a:rPr>
-                                  <m:t>′</m:t>
-                                </m:r>
-                              </m:sup>
-                            </m:sSup>
-                          </m:e>
-                          <m:sup>
-                            <m:d>
-                              <m:dPr>
-                                <m:begChr m:val="["/>
-                                <m:endChr m:val="]"/>
-                                <m:ctrlPr>
-                                  <a:rPr lang="en-US" sz="2400" i="1">
-                                    <a:latin typeface="Cambria Math" panose="02040503050406030204" pitchFamily="18" charset="0"/>
-                                    <a:ea typeface="Times New Roman" panose="02020603050405020304" pitchFamily="18" charset="0"/>
-                                    <a:cs typeface="B Nazanin" panose="00000400000000000000" pitchFamily="2" charset="-78"/>
-                                  </a:rPr>
-                                </m:ctrlPr>
-                              </m:dPr>
-                              <m:e>
-                                <m:r>
-                                  <a:rPr lang="en-US" sz="2400" i="1">
-                                    <a:latin typeface="Cambria Math" panose="02040503050406030204" pitchFamily="18" charset="0"/>
-                                    <a:ea typeface="Times New Roman" panose="02020603050405020304" pitchFamily="18" charset="0"/>
-                                    <a:cs typeface="B Nazanin" panose="00000400000000000000" pitchFamily="2" charset="-78"/>
-                                  </a:rPr>
-                                  <m:t>𝑙</m:t>
-                                </m:r>
-                              </m:e>
-                            </m:d>
-                          </m:sup>
-                        </m:sSup>
-                        <m:d>
-                          <m:dPr>
-                            <m:ctrlPr>
-                              <a:rPr lang="en-US" sz="2400" i="1">
-                                <a:latin typeface="Cambria Math" panose="02040503050406030204" pitchFamily="18" charset="0"/>
-                                <a:ea typeface="Times New Roman" panose="02020603050405020304" pitchFamily="18" charset="0"/>
-                                <a:cs typeface="B Nazanin" panose="00000400000000000000" pitchFamily="2" charset="-78"/>
-                              </a:rPr>
-                            </m:ctrlPr>
-                          </m:dPr>
-                          <m:e>
-                            <m:sSup>
-                              <m:sSupPr>
-                                <m:ctrlPr>
-                                  <a:rPr lang="en-US" sz="2400" i="1">
-                                    <a:latin typeface="Cambria Math" panose="02040503050406030204" pitchFamily="18" charset="0"/>
-                                    <a:ea typeface="Times New Roman" panose="02020603050405020304" pitchFamily="18" charset="0"/>
-                                    <a:cs typeface="B Nazanin" panose="00000400000000000000" pitchFamily="2" charset="-78"/>
-                                  </a:rPr>
-                                </m:ctrlPr>
-                              </m:sSupPr>
-                              <m:e>
-                                <m:r>
-                                  <a:rPr lang="en-US" sz="2400" i="1">
-                                    <a:latin typeface="Cambria Math" panose="02040503050406030204" pitchFamily="18" charset="0"/>
-                                    <a:ea typeface="Times New Roman" panose="02020603050405020304" pitchFamily="18" charset="0"/>
-                                    <a:cs typeface="B Nazanin" panose="00000400000000000000" pitchFamily="2" charset="-78"/>
-                                  </a:rPr>
-                                  <m:t>𝑍</m:t>
-                                </m:r>
-                              </m:e>
-                              <m:sup>
-                                <m:d>
-                                  <m:dPr>
-                                    <m:begChr m:val="["/>
-                                    <m:endChr m:val="]"/>
-                                    <m:ctrlPr>
-                                      <a:rPr lang="en-US" sz="2400" i="1">
-                                        <a:latin typeface="Cambria Math" panose="02040503050406030204" pitchFamily="18" charset="0"/>
-                                        <a:ea typeface="Times New Roman" panose="02020603050405020304" pitchFamily="18" charset="0"/>
-                                        <a:cs typeface="B Nazanin" panose="00000400000000000000" pitchFamily="2" charset="-78"/>
-                                      </a:rPr>
-                                    </m:ctrlPr>
-                                  </m:dPr>
-                                  <m:e>
-                                    <m:r>
-                                      <a:rPr lang="en-US" sz="2400" i="1">
-                                        <a:latin typeface="Cambria Math" panose="02040503050406030204" pitchFamily="18" charset="0"/>
-                                        <a:ea typeface="Times New Roman" panose="02020603050405020304" pitchFamily="18" charset="0"/>
-                                        <a:cs typeface="B Nazanin" panose="00000400000000000000" pitchFamily="2" charset="-78"/>
-                                      </a:rPr>
-                                      <m:t>𝑙</m:t>
-                                    </m:r>
-                                  </m:e>
-                                </m:d>
-                              </m:sup>
-                            </m:sSup>
-                          </m:e>
-                        </m:d>
-                      </m:e>
-                    </m:d>
-                    <m:sSub>
-                      <m:sSubPr>
-                        <m:ctrlPr>
-                          <a:rPr lang="en-US" sz="2400" i="1">
-                            <a:latin typeface="Cambria Math" panose="02040503050406030204" pitchFamily="18" charset="0"/>
-                            <a:ea typeface="Times New Roman" panose="02020603050405020304" pitchFamily="18" charset="0"/>
-                            <a:cs typeface="B Nazanin" panose="00000400000000000000" pitchFamily="2" charset="-78"/>
-                          </a:rPr>
-                        </m:ctrlPr>
-                      </m:sSubPr>
-                      <m:e>
-                        <m:r>
-                          <a:rPr lang="en-US" sz="2400" i="1">
-                            <a:latin typeface="Cambria Math" panose="02040503050406030204" pitchFamily="18" charset="0"/>
-                            <a:ea typeface="Times New Roman" panose="02020603050405020304" pitchFamily="18" charset="0"/>
-                            <a:cs typeface="B Nazanin" panose="00000400000000000000" pitchFamily="2" charset="-78"/>
-                          </a:rPr>
-                          <m:t>1</m:t>
-                        </m:r>
-                      </m:e>
-                      <m:sub>
-                        <m:r>
-                          <a:rPr lang="en-US" sz="2400" i="1">
-                            <a:latin typeface="Cambria Math" panose="02040503050406030204" pitchFamily="18" charset="0"/>
-                            <a:ea typeface="Times New Roman" panose="02020603050405020304" pitchFamily="18" charset="0"/>
-                            <a:cs typeface="B Nazanin" panose="00000400000000000000" pitchFamily="2" charset="-78"/>
-                          </a:rPr>
-                          <m:t>𝑚</m:t>
-                        </m:r>
-                        <m:r>
-                          <a:rPr lang="en-US" sz="2400" i="1">
-                            <a:latin typeface="Cambria Math" panose="02040503050406030204" pitchFamily="18" charset="0"/>
-                            <a:ea typeface="Times New Roman" panose="02020603050405020304" pitchFamily="18" charset="0"/>
-                            <a:cs typeface="B Nazanin" panose="00000400000000000000" pitchFamily="2" charset="-78"/>
-                          </a:rPr>
-                          <m:t>×</m:t>
-                        </m:r>
-                        <m:r>
-                          <a:rPr lang="en-US" sz="2400" i="1">
-                            <a:latin typeface="Cambria Math" panose="02040503050406030204" pitchFamily="18" charset="0"/>
-                            <a:ea typeface="Times New Roman" panose="02020603050405020304" pitchFamily="18" charset="0"/>
-                            <a:cs typeface="B Nazanin" panose="00000400000000000000" pitchFamily="2" charset="-78"/>
-                          </a:rPr>
-                          <m:t>1</m:t>
-                        </m:r>
-                      </m:sub>
-                    </m:sSub>
-                  </m:oMath>
-                </a14:m>
-                <a:r>
-                  <a:rPr lang="en-US" sz="2400" dirty="0">
-                    <a:latin typeface="Times New Roman" panose="02020603050405020304" pitchFamily="18" charset="0"/>
-                    <a:ea typeface="Calibri" panose="020F0502020204030204" pitchFamily="34" charset="0"/>
-                    <a:cs typeface="B Nazanin" panose="00000400000000000000" pitchFamily="2" charset="-78"/>
-                  </a:rPr>
-                  <a:t>		</a:t>
-                </a:r>
-                <a14:m>
-                  <m:oMath xmlns:m="http://schemas.openxmlformats.org/officeDocument/2006/math">
-                    <m:r>
-                      <a:rPr lang="en-US" sz="2400" i="1">
-                        <a:latin typeface="Cambria Math" panose="02040503050406030204" pitchFamily="18" charset="0"/>
-                        <a:ea typeface="Times New Roman" panose="02020603050405020304" pitchFamily="18" charset="0"/>
-                        <a:cs typeface="B Nazanin" panose="00000400000000000000" pitchFamily="2" charset="-78"/>
-                      </a:rPr>
-                      <m:t>∀</m:t>
-                    </m:r>
-                    <m:r>
-                      <a:rPr lang="en-US" sz="2400" i="1">
-                        <a:latin typeface="Cambria Math" panose="02040503050406030204" pitchFamily="18" charset="0"/>
-                        <a:ea typeface="Times New Roman" panose="02020603050405020304" pitchFamily="18" charset="0"/>
-                        <a:cs typeface="B Nazanin" panose="00000400000000000000" pitchFamily="2" charset="-78"/>
-                      </a:rPr>
-                      <m:t>𝑙</m:t>
-                    </m:r>
-                    <m:r>
-                      <a:rPr lang="en-US" sz="2400" i="1">
-                        <a:latin typeface="Cambria Math" panose="02040503050406030204" pitchFamily="18" charset="0"/>
-                        <a:ea typeface="Times New Roman" panose="02020603050405020304" pitchFamily="18" charset="0"/>
-                        <a:cs typeface="B Nazanin" panose="00000400000000000000" pitchFamily="2" charset="-78"/>
-                      </a:rPr>
-                      <m:t>=</m:t>
-                    </m:r>
-                    <m:r>
-                      <a:rPr lang="en-US" sz="2400" i="1">
-                        <a:latin typeface="Cambria Math" panose="02040503050406030204" pitchFamily="18" charset="0"/>
-                        <a:ea typeface="Times New Roman" panose="02020603050405020304" pitchFamily="18" charset="0"/>
-                        <a:cs typeface="B Nazanin" panose="00000400000000000000" pitchFamily="2" charset="-78"/>
-                      </a:rPr>
-                      <m:t>𝐿</m:t>
-                    </m:r>
-                    <m:r>
-                      <a:rPr lang="en-US" sz="2400" i="1">
-                        <a:latin typeface="Cambria Math" panose="02040503050406030204" pitchFamily="18" charset="0"/>
-                        <a:ea typeface="Times New Roman" panose="02020603050405020304" pitchFamily="18" charset="0"/>
-                        <a:cs typeface="B Nazanin" panose="00000400000000000000" pitchFamily="2" charset="-78"/>
-                      </a:rPr>
-                      <m:t>,</m:t>
-                    </m:r>
-                    <m:r>
-                      <a:rPr lang="en-US" sz="2400" i="1">
-                        <a:latin typeface="Cambria Math" panose="02040503050406030204" pitchFamily="18" charset="0"/>
-                        <a:ea typeface="Times New Roman" panose="02020603050405020304" pitchFamily="18" charset="0"/>
-                        <a:cs typeface="B Nazanin" panose="00000400000000000000" pitchFamily="2" charset="-78"/>
-                      </a:rPr>
-                      <m:t>𝐿</m:t>
-                    </m:r>
-                    <m:r>
-                      <a:rPr lang="en-US" sz="2400" i="1">
-                        <a:latin typeface="Cambria Math" panose="02040503050406030204" pitchFamily="18" charset="0"/>
-                        <a:ea typeface="Times New Roman" panose="02020603050405020304" pitchFamily="18" charset="0"/>
-                        <a:cs typeface="B Nazanin" panose="00000400000000000000" pitchFamily="2" charset="-78"/>
-                      </a:rPr>
-                      <m:t>−</m:t>
-                    </m:r>
-                    <m:r>
-                      <a:rPr lang="en-US" sz="2400" i="1">
-                        <a:latin typeface="Cambria Math" panose="02040503050406030204" pitchFamily="18" charset="0"/>
-                        <a:ea typeface="Times New Roman" panose="02020603050405020304" pitchFamily="18" charset="0"/>
-                        <a:cs typeface="B Nazanin" panose="00000400000000000000" pitchFamily="2" charset="-78"/>
-                      </a:rPr>
-                      <m:t>1</m:t>
-                    </m:r>
-                    <m:r>
-                      <a:rPr lang="en-US" sz="2400" i="1">
-                        <a:latin typeface="Cambria Math" panose="02040503050406030204" pitchFamily="18" charset="0"/>
-                        <a:ea typeface="Times New Roman" panose="02020603050405020304" pitchFamily="18" charset="0"/>
-                        <a:cs typeface="B Nazanin" panose="00000400000000000000" pitchFamily="2" charset="-78"/>
-                      </a:rPr>
-                      <m:t>,…,</m:t>
-                    </m:r>
-                    <m:r>
-                      <a:rPr lang="en-US" sz="2400" i="1">
-                        <a:latin typeface="Cambria Math" panose="02040503050406030204" pitchFamily="18" charset="0"/>
-                        <a:ea typeface="Times New Roman" panose="02020603050405020304" pitchFamily="18" charset="0"/>
-                        <a:cs typeface="B Nazanin" panose="00000400000000000000" pitchFamily="2" charset="-78"/>
-                      </a:rPr>
-                      <m:t>1</m:t>
-                    </m:r>
-                  </m:oMath>
-                </a14:m>
-                <a:endParaRPr lang="en-US" sz="2400" dirty="0">
-                  <a:latin typeface="Times New Roman" panose="02020603050405020304" pitchFamily="18" charset="0"/>
-                  <a:ea typeface="Calibri" panose="020F0502020204030204" pitchFamily="34" charset="0"/>
-                  <a:cs typeface="B Nazanin" panose="00000400000000000000" pitchFamily="2" charset="-78"/>
-                </a:endParaRPr>
-              </a:p>
-              <a:p>
-                <a:pPr marL="0" marR="0" lvl="0" indent="0">
-                  <a:lnSpc>
-                    <a:spcPct val="150000"/>
-                  </a:lnSpc>
-                  <a:spcBef>
-                    <a:spcPts val="0"/>
-                  </a:spcBef>
-                  <a:spcAft>
-                    <a:spcPts val="600"/>
-                  </a:spcAft>
-                  <a:buNone/>
-                </a:pPr>
-                <a14:m>
-                  <m:oMath xmlns:m="http://schemas.openxmlformats.org/officeDocument/2006/math">
-                    <m:f>
-                      <m:fPr>
-                        <m:ctrlPr>
-                          <a:rPr lang="en-US" sz="2400" i="1">
-                            <a:latin typeface="Cambria Math" panose="02040503050406030204" pitchFamily="18" charset="0"/>
-                            <a:ea typeface="Times New Roman" panose="02020603050405020304" pitchFamily="18" charset="0"/>
-                            <a:cs typeface="B Nazanin" panose="00000400000000000000" pitchFamily="2" charset="-78"/>
-                          </a:rPr>
-                        </m:ctrlPr>
-                      </m:fPr>
-                      <m:num>
-                        <m:r>
-                          <a:rPr lang="en-US" sz="2400" i="1">
-                            <a:latin typeface="Cambria Math" panose="02040503050406030204" pitchFamily="18" charset="0"/>
-                            <a:ea typeface="Times New Roman" panose="02020603050405020304" pitchFamily="18" charset="0"/>
-                            <a:cs typeface="B Nazanin" panose="00000400000000000000" pitchFamily="2" charset="-78"/>
-                          </a:rPr>
-                          <m:t>𝜕</m:t>
-                        </m:r>
-                        <m:r>
-                          <a:rPr lang="en-US" sz="2400" i="1">
-                            <a:latin typeface="Cambria Math" panose="02040503050406030204" pitchFamily="18" charset="0"/>
-                            <a:ea typeface="Times New Roman" panose="02020603050405020304" pitchFamily="18" charset="0"/>
-                            <a:cs typeface="B Nazanin" panose="00000400000000000000" pitchFamily="2" charset="-78"/>
-                          </a:rPr>
-                          <m:t>𝐶</m:t>
-                        </m:r>
-                      </m:num>
-                      <m:den>
-                        <m:r>
-                          <a:rPr lang="en-US" sz="2400" i="1">
-                            <a:latin typeface="Cambria Math" panose="02040503050406030204" pitchFamily="18" charset="0"/>
-                            <a:ea typeface="Times New Roman" panose="02020603050405020304" pitchFamily="18" charset="0"/>
-                            <a:cs typeface="B Nazanin" panose="00000400000000000000" pitchFamily="2" charset="-78"/>
-                          </a:rPr>
-                          <m:t>𝜕</m:t>
-                        </m:r>
-                        <m:sSup>
-                          <m:sSupPr>
-                            <m:ctrlPr>
-                              <a:rPr lang="en-US" sz="2400" i="1">
-                                <a:latin typeface="Cambria Math" panose="02040503050406030204" pitchFamily="18" charset="0"/>
-                                <a:ea typeface="Times New Roman" panose="02020603050405020304" pitchFamily="18" charset="0"/>
-                                <a:cs typeface="B Nazanin" panose="00000400000000000000" pitchFamily="2" charset="-78"/>
-                              </a:rPr>
-                            </m:ctrlPr>
-                          </m:sSupPr>
-                          <m:e>
-                            <m:r>
-                              <a:rPr lang="en-US" sz="2400" i="1">
-                                <a:latin typeface="Cambria Math" panose="02040503050406030204" pitchFamily="18" charset="0"/>
-                                <a:ea typeface="Times New Roman" panose="02020603050405020304" pitchFamily="18" charset="0"/>
-                                <a:cs typeface="B Nazanin" panose="00000400000000000000" pitchFamily="2" charset="-78"/>
-                              </a:rPr>
-                              <m:t>𝐴</m:t>
-                            </m:r>
-                          </m:e>
-                          <m:sup>
-                            <m:r>
-                              <a:rPr lang="en-US" sz="2400" i="1">
-                                <a:latin typeface="Cambria Math" panose="02040503050406030204" pitchFamily="18" charset="0"/>
-                                <a:ea typeface="Times New Roman" panose="02020603050405020304" pitchFamily="18" charset="0"/>
-                                <a:cs typeface="B Nazanin" panose="00000400000000000000" pitchFamily="2" charset="-78"/>
-                              </a:rPr>
-                              <m:t>[</m:t>
-                            </m:r>
-                            <m:r>
-                              <a:rPr lang="en-US" sz="2400" i="1">
-                                <a:latin typeface="Cambria Math" panose="02040503050406030204" pitchFamily="18" charset="0"/>
-                                <a:ea typeface="Times New Roman" panose="02020603050405020304" pitchFamily="18" charset="0"/>
-                                <a:cs typeface="B Nazanin" panose="00000400000000000000" pitchFamily="2" charset="-78"/>
-                              </a:rPr>
-                              <m:t>𝑙</m:t>
-                            </m:r>
-                            <m:r>
-                              <a:rPr lang="en-US" sz="2400" i="1">
-                                <a:latin typeface="Cambria Math" panose="02040503050406030204" pitchFamily="18" charset="0"/>
-                                <a:ea typeface="Times New Roman" panose="02020603050405020304" pitchFamily="18" charset="0"/>
-                                <a:cs typeface="B Nazanin" panose="00000400000000000000" pitchFamily="2" charset="-78"/>
-                              </a:rPr>
-                              <m:t>−</m:t>
-                            </m:r>
-                            <m:r>
-                              <a:rPr lang="en-US" sz="2400" i="1">
-                                <a:latin typeface="Cambria Math" panose="02040503050406030204" pitchFamily="18" charset="0"/>
-                                <a:ea typeface="Times New Roman" panose="02020603050405020304" pitchFamily="18" charset="0"/>
-                                <a:cs typeface="B Nazanin" panose="00000400000000000000" pitchFamily="2" charset="-78"/>
-                              </a:rPr>
-                              <m:t>1</m:t>
-                            </m:r>
-                            <m:r>
-                              <a:rPr lang="en-US" sz="2400" i="1">
-                                <a:latin typeface="Cambria Math" panose="02040503050406030204" pitchFamily="18" charset="0"/>
-                                <a:ea typeface="Times New Roman" panose="02020603050405020304" pitchFamily="18" charset="0"/>
-                                <a:cs typeface="B Nazanin" panose="00000400000000000000" pitchFamily="2" charset="-78"/>
-                              </a:rPr>
-                              <m:t>]</m:t>
-                            </m:r>
-                          </m:sup>
-                        </m:sSup>
-                      </m:den>
-                    </m:f>
-                    <m:r>
-                      <a:rPr lang="en-US" sz="2400" i="1">
-                        <a:latin typeface="Cambria Math" panose="02040503050406030204" pitchFamily="18" charset="0"/>
-                        <a:ea typeface="Times New Roman" panose="02020603050405020304" pitchFamily="18" charset="0"/>
-                        <a:cs typeface="B Nazanin" panose="00000400000000000000" pitchFamily="2" charset="-78"/>
-                      </a:rPr>
-                      <m:t>=</m:t>
-                    </m:r>
-                    <m:f>
-                      <m:fPr>
-                        <m:ctrlPr>
-                          <a:rPr lang="en-US" sz="2400" i="1">
-                            <a:latin typeface="Cambria Math" panose="02040503050406030204" pitchFamily="18" charset="0"/>
-                            <a:ea typeface="Times New Roman" panose="02020603050405020304" pitchFamily="18" charset="0"/>
-                            <a:cs typeface="B Nazanin" panose="00000400000000000000" pitchFamily="2" charset="-78"/>
-                          </a:rPr>
-                        </m:ctrlPr>
-                      </m:fPr>
-                      <m:num>
-                        <m:r>
-                          <a:rPr lang="en-US" sz="2400" i="1">
-                            <a:latin typeface="Cambria Math" panose="02040503050406030204" pitchFamily="18" charset="0"/>
-                            <a:ea typeface="Times New Roman" panose="02020603050405020304" pitchFamily="18" charset="0"/>
-                            <a:cs typeface="B Nazanin" panose="00000400000000000000" pitchFamily="2" charset="-78"/>
-                          </a:rPr>
-                          <m:t>𝜕</m:t>
-                        </m:r>
-                        <m:sSup>
-                          <m:sSupPr>
-                            <m:ctrlPr>
-                              <a:rPr lang="en-US" sz="2400" i="1">
-                                <a:latin typeface="Cambria Math" panose="02040503050406030204" pitchFamily="18" charset="0"/>
-                                <a:ea typeface="Times New Roman" panose="02020603050405020304" pitchFamily="18" charset="0"/>
-                                <a:cs typeface="B Nazanin" panose="00000400000000000000" pitchFamily="2" charset="-78"/>
-                              </a:rPr>
-                            </m:ctrlPr>
-                          </m:sSupPr>
-                          <m:e>
-                            <m:r>
-                              <a:rPr lang="en-US" sz="2400" i="1">
-                                <a:latin typeface="Cambria Math" panose="02040503050406030204" pitchFamily="18" charset="0"/>
-                                <a:ea typeface="Times New Roman" panose="02020603050405020304" pitchFamily="18" charset="0"/>
-                                <a:cs typeface="B Nazanin" panose="00000400000000000000" pitchFamily="2" charset="-78"/>
-                              </a:rPr>
-                              <m:t>𝑍</m:t>
-                            </m:r>
-                          </m:e>
-                          <m:sup>
-                            <m:d>
-                              <m:dPr>
-                                <m:begChr m:val="["/>
-                                <m:endChr m:val="]"/>
-                                <m:ctrlPr>
-                                  <a:rPr lang="en-US" sz="2400" i="1">
-                                    <a:latin typeface="Cambria Math" panose="02040503050406030204" pitchFamily="18" charset="0"/>
-                                    <a:ea typeface="Times New Roman" panose="02020603050405020304" pitchFamily="18" charset="0"/>
-                                    <a:cs typeface="B Nazanin" panose="00000400000000000000" pitchFamily="2" charset="-78"/>
-                                  </a:rPr>
-                                </m:ctrlPr>
-                              </m:dPr>
-                              <m:e>
-                                <m:r>
-                                  <a:rPr lang="en-US" sz="2400" i="1">
-                                    <a:latin typeface="Cambria Math" panose="02040503050406030204" pitchFamily="18" charset="0"/>
-                                    <a:ea typeface="Times New Roman" panose="02020603050405020304" pitchFamily="18" charset="0"/>
-                                    <a:cs typeface="B Nazanin" panose="00000400000000000000" pitchFamily="2" charset="-78"/>
-                                  </a:rPr>
-                                  <m:t>𝑙</m:t>
-                                </m:r>
-                              </m:e>
-                            </m:d>
-                          </m:sup>
-                        </m:sSup>
-                      </m:num>
-                      <m:den>
-                        <m:r>
-                          <a:rPr lang="en-US" sz="2400" i="1">
-                            <a:latin typeface="Cambria Math" panose="02040503050406030204" pitchFamily="18" charset="0"/>
-                            <a:ea typeface="Times New Roman" panose="02020603050405020304" pitchFamily="18" charset="0"/>
-                            <a:cs typeface="B Nazanin" panose="00000400000000000000" pitchFamily="2" charset="-78"/>
-                          </a:rPr>
-                          <m:t>𝜕</m:t>
-                        </m:r>
-                        <m:sSup>
-                          <m:sSupPr>
-                            <m:ctrlPr>
-                              <a:rPr lang="en-US" sz="2400" i="1">
-                                <a:latin typeface="Cambria Math" panose="02040503050406030204" pitchFamily="18" charset="0"/>
-                                <a:ea typeface="Times New Roman" panose="02020603050405020304" pitchFamily="18" charset="0"/>
-                                <a:cs typeface="B Nazanin" panose="00000400000000000000" pitchFamily="2" charset="-78"/>
-                              </a:rPr>
-                            </m:ctrlPr>
-                          </m:sSupPr>
-                          <m:e>
-                            <m:r>
-                              <a:rPr lang="en-US" sz="2400" i="1">
-                                <a:latin typeface="Cambria Math" panose="02040503050406030204" pitchFamily="18" charset="0"/>
-                                <a:ea typeface="Times New Roman" panose="02020603050405020304" pitchFamily="18" charset="0"/>
-                                <a:cs typeface="B Nazanin" panose="00000400000000000000" pitchFamily="2" charset="-78"/>
-                              </a:rPr>
-                              <m:t>𝐴</m:t>
-                            </m:r>
-                          </m:e>
-                          <m:sup>
-                            <m:d>
-                              <m:dPr>
-                                <m:begChr m:val="["/>
-                                <m:endChr m:val="]"/>
-                                <m:ctrlPr>
-                                  <a:rPr lang="en-US" sz="2400" i="1">
-                                    <a:latin typeface="Cambria Math" panose="02040503050406030204" pitchFamily="18" charset="0"/>
-                                    <a:ea typeface="Times New Roman" panose="02020603050405020304" pitchFamily="18" charset="0"/>
-                                    <a:cs typeface="B Nazanin" panose="00000400000000000000" pitchFamily="2" charset="-78"/>
-                                  </a:rPr>
-                                </m:ctrlPr>
-                              </m:dPr>
-                              <m:e>
-                                <m:r>
-                                  <a:rPr lang="en-US" sz="2400" i="1">
-                                    <a:latin typeface="Cambria Math" panose="02040503050406030204" pitchFamily="18" charset="0"/>
-                                    <a:ea typeface="Times New Roman" panose="02020603050405020304" pitchFamily="18" charset="0"/>
-                                    <a:cs typeface="B Nazanin" panose="00000400000000000000" pitchFamily="2" charset="-78"/>
-                                  </a:rPr>
-                                  <m:t>𝑙</m:t>
-                                </m:r>
-                                <m:r>
-                                  <a:rPr lang="en-US" sz="2400" i="1">
-                                    <a:latin typeface="Cambria Math" panose="02040503050406030204" pitchFamily="18" charset="0"/>
-                                    <a:ea typeface="Times New Roman" panose="02020603050405020304" pitchFamily="18" charset="0"/>
-                                    <a:cs typeface="B Nazanin" panose="00000400000000000000" pitchFamily="2" charset="-78"/>
-                                  </a:rPr>
-                                  <m:t>−</m:t>
-                                </m:r>
-                                <m:r>
-                                  <a:rPr lang="en-US" sz="2400" i="1">
-                                    <a:latin typeface="Cambria Math" panose="02040503050406030204" pitchFamily="18" charset="0"/>
-                                    <a:ea typeface="Times New Roman" panose="02020603050405020304" pitchFamily="18" charset="0"/>
-                                    <a:cs typeface="B Nazanin" panose="00000400000000000000" pitchFamily="2" charset="-78"/>
-                                  </a:rPr>
-                                  <m:t>1</m:t>
                                 </m:r>
                               </m:e>
                             </m:d>
@@ -17157,7 +15393,7 @@
                             <a:ea typeface="Times New Roman" panose="02020603050405020304" pitchFamily="18" charset="0"/>
                             <a:cs typeface="B Nazanin" panose="00000400000000000000" pitchFamily="2" charset="-78"/>
                           </a:rPr>
-                          <m:t>𝑊</m:t>
+                          <m:t>𝐴</m:t>
                         </m:r>
                       </m:e>
                       <m:sup>
@@ -17181,6 +15417,22 @@
                                 <a:cs typeface="B Nazanin" panose="00000400000000000000" pitchFamily="2" charset="-78"/>
                               </a:rPr>
                               <m:t>𝑙</m:t>
+                            </m:r>
+                            <m:r>
+                              <a:rPr lang="en-US" sz="2400" i="1">
+                                <a:latin typeface="Cambria Math" panose="02040503050406030204" pitchFamily="18" charset="0"/>
+                                <a:ea typeface="Times New Roman" panose="02020603050405020304" pitchFamily="18" charset="0"/>
+                                <a:cs typeface="B Nazanin" panose="00000400000000000000" pitchFamily="2" charset="-78"/>
+                              </a:rPr>
+                              <m:t>−</m:t>
+                            </m:r>
+                            <m:r>
+                              <a:rPr lang="en-US" sz="2400" i="1">
+                                <a:latin typeface="Cambria Math" panose="02040503050406030204" pitchFamily="18" charset="0"/>
+                                <a:ea typeface="Times New Roman" panose="02020603050405020304" pitchFamily="18" charset="0"/>
+                                <a:cs typeface="B Nazanin" panose="00000400000000000000" pitchFamily="2" charset="-78"/>
+                              </a:rPr>
+                              <m:t>1</m:t>
                             </m:r>
                           </m:e>
                         </m:d>
@@ -17526,6 +15778,1772 @@
                         <a:ea typeface="Times New Roman" panose="02020603050405020304" pitchFamily="18" charset="0"/>
                         <a:cs typeface="B Nazanin" panose="00000400000000000000" pitchFamily="2" charset="-78"/>
                       </a:rPr>
+                      <m:t>1</m:t>
+                    </m:r>
+                  </m:oMath>
+                </a14:m>
+                <a:endParaRPr lang="en-US" sz="2400" dirty="0">
+                  <a:latin typeface="Times New Roman" panose="02020603050405020304" pitchFamily="18" charset="0"/>
+                  <a:ea typeface="Calibri" panose="020F0502020204030204" pitchFamily="34" charset="0"/>
+                  <a:cs typeface="B Nazanin" panose="00000400000000000000" pitchFamily="2" charset="-78"/>
+                </a:endParaRPr>
+              </a:p>
+              <a:p>
+                <a:pPr marL="0" marR="0" lvl="0" indent="0">
+                  <a:lnSpc>
+                    <a:spcPct val="150000"/>
+                  </a:lnSpc>
+                  <a:spcBef>
+                    <a:spcPts val="0"/>
+                  </a:spcBef>
+                  <a:spcAft>
+                    <a:spcPts val="0"/>
+                  </a:spcAft>
+                  <a:buNone/>
+                </a:pPr>
+                <a14:m>
+                  <m:oMath xmlns:m="http://schemas.openxmlformats.org/officeDocument/2006/math">
+                    <m:f>
+                      <m:fPr>
+                        <m:ctrlPr>
+                          <a:rPr lang="en-US" sz="2400" i="1">
+                            <a:latin typeface="Cambria Math" panose="02040503050406030204" pitchFamily="18" charset="0"/>
+                            <a:ea typeface="Times New Roman" panose="02020603050405020304" pitchFamily="18" charset="0"/>
+                            <a:cs typeface="B Nazanin" panose="00000400000000000000" pitchFamily="2" charset="-78"/>
+                          </a:rPr>
+                        </m:ctrlPr>
+                      </m:fPr>
+                      <m:num>
+                        <m:r>
+                          <a:rPr lang="en-US" sz="2400" i="1">
+                            <a:latin typeface="Cambria Math" panose="02040503050406030204" pitchFamily="18" charset="0"/>
+                            <a:ea typeface="Times New Roman" panose="02020603050405020304" pitchFamily="18" charset="0"/>
+                            <a:cs typeface="B Nazanin" panose="00000400000000000000" pitchFamily="2" charset="-78"/>
+                          </a:rPr>
+                          <m:t>𝜕</m:t>
+                        </m:r>
+                        <m:r>
+                          <a:rPr lang="en-US" sz="2400" i="1">
+                            <a:latin typeface="Cambria Math" panose="02040503050406030204" pitchFamily="18" charset="0"/>
+                            <a:ea typeface="Times New Roman" panose="02020603050405020304" pitchFamily="18" charset="0"/>
+                            <a:cs typeface="B Nazanin" panose="00000400000000000000" pitchFamily="2" charset="-78"/>
+                          </a:rPr>
+                          <m:t>𝐶</m:t>
+                        </m:r>
+                      </m:num>
+                      <m:den>
+                        <m:r>
+                          <a:rPr lang="en-US" sz="2400" i="1">
+                            <a:latin typeface="Cambria Math" panose="02040503050406030204" pitchFamily="18" charset="0"/>
+                            <a:ea typeface="Times New Roman" panose="02020603050405020304" pitchFamily="18" charset="0"/>
+                            <a:cs typeface="B Nazanin" panose="00000400000000000000" pitchFamily="2" charset="-78"/>
+                          </a:rPr>
+                          <m:t>𝜕</m:t>
+                        </m:r>
+                        <m:sSup>
+                          <m:sSupPr>
+                            <m:ctrlPr>
+                              <a:rPr lang="en-US" sz="2400" i="1">
+                                <a:latin typeface="Cambria Math" panose="02040503050406030204" pitchFamily="18" charset="0"/>
+                                <a:ea typeface="Times New Roman" panose="02020603050405020304" pitchFamily="18" charset="0"/>
+                                <a:cs typeface="B Nazanin" panose="00000400000000000000" pitchFamily="2" charset="-78"/>
+                              </a:rPr>
+                            </m:ctrlPr>
+                          </m:sSupPr>
+                          <m:e>
+                            <m:r>
+                              <a:rPr lang="en-US" sz="2400" i="1">
+                                <a:latin typeface="Cambria Math" panose="02040503050406030204" pitchFamily="18" charset="0"/>
+                                <a:ea typeface="Times New Roman" panose="02020603050405020304" pitchFamily="18" charset="0"/>
+                                <a:cs typeface="B Nazanin" panose="00000400000000000000" pitchFamily="2" charset="-78"/>
+                              </a:rPr>
+                              <m:t>𝑏</m:t>
+                            </m:r>
+                          </m:e>
+                          <m:sup>
+                            <m:d>
+                              <m:dPr>
+                                <m:begChr m:val="["/>
+                                <m:endChr m:val="]"/>
+                                <m:ctrlPr>
+                                  <a:rPr lang="en-US" sz="2400" i="1">
+                                    <a:latin typeface="Cambria Math" panose="02040503050406030204" pitchFamily="18" charset="0"/>
+                                    <a:ea typeface="Times New Roman" panose="02020603050405020304" pitchFamily="18" charset="0"/>
+                                    <a:cs typeface="B Nazanin" panose="00000400000000000000" pitchFamily="2" charset="-78"/>
+                                  </a:rPr>
+                                </m:ctrlPr>
+                              </m:dPr>
+                              <m:e>
+                                <m:r>
+                                  <a:rPr lang="en-US" sz="2400" i="1">
+                                    <a:latin typeface="Cambria Math" panose="02040503050406030204" pitchFamily="18" charset="0"/>
+                                    <a:ea typeface="Times New Roman" panose="02020603050405020304" pitchFamily="18" charset="0"/>
+                                    <a:cs typeface="B Nazanin" panose="00000400000000000000" pitchFamily="2" charset="-78"/>
+                                  </a:rPr>
+                                  <m:t>𝑙</m:t>
+                                </m:r>
+                              </m:e>
+                            </m:d>
+                          </m:sup>
+                        </m:sSup>
+                      </m:den>
+                    </m:f>
+                    <m:r>
+                      <a:rPr lang="en-US" sz="2400" i="1">
+                        <a:latin typeface="Cambria Math" panose="02040503050406030204" pitchFamily="18" charset="0"/>
+                        <a:ea typeface="Times New Roman" panose="02020603050405020304" pitchFamily="18" charset="0"/>
+                        <a:cs typeface="B Nazanin" panose="00000400000000000000" pitchFamily="2" charset="-78"/>
+                      </a:rPr>
+                      <m:t>=</m:t>
+                    </m:r>
+                    <m:f>
+                      <m:fPr>
+                        <m:ctrlPr>
+                          <a:rPr lang="en-US" sz="2400" i="1" smtClean="0">
+                            <a:latin typeface="Cambria Math" panose="02040503050406030204" pitchFamily="18" charset="0"/>
+                            <a:ea typeface="Times New Roman" panose="02020603050405020304" pitchFamily="18" charset="0"/>
+                            <a:cs typeface="B Nazanin" panose="00000400000000000000" pitchFamily="2" charset="-78"/>
+                          </a:rPr>
+                        </m:ctrlPr>
+                      </m:fPr>
+                      <m:num>
+                        <m:r>
+                          <a:rPr lang="en-US" sz="2400" i="1">
+                            <a:latin typeface="Cambria Math" panose="02040503050406030204" pitchFamily="18" charset="0"/>
+                            <a:ea typeface="Times New Roman" panose="02020603050405020304" pitchFamily="18" charset="0"/>
+                            <a:cs typeface="B Nazanin" panose="00000400000000000000" pitchFamily="2" charset="-78"/>
+                          </a:rPr>
+                          <m:t>𝜕</m:t>
+                        </m:r>
+                        <m:sSup>
+                          <m:sSupPr>
+                            <m:ctrlPr>
+                              <a:rPr lang="en-US" sz="2400" i="1">
+                                <a:latin typeface="Cambria Math" panose="02040503050406030204" pitchFamily="18" charset="0"/>
+                                <a:ea typeface="Times New Roman" panose="02020603050405020304" pitchFamily="18" charset="0"/>
+                                <a:cs typeface="B Nazanin" panose="00000400000000000000" pitchFamily="2" charset="-78"/>
+                              </a:rPr>
+                            </m:ctrlPr>
+                          </m:sSupPr>
+                          <m:e>
+                            <m:r>
+                              <a:rPr lang="en-US" sz="2400" i="1">
+                                <a:latin typeface="Cambria Math" panose="02040503050406030204" pitchFamily="18" charset="0"/>
+                                <a:ea typeface="Times New Roman" panose="02020603050405020304" pitchFamily="18" charset="0"/>
+                                <a:cs typeface="B Nazanin" panose="00000400000000000000" pitchFamily="2" charset="-78"/>
+                              </a:rPr>
+                              <m:t>𝑍</m:t>
+                            </m:r>
+                          </m:e>
+                          <m:sup>
+                            <m:d>
+                              <m:dPr>
+                                <m:begChr m:val="["/>
+                                <m:endChr m:val="]"/>
+                                <m:ctrlPr>
+                                  <a:rPr lang="en-US" sz="2400" i="1">
+                                    <a:latin typeface="Cambria Math" panose="02040503050406030204" pitchFamily="18" charset="0"/>
+                                    <a:ea typeface="Times New Roman" panose="02020603050405020304" pitchFamily="18" charset="0"/>
+                                    <a:cs typeface="B Nazanin" panose="00000400000000000000" pitchFamily="2" charset="-78"/>
+                                  </a:rPr>
+                                </m:ctrlPr>
+                              </m:dPr>
+                              <m:e>
+                                <m:r>
+                                  <a:rPr lang="en-US" sz="2400" i="1">
+                                    <a:latin typeface="Cambria Math" panose="02040503050406030204" pitchFamily="18" charset="0"/>
+                                    <a:ea typeface="Times New Roman" panose="02020603050405020304" pitchFamily="18" charset="0"/>
+                                    <a:cs typeface="B Nazanin" panose="00000400000000000000" pitchFamily="2" charset="-78"/>
+                                  </a:rPr>
+                                  <m:t>𝑙</m:t>
+                                </m:r>
+                              </m:e>
+                            </m:d>
+                          </m:sup>
+                        </m:sSup>
+                      </m:num>
+                      <m:den>
+                        <m:r>
+                          <a:rPr lang="en-US" sz="2400" i="1">
+                            <a:latin typeface="Cambria Math" panose="02040503050406030204" pitchFamily="18" charset="0"/>
+                            <a:ea typeface="Times New Roman" panose="02020603050405020304" pitchFamily="18" charset="0"/>
+                            <a:cs typeface="B Nazanin" panose="00000400000000000000" pitchFamily="2" charset="-78"/>
+                          </a:rPr>
+                          <m:t>𝜕</m:t>
+                        </m:r>
+                        <m:sSup>
+                          <m:sSupPr>
+                            <m:ctrlPr>
+                              <a:rPr lang="en-US" sz="2400" i="1">
+                                <a:latin typeface="Cambria Math" panose="02040503050406030204" pitchFamily="18" charset="0"/>
+                                <a:ea typeface="Times New Roman" panose="02020603050405020304" pitchFamily="18" charset="0"/>
+                                <a:cs typeface="B Nazanin" panose="00000400000000000000" pitchFamily="2" charset="-78"/>
+                              </a:rPr>
+                            </m:ctrlPr>
+                          </m:sSupPr>
+                          <m:e>
+                            <m:r>
+                              <a:rPr lang="en-US" sz="2400" i="1">
+                                <a:latin typeface="Cambria Math" panose="02040503050406030204" pitchFamily="18" charset="0"/>
+                                <a:ea typeface="Times New Roman" panose="02020603050405020304" pitchFamily="18" charset="0"/>
+                                <a:cs typeface="B Nazanin" panose="00000400000000000000" pitchFamily="2" charset="-78"/>
+                              </a:rPr>
+                              <m:t>𝑏</m:t>
+                            </m:r>
+                          </m:e>
+                          <m:sup>
+                            <m:d>
+                              <m:dPr>
+                                <m:begChr m:val="["/>
+                                <m:endChr m:val="]"/>
+                                <m:ctrlPr>
+                                  <a:rPr lang="en-US" sz="2400" i="1">
+                                    <a:latin typeface="Cambria Math" panose="02040503050406030204" pitchFamily="18" charset="0"/>
+                                    <a:ea typeface="Times New Roman" panose="02020603050405020304" pitchFamily="18" charset="0"/>
+                                    <a:cs typeface="B Nazanin" panose="00000400000000000000" pitchFamily="2" charset="-78"/>
+                                  </a:rPr>
+                                </m:ctrlPr>
+                              </m:dPr>
+                              <m:e>
+                                <m:r>
+                                  <a:rPr lang="en-US" sz="2400" i="1">
+                                    <a:latin typeface="Cambria Math" panose="02040503050406030204" pitchFamily="18" charset="0"/>
+                                    <a:ea typeface="Times New Roman" panose="02020603050405020304" pitchFamily="18" charset="0"/>
+                                    <a:cs typeface="B Nazanin" panose="00000400000000000000" pitchFamily="2" charset="-78"/>
+                                  </a:rPr>
+                                  <m:t>𝑙</m:t>
+                                </m:r>
+                              </m:e>
+                            </m:d>
+                          </m:sup>
+                        </m:sSup>
+                      </m:den>
+                    </m:f>
+                    <m:d>
+                      <m:dPr>
+                        <m:ctrlPr>
+                          <a:rPr lang="en-US" sz="2400" i="1">
+                            <a:latin typeface="Cambria Math" panose="02040503050406030204" pitchFamily="18" charset="0"/>
+                            <a:ea typeface="Times New Roman" panose="02020603050405020304" pitchFamily="18" charset="0"/>
+                            <a:cs typeface="B Nazanin" panose="00000400000000000000" pitchFamily="2" charset="-78"/>
+                          </a:rPr>
+                        </m:ctrlPr>
+                      </m:dPr>
+                      <m:e>
+                        <m:f>
+                          <m:fPr>
+                            <m:ctrlPr>
+                              <a:rPr lang="en-US" sz="2400" i="1">
+                                <a:latin typeface="Cambria Math" panose="02040503050406030204" pitchFamily="18" charset="0"/>
+                                <a:ea typeface="Times New Roman" panose="02020603050405020304" pitchFamily="18" charset="0"/>
+                                <a:cs typeface="B Nazanin" panose="00000400000000000000" pitchFamily="2" charset="-78"/>
+                              </a:rPr>
+                            </m:ctrlPr>
+                          </m:fPr>
+                          <m:num>
+                            <m:r>
+                              <a:rPr lang="en-US" sz="2400" i="1">
+                                <a:latin typeface="Cambria Math" panose="02040503050406030204" pitchFamily="18" charset="0"/>
+                                <a:ea typeface="Times New Roman" panose="02020603050405020304" pitchFamily="18" charset="0"/>
+                                <a:cs typeface="B Nazanin" panose="00000400000000000000" pitchFamily="2" charset="-78"/>
+                              </a:rPr>
+                              <m:t>𝜕</m:t>
+                            </m:r>
+                            <m:r>
+                              <a:rPr lang="en-US" sz="2400" i="1">
+                                <a:latin typeface="Cambria Math" panose="02040503050406030204" pitchFamily="18" charset="0"/>
+                                <a:ea typeface="Times New Roman" panose="02020603050405020304" pitchFamily="18" charset="0"/>
+                                <a:cs typeface="B Nazanin" panose="00000400000000000000" pitchFamily="2" charset="-78"/>
+                              </a:rPr>
+                              <m:t>𝐶</m:t>
+                            </m:r>
+                          </m:num>
+                          <m:den>
+                            <m:r>
+                              <a:rPr lang="en-US" sz="2400" i="1">
+                                <a:latin typeface="Cambria Math" panose="02040503050406030204" pitchFamily="18" charset="0"/>
+                                <a:ea typeface="Times New Roman" panose="02020603050405020304" pitchFamily="18" charset="0"/>
+                                <a:cs typeface="B Nazanin" panose="00000400000000000000" pitchFamily="2" charset="-78"/>
+                              </a:rPr>
+                              <m:t>𝜕</m:t>
+                            </m:r>
+                            <m:sSup>
+                              <m:sSupPr>
+                                <m:ctrlPr>
+                                  <a:rPr lang="en-US" sz="2400" i="1">
+                                    <a:latin typeface="Cambria Math" panose="02040503050406030204" pitchFamily="18" charset="0"/>
+                                    <a:ea typeface="Times New Roman" panose="02020603050405020304" pitchFamily="18" charset="0"/>
+                                    <a:cs typeface="B Nazanin" panose="00000400000000000000" pitchFamily="2" charset="-78"/>
+                                  </a:rPr>
+                                </m:ctrlPr>
+                              </m:sSupPr>
+                              <m:e>
+                                <m:r>
+                                  <a:rPr lang="en-US" sz="2400" i="1">
+                                    <a:latin typeface="Cambria Math" panose="02040503050406030204" pitchFamily="18" charset="0"/>
+                                    <a:ea typeface="Times New Roman" panose="02020603050405020304" pitchFamily="18" charset="0"/>
+                                    <a:cs typeface="B Nazanin" panose="00000400000000000000" pitchFamily="2" charset="-78"/>
+                                  </a:rPr>
+                                  <m:t>𝐴</m:t>
+                                </m:r>
+                              </m:e>
+                              <m:sup>
+                                <m:r>
+                                  <a:rPr lang="en-US" sz="2400" i="1">
+                                    <a:latin typeface="Cambria Math" panose="02040503050406030204" pitchFamily="18" charset="0"/>
+                                    <a:ea typeface="Times New Roman" panose="02020603050405020304" pitchFamily="18" charset="0"/>
+                                    <a:cs typeface="B Nazanin" panose="00000400000000000000" pitchFamily="2" charset="-78"/>
+                                  </a:rPr>
+                                  <m:t>[</m:t>
+                                </m:r>
+                                <m:r>
+                                  <a:rPr lang="en-US" sz="2400" i="1">
+                                    <a:latin typeface="Cambria Math" panose="02040503050406030204" pitchFamily="18" charset="0"/>
+                                    <a:ea typeface="Times New Roman" panose="02020603050405020304" pitchFamily="18" charset="0"/>
+                                    <a:cs typeface="B Nazanin" panose="00000400000000000000" pitchFamily="2" charset="-78"/>
+                                  </a:rPr>
+                                  <m:t>𝑙</m:t>
+                                </m:r>
+                                <m:r>
+                                  <a:rPr lang="en-US" sz="2400" i="1">
+                                    <a:latin typeface="Cambria Math" panose="02040503050406030204" pitchFamily="18" charset="0"/>
+                                    <a:ea typeface="Times New Roman" panose="02020603050405020304" pitchFamily="18" charset="0"/>
+                                    <a:cs typeface="B Nazanin" panose="00000400000000000000" pitchFamily="2" charset="-78"/>
+                                  </a:rPr>
+                                  <m:t>]</m:t>
+                                </m:r>
+                              </m:sup>
+                            </m:sSup>
+                          </m:den>
+                        </m:f>
+                        <m:r>
+                          <a:rPr lang="en-US" sz="2400" i="1">
+                            <a:latin typeface="Cambria Math" panose="02040503050406030204" pitchFamily="18" charset="0"/>
+                            <a:ea typeface="Times New Roman" panose="02020603050405020304" pitchFamily="18" charset="0"/>
+                            <a:cs typeface="B Nazanin" panose="00000400000000000000" pitchFamily="2" charset="-78"/>
+                          </a:rPr>
+                          <m:t>:</m:t>
+                        </m:r>
+                        <m:f>
+                          <m:fPr>
+                            <m:ctrlPr>
+                              <a:rPr lang="en-US" sz="2400" i="1">
+                                <a:latin typeface="Cambria Math" panose="02040503050406030204" pitchFamily="18" charset="0"/>
+                                <a:ea typeface="Times New Roman" panose="02020603050405020304" pitchFamily="18" charset="0"/>
+                                <a:cs typeface="B Nazanin" panose="00000400000000000000" pitchFamily="2" charset="-78"/>
+                              </a:rPr>
+                            </m:ctrlPr>
+                          </m:fPr>
+                          <m:num>
+                            <m:r>
+                              <a:rPr lang="en-US" sz="2400" i="1">
+                                <a:latin typeface="Cambria Math" panose="02040503050406030204" pitchFamily="18" charset="0"/>
+                                <a:ea typeface="Times New Roman" panose="02020603050405020304" pitchFamily="18" charset="0"/>
+                                <a:cs typeface="B Nazanin" panose="00000400000000000000" pitchFamily="2" charset="-78"/>
+                              </a:rPr>
+                              <m:t>𝜕</m:t>
+                            </m:r>
+                            <m:sSup>
+                              <m:sSupPr>
+                                <m:ctrlPr>
+                                  <a:rPr lang="en-US" sz="2400" i="1">
+                                    <a:latin typeface="Cambria Math" panose="02040503050406030204" pitchFamily="18" charset="0"/>
+                                    <a:ea typeface="Times New Roman" panose="02020603050405020304" pitchFamily="18" charset="0"/>
+                                    <a:cs typeface="B Nazanin" panose="00000400000000000000" pitchFamily="2" charset="-78"/>
+                                  </a:rPr>
+                                </m:ctrlPr>
+                              </m:sSupPr>
+                              <m:e>
+                                <m:r>
+                                  <a:rPr lang="en-US" sz="2400" i="1">
+                                    <a:latin typeface="Cambria Math" panose="02040503050406030204" pitchFamily="18" charset="0"/>
+                                    <a:ea typeface="Times New Roman" panose="02020603050405020304" pitchFamily="18" charset="0"/>
+                                    <a:cs typeface="B Nazanin" panose="00000400000000000000" pitchFamily="2" charset="-78"/>
+                                  </a:rPr>
+                                  <m:t>𝐴</m:t>
+                                </m:r>
+                              </m:e>
+                              <m:sup>
+                                <m:d>
+                                  <m:dPr>
+                                    <m:begChr m:val="["/>
+                                    <m:endChr m:val="]"/>
+                                    <m:ctrlPr>
+                                      <a:rPr lang="en-US" sz="2400" i="1">
+                                        <a:latin typeface="Cambria Math" panose="02040503050406030204" pitchFamily="18" charset="0"/>
+                                        <a:ea typeface="Times New Roman" panose="02020603050405020304" pitchFamily="18" charset="0"/>
+                                        <a:cs typeface="B Nazanin" panose="00000400000000000000" pitchFamily="2" charset="-78"/>
+                                      </a:rPr>
+                                    </m:ctrlPr>
+                                  </m:dPr>
+                                  <m:e>
+                                    <m:r>
+                                      <a:rPr lang="en-US" sz="2400" i="1">
+                                        <a:latin typeface="Cambria Math" panose="02040503050406030204" pitchFamily="18" charset="0"/>
+                                        <a:ea typeface="Times New Roman" panose="02020603050405020304" pitchFamily="18" charset="0"/>
+                                        <a:cs typeface="B Nazanin" panose="00000400000000000000" pitchFamily="2" charset="-78"/>
+                                      </a:rPr>
+                                      <m:t>𝑙</m:t>
+                                    </m:r>
+                                  </m:e>
+                                </m:d>
+                              </m:sup>
+                            </m:sSup>
+                          </m:num>
+                          <m:den>
+                            <m:r>
+                              <a:rPr lang="en-US" sz="2400" i="1">
+                                <a:latin typeface="Cambria Math" panose="02040503050406030204" pitchFamily="18" charset="0"/>
+                                <a:ea typeface="Times New Roman" panose="02020603050405020304" pitchFamily="18" charset="0"/>
+                                <a:cs typeface="B Nazanin" panose="00000400000000000000" pitchFamily="2" charset="-78"/>
+                              </a:rPr>
+                              <m:t>𝜕</m:t>
+                            </m:r>
+                            <m:sSup>
+                              <m:sSupPr>
+                                <m:ctrlPr>
+                                  <a:rPr lang="en-US" sz="2400" i="1">
+                                    <a:latin typeface="Cambria Math" panose="02040503050406030204" pitchFamily="18" charset="0"/>
+                                    <a:ea typeface="Times New Roman" panose="02020603050405020304" pitchFamily="18" charset="0"/>
+                                    <a:cs typeface="B Nazanin" panose="00000400000000000000" pitchFamily="2" charset="-78"/>
+                                  </a:rPr>
+                                </m:ctrlPr>
+                              </m:sSupPr>
+                              <m:e>
+                                <m:r>
+                                  <a:rPr lang="en-US" sz="2400" i="1">
+                                    <a:latin typeface="Cambria Math" panose="02040503050406030204" pitchFamily="18" charset="0"/>
+                                    <a:ea typeface="Times New Roman" panose="02020603050405020304" pitchFamily="18" charset="0"/>
+                                    <a:cs typeface="B Nazanin" panose="00000400000000000000" pitchFamily="2" charset="-78"/>
+                                  </a:rPr>
+                                  <m:t>𝑍</m:t>
+                                </m:r>
+                              </m:e>
+                              <m:sup>
+                                <m:d>
+                                  <m:dPr>
+                                    <m:begChr m:val="["/>
+                                    <m:endChr m:val="]"/>
+                                    <m:ctrlPr>
+                                      <a:rPr lang="en-US" sz="2400" i="1">
+                                        <a:latin typeface="Cambria Math" panose="02040503050406030204" pitchFamily="18" charset="0"/>
+                                        <a:ea typeface="Times New Roman" panose="02020603050405020304" pitchFamily="18" charset="0"/>
+                                        <a:cs typeface="B Nazanin" panose="00000400000000000000" pitchFamily="2" charset="-78"/>
+                                      </a:rPr>
+                                    </m:ctrlPr>
+                                  </m:dPr>
+                                  <m:e>
+                                    <m:r>
+                                      <a:rPr lang="en-US" sz="2400" i="1">
+                                        <a:latin typeface="Cambria Math" panose="02040503050406030204" pitchFamily="18" charset="0"/>
+                                        <a:ea typeface="Times New Roman" panose="02020603050405020304" pitchFamily="18" charset="0"/>
+                                        <a:cs typeface="B Nazanin" panose="00000400000000000000" pitchFamily="2" charset="-78"/>
+                                      </a:rPr>
+                                      <m:t>𝑙</m:t>
+                                    </m:r>
+                                  </m:e>
+                                </m:d>
+                              </m:sup>
+                            </m:sSup>
+                          </m:den>
+                        </m:f>
+                      </m:e>
+                    </m:d>
+                    <m:r>
+                      <a:rPr lang="en-US" sz="2400" i="1">
+                        <a:latin typeface="Cambria Math" panose="02040503050406030204" pitchFamily="18" charset="0"/>
+                        <a:ea typeface="Times New Roman" panose="02020603050405020304" pitchFamily="18" charset="0"/>
+                        <a:cs typeface="B Nazanin" panose="00000400000000000000" pitchFamily="2" charset="-78"/>
+                      </a:rPr>
+                      <m:t>=</m:t>
+                    </m:r>
+                    <m:sSub>
+                      <m:sSubPr>
+                        <m:ctrlPr>
+                          <a:rPr lang="en-US" sz="2400" i="1">
+                            <a:latin typeface="Cambria Math" panose="02040503050406030204" pitchFamily="18" charset="0"/>
+                            <a:ea typeface="Times New Roman" panose="02020603050405020304" pitchFamily="18" charset="0"/>
+                            <a:cs typeface="B Nazanin" panose="00000400000000000000" pitchFamily="2" charset="-78"/>
+                          </a:rPr>
+                        </m:ctrlPr>
+                      </m:sSubPr>
+                      <m:e>
+                        <m:r>
+                          <a:rPr lang="en-US" sz="2400" i="1">
+                            <a:latin typeface="Cambria Math" panose="02040503050406030204" pitchFamily="18" charset="0"/>
+                            <a:ea typeface="Times New Roman" panose="02020603050405020304" pitchFamily="18" charset="0"/>
+                            <a:cs typeface="B Nazanin" panose="00000400000000000000" pitchFamily="2" charset="-78"/>
+                          </a:rPr>
+                          <m:t>1</m:t>
+                        </m:r>
+                      </m:e>
+                      <m:sub>
+                        <m:r>
+                          <a:rPr lang="en-US" sz="2400" b="0" i="1" smtClean="0">
+                            <a:latin typeface="Cambria Math" panose="02040503050406030204" pitchFamily="18" charset="0"/>
+                            <a:ea typeface="Times New Roman" panose="02020603050405020304" pitchFamily="18" charset="0"/>
+                            <a:cs typeface="B Nazanin" panose="00000400000000000000" pitchFamily="2" charset="-78"/>
+                          </a:rPr>
+                          <m:t>1</m:t>
+                        </m:r>
+                        <m:r>
+                          <a:rPr lang="en-US" sz="2400" b="0" i="1" smtClean="0">
+                            <a:latin typeface="Cambria Math" panose="02040503050406030204" pitchFamily="18" charset="0"/>
+                            <a:ea typeface="Times New Roman" panose="02020603050405020304" pitchFamily="18" charset="0"/>
+                            <a:cs typeface="B Nazanin" panose="00000400000000000000" pitchFamily="2" charset="-78"/>
+                          </a:rPr>
+                          <m:t>×</m:t>
+                        </m:r>
+                        <m:r>
+                          <a:rPr lang="en-US" sz="2400" b="0" i="1" smtClean="0">
+                            <a:latin typeface="Cambria Math" panose="02040503050406030204" pitchFamily="18" charset="0"/>
+                            <a:ea typeface="Times New Roman" panose="02020603050405020304" pitchFamily="18" charset="0"/>
+                            <a:cs typeface="B Nazanin" panose="00000400000000000000" pitchFamily="2" charset="-78"/>
+                          </a:rPr>
+                          <m:t>𝑛</m:t>
+                        </m:r>
+                      </m:sub>
+                    </m:sSub>
+                    <m:d>
+                      <m:dPr>
+                        <m:ctrlPr>
+                          <a:rPr lang="en-US" sz="2400" i="1">
+                            <a:latin typeface="Cambria Math" panose="02040503050406030204" pitchFamily="18" charset="0"/>
+                            <a:ea typeface="Times New Roman" panose="02020603050405020304" pitchFamily="18" charset="0"/>
+                            <a:cs typeface="B Nazanin" panose="00000400000000000000" pitchFamily="2" charset="-78"/>
+                          </a:rPr>
+                        </m:ctrlPr>
+                      </m:dPr>
+                      <m:e>
+                        <m:f>
+                          <m:fPr>
+                            <m:ctrlPr>
+                              <a:rPr lang="en-US" sz="2400" i="1">
+                                <a:latin typeface="Cambria Math" panose="02040503050406030204" pitchFamily="18" charset="0"/>
+                                <a:ea typeface="Times New Roman" panose="02020603050405020304" pitchFamily="18" charset="0"/>
+                                <a:cs typeface="B Nazanin" panose="00000400000000000000" pitchFamily="2" charset="-78"/>
+                              </a:rPr>
+                            </m:ctrlPr>
+                          </m:fPr>
+                          <m:num>
+                            <m:r>
+                              <a:rPr lang="en-US" sz="2400" i="1">
+                                <a:latin typeface="Cambria Math" panose="02040503050406030204" pitchFamily="18" charset="0"/>
+                                <a:ea typeface="Times New Roman" panose="02020603050405020304" pitchFamily="18" charset="0"/>
+                                <a:cs typeface="B Nazanin" panose="00000400000000000000" pitchFamily="2" charset="-78"/>
+                              </a:rPr>
+                              <m:t>𝜕</m:t>
+                            </m:r>
+                            <m:r>
+                              <a:rPr lang="en-US" sz="2400" i="1">
+                                <a:latin typeface="Cambria Math" panose="02040503050406030204" pitchFamily="18" charset="0"/>
+                                <a:ea typeface="Times New Roman" panose="02020603050405020304" pitchFamily="18" charset="0"/>
+                                <a:cs typeface="B Nazanin" panose="00000400000000000000" pitchFamily="2" charset="-78"/>
+                              </a:rPr>
+                              <m:t>𝐶</m:t>
+                            </m:r>
+                          </m:num>
+                          <m:den>
+                            <m:r>
+                              <a:rPr lang="en-US" sz="2400" i="1">
+                                <a:latin typeface="Cambria Math" panose="02040503050406030204" pitchFamily="18" charset="0"/>
+                                <a:ea typeface="Times New Roman" panose="02020603050405020304" pitchFamily="18" charset="0"/>
+                                <a:cs typeface="B Nazanin" panose="00000400000000000000" pitchFamily="2" charset="-78"/>
+                              </a:rPr>
+                              <m:t>𝜕</m:t>
+                            </m:r>
+                            <m:sSup>
+                              <m:sSupPr>
+                                <m:ctrlPr>
+                                  <a:rPr lang="en-US" sz="2400" i="1">
+                                    <a:latin typeface="Cambria Math" panose="02040503050406030204" pitchFamily="18" charset="0"/>
+                                    <a:ea typeface="Times New Roman" panose="02020603050405020304" pitchFamily="18" charset="0"/>
+                                    <a:cs typeface="B Nazanin" panose="00000400000000000000" pitchFamily="2" charset="-78"/>
+                                  </a:rPr>
+                                </m:ctrlPr>
+                              </m:sSupPr>
+                              <m:e>
+                                <m:r>
+                                  <a:rPr lang="en-US" sz="2400" i="1">
+                                    <a:latin typeface="Cambria Math" panose="02040503050406030204" pitchFamily="18" charset="0"/>
+                                    <a:ea typeface="Times New Roman" panose="02020603050405020304" pitchFamily="18" charset="0"/>
+                                    <a:cs typeface="B Nazanin" panose="00000400000000000000" pitchFamily="2" charset="-78"/>
+                                  </a:rPr>
+                                  <m:t>𝐴</m:t>
+                                </m:r>
+                              </m:e>
+                              <m:sup>
+                                <m:d>
+                                  <m:dPr>
+                                    <m:begChr m:val="["/>
+                                    <m:endChr m:val="]"/>
+                                    <m:ctrlPr>
+                                      <a:rPr lang="en-US" sz="2400" i="1">
+                                        <a:latin typeface="Cambria Math" panose="02040503050406030204" pitchFamily="18" charset="0"/>
+                                        <a:ea typeface="Times New Roman" panose="02020603050405020304" pitchFamily="18" charset="0"/>
+                                        <a:cs typeface="B Nazanin" panose="00000400000000000000" pitchFamily="2" charset="-78"/>
+                                      </a:rPr>
+                                    </m:ctrlPr>
+                                  </m:dPr>
+                                  <m:e>
+                                    <m:r>
+                                      <a:rPr lang="en-US" sz="2400" i="1">
+                                        <a:latin typeface="Cambria Math" panose="02040503050406030204" pitchFamily="18" charset="0"/>
+                                        <a:ea typeface="Times New Roman" panose="02020603050405020304" pitchFamily="18" charset="0"/>
+                                        <a:cs typeface="B Nazanin" panose="00000400000000000000" pitchFamily="2" charset="-78"/>
+                                      </a:rPr>
+                                      <m:t>𝑙</m:t>
+                                    </m:r>
+                                  </m:e>
+                                </m:d>
+                              </m:sup>
+                            </m:sSup>
+                          </m:den>
+                        </m:f>
+                        <m:r>
+                          <a:rPr lang="en-US" sz="2400" i="1">
+                            <a:latin typeface="Cambria Math" panose="02040503050406030204" pitchFamily="18" charset="0"/>
+                            <a:ea typeface="Times New Roman" panose="02020603050405020304" pitchFamily="18" charset="0"/>
+                            <a:cs typeface="B Nazanin" panose="00000400000000000000" pitchFamily="2" charset="-78"/>
+                          </a:rPr>
+                          <m:t>:</m:t>
+                        </m:r>
+                        <m:sSup>
+                          <m:sSupPr>
+                            <m:ctrlPr>
+                              <a:rPr lang="en-US" sz="2400" i="1">
+                                <a:latin typeface="Cambria Math" panose="02040503050406030204" pitchFamily="18" charset="0"/>
+                                <a:ea typeface="Times New Roman" panose="02020603050405020304" pitchFamily="18" charset="0"/>
+                                <a:cs typeface="B Nazanin" panose="00000400000000000000" pitchFamily="2" charset="-78"/>
+                              </a:rPr>
+                            </m:ctrlPr>
+                          </m:sSupPr>
+                          <m:e>
+                            <m:sSup>
+                              <m:sSupPr>
+                                <m:ctrlPr>
+                                  <a:rPr lang="en-US" sz="2400" i="1">
+                                    <a:latin typeface="Cambria Math" panose="02040503050406030204" pitchFamily="18" charset="0"/>
+                                    <a:ea typeface="Times New Roman" panose="02020603050405020304" pitchFamily="18" charset="0"/>
+                                    <a:cs typeface="B Nazanin" panose="00000400000000000000" pitchFamily="2" charset="-78"/>
+                                  </a:rPr>
+                                </m:ctrlPr>
+                              </m:sSupPr>
+                              <m:e>
+                                <m:r>
+                                  <a:rPr lang="en-US" sz="2400" i="1">
+                                    <a:latin typeface="Cambria Math" panose="02040503050406030204" pitchFamily="18" charset="0"/>
+                                    <a:ea typeface="Times New Roman" panose="02020603050405020304" pitchFamily="18" charset="0"/>
+                                    <a:cs typeface="B Nazanin" panose="00000400000000000000" pitchFamily="2" charset="-78"/>
+                                  </a:rPr>
+                                  <m:t>𝜎</m:t>
+                                </m:r>
+                              </m:e>
+                              <m:sup>
+                                <m:r>
+                                  <a:rPr lang="en-US" sz="2400" i="1">
+                                    <a:latin typeface="Cambria Math" panose="02040503050406030204" pitchFamily="18" charset="0"/>
+                                    <a:ea typeface="Times New Roman" panose="02020603050405020304" pitchFamily="18" charset="0"/>
+                                    <a:cs typeface="B Nazanin" panose="00000400000000000000" pitchFamily="2" charset="-78"/>
+                                  </a:rPr>
+                                  <m:t>′</m:t>
+                                </m:r>
+                              </m:sup>
+                            </m:sSup>
+                          </m:e>
+                          <m:sup>
+                            <m:d>
+                              <m:dPr>
+                                <m:begChr m:val="["/>
+                                <m:endChr m:val="]"/>
+                                <m:ctrlPr>
+                                  <a:rPr lang="en-US" sz="2400" i="1">
+                                    <a:latin typeface="Cambria Math" panose="02040503050406030204" pitchFamily="18" charset="0"/>
+                                    <a:ea typeface="Times New Roman" panose="02020603050405020304" pitchFamily="18" charset="0"/>
+                                    <a:cs typeface="B Nazanin" panose="00000400000000000000" pitchFamily="2" charset="-78"/>
+                                  </a:rPr>
+                                </m:ctrlPr>
+                              </m:dPr>
+                              <m:e>
+                                <m:r>
+                                  <a:rPr lang="en-US" sz="2400" i="1">
+                                    <a:latin typeface="Cambria Math" panose="02040503050406030204" pitchFamily="18" charset="0"/>
+                                    <a:ea typeface="Times New Roman" panose="02020603050405020304" pitchFamily="18" charset="0"/>
+                                    <a:cs typeface="B Nazanin" panose="00000400000000000000" pitchFamily="2" charset="-78"/>
+                                  </a:rPr>
+                                  <m:t>𝑙</m:t>
+                                </m:r>
+                              </m:e>
+                            </m:d>
+                          </m:sup>
+                        </m:sSup>
+                        <m:d>
+                          <m:dPr>
+                            <m:ctrlPr>
+                              <a:rPr lang="en-US" sz="2400" i="1">
+                                <a:latin typeface="Cambria Math" panose="02040503050406030204" pitchFamily="18" charset="0"/>
+                                <a:ea typeface="Times New Roman" panose="02020603050405020304" pitchFamily="18" charset="0"/>
+                                <a:cs typeface="B Nazanin" panose="00000400000000000000" pitchFamily="2" charset="-78"/>
+                              </a:rPr>
+                            </m:ctrlPr>
+                          </m:dPr>
+                          <m:e>
+                            <m:sSup>
+                              <m:sSupPr>
+                                <m:ctrlPr>
+                                  <a:rPr lang="en-US" sz="2400" i="1">
+                                    <a:latin typeface="Cambria Math" panose="02040503050406030204" pitchFamily="18" charset="0"/>
+                                    <a:ea typeface="Times New Roman" panose="02020603050405020304" pitchFamily="18" charset="0"/>
+                                    <a:cs typeface="B Nazanin" panose="00000400000000000000" pitchFamily="2" charset="-78"/>
+                                  </a:rPr>
+                                </m:ctrlPr>
+                              </m:sSupPr>
+                              <m:e>
+                                <m:r>
+                                  <a:rPr lang="en-US" sz="2400" i="1">
+                                    <a:latin typeface="Cambria Math" panose="02040503050406030204" pitchFamily="18" charset="0"/>
+                                    <a:ea typeface="Times New Roman" panose="02020603050405020304" pitchFamily="18" charset="0"/>
+                                    <a:cs typeface="B Nazanin" panose="00000400000000000000" pitchFamily="2" charset="-78"/>
+                                  </a:rPr>
+                                  <m:t>𝑍</m:t>
+                                </m:r>
+                              </m:e>
+                              <m:sup>
+                                <m:d>
+                                  <m:dPr>
+                                    <m:begChr m:val="["/>
+                                    <m:endChr m:val="]"/>
+                                    <m:ctrlPr>
+                                      <a:rPr lang="en-US" sz="2400" i="1">
+                                        <a:latin typeface="Cambria Math" panose="02040503050406030204" pitchFamily="18" charset="0"/>
+                                        <a:ea typeface="Times New Roman" panose="02020603050405020304" pitchFamily="18" charset="0"/>
+                                        <a:cs typeface="B Nazanin" panose="00000400000000000000" pitchFamily="2" charset="-78"/>
+                                      </a:rPr>
+                                    </m:ctrlPr>
+                                  </m:dPr>
+                                  <m:e>
+                                    <m:r>
+                                      <a:rPr lang="en-US" sz="2400" i="1">
+                                        <a:latin typeface="Cambria Math" panose="02040503050406030204" pitchFamily="18" charset="0"/>
+                                        <a:ea typeface="Times New Roman" panose="02020603050405020304" pitchFamily="18" charset="0"/>
+                                        <a:cs typeface="B Nazanin" panose="00000400000000000000" pitchFamily="2" charset="-78"/>
+                                      </a:rPr>
+                                      <m:t>𝑙</m:t>
+                                    </m:r>
+                                  </m:e>
+                                </m:d>
+                              </m:sup>
+                            </m:sSup>
+                          </m:e>
+                        </m:d>
+                      </m:e>
+                    </m:d>
+                  </m:oMath>
+                </a14:m>
+                <a:r>
+                  <a:rPr lang="en-US" sz="2400" dirty="0">
+                    <a:latin typeface="Times New Roman" panose="02020603050405020304" pitchFamily="18" charset="0"/>
+                    <a:ea typeface="Calibri" panose="020F0502020204030204" pitchFamily="34" charset="0"/>
+                    <a:cs typeface="B Nazanin" panose="00000400000000000000" pitchFamily="2" charset="-78"/>
+                  </a:rPr>
+                  <a:t>		</a:t>
+                </a:r>
+                <a14:m>
+                  <m:oMath xmlns:m="http://schemas.openxmlformats.org/officeDocument/2006/math">
+                    <m:r>
+                      <a:rPr lang="en-US" sz="2400" i="1">
+                        <a:latin typeface="Cambria Math" panose="02040503050406030204" pitchFamily="18" charset="0"/>
+                        <a:ea typeface="Times New Roman" panose="02020603050405020304" pitchFamily="18" charset="0"/>
+                        <a:cs typeface="B Nazanin" panose="00000400000000000000" pitchFamily="2" charset="-78"/>
+                      </a:rPr>
+                      <m:t>∀</m:t>
+                    </m:r>
+                    <m:r>
+                      <a:rPr lang="en-US" sz="2400" i="1">
+                        <a:latin typeface="Cambria Math" panose="02040503050406030204" pitchFamily="18" charset="0"/>
+                        <a:ea typeface="Times New Roman" panose="02020603050405020304" pitchFamily="18" charset="0"/>
+                        <a:cs typeface="B Nazanin" panose="00000400000000000000" pitchFamily="2" charset="-78"/>
+                      </a:rPr>
+                      <m:t>𝑙</m:t>
+                    </m:r>
+                    <m:r>
+                      <a:rPr lang="en-US" sz="2400" i="1">
+                        <a:latin typeface="Cambria Math" panose="02040503050406030204" pitchFamily="18" charset="0"/>
+                        <a:ea typeface="Times New Roman" panose="02020603050405020304" pitchFamily="18" charset="0"/>
+                        <a:cs typeface="B Nazanin" panose="00000400000000000000" pitchFamily="2" charset="-78"/>
+                      </a:rPr>
+                      <m:t>=</m:t>
+                    </m:r>
+                    <m:r>
+                      <a:rPr lang="en-US" sz="2400" i="1">
+                        <a:latin typeface="Cambria Math" panose="02040503050406030204" pitchFamily="18" charset="0"/>
+                        <a:ea typeface="Times New Roman" panose="02020603050405020304" pitchFamily="18" charset="0"/>
+                        <a:cs typeface="B Nazanin" panose="00000400000000000000" pitchFamily="2" charset="-78"/>
+                      </a:rPr>
+                      <m:t>𝐿</m:t>
+                    </m:r>
+                    <m:r>
+                      <a:rPr lang="en-US" sz="2400" i="1">
+                        <a:latin typeface="Cambria Math" panose="02040503050406030204" pitchFamily="18" charset="0"/>
+                        <a:ea typeface="Times New Roman" panose="02020603050405020304" pitchFamily="18" charset="0"/>
+                        <a:cs typeface="B Nazanin" panose="00000400000000000000" pitchFamily="2" charset="-78"/>
+                      </a:rPr>
+                      <m:t>,</m:t>
+                    </m:r>
+                    <m:r>
+                      <a:rPr lang="en-US" sz="2400" i="1">
+                        <a:latin typeface="Cambria Math" panose="02040503050406030204" pitchFamily="18" charset="0"/>
+                        <a:ea typeface="Times New Roman" panose="02020603050405020304" pitchFamily="18" charset="0"/>
+                        <a:cs typeface="B Nazanin" panose="00000400000000000000" pitchFamily="2" charset="-78"/>
+                      </a:rPr>
+                      <m:t>𝐿</m:t>
+                    </m:r>
+                    <m:r>
+                      <a:rPr lang="en-US" sz="2400" i="1">
+                        <a:latin typeface="Cambria Math" panose="02040503050406030204" pitchFamily="18" charset="0"/>
+                        <a:ea typeface="Times New Roman" panose="02020603050405020304" pitchFamily="18" charset="0"/>
+                        <a:cs typeface="B Nazanin" panose="00000400000000000000" pitchFamily="2" charset="-78"/>
+                      </a:rPr>
+                      <m:t>−</m:t>
+                    </m:r>
+                    <m:r>
+                      <a:rPr lang="en-US" sz="2400" i="1">
+                        <a:latin typeface="Cambria Math" panose="02040503050406030204" pitchFamily="18" charset="0"/>
+                        <a:ea typeface="Times New Roman" panose="02020603050405020304" pitchFamily="18" charset="0"/>
+                        <a:cs typeface="B Nazanin" panose="00000400000000000000" pitchFamily="2" charset="-78"/>
+                      </a:rPr>
+                      <m:t>1</m:t>
+                    </m:r>
+                    <m:r>
+                      <a:rPr lang="en-US" sz="2400" i="1">
+                        <a:latin typeface="Cambria Math" panose="02040503050406030204" pitchFamily="18" charset="0"/>
+                        <a:ea typeface="Times New Roman" panose="02020603050405020304" pitchFamily="18" charset="0"/>
+                        <a:cs typeface="B Nazanin" panose="00000400000000000000" pitchFamily="2" charset="-78"/>
+                      </a:rPr>
+                      <m:t>,…,</m:t>
+                    </m:r>
+                    <m:r>
+                      <a:rPr lang="en-US" sz="2400" i="1">
+                        <a:latin typeface="Cambria Math" panose="02040503050406030204" pitchFamily="18" charset="0"/>
+                        <a:ea typeface="Times New Roman" panose="02020603050405020304" pitchFamily="18" charset="0"/>
+                        <a:cs typeface="B Nazanin" panose="00000400000000000000" pitchFamily="2" charset="-78"/>
+                      </a:rPr>
+                      <m:t>1</m:t>
+                    </m:r>
+                  </m:oMath>
+                </a14:m>
+                <a:endParaRPr lang="en-US" sz="2400" dirty="0">
+                  <a:latin typeface="Times New Roman" panose="02020603050405020304" pitchFamily="18" charset="0"/>
+                  <a:ea typeface="Calibri" panose="020F0502020204030204" pitchFamily="34" charset="0"/>
+                  <a:cs typeface="B Nazanin" panose="00000400000000000000" pitchFamily="2" charset="-78"/>
+                </a:endParaRPr>
+              </a:p>
+              <a:p>
+                <a:pPr marL="0" marR="0" lvl="0" indent="0">
+                  <a:lnSpc>
+                    <a:spcPct val="150000"/>
+                  </a:lnSpc>
+                  <a:spcBef>
+                    <a:spcPts val="0"/>
+                  </a:spcBef>
+                  <a:spcAft>
+                    <a:spcPts val="600"/>
+                  </a:spcAft>
+                  <a:buNone/>
+                </a:pPr>
+                <a14:m>
+                  <m:oMath xmlns:m="http://schemas.openxmlformats.org/officeDocument/2006/math">
+                    <m:f>
+                      <m:fPr>
+                        <m:ctrlPr>
+                          <a:rPr lang="en-US" sz="2400" i="1">
+                            <a:latin typeface="Cambria Math" panose="02040503050406030204" pitchFamily="18" charset="0"/>
+                            <a:ea typeface="Times New Roman" panose="02020603050405020304" pitchFamily="18" charset="0"/>
+                            <a:cs typeface="B Nazanin" panose="00000400000000000000" pitchFamily="2" charset="-78"/>
+                          </a:rPr>
+                        </m:ctrlPr>
+                      </m:fPr>
+                      <m:num>
+                        <m:r>
+                          <a:rPr lang="en-US" sz="2400" i="1">
+                            <a:latin typeface="Cambria Math" panose="02040503050406030204" pitchFamily="18" charset="0"/>
+                            <a:ea typeface="Times New Roman" panose="02020603050405020304" pitchFamily="18" charset="0"/>
+                            <a:cs typeface="B Nazanin" panose="00000400000000000000" pitchFamily="2" charset="-78"/>
+                          </a:rPr>
+                          <m:t>𝜕</m:t>
+                        </m:r>
+                        <m:r>
+                          <a:rPr lang="en-US" sz="2400" i="1">
+                            <a:latin typeface="Cambria Math" panose="02040503050406030204" pitchFamily="18" charset="0"/>
+                            <a:ea typeface="Times New Roman" panose="02020603050405020304" pitchFamily="18" charset="0"/>
+                            <a:cs typeface="B Nazanin" panose="00000400000000000000" pitchFamily="2" charset="-78"/>
+                          </a:rPr>
+                          <m:t>𝐶</m:t>
+                        </m:r>
+                      </m:num>
+                      <m:den>
+                        <m:r>
+                          <a:rPr lang="en-US" sz="2400" i="1">
+                            <a:latin typeface="Cambria Math" panose="02040503050406030204" pitchFamily="18" charset="0"/>
+                            <a:ea typeface="Times New Roman" panose="02020603050405020304" pitchFamily="18" charset="0"/>
+                            <a:cs typeface="B Nazanin" panose="00000400000000000000" pitchFamily="2" charset="-78"/>
+                          </a:rPr>
+                          <m:t>𝜕</m:t>
+                        </m:r>
+                        <m:sSup>
+                          <m:sSupPr>
+                            <m:ctrlPr>
+                              <a:rPr lang="en-US" sz="2400" i="1">
+                                <a:latin typeface="Cambria Math" panose="02040503050406030204" pitchFamily="18" charset="0"/>
+                                <a:ea typeface="Times New Roman" panose="02020603050405020304" pitchFamily="18" charset="0"/>
+                                <a:cs typeface="B Nazanin" panose="00000400000000000000" pitchFamily="2" charset="-78"/>
+                              </a:rPr>
+                            </m:ctrlPr>
+                          </m:sSupPr>
+                          <m:e>
+                            <m:r>
+                              <a:rPr lang="en-US" sz="2400" i="1">
+                                <a:latin typeface="Cambria Math" panose="02040503050406030204" pitchFamily="18" charset="0"/>
+                                <a:ea typeface="Times New Roman" panose="02020603050405020304" pitchFamily="18" charset="0"/>
+                                <a:cs typeface="B Nazanin" panose="00000400000000000000" pitchFamily="2" charset="-78"/>
+                              </a:rPr>
+                              <m:t>𝐴</m:t>
+                            </m:r>
+                          </m:e>
+                          <m:sup>
+                            <m:r>
+                              <a:rPr lang="en-US" sz="2400" i="1">
+                                <a:latin typeface="Cambria Math" panose="02040503050406030204" pitchFamily="18" charset="0"/>
+                                <a:ea typeface="Times New Roman" panose="02020603050405020304" pitchFamily="18" charset="0"/>
+                                <a:cs typeface="B Nazanin" panose="00000400000000000000" pitchFamily="2" charset="-78"/>
+                              </a:rPr>
+                              <m:t>[</m:t>
+                            </m:r>
+                            <m:r>
+                              <a:rPr lang="en-US" sz="2400" i="1">
+                                <a:latin typeface="Cambria Math" panose="02040503050406030204" pitchFamily="18" charset="0"/>
+                                <a:ea typeface="Times New Roman" panose="02020603050405020304" pitchFamily="18" charset="0"/>
+                                <a:cs typeface="B Nazanin" panose="00000400000000000000" pitchFamily="2" charset="-78"/>
+                              </a:rPr>
+                              <m:t>𝑙</m:t>
+                            </m:r>
+                            <m:r>
+                              <a:rPr lang="en-US" sz="2400" i="1">
+                                <a:latin typeface="Cambria Math" panose="02040503050406030204" pitchFamily="18" charset="0"/>
+                                <a:ea typeface="Times New Roman" panose="02020603050405020304" pitchFamily="18" charset="0"/>
+                                <a:cs typeface="B Nazanin" panose="00000400000000000000" pitchFamily="2" charset="-78"/>
+                              </a:rPr>
+                              <m:t>−</m:t>
+                            </m:r>
+                            <m:r>
+                              <a:rPr lang="en-US" sz="2400" i="1">
+                                <a:latin typeface="Cambria Math" panose="02040503050406030204" pitchFamily="18" charset="0"/>
+                                <a:ea typeface="Times New Roman" panose="02020603050405020304" pitchFamily="18" charset="0"/>
+                                <a:cs typeface="B Nazanin" panose="00000400000000000000" pitchFamily="2" charset="-78"/>
+                              </a:rPr>
+                              <m:t>1</m:t>
+                            </m:r>
+                            <m:r>
+                              <a:rPr lang="en-US" sz="2400" i="1">
+                                <a:latin typeface="Cambria Math" panose="02040503050406030204" pitchFamily="18" charset="0"/>
+                                <a:ea typeface="Times New Roman" panose="02020603050405020304" pitchFamily="18" charset="0"/>
+                                <a:cs typeface="B Nazanin" panose="00000400000000000000" pitchFamily="2" charset="-78"/>
+                              </a:rPr>
+                              <m:t>]</m:t>
+                            </m:r>
+                          </m:sup>
+                        </m:sSup>
+                      </m:den>
+                    </m:f>
+                    <m:r>
+                      <a:rPr lang="en-US" sz="2400" i="1">
+                        <a:latin typeface="Cambria Math" panose="02040503050406030204" pitchFamily="18" charset="0"/>
+                        <a:ea typeface="Times New Roman" panose="02020603050405020304" pitchFamily="18" charset="0"/>
+                        <a:cs typeface="B Nazanin" panose="00000400000000000000" pitchFamily="2" charset="-78"/>
+                      </a:rPr>
+                      <m:t>=</m:t>
+                    </m:r>
+                    <m:d>
+                      <m:dPr>
+                        <m:ctrlPr>
+                          <a:rPr lang="en-US" sz="2400" i="1">
+                            <a:latin typeface="Cambria Math" panose="02040503050406030204" pitchFamily="18" charset="0"/>
+                            <a:ea typeface="Times New Roman" panose="02020603050405020304" pitchFamily="18" charset="0"/>
+                            <a:cs typeface="B Nazanin" panose="00000400000000000000" pitchFamily="2" charset="-78"/>
+                          </a:rPr>
+                        </m:ctrlPr>
+                      </m:dPr>
+                      <m:e>
+                        <m:f>
+                          <m:fPr>
+                            <m:ctrlPr>
+                              <a:rPr lang="en-US" sz="2400" i="1">
+                                <a:latin typeface="Cambria Math" panose="02040503050406030204" pitchFamily="18" charset="0"/>
+                                <a:ea typeface="Times New Roman" panose="02020603050405020304" pitchFamily="18" charset="0"/>
+                                <a:cs typeface="B Nazanin" panose="00000400000000000000" pitchFamily="2" charset="-78"/>
+                              </a:rPr>
+                            </m:ctrlPr>
+                          </m:fPr>
+                          <m:num>
+                            <m:r>
+                              <a:rPr lang="en-US" sz="2400" i="1">
+                                <a:latin typeface="Cambria Math" panose="02040503050406030204" pitchFamily="18" charset="0"/>
+                                <a:ea typeface="Times New Roman" panose="02020603050405020304" pitchFamily="18" charset="0"/>
+                                <a:cs typeface="B Nazanin" panose="00000400000000000000" pitchFamily="2" charset="-78"/>
+                              </a:rPr>
+                              <m:t>𝜕</m:t>
+                            </m:r>
+                            <m:r>
+                              <a:rPr lang="en-US" sz="2400" i="1">
+                                <a:latin typeface="Cambria Math" panose="02040503050406030204" pitchFamily="18" charset="0"/>
+                                <a:ea typeface="Times New Roman" panose="02020603050405020304" pitchFamily="18" charset="0"/>
+                                <a:cs typeface="B Nazanin" panose="00000400000000000000" pitchFamily="2" charset="-78"/>
+                              </a:rPr>
+                              <m:t>𝐶</m:t>
+                            </m:r>
+                          </m:num>
+                          <m:den>
+                            <m:r>
+                              <a:rPr lang="en-US" sz="2400" i="1">
+                                <a:latin typeface="Cambria Math" panose="02040503050406030204" pitchFamily="18" charset="0"/>
+                                <a:ea typeface="Times New Roman" panose="02020603050405020304" pitchFamily="18" charset="0"/>
+                                <a:cs typeface="B Nazanin" panose="00000400000000000000" pitchFamily="2" charset="-78"/>
+                              </a:rPr>
+                              <m:t>𝜕</m:t>
+                            </m:r>
+                            <m:sSup>
+                              <m:sSupPr>
+                                <m:ctrlPr>
+                                  <a:rPr lang="en-US" sz="2400" i="1">
+                                    <a:latin typeface="Cambria Math" panose="02040503050406030204" pitchFamily="18" charset="0"/>
+                                    <a:ea typeface="Times New Roman" panose="02020603050405020304" pitchFamily="18" charset="0"/>
+                                    <a:cs typeface="B Nazanin" panose="00000400000000000000" pitchFamily="2" charset="-78"/>
+                                  </a:rPr>
+                                </m:ctrlPr>
+                              </m:sSupPr>
+                              <m:e>
+                                <m:r>
+                                  <a:rPr lang="en-US" sz="2400" i="1">
+                                    <a:latin typeface="Cambria Math" panose="02040503050406030204" pitchFamily="18" charset="0"/>
+                                    <a:ea typeface="Times New Roman" panose="02020603050405020304" pitchFamily="18" charset="0"/>
+                                    <a:cs typeface="B Nazanin" panose="00000400000000000000" pitchFamily="2" charset="-78"/>
+                                  </a:rPr>
+                                  <m:t>𝐴</m:t>
+                                </m:r>
+                              </m:e>
+                              <m:sup>
+                                <m:r>
+                                  <a:rPr lang="en-US" sz="2400" i="1">
+                                    <a:latin typeface="Cambria Math" panose="02040503050406030204" pitchFamily="18" charset="0"/>
+                                    <a:ea typeface="Times New Roman" panose="02020603050405020304" pitchFamily="18" charset="0"/>
+                                    <a:cs typeface="B Nazanin" panose="00000400000000000000" pitchFamily="2" charset="-78"/>
+                                  </a:rPr>
+                                  <m:t>[</m:t>
+                                </m:r>
+                                <m:r>
+                                  <a:rPr lang="en-US" sz="2400" i="1">
+                                    <a:latin typeface="Cambria Math" panose="02040503050406030204" pitchFamily="18" charset="0"/>
+                                    <a:ea typeface="Times New Roman" panose="02020603050405020304" pitchFamily="18" charset="0"/>
+                                    <a:cs typeface="B Nazanin" panose="00000400000000000000" pitchFamily="2" charset="-78"/>
+                                  </a:rPr>
+                                  <m:t>𝑙</m:t>
+                                </m:r>
+                                <m:r>
+                                  <a:rPr lang="en-US" sz="2400" i="1">
+                                    <a:latin typeface="Cambria Math" panose="02040503050406030204" pitchFamily="18" charset="0"/>
+                                    <a:ea typeface="Times New Roman" panose="02020603050405020304" pitchFamily="18" charset="0"/>
+                                    <a:cs typeface="B Nazanin" panose="00000400000000000000" pitchFamily="2" charset="-78"/>
+                                  </a:rPr>
+                                  <m:t>]</m:t>
+                                </m:r>
+                              </m:sup>
+                            </m:sSup>
+                          </m:den>
+                        </m:f>
+                        <m:r>
+                          <a:rPr lang="en-US" sz="2400" i="1">
+                            <a:latin typeface="Cambria Math" panose="02040503050406030204" pitchFamily="18" charset="0"/>
+                            <a:ea typeface="Times New Roman" panose="02020603050405020304" pitchFamily="18" charset="0"/>
+                            <a:cs typeface="B Nazanin" panose="00000400000000000000" pitchFamily="2" charset="-78"/>
+                          </a:rPr>
+                          <m:t>:</m:t>
+                        </m:r>
+                        <m:f>
+                          <m:fPr>
+                            <m:ctrlPr>
+                              <a:rPr lang="en-US" sz="2400" i="1">
+                                <a:latin typeface="Cambria Math" panose="02040503050406030204" pitchFamily="18" charset="0"/>
+                                <a:ea typeface="Times New Roman" panose="02020603050405020304" pitchFamily="18" charset="0"/>
+                                <a:cs typeface="B Nazanin" panose="00000400000000000000" pitchFamily="2" charset="-78"/>
+                              </a:rPr>
+                            </m:ctrlPr>
+                          </m:fPr>
+                          <m:num>
+                            <m:r>
+                              <a:rPr lang="en-US" sz="2400" i="1">
+                                <a:latin typeface="Cambria Math" panose="02040503050406030204" pitchFamily="18" charset="0"/>
+                                <a:ea typeface="Times New Roman" panose="02020603050405020304" pitchFamily="18" charset="0"/>
+                                <a:cs typeface="B Nazanin" panose="00000400000000000000" pitchFamily="2" charset="-78"/>
+                              </a:rPr>
+                              <m:t>𝜕</m:t>
+                            </m:r>
+                            <m:sSup>
+                              <m:sSupPr>
+                                <m:ctrlPr>
+                                  <a:rPr lang="en-US" sz="2400" i="1">
+                                    <a:latin typeface="Cambria Math" panose="02040503050406030204" pitchFamily="18" charset="0"/>
+                                    <a:ea typeface="Times New Roman" panose="02020603050405020304" pitchFamily="18" charset="0"/>
+                                    <a:cs typeface="B Nazanin" panose="00000400000000000000" pitchFamily="2" charset="-78"/>
+                                  </a:rPr>
+                                </m:ctrlPr>
+                              </m:sSupPr>
+                              <m:e>
+                                <m:r>
+                                  <a:rPr lang="en-US" sz="2400" i="1">
+                                    <a:latin typeface="Cambria Math" panose="02040503050406030204" pitchFamily="18" charset="0"/>
+                                    <a:ea typeface="Times New Roman" panose="02020603050405020304" pitchFamily="18" charset="0"/>
+                                    <a:cs typeface="B Nazanin" panose="00000400000000000000" pitchFamily="2" charset="-78"/>
+                                  </a:rPr>
+                                  <m:t>𝐴</m:t>
+                                </m:r>
+                              </m:e>
+                              <m:sup>
+                                <m:d>
+                                  <m:dPr>
+                                    <m:begChr m:val="["/>
+                                    <m:endChr m:val="]"/>
+                                    <m:ctrlPr>
+                                      <a:rPr lang="en-US" sz="2400" i="1">
+                                        <a:latin typeface="Cambria Math" panose="02040503050406030204" pitchFamily="18" charset="0"/>
+                                        <a:ea typeface="Times New Roman" panose="02020603050405020304" pitchFamily="18" charset="0"/>
+                                        <a:cs typeface="B Nazanin" panose="00000400000000000000" pitchFamily="2" charset="-78"/>
+                                      </a:rPr>
+                                    </m:ctrlPr>
+                                  </m:dPr>
+                                  <m:e>
+                                    <m:r>
+                                      <a:rPr lang="en-US" sz="2400" i="1">
+                                        <a:latin typeface="Cambria Math" panose="02040503050406030204" pitchFamily="18" charset="0"/>
+                                        <a:ea typeface="Times New Roman" panose="02020603050405020304" pitchFamily="18" charset="0"/>
+                                        <a:cs typeface="B Nazanin" panose="00000400000000000000" pitchFamily="2" charset="-78"/>
+                                      </a:rPr>
+                                      <m:t>𝑙</m:t>
+                                    </m:r>
+                                  </m:e>
+                                </m:d>
+                              </m:sup>
+                            </m:sSup>
+                          </m:num>
+                          <m:den>
+                            <m:r>
+                              <a:rPr lang="en-US" sz="2400" i="1">
+                                <a:latin typeface="Cambria Math" panose="02040503050406030204" pitchFamily="18" charset="0"/>
+                                <a:ea typeface="Times New Roman" panose="02020603050405020304" pitchFamily="18" charset="0"/>
+                                <a:cs typeface="B Nazanin" panose="00000400000000000000" pitchFamily="2" charset="-78"/>
+                              </a:rPr>
+                              <m:t>𝜕</m:t>
+                            </m:r>
+                            <m:sSup>
+                              <m:sSupPr>
+                                <m:ctrlPr>
+                                  <a:rPr lang="en-US" sz="2400" i="1">
+                                    <a:latin typeface="Cambria Math" panose="02040503050406030204" pitchFamily="18" charset="0"/>
+                                    <a:ea typeface="Times New Roman" panose="02020603050405020304" pitchFamily="18" charset="0"/>
+                                    <a:cs typeface="B Nazanin" panose="00000400000000000000" pitchFamily="2" charset="-78"/>
+                                  </a:rPr>
+                                </m:ctrlPr>
+                              </m:sSupPr>
+                              <m:e>
+                                <m:r>
+                                  <a:rPr lang="en-US" sz="2400" i="1">
+                                    <a:latin typeface="Cambria Math" panose="02040503050406030204" pitchFamily="18" charset="0"/>
+                                    <a:ea typeface="Times New Roman" panose="02020603050405020304" pitchFamily="18" charset="0"/>
+                                    <a:cs typeface="B Nazanin" panose="00000400000000000000" pitchFamily="2" charset="-78"/>
+                                  </a:rPr>
+                                  <m:t>𝑍</m:t>
+                                </m:r>
+                              </m:e>
+                              <m:sup>
+                                <m:d>
+                                  <m:dPr>
+                                    <m:begChr m:val="["/>
+                                    <m:endChr m:val="]"/>
+                                    <m:ctrlPr>
+                                      <a:rPr lang="en-US" sz="2400" i="1">
+                                        <a:latin typeface="Cambria Math" panose="02040503050406030204" pitchFamily="18" charset="0"/>
+                                        <a:ea typeface="Times New Roman" panose="02020603050405020304" pitchFamily="18" charset="0"/>
+                                        <a:cs typeface="B Nazanin" panose="00000400000000000000" pitchFamily="2" charset="-78"/>
+                                      </a:rPr>
+                                    </m:ctrlPr>
+                                  </m:dPr>
+                                  <m:e>
+                                    <m:r>
+                                      <a:rPr lang="en-US" sz="2400" i="1">
+                                        <a:latin typeface="Cambria Math" panose="02040503050406030204" pitchFamily="18" charset="0"/>
+                                        <a:ea typeface="Times New Roman" panose="02020603050405020304" pitchFamily="18" charset="0"/>
+                                        <a:cs typeface="B Nazanin" panose="00000400000000000000" pitchFamily="2" charset="-78"/>
+                                      </a:rPr>
+                                      <m:t>𝑙</m:t>
+                                    </m:r>
+                                  </m:e>
+                                </m:d>
+                              </m:sup>
+                            </m:sSup>
+                          </m:den>
+                        </m:f>
+                      </m:e>
+                    </m:d>
+                    <m:f>
+                      <m:fPr>
+                        <m:ctrlPr>
+                          <a:rPr lang="en-US" sz="2400" i="1">
+                            <a:latin typeface="Cambria Math" panose="02040503050406030204" pitchFamily="18" charset="0"/>
+                            <a:ea typeface="Times New Roman" panose="02020603050405020304" pitchFamily="18" charset="0"/>
+                            <a:cs typeface="B Nazanin" panose="00000400000000000000" pitchFamily="2" charset="-78"/>
+                          </a:rPr>
+                        </m:ctrlPr>
+                      </m:fPr>
+                      <m:num>
+                        <m:r>
+                          <a:rPr lang="en-US" sz="2400" i="1">
+                            <a:latin typeface="Cambria Math" panose="02040503050406030204" pitchFamily="18" charset="0"/>
+                            <a:ea typeface="Times New Roman" panose="02020603050405020304" pitchFamily="18" charset="0"/>
+                            <a:cs typeface="B Nazanin" panose="00000400000000000000" pitchFamily="2" charset="-78"/>
+                          </a:rPr>
+                          <m:t>𝜕</m:t>
+                        </m:r>
+                        <m:sSup>
+                          <m:sSupPr>
+                            <m:ctrlPr>
+                              <a:rPr lang="en-US" sz="2400" i="1">
+                                <a:latin typeface="Cambria Math" panose="02040503050406030204" pitchFamily="18" charset="0"/>
+                                <a:ea typeface="Times New Roman" panose="02020603050405020304" pitchFamily="18" charset="0"/>
+                                <a:cs typeface="B Nazanin" panose="00000400000000000000" pitchFamily="2" charset="-78"/>
+                              </a:rPr>
+                            </m:ctrlPr>
+                          </m:sSupPr>
+                          <m:e>
+                            <m:r>
+                              <a:rPr lang="en-US" sz="2400" i="1">
+                                <a:latin typeface="Cambria Math" panose="02040503050406030204" pitchFamily="18" charset="0"/>
+                                <a:ea typeface="Times New Roman" panose="02020603050405020304" pitchFamily="18" charset="0"/>
+                                <a:cs typeface="B Nazanin" panose="00000400000000000000" pitchFamily="2" charset="-78"/>
+                              </a:rPr>
+                              <m:t>𝑍</m:t>
+                            </m:r>
+                          </m:e>
+                          <m:sup>
+                            <m:d>
+                              <m:dPr>
+                                <m:begChr m:val="["/>
+                                <m:endChr m:val="]"/>
+                                <m:ctrlPr>
+                                  <a:rPr lang="en-US" sz="2400" i="1">
+                                    <a:latin typeface="Cambria Math" panose="02040503050406030204" pitchFamily="18" charset="0"/>
+                                    <a:ea typeface="Times New Roman" panose="02020603050405020304" pitchFamily="18" charset="0"/>
+                                    <a:cs typeface="B Nazanin" panose="00000400000000000000" pitchFamily="2" charset="-78"/>
+                                  </a:rPr>
+                                </m:ctrlPr>
+                              </m:dPr>
+                              <m:e>
+                                <m:r>
+                                  <a:rPr lang="en-US" sz="2400" i="1">
+                                    <a:latin typeface="Cambria Math" panose="02040503050406030204" pitchFamily="18" charset="0"/>
+                                    <a:ea typeface="Times New Roman" panose="02020603050405020304" pitchFamily="18" charset="0"/>
+                                    <a:cs typeface="B Nazanin" panose="00000400000000000000" pitchFamily="2" charset="-78"/>
+                                  </a:rPr>
+                                  <m:t>𝑙</m:t>
+                                </m:r>
+                              </m:e>
+                            </m:d>
+                          </m:sup>
+                        </m:sSup>
+                      </m:num>
+                      <m:den>
+                        <m:r>
+                          <a:rPr lang="en-US" sz="2400" i="1">
+                            <a:latin typeface="Cambria Math" panose="02040503050406030204" pitchFamily="18" charset="0"/>
+                            <a:ea typeface="Times New Roman" panose="02020603050405020304" pitchFamily="18" charset="0"/>
+                            <a:cs typeface="B Nazanin" panose="00000400000000000000" pitchFamily="2" charset="-78"/>
+                          </a:rPr>
+                          <m:t>𝜕</m:t>
+                        </m:r>
+                        <m:sSup>
+                          <m:sSupPr>
+                            <m:ctrlPr>
+                              <a:rPr lang="en-US" sz="2400" i="1">
+                                <a:latin typeface="Cambria Math" panose="02040503050406030204" pitchFamily="18" charset="0"/>
+                                <a:ea typeface="Times New Roman" panose="02020603050405020304" pitchFamily="18" charset="0"/>
+                                <a:cs typeface="B Nazanin" panose="00000400000000000000" pitchFamily="2" charset="-78"/>
+                              </a:rPr>
+                            </m:ctrlPr>
+                          </m:sSupPr>
+                          <m:e>
+                            <m:r>
+                              <a:rPr lang="en-US" sz="2400" i="1">
+                                <a:latin typeface="Cambria Math" panose="02040503050406030204" pitchFamily="18" charset="0"/>
+                                <a:ea typeface="Times New Roman" panose="02020603050405020304" pitchFamily="18" charset="0"/>
+                                <a:cs typeface="B Nazanin" panose="00000400000000000000" pitchFamily="2" charset="-78"/>
+                              </a:rPr>
+                              <m:t>𝐴</m:t>
+                            </m:r>
+                          </m:e>
+                          <m:sup>
+                            <m:d>
+                              <m:dPr>
+                                <m:begChr m:val="["/>
+                                <m:endChr m:val="]"/>
+                                <m:ctrlPr>
+                                  <a:rPr lang="en-US" sz="2400" i="1">
+                                    <a:latin typeface="Cambria Math" panose="02040503050406030204" pitchFamily="18" charset="0"/>
+                                    <a:ea typeface="Times New Roman" panose="02020603050405020304" pitchFamily="18" charset="0"/>
+                                    <a:cs typeface="B Nazanin" panose="00000400000000000000" pitchFamily="2" charset="-78"/>
+                                  </a:rPr>
+                                </m:ctrlPr>
+                              </m:dPr>
+                              <m:e>
+                                <m:r>
+                                  <a:rPr lang="en-US" sz="2400" i="1">
+                                    <a:latin typeface="Cambria Math" panose="02040503050406030204" pitchFamily="18" charset="0"/>
+                                    <a:ea typeface="Times New Roman" panose="02020603050405020304" pitchFamily="18" charset="0"/>
+                                    <a:cs typeface="B Nazanin" panose="00000400000000000000" pitchFamily="2" charset="-78"/>
+                                  </a:rPr>
+                                  <m:t>𝑙</m:t>
+                                </m:r>
+                                <m:r>
+                                  <a:rPr lang="en-US" sz="2400" i="1">
+                                    <a:latin typeface="Cambria Math" panose="02040503050406030204" pitchFamily="18" charset="0"/>
+                                    <a:ea typeface="Times New Roman" panose="02020603050405020304" pitchFamily="18" charset="0"/>
+                                    <a:cs typeface="B Nazanin" panose="00000400000000000000" pitchFamily="2" charset="-78"/>
+                                  </a:rPr>
+                                  <m:t>−</m:t>
+                                </m:r>
+                                <m:r>
+                                  <a:rPr lang="en-US" sz="2400" i="1">
+                                    <a:latin typeface="Cambria Math" panose="02040503050406030204" pitchFamily="18" charset="0"/>
+                                    <a:ea typeface="Times New Roman" panose="02020603050405020304" pitchFamily="18" charset="0"/>
+                                    <a:cs typeface="B Nazanin" panose="00000400000000000000" pitchFamily="2" charset="-78"/>
+                                  </a:rPr>
+                                  <m:t>1</m:t>
+                                </m:r>
+                              </m:e>
+                            </m:d>
+                          </m:sup>
+                        </m:sSup>
+                      </m:den>
+                    </m:f>
+                    <m:r>
+                      <a:rPr lang="en-US" sz="2400" i="1">
+                        <a:latin typeface="Cambria Math" panose="02040503050406030204" pitchFamily="18" charset="0"/>
+                        <a:ea typeface="Times New Roman" panose="02020603050405020304" pitchFamily="18" charset="0"/>
+                        <a:cs typeface="B Nazanin" panose="00000400000000000000" pitchFamily="2" charset="-78"/>
+                      </a:rPr>
+                      <m:t>=</m:t>
+                    </m:r>
+                    <m:d>
+                      <m:dPr>
+                        <m:ctrlPr>
+                          <a:rPr lang="en-US" sz="2400" i="1">
+                            <a:latin typeface="Cambria Math" panose="02040503050406030204" pitchFamily="18" charset="0"/>
+                            <a:ea typeface="Times New Roman" panose="02020603050405020304" pitchFamily="18" charset="0"/>
+                            <a:cs typeface="B Nazanin" panose="00000400000000000000" pitchFamily="2" charset="-78"/>
+                          </a:rPr>
+                        </m:ctrlPr>
+                      </m:dPr>
+                      <m:e>
+                        <m:f>
+                          <m:fPr>
+                            <m:ctrlPr>
+                              <a:rPr lang="en-US" sz="2400" i="1">
+                                <a:latin typeface="Cambria Math" panose="02040503050406030204" pitchFamily="18" charset="0"/>
+                                <a:ea typeface="Times New Roman" panose="02020603050405020304" pitchFamily="18" charset="0"/>
+                                <a:cs typeface="B Nazanin" panose="00000400000000000000" pitchFamily="2" charset="-78"/>
+                              </a:rPr>
+                            </m:ctrlPr>
+                          </m:fPr>
+                          <m:num>
+                            <m:r>
+                              <a:rPr lang="en-US" sz="2400" i="1">
+                                <a:latin typeface="Cambria Math" panose="02040503050406030204" pitchFamily="18" charset="0"/>
+                                <a:ea typeface="Times New Roman" panose="02020603050405020304" pitchFamily="18" charset="0"/>
+                                <a:cs typeface="B Nazanin" panose="00000400000000000000" pitchFamily="2" charset="-78"/>
+                              </a:rPr>
+                              <m:t>𝜕</m:t>
+                            </m:r>
+                            <m:r>
+                              <a:rPr lang="en-US" sz="2400" i="1">
+                                <a:latin typeface="Cambria Math" panose="02040503050406030204" pitchFamily="18" charset="0"/>
+                                <a:ea typeface="Times New Roman" panose="02020603050405020304" pitchFamily="18" charset="0"/>
+                                <a:cs typeface="B Nazanin" panose="00000400000000000000" pitchFamily="2" charset="-78"/>
+                              </a:rPr>
+                              <m:t>𝐶</m:t>
+                            </m:r>
+                          </m:num>
+                          <m:den>
+                            <m:r>
+                              <a:rPr lang="en-US" sz="2400" i="1">
+                                <a:latin typeface="Cambria Math" panose="02040503050406030204" pitchFamily="18" charset="0"/>
+                                <a:ea typeface="Times New Roman" panose="02020603050405020304" pitchFamily="18" charset="0"/>
+                                <a:cs typeface="B Nazanin" panose="00000400000000000000" pitchFamily="2" charset="-78"/>
+                              </a:rPr>
+                              <m:t>𝜕</m:t>
+                            </m:r>
+                            <m:sSup>
+                              <m:sSupPr>
+                                <m:ctrlPr>
+                                  <a:rPr lang="en-US" sz="2400" i="1">
+                                    <a:latin typeface="Cambria Math" panose="02040503050406030204" pitchFamily="18" charset="0"/>
+                                    <a:ea typeface="Times New Roman" panose="02020603050405020304" pitchFamily="18" charset="0"/>
+                                    <a:cs typeface="B Nazanin" panose="00000400000000000000" pitchFamily="2" charset="-78"/>
+                                  </a:rPr>
+                                </m:ctrlPr>
+                              </m:sSupPr>
+                              <m:e>
+                                <m:r>
+                                  <a:rPr lang="en-US" sz="2400" i="1">
+                                    <a:latin typeface="Cambria Math" panose="02040503050406030204" pitchFamily="18" charset="0"/>
+                                    <a:ea typeface="Times New Roman" panose="02020603050405020304" pitchFamily="18" charset="0"/>
+                                    <a:cs typeface="B Nazanin" panose="00000400000000000000" pitchFamily="2" charset="-78"/>
+                                  </a:rPr>
+                                  <m:t>𝐴</m:t>
+                                </m:r>
+                              </m:e>
+                              <m:sup>
+                                <m:d>
+                                  <m:dPr>
+                                    <m:begChr m:val="["/>
+                                    <m:endChr m:val="]"/>
+                                    <m:ctrlPr>
+                                      <a:rPr lang="en-US" sz="2400" i="1">
+                                        <a:latin typeface="Cambria Math" panose="02040503050406030204" pitchFamily="18" charset="0"/>
+                                        <a:ea typeface="Times New Roman" panose="02020603050405020304" pitchFamily="18" charset="0"/>
+                                        <a:cs typeface="B Nazanin" panose="00000400000000000000" pitchFamily="2" charset="-78"/>
+                                      </a:rPr>
+                                    </m:ctrlPr>
+                                  </m:dPr>
+                                  <m:e>
+                                    <m:r>
+                                      <a:rPr lang="en-US" sz="2400" i="1">
+                                        <a:latin typeface="Cambria Math" panose="02040503050406030204" pitchFamily="18" charset="0"/>
+                                        <a:ea typeface="Times New Roman" panose="02020603050405020304" pitchFamily="18" charset="0"/>
+                                        <a:cs typeface="B Nazanin" panose="00000400000000000000" pitchFamily="2" charset="-78"/>
+                                      </a:rPr>
+                                      <m:t>𝑙</m:t>
+                                    </m:r>
+                                  </m:e>
+                                </m:d>
+                              </m:sup>
+                            </m:sSup>
+                          </m:den>
+                        </m:f>
+                        <m:r>
+                          <a:rPr lang="en-US" sz="2400" i="1">
+                            <a:latin typeface="Cambria Math" panose="02040503050406030204" pitchFamily="18" charset="0"/>
+                            <a:ea typeface="Times New Roman" panose="02020603050405020304" pitchFamily="18" charset="0"/>
+                            <a:cs typeface="B Nazanin" panose="00000400000000000000" pitchFamily="2" charset="-78"/>
+                          </a:rPr>
+                          <m:t>:</m:t>
+                        </m:r>
+                        <m:sSup>
+                          <m:sSupPr>
+                            <m:ctrlPr>
+                              <a:rPr lang="en-US" sz="2400" i="1">
+                                <a:latin typeface="Cambria Math" panose="02040503050406030204" pitchFamily="18" charset="0"/>
+                                <a:ea typeface="Times New Roman" panose="02020603050405020304" pitchFamily="18" charset="0"/>
+                                <a:cs typeface="B Nazanin" panose="00000400000000000000" pitchFamily="2" charset="-78"/>
+                              </a:rPr>
+                            </m:ctrlPr>
+                          </m:sSupPr>
+                          <m:e>
+                            <m:sSup>
+                              <m:sSupPr>
+                                <m:ctrlPr>
+                                  <a:rPr lang="en-US" sz="2400" i="1">
+                                    <a:latin typeface="Cambria Math" panose="02040503050406030204" pitchFamily="18" charset="0"/>
+                                    <a:ea typeface="Times New Roman" panose="02020603050405020304" pitchFamily="18" charset="0"/>
+                                    <a:cs typeface="B Nazanin" panose="00000400000000000000" pitchFamily="2" charset="-78"/>
+                                  </a:rPr>
+                                </m:ctrlPr>
+                              </m:sSupPr>
+                              <m:e>
+                                <m:r>
+                                  <a:rPr lang="en-US" sz="2400" i="1">
+                                    <a:latin typeface="Cambria Math" panose="02040503050406030204" pitchFamily="18" charset="0"/>
+                                    <a:ea typeface="Times New Roman" panose="02020603050405020304" pitchFamily="18" charset="0"/>
+                                    <a:cs typeface="B Nazanin" panose="00000400000000000000" pitchFamily="2" charset="-78"/>
+                                  </a:rPr>
+                                  <m:t>𝜎</m:t>
+                                </m:r>
+                              </m:e>
+                              <m:sup>
+                                <m:r>
+                                  <a:rPr lang="en-US" sz="2400" i="1">
+                                    <a:latin typeface="Cambria Math" panose="02040503050406030204" pitchFamily="18" charset="0"/>
+                                    <a:ea typeface="Times New Roman" panose="02020603050405020304" pitchFamily="18" charset="0"/>
+                                    <a:cs typeface="B Nazanin" panose="00000400000000000000" pitchFamily="2" charset="-78"/>
+                                  </a:rPr>
+                                  <m:t>′</m:t>
+                                </m:r>
+                              </m:sup>
+                            </m:sSup>
+                          </m:e>
+                          <m:sup>
+                            <m:d>
+                              <m:dPr>
+                                <m:begChr m:val="["/>
+                                <m:endChr m:val="]"/>
+                                <m:ctrlPr>
+                                  <a:rPr lang="en-US" sz="2400" i="1">
+                                    <a:latin typeface="Cambria Math" panose="02040503050406030204" pitchFamily="18" charset="0"/>
+                                    <a:ea typeface="Times New Roman" panose="02020603050405020304" pitchFamily="18" charset="0"/>
+                                    <a:cs typeface="B Nazanin" panose="00000400000000000000" pitchFamily="2" charset="-78"/>
+                                  </a:rPr>
+                                </m:ctrlPr>
+                              </m:dPr>
+                              <m:e>
+                                <m:r>
+                                  <a:rPr lang="en-US" sz="2400" i="1">
+                                    <a:latin typeface="Cambria Math" panose="02040503050406030204" pitchFamily="18" charset="0"/>
+                                    <a:ea typeface="Times New Roman" panose="02020603050405020304" pitchFamily="18" charset="0"/>
+                                    <a:cs typeface="B Nazanin" panose="00000400000000000000" pitchFamily="2" charset="-78"/>
+                                  </a:rPr>
+                                  <m:t>𝑙</m:t>
+                                </m:r>
+                              </m:e>
+                            </m:d>
+                          </m:sup>
+                        </m:sSup>
+                        <m:d>
+                          <m:dPr>
+                            <m:ctrlPr>
+                              <a:rPr lang="en-US" sz="2400" i="1">
+                                <a:latin typeface="Cambria Math" panose="02040503050406030204" pitchFamily="18" charset="0"/>
+                                <a:ea typeface="Times New Roman" panose="02020603050405020304" pitchFamily="18" charset="0"/>
+                                <a:cs typeface="B Nazanin" panose="00000400000000000000" pitchFamily="2" charset="-78"/>
+                              </a:rPr>
+                            </m:ctrlPr>
+                          </m:dPr>
+                          <m:e>
+                            <m:sSup>
+                              <m:sSupPr>
+                                <m:ctrlPr>
+                                  <a:rPr lang="en-US" sz="2400" i="1">
+                                    <a:latin typeface="Cambria Math" panose="02040503050406030204" pitchFamily="18" charset="0"/>
+                                    <a:ea typeface="Times New Roman" panose="02020603050405020304" pitchFamily="18" charset="0"/>
+                                    <a:cs typeface="B Nazanin" panose="00000400000000000000" pitchFamily="2" charset="-78"/>
+                                  </a:rPr>
+                                </m:ctrlPr>
+                              </m:sSupPr>
+                              <m:e>
+                                <m:r>
+                                  <a:rPr lang="en-US" sz="2400" i="1">
+                                    <a:latin typeface="Cambria Math" panose="02040503050406030204" pitchFamily="18" charset="0"/>
+                                    <a:ea typeface="Times New Roman" panose="02020603050405020304" pitchFamily="18" charset="0"/>
+                                    <a:cs typeface="B Nazanin" panose="00000400000000000000" pitchFamily="2" charset="-78"/>
+                                  </a:rPr>
+                                  <m:t>𝑍</m:t>
+                                </m:r>
+                              </m:e>
+                              <m:sup>
+                                <m:d>
+                                  <m:dPr>
+                                    <m:begChr m:val="["/>
+                                    <m:endChr m:val="]"/>
+                                    <m:ctrlPr>
+                                      <a:rPr lang="en-US" sz="2400" i="1">
+                                        <a:latin typeface="Cambria Math" panose="02040503050406030204" pitchFamily="18" charset="0"/>
+                                        <a:ea typeface="Times New Roman" panose="02020603050405020304" pitchFamily="18" charset="0"/>
+                                        <a:cs typeface="B Nazanin" panose="00000400000000000000" pitchFamily="2" charset="-78"/>
+                                      </a:rPr>
+                                    </m:ctrlPr>
+                                  </m:dPr>
+                                  <m:e>
+                                    <m:r>
+                                      <a:rPr lang="en-US" sz="2400" i="1">
+                                        <a:latin typeface="Cambria Math" panose="02040503050406030204" pitchFamily="18" charset="0"/>
+                                        <a:ea typeface="Times New Roman" panose="02020603050405020304" pitchFamily="18" charset="0"/>
+                                        <a:cs typeface="B Nazanin" panose="00000400000000000000" pitchFamily="2" charset="-78"/>
+                                      </a:rPr>
+                                      <m:t>𝑙</m:t>
+                                    </m:r>
+                                  </m:e>
+                                </m:d>
+                              </m:sup>
+                            </m:sSup>
+                          </m:e>
+                        </m:d>
+                      </m:e>
+                    </m:d>
+                    <m:sSup>
+                      <m:sSupPr>
+                        <m:ctrlPr>
+                          <a:rPr lang="en-US" sz="2400" i="1">
+                            <a:solidFill>
+                              <a:prstClr val="black"/>
+                            </a:solidFill>
+                            <a:latin typeface="Cambria Math" panose="02040503050406030204" pitchFamily="18" charset="0"/>
+                            <a:ea typeface="Times New Roman" panose="02020603050405020304" pitchFamily="18" charset="0"/>
+                            <a:cs typeface="B Nazanin" panose="00000400000000000000" pitchFamily="2" charset="-78"/>
+                          </a:rPr>
+                        </m:ctrlPr>
+                      </m:sSupPr>
+                      <m:e>
+                        <m:r>
+                          <a:rPr lang="en-US" sz="2400" i="1">
+                            <a:solidFill>
+                              <a:prstClr val="black"/>
+                            </a:solidFill>
+                            <a:latin typeface="Cambria Math" panose="02040503050406030204" pitchFamily="18" charset="0"/>
+                            <a:ea typeface="Times New Roman" panose="02020603050405020304" pitchFamily="18" charset="0"/>
+                            <a:cs typeface="B Nazanin" panose="00000400000000000000" pitchFamily="2" charset="-78"/>
+                          </a:rPr>
+                          <m:t>𝑊</m:t>
+                        </m:r>
+                      </m:e>
+                      <m:sup>
+                        <m:d>
+                          <m:dPr>
+                            <m:begChr m:val="["/>
+                            <m:endChr m:val="]"/>
+                            <m:ctrlPr>
+                              <a:rPr lang="en-US" sz="2400" i="1">
+                                <a:solidFill>
+                                  <a:prstClr val="black"/>
+                                </a:solidFill>
+                                <a:latin typeface="Cambria Math" panose="02040503050406030204" pitchFamily="18" charset="0"/>
+                                <a:ea typeface="Times New Roman" panose="02020603050405020304" pitchFamily="18" charset="0"/>
+                                <a:cs typeface="B Nazanin" panose="00000400000000000000" pitchFamily="2" charset="-78"/>
+                              </a:rPr>
+                            </m:ctrlPr>
+                          </m:dPr>
+                          <m:e>
+                            <m:r>
+                              <a:rPr lang="en-US" sz="2400" i="1">
+                                <a:solidFill>
+                                  <a:prstClr val="black"/>
+                                </a:solidFill>
+                                <a:latin typeface="Cambria Math" panose="02040503050406030204" pitchFamily="18" charset="0"/>
+                                <a:ea typeface="Times New Roman" panose="02020603050405020304" pitchFamily="18" charset="0"/>
+                                <a:cs typeface="B Nazanin" panose="00000400000000000000" pitchFamily="2" charset="-78"/>
+                              </a:rPr>
+                              <m:t>𝑙</m:t>
+                            </m:r>
+                          </m:e>
+                        </m:d>
+                        <m:r>
+                          <a:rPr lang="en-US" sz="2400" i="1">
+                            <a:solidFill>
+                              <a:prstClr val="black"/>
+                            </a:solidFill>
+                            <a:latin typeface="Cambria Math" panose="02040503050406030204" pitchFamily="18" charset="0"/>
+                            <a:ea typeface="Times New Roman" panose="02020603050405020304" pitchFamily="18" charset="0"/>
+                            <a:cs typeface="B Nazanin" panose="00000400000000000000" pitchFamily="2" charset="-78"/>
+                          </a:rPr>
+                          <m:t>,</m:t>
+                        </m:r>
+                        <m:r>
+                          <a:rPr lang="en-US" sz="2400" i="1">
+                            <a:solidFill>
+                              <a:prstClr val="black"/>
+                            </a:solidFill>
+                            <a:latin typeface="Cambria Math" panose="02040503050406030204" pitchFamily="18" charset="0"/>
+                            <a:ea typeface="Times New Roman" panose="02020603050405020304" pitchFamily="18" charset="0"/>
+                            <a:cs typeface="B Nazanin" panose="00000400000000000000" pitchFamily="2" charset="-78"/>
+                          </a:rPr>
+                          <m:t>𝑇</m:t>
+                        </m:r>
+                      </m:sup>
+                    </m:sSup>
+                  </m:oMath>
+                </a14:m>
+                <a:r>
+                  <a:rPr lang="en-US" sz="2400" dirty="0">
+                    <a:latin typeface="Times New Roman" panose="02020603050405020304" pitchFamily="18" charset="0"/>
+                    <a:ea typeface="Calibri" panose="020F0502020204030204" pitchFamily="34" charset="0"/>
+                    <a:cs typeface="B Nazanin" panose="00000400000000000000" pitchFamily="2" charset="-78"/>
+                  </a:rPr>
+                  <a:t>	</a:t>
+                </a:r>
+                <a14:m>
+                  <m:oMath xmlns:m="http://schemas.openxmlformats.org/officeDocument/2006/math">
+                    <m:r>
+                      <a:rPr lang="en-US" sz="2400" i="1">
+                        <a:latin typeface="Cambria Math" panose="02040503050406030204" pitchFamily="18" charset="0"/>
+                        <a:ea typeface="Times New Roman" panose="02020603050405020304" pitchFamily="18" charset="0"/>
+                        <a:cs typeface="B Nazanin" panose="00000400000000000000" pitchFamily="2" charset="-78"/>
+                      </a:rPr>
+                      <m:t>∀</m:t>
+                    </m:r>
+                    <m:r>
+                      <a:rPr lang="en-US" sz="2400" i="1">
+                        <a:latin typeface="Cambria Math" panose="02040503050406030204" pitchFamily="18" charset="0"/>
+                        <a:ea typeface="Times New Roman" panose="02020603050405020304" pitchFamily="18" charset="0"/>
+                        <a:cs typeface="B Nazanin" panose="00000400000000000000" pitchFamily="2" charset="-78"/>
+                      </a:rPr>
+                      <m:t>𝑙</m:t>
+                    </m:r>
+                    <m:r>
+                      <a:rPr lang="en-US" sz="2400" i="1">
+                        <a:latin typeface="Cambria Math" panose="02040503050406030204" pitchFamily="18" charset="0"/>
+                        <a:ea typeface="Times New Roman" panose="02020603050405020304" pitchFamily="18" charset="0"/>
+                        <a:cs typeface="B Nazanin" panose="00000400000000000000" pitchFamily="2" charset="-78"/>
+                      </a:rPr>
+                      <m:t>=</m:t>
+                    </m:r>
+                    <m:r>
+                      <a:rPr lang="en-US" sz="2400" i="1">
+                        <a:latin typeface="Cambria Math" panose="02040503050406030204" pitchFamily="18" charset="0"/>
+                        <a:ea typeface="Times New Roman" panose="02020603050405020304" pitchFamily="18" charset="0"/>
+                        <a:cs typeface="B Nazanin" panose="00000400000000000000" pitchFamily="2" charset="-78"/>
+                      </a:rPr>
+                      <m:t>𝐿</m:t>
+                    </m:r>
+                    <m:r>
+                      <a:rPr lang="en-US" sz="2400" i="1">
+                        <a:latin typeface="Cambria Math" panose="02040503050406030204" pitchFamily="18" charset="0"/>
+                        <a:ea typeface="Times New Roman" panose="02020603050405020304" pitchFamily="18" charset="0"/>
+                        <a:cs typeface="B Nazanin" panose="00000400000000000000" pitchFamily="2" charset="-78"/>
+                      </a:rPr>
+                      <m:t>,</m:t>
+                    </m:r>
+                    <m:r>
+                      <a:rPr lang="en-US" sz="2400" i="1">
+                        <a:latin typeface="Cambria Math" panose="02040503050406030204" pitchFamily="18" charset="0"/>
+                        <a:ea typeface="Times New Roman" panose="02020603050405020304" pitchFamily="18" charset="0"/>
+                        <a:cs typeface="B Nazanin" panose="00000400000000000000" pitchFamily="2" charset="-78"/>
+                      </a:rPr>
+                      <m:t>𝐿</m:t>
+                    </m:r>
+                    <m:r>
+                      <a:rPr lang="en-US" sz="2400" i="1">
+                        <a:latin typeface="Cambria Math" panose="02040503050406030204" pitchFamily="18" charset="0"/>
+                        <a:ea typeface="Times New Roman" panose="02020603050405020304" pitchFamily="18" charset="0"/>
+                        <a:cs typeface="B Nazanin" panose="00000400000000000000" pitchFamily="2" charset="-78"/>
+                      </a:rPr>
+                      <m:t>−</m:t>
+                    </m:r>
+                    <m:r>
+                      <a:rPr lang="en-US" sz="2400" i="1">
+                        <a:latin typeface="Cambria Math" panose="02040503050406030204" pitchFamily="18" charset="0"/>
+                        <a:ea typeface="Times New Roman" panose="02020603050405020304" pitchFamily="18" charset="0"/>
+                        <a:cs typeface="B Nazanin" panose="00000400000000000000" pitchFamily="2" charset="-78"/>
+                      </a:rPr>
+                      <m:t>1</m:t>
+                    </m:r>
+                    <m:r>
+                      <a:rPr lang="en-US" sz="2400" i="1">
+                        <a:latin typeface="Cambria Math" panose="02040503050406030204" pitchFamily="18" charset="0"/>
+                        <a:ea typeface="Times New Roman" panose="02020603050405020304" pitchFamily="18" charset="0"/>
+                        <a:cs typeface="B Nazanin" panose="00000400000000000000" pitchFamily="2" charset="-78"/>
+                      </a:rPr>
+                      <m:t>,…,</m:t>
+                    </m:r>
+                    <m:r>
+                      <a:rPr lang="en-US" sz="2400" i="1">
+                        <a:latin typeface="Cambria Math" panose="02040503050406030204" pitchFamily="18" charset="0"/>
+                        <a:ea typeface="Times New Roman" panose="02020603050405020304" pitchFamily="18" charset="0"/>
+                        <a:cs typeface="B Nazanin" panose="00000400000000000000" pitchFamily="2" charset="-78"/>
+                      </a:rPr>
                       <m:t>2</m:t>
                     </m:r>
                   </m:oMath>
@@ -17539,7 +17557,7 @@
             </p:txBody>
           </p:sp>
         </mc:Choice>
-        <mc:Fallback xmlns="">
+        <mc:Fallback>
           <p:sp>
             <p:nvSpPr>
               <p:cNvPr id="3" name="Content Placeholder 2">
@@ -19321,6 +19339,15 @@
 </file>
 
 <file path=customXml/item1.xml><?xml version="1.0" encoding="utf-8"?>
+<?mso-contentType ?>
+<FormTemplates xmlns="http://schemas.microsoft.com/sharepoint/v3/contenttype/forms">
+  <Display>DocumentLibraryForm</Display>
+  <Edit>DocumentLibraryForm</Edit>
+  <New>DocumentLibraryForm</New>
+</FormTemplates>
+</file>
+
+<file path=customXml/item2.xml><?xml version="1.0" encoding="utf-8"?>
 <ct:contentTypeSchema xmlns:ct="http://schemas.microsoft.com/office/2006/metadata/contentType" xmlns:ma="http://schemas.microsoft.com/office/2006/metadata/properties/metaAttributes" ct:_="" ma:_="" ma:contentTypeName="Document" ma:contentTypeID="0x01010079F111ED35F8CC479449609E8A0923A6" ma:contentTypeVersion="28" ma:contentTypeDescription="Create a new document." ma:contentTypeScope="" ma:versionID="60f5a4f2d2b0abadcf532d48ebf9cb71">
   <xsd:schema xmlns:xsd="http://www.w3.org/2001/XMLSchema" xmlns:xs="http://www.w3.org/2001/XMLSchema" xmlns:p="http://schemas.microsoft.com/office/2006/metadata/properties" xmlns:ns1="http://schemas.microsoft.com/sharepoint/v3" xmlns:ns2="71af3243-3dd4-4a8d-8c0d-dd76da1f02a5" xmlns:ns3="16c05727-aa75-4e4a-9b5f-8a80a1165891" xmlns:ns4="230e9df3-be65-4c73-a93b-d1236ebd677e" targetNamespace="http://schemas.microsoft.com/office/2006/metadata/properties" ma:root="true" ma:fieldsID="7dd78129e6a1811f84807ad11c651531" ns1:_="" ns2:_="" ns3:_="" ns4:_="">
     <xsd:import namespace="http://schemas.microsoft.com/sharepoint/v3"/>
@@ -19632,15 +19659,6 @@
 </ct:contentTypeSchema>
 </file>
 
-<file path=customXml/item2.xml><?xml version="1.0" encoding="utf-8"?>
-<?mso-contentType ?>
-<FormTemplates xmlns="http://schemas.microsoft.com/sharepoint/v3/contenttype/forms">
-  <Display>DocumentLibraryForm</Display>
-  <Edit>DocumentLibraryForm</Edit>
-  <New>DocumentLibraryForm</New>
-</FormTemplates>
-</file>
-
 <file path=customXml/item3.xml><?xml version="1.0" encoding="utf-8"?>
 <p:properties xmlns:p="http://schemas.microsoft.com/office/2006/metadata/properties" xmlns:xsi="http://www.w3.org/2001/XMLSchema-instance" xmlns:pc="http://schemas.microsoft.com/office/infopath/2007/PartnerControls">
   <documentManagement>
@@ -19662,6 +19680,14 @@
 </file>
 
 <file path=customXml/itemProps1.xml><?xml version="1.0" encoding="utf-8"?>
+<ds:datastoreItem xmlns:ds="http://schemas.openxmlformats.org/officeDocument/2006/customXml" ds:itemID="{45A8381C-73EB-48EA-B45F-7B7C8C7DF409}">
+  <ds:schemaRefs>
+    <ds:schemaRef ds:uri="http://schemas.microsoft.com/sharepoint/v3/contenttype/forms"/>
+  </ds:schemaRefs>
+</ds:datastoreItem>
+</file>
+
+<file path=customXml/itemProps2.xml><?xml version="1.0" encoding="utf-8"?>
 <ds:datastoreItem xmlns:ds="http://schemas.openxmlformats.org/officeDocument/2006/customXml" ds:itemID="{5AA6A711-2C3F-4EC0-B88B-62D740851176}">
   <ds:schemaRefs>
     <ds:schemaRef ds:uri="http://schemas.microsoft.com/office/2006/metadata/contentType"/>
@@ -19682,14 +19708,6 @@
 </ds:datastoreItem>
 </file>
 
-<file path=customXml/itemProps2.xml><?xml version="1.0" encoding="utf-8"?>
-<ds:datastoreItem xmlns:ds="http://schemas.openxmlformats.org/officeDocument/2006/customXml" ds:itemID="{45A8381C-73EB-48EA-B45F-7B7C8C7DF409}">
-  <ds:schemaRefs>
-    <ds:schemaRef ds:uri="http://schemas.microsoft.com/sharepoint/v3/contenttype/forms"/>
-  </ds:schemaRefs>
-</ds:datastoreItem>
-</file>
-
 <file path=customXml/itemProps3.xml><?xml version="1.0" encoding="utf-8"?>
 <ds:datastoreItem xmlns:ds="http://schemas.openxmlformats.org/officeDocument/2006/customXml" ds:itemID="{61E98C35-9ECE-4425-BCBA-00E118C705CE}">
   <ds:schemaRefs>

--- a/dnn/presentation/presentation_part2.pptx
+++ b/dnn/presentation/presentation_part2.pptx
@@ -8359,8 +8359,8 @@
           </a:p>
         </p:txBody>
       </p:sp>
-      <mc:AlternateContent xmlns:mc="http://schemas.openxmlformats.org/markup-compatibility/2006" xmlns:a14="http://schemas.microsoft.com/office/drawing/2010/main">
-        <mc:Choice Requires="a14">
+      <mc:AlternateContent xmlns:mc="http://schemas.openxmlformats.org/markup-compatibility/2006">
+        <mc:Choice xmlns:a14="http://schemas.microsoft.com/office/drawing/2010/main" Requires="a14">
           <p:sp>
             <p:nvSpPr>
               <p:cNvPr id="3" name="Content Placeholder 2">
@@ -8553,38 +8553,13 @@
                           </m:r>
                         </m:sub>
                         <m:sup>
-                          <m:sSub>
-                            <m:sSubPr>
-                              <m:ctrlPr>
-                                <a:rPr lang="en-US" i="1">
-                                  <a:effectLst/>
-                                  <a:latin typeface="Cambria Math" panose="02040503050406030204" pitchFamily="18" charset="0"/>
-                                </a:rPr>
-                              </m:ctrlPr>
-                            </m:sSubPr>
-                            <m:e>
-                              <m:r>
-                                <a:rPr lang="en-US" sz="2800" i="1" kern="0">
-                                  <a:effectLst/>
-                                  <a:latin typeface="Cambria Math" panose="02040503050406030204" pitchFamily="18" charset="0"/>
-                                  <a:ea typeface="Calibri" panose="020F0502020204030204" pitchFamily="34" charset="0"/>
-                                  <a:cs typeface="B Nazanin" panose="00000400000000000000" pitchFamily="2" charset="-78"/>
-                                </a:rPr>
-                                <m:t>𝑛</m:t>
-                              </m:r>
-                            </m:e>
-                            <m:sub>
-                              <m:r>
-                                <a:rPr lang="en-US" sz="2800" i="1" kern="0">
-                                  <a:effectLst/>
-                                  <a:latin typeface="Cambria Math" panose="02040503050406030204" pitchFamily="18" charset="0"/>
-                                  <a:ea typeface="Calibri" panose="020F0502020204030204" pitchFamily="34" charset="0"/>
-                                  <a:cs typeface="B Nazanin" panose="00000400000000000000" pitchFamily="2" charset="-78"/>
-                                </a:rPr>
-                                <m:t>𝑦</m:t>
-                              </m:r>
-                            </m:sub>
-                          </m:sSub>
+                          <m:r>
+                            <a:rPr lang="en-US" b="0" i="1" smtClean="0">
+                              <a:effectLst/>
+                              <a:latin typeface="Cambria Math" panose="02040503050406030204" pitchFamily="18" charset="0"/>
+                            </a:rPr>
+                            <m:t>𝑛</m:t>
+                          </m:r>
                         </m:sup>
                         <m:e>
                           <m:nary>
@@ -8628,15 +8603,40 @@
                               </m:r>
                             </m:sub>
                             <m:sup>
-                              <m:r>
-                                <a:rPr lang="en-US" sz="2800" i="1" kern="0">
-                                  <a:effectLst/>
-                                  <a:latin typeface="Cambria Math" panose="02040503050406030204" pitchFamily="18" charset="0"/>
-                                  <a:ea typeface="Calibri" panose="020F0502020204030204" pitchFamily="34" charset="0"/>
-                                  <a:cs typeface="B Nazanin" panose="00000400000000000000" pitchFamily="2" charset="-78"/>
-                                </a:rPr>
-                                <m:t>𝑚</m:t>
-                              </m:r>
+                              <m:sSub>
+                                <m:sSubPr>
+                                  <m:ctrlPr>
+                                    <a:rPr lang="en-US" sz="2800" b="0" i="1" kern="0" smtClean="0">
+                                      <a:effectLst/>
+                                      <a:latin typeface="Cambria Math" panose="02040503050406030204" pitchFamily="18" charset="0"/>
+                                      <a:ea typeface="Calibri" panose="020F0502020204030204" pitchFamily="34" charset="0"/>
+                                      <a:cs typeface="B Nazanin" panose="00000400000000000000" pitchFamily="2" charset="-78"/>
+                                    </a:rPr>
+                                  </m:ctrlPr>
+                                </m:sSubPr>
+                                <m:e>
+                                  <m:r>
+                                    <a:rPr lang="en-US" sz="2800" i="1" kern="0" smtClean="0">
+                                      <a:effectLst/>
+                                      <a:latin typeface="Cambria Math" panose="02040503050406030204" pitchFamily="18" charset="0"/>
+                                      <a:ea typeface="Calibri" panose="020F0502020204030204" pitchFamily="34" charset="0"/>
+                                      <a:cs typeface="B Nazanin" panose="00000400000000000000" pitchFamily="2" charset="-78"/>
+                                    </a:rPr>
+                                    <m:t>𝑚</m:t>
+                                  </m:r>
+                                </m:e>
+                                <m:sub>
+                                  <m:r>
+                                    <a:rPr lang="en-US" sz="2800" b="0" i="1" kern="0" smtClean="0">
+                                      <a:effectLst/>
+                                      <a:latin typeface="Cambria Math" panose="02040503050406030204" pitchFamily="18" charset="0"/>
+                                      <a:ea typeface="Calibri" panose="020F0502020204030204" pitchFamily="34" charset="0"/>
+                                      <a:cs typeface="B Nazanin" panose="00000400000000000000" pitchFamily="2" charset="-78"/>
+                                    </a:rPr>
+                                    <m:t>𝑦</m:t>
+                                  </m:r>
+                                </m:sub>
+                              </m:sSub>
                             </m:sup>
                             <m:e>
                               <m:sSup>
@@ -8809,7 +8809,7 @@
             </p:txBody>
           </p:sp>
         </mc:Choice>
-        <mc:Fallback xmlns="">
+        <mc:Fallback>
           <p:sp>
             <p:nvSpPr>
               <p:cNvPr id="3" name="Content Placeholder 2">
@@ -8907,8 +8907,8 @@
           </a:p>
         </p:txBody>
       </p:sp>
-      <mc:AlternateContent xmlns:mc="http://schemas.openxmlformats.org/markup-compatibility/2006" xmlns:a14="http://schemas.microsoft.com/office/drawing/2010/main">
-        <mc:Choice Requires="a14">
+      <mc:AlternateContent xmlns:mc="http://schemas.openxmlformats.org/markup-compatibility/2006">
+        <mc:Choice xmlns:a14="http://schemas.microsoft.com/office/drawing/2010/main" Requires="a14">
           <p:sp>
             <p:nvSpPr>
               <p:cNvPr id="3" name="Content Placeholder 2">
@@ -9063,38 +9063,13 @@
                           </m:r>
                         </m:sub>
                         <m:sup>
-                          <m:sSub>
-                            <m:sSubPr>
-                              <m:ctrlPr>
-                                <a:rPr lang="en-US" sz="2800" i="1">
-                                  <a:effectLst/>
-                                  <a:latin typeface="Cambria Math" panose="02040503050406030204" pitchFamily="18" charset="0"/>
-                                </a:rPr>
-                              </m:ctrlPr>
-                            </m:sSubPr>
-                            <m:e>
-                              <m:r>
-                                <a:rPr lang="en-US" sz="2800" i="1" kern="0">
-                                  <a:effectLst/>
-                                  <a:latin typeface="Cambria Math" panose="02040503050406030204" pitchFamily="18" charset="0"/>
-                                  <a:ea typeface="Calibri" panose="020F0502020204030204" pitchFamily="34" charset="0"/>
-                                  <a:cs typeface="B Nazanin" panose="00000400000000000000" pitchFamily="2" charset="-78"/>
-                                </a:rPr>
-                                <m:t>𝑛</m:t>
-                              </m:r>
-                            </m:e>
-                            <m:sub>
-                              <m:r>
-                                <a:rPr lang="en-US" sz="2800" i="1" kern="0">
-                                  <a:effectLst/>
-                                  <a:latin typeface="Cambria Math" panose="02040503050406030204" pitchFamily="18" charset="0"/>
-                                  <a:ea typeface="Calibri" panose="020F0502020204030204" pitchFamily="34" charset="0"/>
-                                  <a:cs typeface="B Nazanin" panose="00000400000000000000" pitchFamily="2" charset="-78"/>
-                                </a:rPr>
-                                <m:t>𝑦</m:t>
-                              </m:r>
-                            </m:sub>
-                          </m:sSub>
+                          <m:r>
+                            <a:rPr lang="en-US" sz="2800" b="0" i="1" smtClean="0">
+                              <a:effectLst/>
+                              <a:latin typeface="Cambria Math" panose="02040503050406030204" pitchFamily="18" charset="0"/>
+                            </a:rPr>
+                            <m:t>𝑛</m:t>
+                          </m:r>
                         </m:sup>
                         <m:e>
                           <m:nary>
@@ -9138,15 +9113,40 @@
                               </m:r>
                             </m:sub>
                             <m:sup>
-                              <m:r>
-                                <a:rPr lang="en-US" sz="2400" i="1" kern="0">
-                                  <a:effectLst/>
-                                  <a:latin typeface="Cambria Math" panose="02040503050406030204" pitchFamily="18" charset="0"/>
-                                  <a:ea typeface="Calibri" panose="020F0502020204030204" pitchFamily="34" charset="0"/>
-                                  <a:cs typeface="B Nazanin" panose="00000400000000000000" pitchFamily="2" charset="-78"/>
-                                </a:rPr>
-                                <m:t>𝑚</m:t>
-                              </m:r>
+                              <m:sSub>
+                                <m:sSubPr>
+                                  <m:ctrlPr>
+                                    <a:rPr lang="en-US" sz="2400" b="0" i="1" kern="0" smtClean="0">
+                                      <a:effectLst/>
+                                      <a:latin typeface="Cambria Math" panose="02040503050406030204" pitchFamily="18" charset="0"/>
+                                      <a:ea typeface="Calibri" panose="020F0502020204030204" pitchFamily="34" charset="0"/>
+                                      <a:cs typeface="B Nazanin" panose="00000400000000000000" pitchFamily="2" charset="-78"/>
+                                    </a:rPr>
+                                  </m:ctrlPr>
+                                </m:sSubPr>
+                                <m:e>
+                                  <m:r>
+                                    <a:rPr lang="en-US" sz="2400" i="1" kern="0">
+                                      <a:effectLst/>
+                                      <a:latin typeface="Cambria Math" panose="02040503050406030204" pitchFamily="18" charset="0"/>
+                                      <a:ea typeface="Calibri" panose="020F0502020204030204" pitchFamily="34" charset="0"/>
+                                      <a:cs typeface="B Nazanin" panose="00000400000000000000" pitchFamily="2" charset="-78"/>
+                                    </a:rPr>
+                                    <m:t>𝑚</m:t>
+                                  </m:r>
+                                </m:e>
+                                <m:sub>
+                                  <m:r>
+                                    <a:rPr lang="en-US" sz="2400" b="0" i="1" kern="0" smtClean="0">
+                                      <a:effectLst/>
+                                      <a:latin typeface="Cambria Math" panose="02040503050406030204" pitchFamily="18" charset="0"/>
+                                      <a:ea typeface="Calibri" panose="020F0502020204030204" pitchFamily="34" charset="0"/>
+                                      <a:cs typeface="B Nazanin" panose="00000400000000000000" pitchFamily="2" charset="-78"/>
+                                    </a:rPr>
+                                    <m:t>𝑦</m:t>
+                                  </m:r>
+                                </m:sub>
+                              </m:sSub>
                             </m:sup>
                             <m:e>
                               <m:d>
@@ -9534,7 +9534,7 @@
             </p:txBody>
           </p:sp>
         </mc:Choice>
-        <mc:Fallback xmlns="">
+        <mc:Fallback>
           <p:sp>
             <p:nvSpPr>
               <p:cNvPr id="3" name="Content Placeholder 2">
@@ -9632,8 +9632,8 @@
           </a:p>
         </p:txBody>
       </p:sp>
-      <mc:AlternateContent xmlns:mc="http://schemas.openxmlformats.org/markup-compatibility/2006" xmlns:a14="http://schemas.microsoft.com/office/drawing/2010/main">
-        <mc:Choice Requires="a14">
+      <mc:AlternateContent xmlns:mc="http://schemas.openxmlformats.org/markup-compatibility/2006">
+        <mc:Choice xmlns:a14="http://schemas.microsoft.com/office/drawing/2010/main" Requires="a14">
           <p:sp>
             <p:nvSpPr>
               <p:cNvPr id="3" name="Content Placeholder 2">
@@ -9788,38 +9788,13 @@
                           </m:r>
                         </m:sub>
                         <m:sup>
-                          <m:sSub>
-                            <m:sSubPr>
-                              <m:ctrlPr>
-                                <a:rPr lang="en-US" i="1">
-                                  <a:effectLst/>
-                                  <a:latin typeface="Cambria Math" panose="02040503050406030204" pitchFamily="18" charset="0"/>
-                                </a:rPr>
-                              </m:ctrlPr>
-                            </m:sSubPr>
-                            <m:e>
-                              <m:r>
-                                <a:rPr lang="en-US" sz="2800" i="1" kern="0">
-                                  <a:effectLst/>
-                                  <a:latin typeface="Cambria Math" panose="02040503050406030204" pitchFamily="18" charset="0"/>
-                                  <a:ea typeface="Calibri" panose="020F0502020204030204" pitchFamily="34" charset="0"/>
-                                  <a:cs typeface="B Nazanin" panose="00000400000000000000" pitchFamily="2" charset="-78"/>
-                                </a:rPr>
-                                <m:t>𝑛</m:t>
-                              </m:r>
-                            </m:e>
-                            <m:sub>
-                              <m:r>
-                                <a:rPr lang="en-US" sz="2800" i="1" kern="0">
-                                  <a:effectLst/>
-                                  <a:latin typeface="Cambria Math" panose="02040503050406030204" pitchFamily="18" charset="0"/>
-                                  <a:ea typeface="Calibri" panose="020F0502020204030204" pitchFamily="34" charset="0"/>
-                                  <a:cs typeface="B Nazanin" panose="00000400000000000000" pitchFamily="2" charset="-78"/>
-                                </a:rPr>
-                                <m:t>𝑦</m:t>
-                              </m:r>
-                            </m:sub>
-                          </m:sSub>
+                          <m:r>
+                            <a:rPr lang="en-US" b="0" i="1" smtClean="0">
+                              <a:effectLst/>
+                              <a:latin typeface="Cambria Math" panose="02040503050406030204" pitchFamily="18" charset="0"/>
+                            </a:rPr>
+                            <m:t>𝑛</m:t>
+                          </m:r>
                         </m:sup>
                         <m:e>
                           <m:nary>
@@ -9863,15 +9838,40 @@
                               </m:r>
                             </m:sub>
                             <m:sup>
-                              <m:r>
-                                <a:rPr lang="en-US" sz="2800" i="1" kern="0">
-                                  <a:effectLst/>
-                                  <a:latin typeface="Cambria Math" panose="02040503050406030204" pitchFamily="18" charset="0"/>
-                                  <a:ea typeface="Calibri" panose="020F0502020204030204" pitchFamily="34" charset="0"/>
-                                  <a:cs typeface="B Nazanin" panose="00000400000000000000" pitchFamily="2" charset="-78"/>
-                                </a:rPr>
-                                <m:t>𝑚</m:t>
-                              </m:r>
+                              <m:sSub>
+                                <m:sSubPr>
+                                  <m:ctrlPr>
+                                    <a:rPr lang="en-US" sz="2800" b="0" i="1" kern="0" smtClean="0">
+                                      <a:effectLst/>
+                                      <a:latin typeface="Cambria Math" panose="02040503050406030204" pitchFamily="18" charset="0"/>
+                                      <a:ea typeface="Calibri" panose="020F0502020204030204" pitchFamily="34" charset="0"/>
+                                      <a:cs typeface="B Nazanin" panose="00000400000000000000" pitchFamily="2" charset="-78"/>
+                                    </a:rPr>
+                                  </m:ctrlPr>
+                                </m:sSubPr>
+                                <m:e>
+                                  <m:r>
+                                    <a:rPr lang="en-US" sz="2800" i="1" kern="0">
+                                      <a:effectLst/>
+                                      <a:latin typeface="Cambria Math" panose="02040503050406030204" pitchFamily="18" charset="0"/>
+                                      <a:ea typeface="Calibri" panose="020F0502020204030204" pitchFamily="34" charset="0"/>
+                                      <a:cs typeface="B Nazanin" panose="00000400000000000000" pitchFamily="2" charset="-78"/>
+                                    </a:rPr>
+                                    <m:t>𝑚</m:t>
+                                  </m:r>
+                                </m:e>
+                                <m:sub>
+                                  <m:r>
+                                    <a:rPr lang="en-US" sz="2800" b="0" i="1" kern="0" smtClean="0">
+                                      <a:effectLst/>
+                                      <a:latin typeface="Cambria Math" panose="02040503050406030204" pitchFamily="18" charset="0"/>
+                                      <a:ea typeface="Calibri" panose="020F0502020204030204" pitchFamily="34" charset="0"/>
+                                      <a:cs typeface="B Nazanin" panose="00000400000000000000" pitchFamily="2" charset="-78"/>
+                                    </a:rPr>
+                                    <m:t>𝑦</m:t>
+                                  </m:r>
+                                </m:sub>
+                              </m:sSub>
                             </m:sup>
                             <m:e>
                               <m:d>
@@ -10052,7 +10052,7 @@
             </p:txBody>
           </p:sp>
         </mc:Choice>
-        <mc:Fallback xmlns="">
+        <mc:Fallback>
           <p:sp>
             <p:nvSpPr>
               <p:cNvPr id="3" name="Content Placeholder 2">
@@ -10844,8 +10844,8 @@
           </a:p>
         </p:txBody>
       </p:sp>
-      <mc:AlternateContent xmlns:mc="http://schemas.openxmlformats.org/markup-compatibility/2006">
-        <mc:Choice xmlns:a14="http://schemas.microsoft.com/office/drawing/2010/main" Requires="a14">
+      <mc:AlternateContent xmlns:mc="http://schemas.openxmlformats.org/markup-compatibility/2006" xmlns:a14="http://schemas.microsoft.com/office/drawing/2010/main">
+        <mc:Choice Requires="a14">
           <p:sp>
             <p:nvSpPr>
               <p:cNvPr id="3" name="Content Placeholder 2">
@@ -11800,7 +11800,7 @@
             </p:txBody>
           </p:sp>
         </mc:Choice>
-        <mc:Fallback>
+        <mc:Fallback xmlns="">
           <p:sp>
             <p:nvSpPr>
               <p:cNvPr id="3" name="Content Placeholder 2">
@@ -13401,8 +13401,8 @@
           </a:p>
         </p:txBody>
       </p:sp>
-      <mc:AlternateContent xmlns:mc="http://schemas.openxmlformats.org/markup-compatibility/2006">
-        <mc:Choice xmlns:a14="http://schemas.microsoft.com/office/drawing/2010/main" Requires="a14">
+      <mc:AlternateContent xmlns:mc="http://schemas.openxmlformats.org/markup-compatibility/2006" xmlns:a14="http://schemas.microsoft.com/office/drawing/2010/main">
+        <mc:Choice Requires="a14">
           <p:sp>
             <p:nvSpPr>
               <p:cNvPr id="3" name="Content Placeholder 2">
@@ -14788,7 +14788,7 @@
             </p:txBody>
           </p:sp>
         </mc:Choice>
-        <mc:Fallback>
+        <mc:Fallback xmlns="">
           <p:sp>
             <p:nvSpPr>
               <p:cNvPr id="3" name="Content Placeholder 2">
@@ -14886,8 +14886,8 @@
           </a:p>
         </p:txBody>
       </p:sp>
-      <mc:AlternateContent xmlns:mc="http://schemas.openxmlformats.org/markup-compatibility/2006">
-        <mc:Choice xmlns:a14="http://schemas.microsoft.com/office/drawing/2010/main" Requires="a14">
+      <mc:AlternateContent xmlns:mc="http://schemas.openxmlformats.org/markup-compatibility/2006" xmlns:a14="http://schemas.microsoft.com/office/drawing/2010/main">
+        <mc:Choice Requires="a14">
           <p:sp>
             <p:nvSpPr>
               <p:cNvPr id="3" name="Content Placeholder 2">
@@ -17557,7 +17557,7 @@
             </p:txBody>
           </p:sp>
         </mc:Choice>
-        <mc:Fallback>
+        <mc:Fallback xmlns="">
           <p:sp>
             <p:nvSpPr>
               <p:cNvPr id="3" name="Content Placeholder 2">
@@ -19339,15 +19339,6 @@
 </file>
 
 <file path=customXml/item1.xml><?xml version="1.0" encoding="utf-8"?>
-<?mso-contentType ?>
-<FormTemplates xmlns="http://schemas.microsoft.com/sharepoint/v3/contenttype/forms">
-  <Display>DocumentLibraryForm</Display>
-  <Edit>DocumentLibraryForm</Edit>
-  <New>DocumentLibraryForm</New>
-</FormTemplates>
-</file>
-
-<file path=customXml/item2.xml><?xml version="1.0" encoding="utf-8"?>
 <ct:contentTypeSchema xmlns:ct="http://schemas.microsoft.com/office/2006/metadata/contentType" xmlns:ma="http://schemas.microsoft.com/office/2006/metadata/properties/metaAttributes" ct:_="" ma:_="" ma:contentTypeName="Document" ma:contentTypeID="0x01010079F111ED35F8CC479449609E8A0923A6" ma:contentTypeVersion="28" ma:contentTypeDescription="Create a new document." ma:contentTypeScope="" ma:versionID="60f5a4f2d2b0abadcf532d48ebf9cb71">
   <xsd:schema xmlns:xsd="http://www.w3.org/2001/XMLSchema" xmlns:xs="http://www.w3.org/2001/XMLSchema" xmlns:p="http://schemas.microsoft.com/office/2006/metadata/properties" xmlns:ns1="http://schemas.microsoft.com/sharepoint/v3" xmlns:ns2="71af3243-3dd4-4a8d-8c0d-dd76da1f02a5" xmlns:ns3="16c05727-aa75-4e4a-9b5f-8a80a1165891" xmlns:ns4="230e9df3-be65-4c73-a93b-d1236ebd677e" targetNamespace="http://schemas.microsoft.com/office/2006/metadata/properties" ma:root="true" ma:fieldsID="7dd78129e6a1811f84807ad11c651531" ns1:_="" ns2:_="" ns3:_="" ns4:_="">
     <xsd:import namespace="http://schemas.microsoft.com/sharepoint/v3"/>
@@ -19659,6 +19650,15 @@
 </ct:contentTypeSchema>
 </file>
 
+<file path=customXml/item2.xml><?xml version="1.0" encoding="utf-8"?>
+<?mso-contentType ?>
+<FormTemplates xmlns="http://schemas.microsoft.com/sharepoint/v3/contenttype/forms">
+  <Display>DocumentLibraryForm</Display>
+  <Edit>DocumentLibraryForm</Edit>
+  <New>DocumentLibraryForm</New>
+</FormTemplates>
+</file>
+
 <file path=customXml/item3.xml><?xml version="1.0" encoding="utf-8"?>
 <p:properties xmlns:p="http://schemas.microsoft.com/office/2006/metadata/properties" xmlns:xsi="http://www.w3.org/2001/XMLSchema-instance" xmlns:pc="http://schemas.microsoft.com/office/infopath/2007/PartnerControls">
   <documentManagement>
@@ -19680,14 +19680,6 @@
 </file>
 
 <file path=customXml/itemProps1.xml><?xml version="1.0" encoding="utf-8"?>
-<ds:datastoreItem xmlns:ds="http://schemas.openxmlformats.org/officeDocument/2006/customXml" ds:itemID="{45A8381C-73EB-48EA-B45F-7B7C8C7DF409}">
-  <ds:schemaRefs>
-    <ds:schemaRef ds:uri="http://schemas.microsoft.com/sharepoint/v3/contenttype/forms"/>
-  </ds:schemaRefs>
-</ds:datastoreItem>
-</file>
-
-<file path=customXml/itemProps2.xml><?xml version="1.0" encoding="utf-8"?>
 <ds:datastoreItem xmlns:ds="http://schemas.openxmlformats.org/officeDocument/2006/customXml" ds:itemID="{5AA6A711-2C3F-4EC0-B88B-62D740851176}">
   <ds:schemaRefs>
     <ds:schemaRef ds:uri="http://schemas.microsoft.com/office/2006/metadata/contentType"/>
@@ -19708,6 +19700,14 @@
 </ds:datastoreItem>
 </file>
 
+<file path=customXml/itemProps2.xml><?xml version="1.0" encoding="utf-8"?>
+<ds:datastoreItem xmlns:ds="http://schemas.openxmlformats.org/officeDocument/2006/customXml" ds:itemID="{45A8381C-73EB-48EA-B45F-7B7C8C7DF409}">
+  <ds:schemaRefs>
+    <ds:schemaRef ds:uri="http://schemas.microsoft.com/sharepoint/v3/contenttype/forms"/>
+  </ds:schemaRefs>
+</ds:datastoreItem>
+</file>
+
 <file path=customXml/itemProps3.xml><?xml version="1.0" encoding="utf-8"?>
 <ds:datastoreItem xmlns:ds="http://schemas.openxmlformats.org/officeDocument/2006/customXml" ds:itemID="{61E98C35-9ECE-4425-BCBA-00E118C705CE}">
   <ds:schemaRefs>

--- a/dnn/presentation/presentation_part2.pptx
+++ b/dnn/presentation/presentation_part2.pptx
@@ -240,7 +240,7 @@
           <a:p>
             <a:fld id="{9D8190EA-5EEC-4300-B6AE-D9734C6C648E}" type="datetimeFigureOut">
               <a:rPr lang="en-US" smtClean="0"/>
-              <a:t>4/7/2024</a:t>
+              <a:t>4/12/2024</a:t>
             </a:fld>
             <a:endParaRPr lang="en-US" dirty="0"/>
           </a:p>
@@ -417,7 +417,7 @@
           <a:p>
             <a:fld id="{7487ADD9-2083-264C-A652-8D52D02F7E72}" type="datetimeFigureOut">
               <a:rPr lang="en-US" smtClean="0"/>
-              <a:t>4/7/2024</a:t>
+              <a:t>4/12/2024</a:t>
             </a:fld>
             <a:endParaRPr lang="en-US" dirty="0"/>
           </a:p>
@@ -8359,8 +8359,8 @@
           </a:p>
         </p:txBody>
       </p:sp>
-      <mc:AlternateContent xmlns:mc="http://schemas.openxmlformats.org/markup-compatibility/2006">
-        <mc:Choice xmlns:a14="http://schemas.microsoft.com/office/drawing/2010/main" Requires="a14">
+      <mc:AlternateContent xmlns:mc="http://schemas.openxmlformats.org/markup-compatibility/2006" xmlns:a14="http://schemas.microsoft.com/office/drawing/2010/main">
+        <mc:Choice Requires="a14">
           <p:sp>
             <p:nvSpPr>
               <p:cNvPr id="3" name="Content Placeholder 2">
@@ -8809,7 +8809,7 @@
             </p:txBody>
           </p:sp>
         </mc:Choice>
-        <mc:Fallback>
+        <mc:Fallback xmlns="">
           <p:sp>
             <p:nvSpPr>
               <p:cNvPr id="3" name="Content Placeholder 2">
@@ -8907,8 +8907,8 @@
           </a:p>
         </p:txBody>
       </p:sp>
-      <mc:AlternateContent xmlns:mc="http://schemas.openxmlformats.org/markup-compatibility/2006">
-        <mc:Choice xmlns:a14="http://schemas.microsoft.com/office/drawing/2010/main" Requires="a14">
+      <mc:AlternateContent xmlns:mc="http://schemas.openxmlformats.org/markup-compatibility/2006" xmlns:a14="http://schemas.microsoft.com/office/drawing/2010/main">
+        <mc:Choice Requires="a14">
           <p:sp>
             <p:nvSpPr>
               <p:cNvPr id="3" name="Content Placeholder 2">
@@ -9534,7 +9534,7 @@
             </p:txBody>
           </p:sp>
         </mc:Choice>
-        <mc:Fallback>
+        <mc:Fallback xmlns="">
           <p:sp>
             <p:nvSpPr>
               <p:cNvPr id="3" name="Content Placeholder 2">
@@ -9632,8 +9632,8 @@
           </a:p>
         </p:txBody>
       </p:sp>
-      <mc:AlternateContent xmlns:mc="http://schemas.openxmlformats.org/markup-compatibility/2006">
-        <mc:Choice xmlns:a14="http://schemas.microsoft.com/office/drawing/2010/main" Requires="a14">
+      <mc:AlternateContent xmlns:mc="http://schemas.openxmlformats.org/markup-compatibility/2006" xmlns:a14="http://schemas.microsoft.com/office/drawing/2010/main">
+        <mc:Choice Requires="a14">
           <p:sp>
             <p:nvSpPr>
               <p:cNvPr id="3" name="Content Placeholder 2">
@@ -10052,7 +10052,7 @@
             </p:txBody>
           </p:sp>
         </mc:Choice>
-        <mc:Fallback>
+        <mc:Fallback xmlns="">
           <p:sp>
             <p:nvSpPr>
               <p:cNvPr id="3" name="Content Placeholder 2">
@@ -10844,8 +10844,8 @@
           </a:p>
         </p:txBody>
       </p:sp>
-      <mc:AlternateContent xmlns:mc="http://schemas.openxmlformats.org/markup-compatibility/2006" xmlns:a14="http://schemas.microsoft.com/office/drawing/2010/main">
-        <mc:Choice Requires="a14">
+      <mc:AlternateContent xmlns:mc="http://schemas.openxmlformats.org/markup-compatibility/2006">
+        <mc:Choice xmlns:a14="http://schemas.microsoft.com/office/drawing/2010/main" Requires="a14">
           <p:sp>
             <p:nvSpPr>
               <p:cNvPr id="3" name="Content Placeholder 2">
@@ -10883,7 +10883,7 @@
                     <m:sSup>
                       <m:sSupPr>
                         <m:ctrlPr>
-                          <a:rPr lang="en-US" i="1">
+                          <a:rPr lang="en-US" i="1" smtClean="0">
                             <a:latin typeface="Cambria Math" panose="02040503050406030204" pitchFamily="18" charset="0"/>
                             <a:ea typeface="Times New Roman" panose="02020603050405020304" pitchFamily="18" charset="0"/>
                             <a:cs typeface="B Nazanin" panose="00000400000000000000" pitchFamily="2" charset="-78"/>
@@ -11691,13 +11691,13 @@
                       </m:num>
                       <m:den>
                         <m:r>
-                          <a:rPr lang="en-US" sz="2800" i="1">
+                          <a:rPr lang="en-US" sz="2800" b="0" i="1" smtClean="0">
                             <a:effectLst/>
                             <a:latin typeface="Cambria Math" panose="02040503050406030204" pitchFamily="18" charset="0"/>
                             <a:ea typeface="Calibri" panose="020F0502020204030204" pitchFamily="34" charset="0"/>
                             <a:cs typeface="B Nazanin" panose="00000400000000000000" pitchFamily="2" charset="-78"/>
                           </a:rPr>
-                          <m:t>𝑚</m:t>
+                          <m:t>𝑛</m:t>
                         </m:r>
                       </m:den>
                     </m:f>
@@ -11800,7 +11800,7 @@
             </p:txBody>
           </p:sp>
         </mc:Choice>
-        <mc:Fallback xmlns="">
+        <mc:Fallback>
           <p:sp>
             <p:nvSpPr>
               <p:cNvPr id="3" name="Content Placeholder 2">
@@ -11898,8 +11898,8 @@
           </a:p>
         </p:txBody>
       </p:sp>
-      <mc:AlternateContent xmlns:mc="http://schemas.openxmlformats.org/markup-compatibility/2006" xmlns:a14="http://schemas.microsoft.com/office/drawing/2010/main">
-        <mc:Choice Requires="a14">
+      <mc:AlternateContent xmlns:mc="http://schemas.openxmlformats.org/markup-compatibility/2006">
+        <mc:Choice xmlns:a14="http://schemas.microsoft.com/office/drawing/2010/main" Requires="a14">
           <p:sp>
             <p:nvSpPr>
               <p:cNvPr id="3" name="Content Placeholder 2">
@@ -11937,7 +11937,7 @@
                     <m:sSup>
                       <m:sSupPr>
                         <m:ctrlPr>
-                          <a:rPr lang="en-US" i="1">
+                          <a:rPr lang="en-US" i="1" smtClean="0">
                             <a:solidFill>
                               <a:prstClr val="black"/>
                             </a:solidFill>
@@ -12444,7 +12444,7 @@
                       </m:num>
                       <m:den>
                         <m:r>
-                          <a:rPr lang="en-US" i="1">
+                          <a:rPr lang="en-US" b="0" i="1" smtClean="0">
                             <a:solidFill>
                               <a:prstClr val="black"/>
                             </a:solidFill>
@@ -12452,7 +12452,7 @@
                             <a:ea typeface="Calibri" panose="020F0502020204030204" pitchFamily="34" charset="0"/>
                             <a:cs typeface="B Nazanin" panose="00000400000000000000" pitchFamily="2" charset="-78"/>
                           </a:rPr>
-                          <m:t>𝑚</m:t>
+                          <m:t>𝑛</m:t>
                         </m:r>
                       </m:den>
                     </m:f>
@@ -12660,12 +12660,12 @@
                       </m:num>
                       <m:den>
                         <m:r>
-                          <a:rPr lang="en-US" i="1">
+                          <a:rPr lang="en-US" b="0" i="1" smtClean="0">
                             <a:latin typeface="Cambria Math" panose="02040503050406030204" pitchFamily="18" charset="0"/>
                             <a:ea typeface="Times New Roman" panose="02020603050405020304" pitchFamily="18" charset="0"/>
                             <a:cs typeface="B Nazanin" panose="00000400000000000000" pitchFamily="2" charset="-78"/>
                           </a:rPr>
-                          <m:t>𝑚</m:t>
+                          <m:t>𝑛</m:t>
                         </m:r>
                       </m:den>
                     </m:f>
@@ -13298,7 +13298,7 @@
             </p:txBody>
           </p:sp>
         </mc:Choice>
-        <mc:Fallback xmlns="">
+        <mc:Fallback>
           <p:sp>
             <p:nvSpPr>
               <p:cNvPr id="3" name="Content Placeholder 2">
@@ -19339,6 +19339,15 @@
 </file>
 
 <file path=customXml/item1.xml><?xml version="1.0" encoding="utf-8"?>
+<?mso-contentType ?>
+<FormTemplates xmlns="http://schemas.microsoft.com/sharepoint/v3/contenttype/forms">
+  <Display>DocumentLibraryForm</Display>
+  <Edit>DocumentLibraryForm</Edit>
+  <New>DocumentLibraryForm</New>
+</FormTemplates>
+</file>
+
+<file path=customXml/item2.xml><?xml version="1.0" encoding="utf-8"?>
 <ct:contentTypeSchema xmlns:ct="http://schemas.microsoft.com/office/2006/metadata/contentType" xmlns:ma="http://schemas.microsoft.com/office/2006/metadata/properties/metaAttributes" ct:_="" ma:_="" ma:contentTypeName="Document" ma:contentTypeID="0x01010079F111ED35F8CC479449609E8A0923A6" ma:contentTypeVersion="28" ma:contentTypeDescription="Create a new document." ma:contentTypeScope="" ma:versionID="60f5a4f2d2b0abadcf532d48ebf9cb71">
   <xsd:schema xmlns:xsd="http://www.w3.org/2001/XMLSchema" xmlns:xs="http://www.w3.org/2001/XMLSchema" xmlns:p="http://schemas.microsoft.com/office/2006/metadata/properties" xmlns:ns1="http://schemas.microsoft.com/sharepoint/v3" xmlns:ns2="71af3243-3dd4-4a8d-8c0d-dd76da1f02a5" xmlns:ns3="16c05727-aa75-4e4a-9b5f-8a80a1165891" xmlns:ns4="230e9df3-be65-4c73-a93b-d1236ebd677e" targetNamespace="http://schemas.microsoft.com/office/2006/metadata/properties" ma:root="true" ma:fieldsID="7dd78129e6a1811f84807ad11c651531" ns1:_="" ns2:_="" ns3:_="" ns4:_="">
     <xsd:import namespace="http://schemas.microsoft.com/sharepoint/v3"/>
@@ -19650,15 +19659,6 @@
 </ct:contentTypeSchema>
 </file>
 
-<file path=customXml/item2.xml><?xml version="1.0" encoding="utf-8"?>
-<?mso-contentType ?>
-<FormTemplates xmlns="http://schemas.microsoft.com/sharepoint/v3/contenttype/forms">
-  <Display>DocumentLibraryForm</Display>
-  <Edit>DocumentLibraryForm</Edit>
-  <New>DocumentLibraryForm</New>
-</FormTemplates>
-</file>
-
 <file path=customXml/item3.xml><?xml version="1.0" encoding="utf-8"?>
 <p:properties xmlns:p="http://schemas.microsoft.com/office/2006/metadata/properties" xmlns:xsi="http://www.w3.org/2001/XMLSchema-instance" xmlns:pc="http://schemas.microsoft.com/office/infopath/2007/PartnerControls">
   <documentManagement>
@@ -19680,6 +19680,14 @@
 </file>
 
 <file path=customXml/itemProps1.xml><?xml version="1.0" encoding="utf-8"?>
+<ds:datastoreItem xmlns:ds="http://schemas.openxmlformats.org/officeDocument/2006/customXml" ds:itemID="{45A8381C-73EB-48EA-B45F-7B7C8C7DF409}">
+  <ds:schemaRefs>
+    <ds:schemaRef ds:uri="http://schemas.microsoft.com/sharepoint/v3/contenttype/forms"/>
+  </ds:schemaRefs>
+</ds:datastoreItem>
+</file>
+
+<file path=customXml/itemProps2.xml><?xml version="1.0" encoding="utf-8"?>
 <ds:datastoreItem xmlns:ds="http://schemas.openxmlformats.org/officeDocument/2006/customXml" ds:itemID="{5AA6A711-2C3F-4EC0-B88B-62D740851176}">
   <ds:schemaRefs>
     <ds:schemaRef ds:uri="http://schemas.microsoft.com/office/2006/metadata/contentType"/>
@@ -19700,14 +19708,6 @@
 </ds:datastoreItem>
 </file>
 
-<file path=customXml/itemProps2.xml><?xml version="1.0" encoding="utf-8"?>
-<ds:datastoreItem xmlns:ds="http://schemas.openxmlformats.org/officeDocument/2006/customXml" ds:itemID="{45A8381C-73EB-48EA-B45F-7B7C8C7DF409}">
-  <ds:schemaRefs>
-    <ds:schemaRef ds:uri="http://schemas.microsoft.com/sharepoint/v3/contenttype/forms"/>
-  </ds:schemaRefs>
-</ds:datastoreItem>
-</file>
-
 <file path=customXml/itemProps3.xml><?xml version="1.0" encoding="utf-8"?>
 <ds:datastoreItem xmlns:ds="http://schemas.openxmlformats.org/officeDocument/2006/customXml" ds:itemID="{61E98C35-9ECE-4425-BCBA-00E118C705CE}">
   <ds:schemaRefs>

--- a/dnn/presentation/presentation_part2.pptx
+++ b/dnn/presentation/presentation_part2.pptx
@@ -240,7 +240,7 @@
           <a:p>
             <a:fld id="{9D8190EA-5EEC-4300-B6AE-D9734C6C648E}" type="datetimeFigureOut">
               <a:rPr lang="en-US" smtClean="0"/>
-              <a:t>4/12/2024</a:t>
+              <a:t>4/14/2024</a:t>
             </a:fld>
             <a:endParaRPr lang="en-US" dirty="0"/>
           </a:p>
@@ -417,7 +417,7 @@
           <a:p>
             <a:fld id="{7487ADD9-2083-264C-A652-8D52D02F7E72}" type="datetimeFigureOut">
               <a:rPr lang="en-US" smtClean="0"/>
-              <a:t>4/12/2024</a:t>
+              <a:t>4/14/2024</a:t>
             </a:fld>
             <a:endParaRPr lang="en-US" dirty="0"/>
           </a:p>
@@ -10844,8 +10844,8 @@
           </a:p>
         </p:txBody>
       </p:sp>
-      <mc:AlternateContent xmlns:mc="http://schemas.openxmlformats.org/markup-compatibility/2006">
-        <mc:Choice xmlns:a14="http://schemas.microsoft.com/office/drawing/2010/main" Requires="a14">
+      <mc:AlternateContent xmlns:mc="http://schemas.openxmlformats.org/markup-compatibility/2006" xmlns:a14="http://schemas.microsoft.com/office/drawing/2010/main">
+        <mc:Choice Requires="a14">
           <p:sp>
             <p:nvSpPr>
               <p:cNvPr id="3" name="Content Placeholder 2">
@@ -11800,7 +11800,7 @@
             </p:txBody>
           </p:sp>
         </mc:Choice>
-        <mc:Fallback>
+        <mc:Fallback xmlns="">
           <p:sp>
             <p:nvSpPr>
               <p:cNvPr id="3" name="Content Placeholder 2">
@@ -11898,8 +11898,8 @@
           </a:p>
         </p:txBody>
       </p:sp>
-      <mc:AlternateContent xmlns:mc="http://schemas.openxmlformats.org/markup-compatibility/2006">
-        <mc:Choice xmlns:a14="http://schemas.microsoft.com/office/drawing/2010/main" Requires="a14">
+      <mc:AlternateContent xmlns:mc="http://schemas.openxmlformats.org/markup-compatibility/2006" xmlns:a14="http://schemas.microsoft.com/office/drawing/2010/main">
+        <mc:Choice Requires="a14">
           <p:sp>
             <p:nvSpPr>
               <p:cNvPr id="3" name="Content Placeholder 2">
@@ -13298,7 +13298,7 @@
             </p:txBody>
           </p:sp>
         </mc:Choice>
-        <mc:Fallback>
+        <mc:Fallback xmlns="">
           <p:sp>
             <p:nvSpPr>
               <p:cNvPr id="3" name="Content Placeholder 2">
@@ -14886,8 +14886,8 @@
           </a:p>
         </p:txBody>
       </p:sp>
-      <mc:AlternateContent xmlns:mc="http://schemas.openxmlformats.org/markup-compatibility/2006" xmlns:a14="http://schemas.microsoft.com/office/drawing/2010/main">
-        <mc:Choice Requires="a14">
+      <mc:AlternateContent xmlns:mc="http://schemas.openxmlformats.org/markup-compatibility/2006">
+        <mc:Choice xmlns:a14="http://schemas.microsoft.com/office/drawing/2010/main" Requires="a14">
           <p:sp>
             <p:nvSpPr>
               <p:cNvPr id="3" name="Content Placeholder 2">
@@ -14911,21 +14911,22 @@
               </a:bodyPr>
               <a:lstStyle/>
               <a:p>
-                <a:pPr marL="0" lvl="0" indent="0">
+                <a:pPr marL="342900" lvl="0" indent="-342900">
                   <a:lnSpc>
                     <a:spcPct val="150000"/>
                   </a:lnSpc>
                   <a:spcBef>
                     <a:spcPts val="600"/>
                   </a:spcBef>
-                  <a:buNone/>
+                  <a:buFont typeface="Symbol" panose="05050102010706020507" pitchFamily="18" charset="2"/>
+                  <a:buChar char=""/>
                 </a:pPr>
                 <a14:m>
                   <m:oMath xmlns:m="http://schemas.openxmlformats.org/officeDocument/2006/math">
                     <m:f>
                       <m:fPr>
                         <m:ctrlPr>
-                          <a:rPr lang="en-US" sz="2400" i="1" smtClean="0">
+                          <a:rPr lang="en-US" sz="2200" i="1">
                             <a:latin typeface="Cambria Math" panose="02040503050406030204" pitchFamily="18" charset="0"/>
                             <a:ea typeface="Times New Roman" panose="02020603050405020304" pitchFamily="18" charset="0"/>
                             <a:cs typeface="B Nazanin" panose="00000400000000000000" pitchFamily="2" charset="-78"/>
@@ -14934,7 +14935,7 @@
                       </m:fPr>
                       <m:num>
                         <m:r>
-                          <a:rPr lang="en-US" sz="2400" i="1">
+                          <a:rPr lang="en-US" sz="2200" i="1">
                             <a:latin typeface="Cambria Math" panose="02040503050406030204" pitchFamily="18" charset="0"/>
                             <a:ea typeface="Times New Roman" panose="02020603050405020304" pitchFamily="18" charset="0"/>
                             <a:cs typeface="B Nazanin" panose="00000400000000000000" pitchFamily="2" charset="-78"/>
@@ -14942,7 +14943,7 @@
                           <m:t>𝜕</m:t>
                         </m:r>
                         <m:r>
-                          <a:rPr lang="en-US" sz="2400" i="1">
+                          <a:rPr lang="en-US" sz="2200" i="1">
                             <a:latin typeface="Cambria Math" panose="02040503050406030204" pitchFamily="18" charset="0"/>
                             <a:ea typeface="Times New Roman" panose="02020603050405020304" pitchFamily="18" charset="0"/>
                             <a:cs typeface="B Nazanin" panose="00000400000000000000" pitchFamily="2" charset="-78"/>
@@ -14952,7 +14953,7 @@
                       </m:num>
                       <m:den>
                         <m:r>
-                          <a:rPr lang="en-US" sz="2400" i="1">
+                          <a:rPr lang="en-US" sz="2200" i="1">
                             <a:latin typeface="Cambria Math" panose="02040503050406030204" pitchFamily="18" charset="0"/>
                             <a:ea typeface="Times New Roman" panose="02020603050405020304" pitchFamily="18" charset="0"/>
                             <a:cs typeface="B Nazanin" panose="00000400000000000000" pitchFamily="2" charset="-78"/>
@@ -14962,7 +14963,7 @@
                         <m:sSup>
                           <m:sSupPr>
                             <m:ctrlPr>
-                              <a:rPr lang="en-US" sz="2400" i="1">
+                              <a:rPr lang="en-US" sz="2200" i="1">
                                 <a:latin typeface="Cambria Math" panose="02040503050406030204" pitchFamily="18" charset="0"/>
                                 <a:ea typeface="Times New Roman" panose="02020603050405020304" pitchFamily="18" charset="0"/>
                                 <a:cs typeface="B Nazanin" panose="00000400000000000000" pitchFamily="2" charset="-78"/>
@@ -14971,7 +14972,216 @@
                           </m:sSupPr>
                           <m:e>
                             <m:r>
-                              <a:rPr lang="en-US" sz="2400" i="1">
+                              <a:rPr lang="en-US" sz="2200" i="1">
+                                <a:latin typeface="Cambria Math" panose="02040503050406030204" pitchFamily="18" charset="0"/>
+                                <a:ea typeface="Times New Roman" panose="02020603050405020304" pitchFamily="18" charset="0"/>
+                                <a:cs typeface="B Nazanin" panose="00000400000000000000" pitchFamily="2" charset="-78"/>
+                              </a:rPr>
+                              <m:t>𝐴</m:t>
+                            </m:r>
+                          </m:e>
+                          <m:sup>
+                            <m:d>
+                              <m:dPr>
+                                <m:begChr m:val="["/>
+                                <m:endChr m:val="]"/>
+                                <m:ctrlPr>
+                                  <a:rPr lang="en-US" sz="2200" i="1">
+                                    <a:latin typeface="Cambria Math" panose="02040503050406030204" pitchFamily="18" charset="0"/>
+                                    <a:ea typeface="Times New Roman" panose="02020603050405020304" pitchFamily="18" charset="0"/>
+                                    <a:cs typeface="B Nazanin" panose="00000400000000000000" pitchFamily="2" charset="-78"/>
+                                  </a:rPr>
+                                </m:ctrlPr>
+                              </m:dPr>
+                              <m:e>
+                                <m:r>
+                                  <a:rPr lang="en-US" sz="2200" i="1">
+                                    <a:latin typeface="Cambria Math" panose="02040503050406030204" pitchFamily="18" charset="0"/>
+                                    <a:ea typeface="Times New Roman" panose="02020603050405020304" pitchFamily="18" charset="0"/>
+                                    <a:cs typeface="B Nazanin" panose="00000400000000000000" pitchFamily="2" charset="-78"/>
+                                  </a:rPr>
+                                  <m:t>𝐿</m:t>
+                                </m:r>
+                              </m:e>
+                            </m:d>
+                          </m:sup>
+                        </m:sSup>
+                      </m:den>
+                    </m:f>
+                    <m:r>
+                      <a:rPr lang="en-US" sz="2200" i="1">
+                        <a:latin typeface="Cambria Math" panose="02040503050406030204" pitchFamily="18" charset="0"/>
+                        <a:ea typeface="Times New Roman" panose="02020603050405020304" pitchFamily="18" charset="0"/>
+                        <a:cs typeface="B Nazanin" panose="00000400000000000000" pitchFamily="2" charset="-78"/>
+                      </a:rPr>
+                      <m:t>=</m:t>
+                    </m:r>
+                    <m:f>
+                      <m:fPr>
+                        <m:ctrlPr>
+                          <a:rPr lang="en-US" sz="2200" i="1">
+                            <a:latin typeface="Cambria Math" panose="02040503050406030204" pitchFamily="18" charset="0"/>
+                            <a:ea typeface="Times New Roman" panose="02020603050405020304" pitchFamily="18" charset="0"/>
+                            <a:cs typeface="B Nazanin" panose="00000400000000000000" pitchFamily="2" charset="-78"/>
+                          </a:rPr>
+                        </m:ctrlPr>
+                      </m:fPr>
+                      <m:num>
+                        <m:r>
+                          <a:rPr lang="en-US" sz="2200" i="1">
+                            <a:latin typeface="Cambria Math" panose="02040503050406030204" pitchFamily="18" charset="0"/>
+                            <a:ea typeface="Times New Roman" panose="02020603050405020304" pitchFamily="18" charset="0"/>
+                            <a:cs typeface="B Nazanin" panose="00000400000000000000" pitchFamily="2" charset="-78"/>
+                          </a:rPr>
+                          <m:t>1</m:t>
+                        </m:r>
+                      </m:num>
+                      <m:den>
+                        <m:r>
+                          <a:rPr lang="en-US" sz="2200" i="1">
+                            <a:latin typeface="Cambria Math" panose="02040503050406030204" pitchFamily="18" charset="0"/>
+                            <a:ea typeface="Times New Roman" panose="02020603050405020304" pitchFamily="18" charset="0"/>
+                            <a:cs typeface="B Nazanin" panose="00000400000000000000" pitchFamily="2" charset="-78"/>
+                          </a:rPr>
+                          <m:t>𝑛</m:t>
+                        </m:r>
+                      </m:den>
+                    </m:f>
+                    <m:f>
+                      <m:fPr>
+                        <m:ctrlPr>
+                          <a:rPr lang="en-US" sz="2200" i="1">
+                            <a:latin typeface="Cambria Math" panose="02040503050406030204" pitchFamily="18" charset="0"/>
+                            <a:ea typeface="Times New Roman" panose="02020603050405020304" pitchFamily="18" charset="0"/>
+                            <a:cs typeface="B Nazanin" panose="00000400000000000000" pitchFamily="2" charset="-78"/>
+                          </a:rPr>
+                        </m:ctrlPr>
+                      </m:fPr>
+                      <m:num>
+                        <m:r>
+                          <a:rPr lang="en-US" sz="2200" i="1">
+                            <a:latin typeface="Cambria Math" panose="02040503050406030204" pitchFamily="18" charset="0"/>
+                            <a:ea typeface="Times New Roman" panose="02020603050405020304" pitchFamily="18" charset="0"/>
+                            <a:cs typeface="B Nazanin" panose="00000400000000000000" pitchFamily="2" charset="-78"/>
+                          </a:rPr>
+                          <m:t>𝜕</m:t>
+                        </m:r>
+                        <m:r>
+                          <a:rPr lang="en-US" sz="2200" i="1">
+                            <a:latin typeface="Cambria Math" panose="02040503050406030204" pitchFamily="18" charset="0"/>
+                            <a:ea typeface="Times New Roman" panose="02020603050405020304" pitchFamily="18" charset="0"/>
+                            <a:cs typeface="B Nazanin" panose="00000400000000000000" pitchFamily="2" charset="-78"/>
+                          </a:rPr>
+                          <m:t>𝐽</m:t>
+                        </m:r>
+                      </m:num>
+                      <m:den>
+                        <m:r>
+                          <a:rPr lang="en-US" sz="2200" i="1">
+                            <a:latin typeface="Cambria Math" panose="02040503050406030204" pitchFamily="18" charset="0"/>
+                            <a:ea typeface="Times New Roman" panose="02020603050405020304" pitchFamily="18" charset="0"/>
+                            <a:cs typeface="B Nazanin" panose="00000400000000000000" pitchFamily="2" charset="-78"/>
+                          </a:rPr>
+                          <m:t>𝜕</m:t>
+                        </m:r>
+                        <m:acc>
+                          <m:accPr>
+                            <m:chr m:val="̂"/>
+                            <m:ctrlPr>
+                              <a:rPr lang="en-US" sz="2200" i="1">
+                                <a:latin typeface="Cambria Math" panose="02040503050406030204" pitchFamily="18" charset="0"/>
+                                <a:ea typeface="Times New Roman" panose="02020603050405020304" pitchFamily="18" charset="0"/>
+                                <a:cs typeface="B Nazanin" panose="00000400000000000000" pitchFamily="2" charset="-78"/>
+                              </a:rPr>
+                            </m:ctrlPr>
+                          </m:accPr>
+                          <m:e>
+                            <m:r>
+                              <a:rPr lang="en-US" sz="2200" i="1">
+                                <a:latin typeface="Cambria Math" panose="02040503050406030204" pitchFamily="18" charset="0"/>
+                                <a:ea typeface="Times New Roman" panose="02020603050405020304" pitchFamily="18" charset="0"/>
+                                <a:cs typeface="B Nazanin" panose="00000400000000000000" pitchFamily="2" charset="-78"/>
+                              </a:rPr>
+                              <m:t>𝑌</m:t>
+                            </m:r>
+                          </m:e>
+                        </m:acc>
+                      </m:den>
+                    </m:f>
+                  </m:oMath>
+                </a14:m>
+                <a:endParaRPr lang="en-US" sz="2200" dirty="0">
+                  <a:latin typeface="Times New Roman" panose="02020603050405020304" pitchFamily="18" charset="0"/>
+                  <a:ea typeface="Calibri" panose="020F0502020204030204" pitchFamily="34" charset="0"/>
+                  <a:cs typeface="B Nazanin" panose="00000400000000000000" pitchFamily="2" charset="-78"/>
+                </a:endParaRPr>
+              </a:p>
+              <a:p>
+                <a:pPr marL="342900" marR="0" lvl="0" indent="-342900">
+                  <a:lnSpc>
+                    <a:spcPct val="150000"/>
+                  </a:lnSpc>
+                  <a:spcBef>
+                    <a:spcPts val="0"/>
+                  </a:spcBef>
+                  <a:spcAft>
+                    <a:spcPts val="0"/>
+                  </a:spcAft>
+                  <a:buFont typeface="Symbol" panose="05050102010706020507" pitchFamily="18" charset="2"/>
+                  <a:buChar char=""/>
+                </a:pPr>
+                <a14:m>
+                  <m:oMath xmlns:m="http://schemas.openxmlformats.org/officeDocument/2006/math">
+                    <m:f>
+                      <m:fPr>
+                        <m:ctrlPr>
+                          <a:rPr lang="en-US" sz="2200" i="1">
+                            <a:latin typeface="Cambria Math" panose="02040503050406030204" pitchFamily="18" charset="0"/>
+                            <a:ea typeface="Times New Roman" panose="02020603050405020304" pitchFamily="18" charset="0"/>
+                            <a:cs typeface="B Nazanin" panose="00000400000000000000" pitchFamily="2" charset="-78"/>
+                          </a:rPr>
+                        </m:ctrlPr>
+                      </m:fPr>
+                      <m:num>
+                        <m:r>
+                          <a:rPr lang="en-US" sz="2200" i="1">
+                            <a:latin typeface="Cambria Math" panose="02040503050406030204" pitchFamily="18" charset="0"/>
+                            <a:ea typeface="Times New Roman" panose="02020603050405020304" pitchFamily="18" charset="0"/>
+                            <a:cs typeface="B Nazanin" panose="00000400000000000000" pitchFamily="2" charset="-78"/>
+                          </a:rPr>
+                          <m:t>𝜕</m:t>
+                        </m:r>
+                        <m:r>
+                          <a:rPr lang="en-US" sz="2200" i="1">
+                            <a:latin typeface="Cambria Math" panose="02040503050406030204" pitchFamily="18" charset="0"/>
+                            <a:ea typeface="Times New Roman" panose="02020603050405020304" pitchFamily="18" charset="0"/>
+                            <a:cs typeface="B Nazanin" panose="00000400000000000000" pitchFamily="2" charset="-78"/>
+                          </a:rPr>
+                          <m:t>𝐶</m:t>
+                        </m:r>
+                      </m:num>
+                      <m:den>
+                        <m:r>
+                          <a:rPr lang="en-US" sz="2200" i="1">
+                            <a:latin typeface="Cambria Math" panose="02040503050406030204" pitchFamily="18" charset="0"/>
+                            <a:ea typeface="Times New Roman" panose="02020603050405020304" pitchFamily="18" charset="0"/>
+                            <a:cs typeface="B Nazanin" panose="00000400000000000000" pitchFamily="2" charset="-78"/>
+                          </a:rPr>
+                          <m:t>𝜕</m:t>
+                        </m:r>
+                        <m:sSup>
+                          <m:sSupPr>
+                            <m:ctrlPr>
+                              <a:rPr lang="en-US" sz="2200" i="1">
+                                <a:latin typeface="Cambria Math" panose="02040503050406030204" pitchFamily="18" charset="0"/>
+                                <a:ea typeface="Times New Roman" panose="02020603050405020304" pitchFamily="18" charset="0"/>
+                                <a:cs typeface="B Nazanin" panose="00000400000000000000" pitchFamily="2" charset="-78"/>
+                              </a:rPr>
+                            </m:ctrlPr>
+                          </m:sSupPr>
+                          <m:e>
+                            <m:r>
+                              <a:rPr lang="en-US" sz="2200" i="1">
                                 <a:latin typeface="Cambria Math" panose="02040503050406030204" pitchFamily="18" charset="0"/>
                                 <a:ea typeface="Times New Roman" panose="02020603050405020304" pitchFamily="18" charset="0"/>
                                 <a:cs typeface="B Nazanin" panose="00000400000000000000" pitchFamily="2" charset="-78"/>
@@ -14985,7 +15195,7 @@
                                 <m:begChr m:val="["/>
                                 <m:endChr m:val="]"/>
                                 <m:ctrlPr>
-                                  <a:rPr lang="en-US" sz="2400" i="1">
+                                  <a:rPr lang="en-US" sz="2200" i="1">
                                     <a:latin typeface="Cambria Math" panose="02040503050406030204" pitchFamily="18" charset="0"/>
                                     <a:ea typeface="Times New Roman" panose="02020603050405020304" pitchFamily="18" charset="0"/>
                                     <a:cs typeface="B Nazanin" panose="00000400000000000000" pitchFamily="2" charset="-78"/>
@@ -14994,7 +15204,7 @@
                               </m:dPr>
                               <m:e>
                                 <m:r>
-                                  <a:rPr lang="en-US" sz="2400" i="1">
+                                  <a:rPr lang="en-US" sz="2200" i="1">
                                     <a:latin typeface="Cambria Math" panose="02040503050406030204" pitchFamily="18" charset="0"/>
                                     <a:ea typeface="Times New Roman" panose="02020603050405020304" pitchFamily="18" charset="0"/>
                                     <a:cs typeface="B Nazanin" panose="00000400000000000000" pitchFamily="2" charset="-78"/>
@@ -15008,7 +15218,7 @@
                       </m:den>
                     </m:f>
                     <m:r>
-                      <a:rPr lang="en-US" sz="2400" i="1">
+                      <a:rPr lang="en-US" sz="2200" i="1">
                         <a:latin typeface="Cambria Math" panose="02040503050406030204" pitchFamily="18" charset="0"/>
                         <a:ea typeface="Times New Roman" panose="02020603050405020304" pitchFamily="18" charset="0"/>
                         <a:cs typeface="B Nazanin" panose="00000400000000000000" pitchFamily="2" charset="-78"/>
@@ -15018,7 +15228,7 @@
                     <m:f>
                       <m:fPr>
                         <m:ctrlPr>
-                          <a:rPr lang="en-US" sz="2400" i="1">
+                          <a:rPr lang="en-US" sz="2200" i="1">
                             <a:latin typeface="Cambria Math" panose="02040503050406030204" pitchFamily="18" charset="0"/>
                             <a:ea typeface="Times New Roman" panose="02020603050405020304" pitchFamily="18" charset="0"/>
                             <a:cs typeface="B Nazanin" panose="00000400000000000000" pitchFamily="2" charset="-78"/>
@@ -15027,7 +15237,7 @@
                       </m:fPr>
                       <m:num>
                         <m:r>
-                          <a:rPr lang="en-US" sz="2400" i="1">
+                          <a:rPr lang="en-US" sz="2200" i="1">
                             <a:latin typeface="Cambria Math" panose="02040503050406030204" pitchFamily="18" charset="0"/>
                             <a:ea typeface="Times New Roman" panose="02020603050405020304" pitchFamily="18" charset="0"/>
                             <a:cs typeface="B Nazanin" panose="00000400000000000000" pitchFamily="2" charset="-78"/>
@@ -15037,7 +15247,7 @@
                         <m:sSup>
                           <m:sSupPr>
                             <m:ctrlPr>
-                              <a:rPr lang="en-US" sz="2400" i="1">
+                              <a:rPr lang="en-US" sz="2200" i="1">
                                 <a:latin typeface="Cambria Math" panose="02040503050406030204" pitchFamily="18" charset="0"/>
                                 <a:ea typeface="Times New Roman" panose="02020603050405020304" pitchFamily="18" charset="0"/>
                                 <a:cs typeface="B Nazanin" panose="00000400000000000000" pitchFamily="2" charset="-78"/>
@@ -15046,7 +15256,7 @@
                           </m:sSupPr>
                           <m:e>
                             <m:r>
-                              <a:rPr lang="en-US" sz="2400" i="1">
+                              <a:rPr lang="en-US" sz="2200" i="1">
                                 <a:latin typeface="Cambria Math" panose="02040503050406030204" pitchFamily="18" charset="0"/>
                                 <a:ea typeface="Times New Roman" panose="02020603050405020304" pitchFamily="18" charset="0"/>
                                 <a:cs typeface="B Nazanin" panose="00000400000000000000" pitchFamily="2" charset="-78"/>
@@ -15060,7 +15270,7 @@
                                 <m:begChr m:val="["/>
                                 <m:endChr m:val="]"/>
                                 <m:ctrlPr>
-                                  <a:rPr lang="en-US" sz="2400" i="1">
+                                  <a:rPr lang="en-US" sz="2200" i="1">
                                     <a:latin typeface="Cambria Math" panose="02040503050406030204" pitchFamily="18" charset="0"/>
                                     <a:ea typeface="Times New Roman" panose="02020603050405020304" pitchFamily="18" charset="0"/>
                                     <a:cs typeface="B Nazanin" panose="00000400000000000000" pitchFamily="2" charset="-78"/>
@@ -15069,7 +15279,7 @@
                               </m:dPr>
                               <m:e>
                                 <m:r>
-                                  <a:rPr lang="en-US" sz="2400" i="1">
+                                  <a:rPr lang="en-US" sz="2200" i="1">
                                     <a:latin typeface="Cambria Math" panose="02040503050406030204" pitchFamily="18" charset="0"/>
                                     <a:ea typeface="Times New Roman" panose="02020603050405020304" pitchFamily="18" charset="0"/>
                                     <a:cs typeface="B Nazanin" panose="00000400000000000000" pitchFamily="2" charset="-78"/>
@@ -15083,7 +15293,7 @@
                       </m:num>
                       <m:den>
                         <m:r>
-                          <a:rPr lang="en-US" sz="2400" i="1">
+                          <a:rPr lang="en-US" sz="2200" i="1">
                             <a:latin typeface="Cambria Math" panose="02040503050406030204" pitchFamily="18" charset="0"/>
                             <a:ea typeface="Times New Roman" panose="02020603050405020304" pitchFamily="18" charset="0"/>
                             <a:cs typeface="B Nazanin" panose="00000400000000000000" pitchFamily="2" charset="-78"/>
@@ -15093,7 +15303,7 @@
                         <m:sSup>
                           <m:sSupPr>
                             <m:ctrlPr>
-                              <a:rPr lang="en-US" sz="2400" i="1">
+                              <a:rPr lang="en-US" sz="2200" i="1">
                                 <a:latin typeface="Cambria Math" panose="02040503050406030204" pitchFamily="18" charset="0"/>
                                 <a:ea typeface="Times New Roman" panose="02020603050405020304" pitchFamily="18" charset="0"/>
                                 <a:cs typeface="B Nazanin" panose="00000400000000000000" pitchFamily="2" charset="-78"/>
@@ -15102,7 +15312,7 @@
                           </m:sSupPr>
                           <m:e>
                             <m:r>
-                              <a:rPr lang="en-US" sz="2400" i="1">
+                              <a:rPr lang="en-US" sz="2200" i="1">
                                 <a:latin typeface="Cambria Math" panose="02040503050406030204" pitchFamily="18" charset="0"/>
                                 <a:ea typeface="Times New Roman" panose="02020603050405020304" pitchFamily="18" charset="0"/>
                                 <a:cs typeface="B Nazanin" panose="00000400000000000000" pitchFamily="2" charset="-78"/>
@@ -15116,7 +15326,7 @@
                                 <m:begChr m:val="["/>
                                 <m:endChr m:val="]"/>
                                 <m:ctrlPr>
-                                  <a:rPr lang="en-US" sz="2400" i="1">
+                                  <a:rPr lang="en-US" sz="2200" i="1">
                                     <a:latin typeface="Cambria Math" panose="02040503050406030204" pitchFamily="18" charset="0"/>
                                     <a:ea typeface="Times New Roman" panose="02020603050405020304" pitchFamily="18" charset="0"/>
                                     <a:cs typeface="B Nazanin" panose="00000400000000000000" pitchFamily="2" charset="-78"/>
@@ -15125,7 +15335,7 @@
                               </m:dPr>
                               <m:e>
                                 <m:r>
-                                  <a:rPr lang="en-US" sz="2400" i="1">
+                                  <a:rPr lang="en-US" sz="2200" i="1">
                                     <a:latin typeface="Cambria Math" panose="02040503050406030204" pitchFamily="18" charset="0"/>
                                     <a:ea typeface="Times New Roman" panose="02020603050405020304" pitchFamily="18" charset="0"/>
                                     <a:cs typeface="B Nazanin" panose="00000400000000000000" pitchFamily="2" charset="-78"/>
@@ -15141,7 +15351,7 @@
                     <m:d>
                       <m:dPr>
                         <m:ctrlPr>
-                          <a:rPr lang="en-US" sz="2400" i="1">
+                          <a:rPr lang="en-US" sz="2200" i="1">
                             <a:latin typeface="Cambria Math" panose="02040503050406030204" pitchFamily="18" charset="0"/>
                             <a:ea typeface="Times New Roman" panose="02020603050405020304" pitchFamily="18" charset="0"/>
                             <a:cs typeface="B Nazanin" panose="00000400000000000000" pitchFamily="2" charset="-78"/>
@@ -15152,7 +15362,7 @@
                         <m:f>
                           <m:fPr>
                             <m:ctrlPr>
-                              <a:rPr lang="en-US" sz="2400" i="1">
+                              <a:rPr lang="en-US" sz="2200" i="1">
                                 <a:latin typeface="Cambria Math" panose="02040503050406030204" pitchFamily="18" charset="0"/>
                                 <a:ea typeface="Times New Roman" panose="02020603050405020304" pitchFamily="18" charset="0"/>
                                 <a:cs typeface="B Nazanin" panose="00000400000000000000" pitchFamily="2" charset="-78"/>
@@ -15161,7 +15371,7 @@
                           </m:fPr>
                           <m:num>
                             <m:r>
-                              <a:rPr lang="en-US" sz="2400" i="1">
+                              <a:rPr lang="en-US" sz="2200" i="1">
                                 <a:latin typeface="Cambria Math" panose="02040503050406030204" pitchFamily="18" charset="0"/>
                                 <a:ea typeface="Times New Roman" panose="02020603050405020304" pitchFamily="18" charset="0"/>
                                 <a:cs typeface="B Nazanin" panose="00000400000000000000" pitchFamily="2" charset="-78"/>
@@ -15169,7 +15379,7 @@
                               <m:t>𝜕</m:t>
                             </m:r>
                             <m:r>
-                              <a:rPr lang="en-US" sz="2400" i="1">
+                              <a:rPr lang="en-US" sz="2200" i="1">
                                 <a:latin typeface="Cambria Math" panose="02040503050406030204" pitchFamily="18" charset="0"/>
                                 <a:ea typeface="Times New Roman" panose="02020603050405020304" pitchFamily="18" charset="0"/>
                                 <a:cs typeface="B Nazanin" panose="00000400000000000000" pitchFamily="2" charset="-78"/>
@@ -15179,7 +15389,7 @@
                           </m:num>
                           <m:den>
                             <m:r>
-                              <a:rPr lang="en-US" sz="2400" i="1">
+                              <a:rPr lang="en-US" sz="2200" i="1">
                                 <a:latin typeface="Cambria Math" panose="02040503050406030204" pitchFamily="18" charset="0"/>
                                 <a:ea typeface="Times New Roman" panose="02020603050405020304" pitchFamily="18" charset="0"/>
                                 <a:cs typeface="B Nazanin" panose="00000400000000000000" pitchFamily="2" charset="-78"/>
@@ -15189,7 +15399,7 @@
                             <m:sSup>
                               <m:sSupPr>
                                 <m:ctrlPr>
-                                  <a:rPr lang="en-US" sz="2400" i="1">
+                                  <a:rPr lang="en-US" sz="2200" i="1">
                                     <a:latin typeface="Cambria Math" panose="02040503050406030204" pitchFamily="18" charset="0"/>
                                     <a:ea typeface="Times New Roman" panose="02020603050405020304" pitchFamily="18" charset="0"/>
                                     <a:cs typeface="B Nazanin" panose="00000400000000000000" pitchFamily="2" charset="-78"/>
@@ -15198,7 +15408,7 @@
                               </m:sSupPr>
                               <m:e>
                                 <m:r>
-                                  <a:rPr lang="en-US" sz="2400" i="1">
+                                  <a:rPr lang="en-US" sz="2200" i="1">
                                     <a:latin typeface="Cambria Math" panose="02040503050406030204" pitchFamily="18" charset="0"/>
                                     <a:ea typeface="Times New Roman" panose="02020603050405020304" pitchFamily="18" charset="0"/>
                                     <a:cs typeface="B Nazanin" panose="00000400000000000000" pitchFamily="2" charset="-78"/>
@@ -15208,7 +15418,7 @@
                               </m:e>
                               <m:sup>
                                 <m:r>
-                                  <a:rPr lang="en-US" sz="2400" i="1">
+                                  <a:rPr lang="en-US" sz="2200" i="1">
                                     <a:latin typeface="Cambria Math" panose="02040503050406030204" pitchFamily="18" charset="0"/>
                                     <a:ea typeface="Times New Roman" panose="02020603050405020304" pitchFamily="18" charset="0"/>
                                     <a:cs typeface="B Nazanin" panose="00000400000000000000" pitchFamily="2" charset="-78"/>
@@ -15216,7 +15426,7 @@
                                   <m:t>[</m:t>
                                 </m:r>
                                 <m:r>
-                                  <a:rPr lang="en-US" sz="2400" i="1">
+                                  <a:rPr lang="en-US" sz="2200" i="1">
                                     <a:latin typeface="Cambria Math" panose="02040503050406030204" pitchFamily="18" charset="0"/>
                                     <a:ea typeface="Times New Roman" panose="02020603050405020304" pitchFamily="18" charset="0"/>
                                     <a:cs typeface="B Nazanin" panose="00000400000000000000" pitchFamily="2" charset="-78"/>
@@ -15224,7 +15434,7 @@
                                   <m:t>𝑙</m:t>
                                 </m:r>
                                 <m:r>
-                                  <a:rPr lang="en-US" sz="2400" i="1">
+                                  <a:rPr lang="en-US" sz="2200" i="1">
                                     <a:latin typeface="Cambria Math" panose="02040503050406030204" pitchFamily="18" charset="0"/>
                                     <a:ea typeface="Times New Roman" panose="02020603050405020304" pitchFamily="18" charset="0"/>
                                     <a:cs typeface="B Nazanin" panose="00000400000000000000" pitchFamily="2" charset="-78"/>
@@ -15236,7 +15446,7 @@
                           </m:den>
                         </m:f>
                         <m:r>
-                          <a:rPr lang="en-US" sz="2400" i="1">
+                          <a:rPr lang="en-US" sz="2200" i="1">
                             <a:latin typeface="Cambria Math" panose="02040503050406030204" pitchFamily="18" charset="0"/>
                             <a:ea typeface="Times New Roman" panose="02020603050405020304" pitchFamily="18" charset="0"/>
                             <a:cs typeface="B Nazanin" panose="00000400000000000000" pitchFamily="2" charset="-78"/>
@@ -15246,7 +15456,7 @@
                         <m:f>
                           <m:fPr>
                             <m:ctrlPr>
-                              <a:rPr lang="en-US" sz="2400" i="1">
+                              <a:rPr lang="en-US" sz="2200" i="1">
                                 <a:latin typeface="Cambria Math" panose="02040503050406030204" pitchFamily="18" charset="0"/>
                                 <a:ea typeface="Times New Roman" panose="02020603050405020304" pitchFamily="18" charset="0"/>
                                 <a:cs typeface="B Nazanin" panose="00000400000000000000" pitchFamily="2" charset="-78"/>
@@ -15255,7 +15465,7 @@
                           </m:fPr>
                           <m:num>
                             <m:r>
-                              <a:rPr lang="en-US" sz="2400" i="1">
+                              <a:rPr lang="en-US" sz="2200" i="1">
                                 <a:latin typeface="Cambria Math" panose="02040503050406030204" pitchFamily="18" charset="0"/>
                                 <a:ea typeface="Times New Roman" panose="02020603050405020304" pitchFamily="18" charset="0"/>
                                 <a:cs typeface="B Nazanin" panose="00000400000000000000" pitchFamily="2" charset="-78"/>
@@ -15265,7 +15475,7 @@
                             <m:sSup>
                               <m:sSupPr>
                                 <m:ctrlPr>
-                                  <a:rPr lang="en-US" sz="2400" i="1">
+                                  <a:rPr lang="en-US" sz="2200" i="1">
                                     <a:latin typeface="Cambria Math" panose="02040503050406030204" pitchFamily="18" charset="0"/>
                                     <a:ea typeface="Times New Roman" panose="02020603050405020304" pitchFamily="18" charset="0"/>
                                     <a:cs typeface="B Nazanin" panose="00000400000000000000" pitchFamily="2" charset="-78"/>
@@ -15274,7 +15484,7 @@
                               </m:sSupPr>
                               <m:e>
                                 <m:r>
-                                  <a:rPr lang="en-US" sz="2400" i="1">
+                                  <a:rPr lang="en-US" sz="2200" i="1">
                                     <a:latin typeface="Cambria Math" panose="02040503050406030204" pitchFamily="18" charset="0"/>
                                     <a:ea typeface="Times New Roman" panose="02020603050405020304" pitchFamily="18" charset="0"/>
                                     <a:cs typeface="B Nazanin" panose="00000400000000000000" pitchFamily="2" charset="-78"/>
@@ -15288,7 +15498,7 @@
                                     <m:begChr m:val="["/>
                                     <m:endChr m:val="]"/>
                                     <m:ctrlPr>
-                                      <a:rPr lang="en-US" sz="2400" i="1">
+                                      <a:rPr lang="en-US" sz="2200" i="1">
                                         <a:latin typeface="Cambria Math" panose="02040503050406030204" pitchFamily="18" charset="0"/>
                                         <a:ea typeface="Times New Roman" panose="02020603050405020304" pitchFamily="18" charset="0"/>
                                         <a:cs typeface="B Nazanin" panose="00000400000000000000" pitchFamily="2" charset="-78"/>
@@ -15297,7 +15507,7 @@
                                   </m:dPr>
                                   <m:e>
                                     <m:r>
-                                      <a:rPr lang="en-US" sz="2400" i="1">
+                                      <a:rPr lang="en-US" sz="2200" i="1">
                                         <a:latin typeface="Cambria Math" panose="02040503050406030204" pitchFamily="18" charset="0"/>
                                         <a:ea typeface="Times New Roman" panose="02020603050405020304" pitchFamily="18" charset="0"/>
                                         <a:cs typeface="B Nazanin" panose="00000400000000000000" pitchFamily="2" charset="-78"/>
@@ -15311,7 +15521,7 @@
                           </m:num>
                           <m:den>
                             <m:r>
-                              <a:rPr lang="en-US" sz="2400" i="1">
+                              <a:rPr lang="en-US" sz="2200" i="1">
                                 <a:latin typeface="Cambria Math" panose="02040503050406030204" pitchFamily="18" charset="0"/>
                                 <a:ea typeface="Times New Roman" panose="02020603050405020304" pitchFamily="18" charset="0"/>
                                 <a:cs typeface="B Nazanin" panose="00000400000000000000" pitchFamily="2" charset="-78"/>
@@ -15321,7 +15531,7 @@
                             <m:sSup>
                               <m:sSupPr>
                                 <m:ctrlPr>
-                                  <a:rPr lang="en-US" sz="2400" i="1">
+                                  <a:rPr lang="en-US" sz="2200" i="1">
                                     <a:latin typeface="Cambria Math" panose="02040503050406030204" pitchFamily="18" charset="0"/>
                                     <a:ea typeface="Times New Roman" panose="02020603050405020304" pitchFamily="18" charset="0"/>
                                     <a:cs typeface="B Nazanin" panose="00000400000000000000" pitchFamily="2" charset="-78"/>
@@ -15330,7 +15540,7 @@
                               </m:sSupPr>
                               <m:e>
                                 <m:r>
-                                  <a:rPr lang="en-US" sz="2400" i="1">
+                                  <a:rPr lang="en-US" sz="2200" i="1">
                                     <a:latin typeface="Cambria Math" panose="02040503050406030204" pitchFamily="18" charset="0"/>
                                     <a:ea typeface="Times New Roman" panose="02020603050405020304" pitchFamily="18" charset="0"/>
                                     <a:cs typeface="B Nazanin" panose="00000400000000000000" pitchFamily="2" charset="-78"/>
@@ -15344,7 +15554,7 @@
                                     <m:begChr m:val="["/>
                                     <m:endChr m:val="]"/>
                                     <m:ctrlPr>
-                                      <a:rPr lang="en-US" sz="2400" i="1">
+                                      <a:rPr lang="en-US" sz="2200" i="1">
                                         <a:latin typeface="Cambria Math" panose="02040503050406030204" pitchFamily="18" charset="0"/>
                                         <a:ea typeface="Times New Roman" panose="02020603050405020304" pitchFamily="18" charset="0"/>
                                         <a:cs typeface="B Nazanin" panose="00000400000000000000" pitchFamily="2" charset="-78"/>
@@ -15353,7 +15563,7 @@
                                   </m:dPr>
                                   <m:e>
                                     <m:r>
-                                      <a:rPr lang="en-US" sz="2400" i="1">
+                                      <a:rPr lang="en-US" sz="2200" i="1">
                                         <a:latin typeface="Cambria Math" panose="02040503050406030204" pitchFamily="18" charset="0"/>
                                         <a:ea typeface="Times New Roman" panose="02020603050405020304" pitchFamily="18" charset="0"/>
                                         <a:cs typeface="B Nazanin" panose="00000400000000000000" pitchFamily="2" charset="-78"/>
@@ -15369,7 +15579,7 @@
                       </m:e>
                     </m:d>
                     <m:r>
-                      <a:rPr lang="en-US" sz="2400" i="1">
+                      <a:rPr lang="en-US" sz="2200" i="1">
                         <a:latin typeface="Cambria Math" panose="02040503050406030204" pitchFamily="18" charset="0"/>
                         <a:ea typeface="Times New Roman" panose="02020603050405020304" pitchFamily="18" charset="0"/>
                         <a:cs typeface="B Nazanin" panose="00000400000000000000" pitchFamily="2" charset="-78"/>
@@ -15379,7 +15589,7 @@
                     <m:sSup>
                       <m:sSupPr>
                         <m:ctrlPr>
-                          <a:rPr lang="en-US" sz="2400" i="1">
+                          <a:rPr lang="en-US" sz="2200" i="1">
                             <a:latin typeface="Cambria Math" panose="02040503050406030204" pitchFamily="18" charset="0"/>
                             <a:ea typeface="Times New Roman" panose="02020603050405020304" pitchFamily="18" charset="0"/>
                             <a:cs typeface="B Nazanin" panose="00000400000000000000" pitchFamily="2" charset="-78"/>
@@ -15388,7 +15598,7 @@
                       </m:sSupPr>
                       <m:e>
                         <m:r>
-                          <a:rPr lang="en-US" sz="2400" i="1">
+                          <a:rPr lang="en-US" sz="2200" i="1">
                             <a:latin typeface="Cambria Math" panose="02040503050406030204" pitchFamily="18" charset="0"/>
                             <a:ea typeface="Times New Roman" panose="02020603050405020304" pitchFamily="18" charset="0"/>
                             <a:cs typeface="B Nazanin" panose="00000400000000000000" pitchFamily="2" charset="-78"/>
@@ -15402,7 +15612,7 @@
                             <m:begChr m:val="["/>
                             <m:endChr m:val="]"/>
                             <m:ctrlPr>
-                              <a:rPr lang="en-US" sz="2400" i="1">
+                              <a:rPr lang="en-US" sz="2200" i="1">
                                 <a:latin typeface="Cambria Math" panose="02040503050406030204" pitchFamily="18" charset="0"/>
                                 <a:ea typeface="Times New Roman" panose="02020603050405020304" pitchFamily="18" charset="0"/>
                                 <a:cs typeface="B Nazanin" panose="00000400000000000000" pitchFamily="2" charset="-78"/>
@@ -15411,7 +15621,7 @@
                           </m:dPr>
                           <m:e>
                             <m:r>
-                              <a:rPr lang="en-US" sz="2400" i="1">
+                              <a:rPr lang="en-US" sz="2200" i="1">
                                 <a:latin typeface="Cambria Math" panose="02040503050406030204" pitchFamily="18" charset="0"/>
                                 <a:ea typeface="Times New Roman" panose="02020603050405020304" pitchFamily="18" charset="0"/>
                                 <a:cs typeface="B Nazanin" panose="00000400000000000000" pitchFamily="2" charset="-78"/>
@@ -15419,7 +15629,7 @@
                               <m:t>𝑙</m:t>
                             </m:r>
                             <m:r>
-                              <a:rPr lang="en-US" sz="2400" i="1">
+                              <a:rPr lang="en-US" sz="2200" i="1">
                                 <a:latin typeface="Cambria Math" panose="02040503050406030204" pitchFamily="18" charset="0"/>
                                 <a:ea typeface="Times New Roman" panose="02020603050405020304" pitchFamily="18" charset="0"/>
                                 <a:cs typeface="B Nazanin" panose="00000400000000000000" pitchFamily="2" charset="-78"/>
@@ -15427,7 +15637,7 @@
                               <m:t>−</m:t>
                             </m:r>
                             <m:r>
-                              <a:rPr lang="en-US" sz="2400" i="1">
+                              <a:rPr lang="en-US" sz="2200" i="1">
                                 <a:latin typeface="Cambria Math" panose="02040503050406030204" pitchFamily="18" charset="0"/>
                                 <a:ea typeface="Times New Roman" panose="02020603050405020304" pitchFamily="18" charset="0"/>
                                 <a:cs typeface="B Nazanin" panose="00000400000000000000" pitchFamily="2" charset="-78"/>
@@ -15437,7 +15647,7 @@
                           </m:e>
                         </m:d>
                         <m:r>
-                          <a:rPr lang="en-US" sz="2400" i="1">
+                          <a:rPr lang="en-US" sz="2200" i="1">
                             <a:latin typeface="Cambria Math" panose="02040503050406030204" pitchFamily="18" charset="0"/>
                             <a:ea typeface="Times New Roman" panose="02020603050405020304" pitchFamily="18" charset="0"/>
                             <a:cs typeface="B Nazanin" panose="00000400000000000000" pitchFamily="2" charset="-78"/>
@@ -15445,7 +15655,7 @@
                           <m:t>,</m:t>
                         </m:r>
                         <m:r>
-                          <a:rPr lang="en-US" sz="2400" i="1">
+                          <a:rPr lang="en-US" sz="2200" i="1">
                             <a:latin typeface="Cambria Math" panose="02040503050406030204" pitchFamily="18" charset="0"/>
                             <a:ea typeface="Times New Roman" panose="02020603050405020304" pitchFamily="18" charset="0"/>
                             <a:cs typeface="B Nazanin" panose="00000400000000000000" pitchFamily="2" charset="-78"/>
@@ -15457,7 +15667,7 @@
                     <m:d>
                       <m:dPr>
                         <m:ctrlPr>
-                          <a:rPr lang="en-US" sz="2400" i="1">
+                          <a:rPr lang="en-US" sz="2200" i="1">
                             <a:latin typeface="Cambria Math" panose="02040503050406030204" pitchFamily="18" charset="0"/>
                             <a:ea typeface="Times New Roman" panose="02020603050405020304" pitchFamily="18" charset="0"/>
                             <a:cs typeface="B Nazanin" panose="00000400000000000000" pitchFamily="2" charset="-78"/>
@@ -15468,7 +15678,7 @@
                         <m:f>
                           <m:fPr>
                             <m:ctrlPr>
-                              <a:rPr lang="en-US" sz="2400" i="1">
+                              <a:rPr lang="en-US" sz="2200" i="1">
                                 <a:latin typeface="Cambria Math" panose="02040503050406030204" pitchFamily="18" charset="0"/>
                                 <a:ea typeface="Times New Roman" panose="02020603050405020304" pitchFamily="18" charset="0"/>
                                 <a:cs typeface="B Nazanin" panose="00000400000000000000" pitchFamily="2" charset="-78"/>
@@ -15477,7 +15687,7 @@
                           </m:fPr>
                           <m:num>
                             <m:r>
-                              <a:rPr lang="en-US" sz="2400" i="1">
+                              <a:rPr lang="en-US" sz="2200" i="1">
                                 <a:latin typeface="Cambria Math" panose="02040503050406030204" pitchFamily="18" charset="0"/>
                                 <a:ea typeface="Times New Roman" panose="02020603050405020304" pitchFamily="18" charset="0"/>
                                 <a:cs typeface="B Nazanin" panose="00000400000000000000" pitchFamily="2" charset="-78"/>
@@ -15485,7 +15695,7 @@
                               <m:t>𝜕</m:t>
                             </m:r>
                             <m:r>
-                              <a:rPr lang="en-US" sz="2400" i="1">
+                              <a:rPr lang="en-US" sz="2200" i="1">
                                 <a:latin typeface="Cambria Math" panose="02040503050406030204" pitchFamily="18" charset="0"/>
                                 <a:ea typeface="Times New Roman" panose="02020603050405020304" pitchFamily="18" charset="0"/>
                                 <a:cs typeface="B Nazanin" panose="00000400000000000000" pitchFamily="2" charset="-78"/>
@@ -15495,7 +15705,7 @@
                           </m:num>
                           <m:den>
                             <m:r>
-                              <a:rPr lang="en-US" sz="2400" i="1">
+                              <a:rPr lang="en-US" sz="2200" i="1">
                                 <a:latin typeface="Cambria Math" panose="02040503050406030204" pitchFamily="18" charset="0"/>
                                 <a:ea typeface="Times New Roman" panose="02020603050405020304" pitchFamily="18" charset="0"/>
                                 <a:cs typeface="B Nazanin" panose="00000400000000000000" pitchFamily="2" charset="-78"/>
@@ -15505,7 +15715,7 @@
                             <m:sSup>
                               <m:sSupPr>
                                 <m:ctrlPr>
-                                  <a:rPr lang="en-US" sz="2400" i="1">
+                                  <a:rPr lang="en-US" sz="2200" i="1">
                                     <a:latin typeface="Cambria Math" panose="02040503050406030204" pitchFamily="18" charset="0"/>
                                     <a:ea typeface="Times New Roman" panose="02020603050405020304" pitchFamily="18" charset="0"/>
                                     <a:cs typeface="B Nazanin" panose="00000400000000000000" pitchFamily="2" charset="-78"/>
@@ -15514,7 +15724,7 @@
                               </m:sSupPr>
                               <m:e>
                                 <m:r>
-                                  <a:rPr lang="en-US" sz="2400" i="1">
+                                  <a:rPr lang="en-US" sz="2200" i="1">
                                     <a:latin typeface="Cambria Math" panose="02040503050406030204" pitchFamily="18" charset="0"/>
                                     <a:ea typeface="Times New Roman" panose="02020603050405020304" pitchFamily="18" charset="0"/>
                                     <a:cs typeface="B Nazanin" panose="00000400000000000000" pitchFamily="2" charset="-78"/>
@@ -15528,7 +15738,7 @@
                                     <m:begChr m:val="["/>
                                     <m:endChr m:val="]"/>
                                     <m:ctrlPr>
-                                      <a:rPr lang="en-US" sz="2400" i="1">
+                                      <a:rPr lang="en-US" sz="2200" i="1">
                                         <a:latin typeface="Cambria Math" panose="02040503050406030204" pitchFamily="18" charset="0"/>
                                         <a:ea typeface="Times New Roman" panose="02020603050405020304" pitchFamily="18" charset="0"/>
                                         <a:cs typeface="B Nazanin" panose="00000400000000000000" pitchFamily="2" charset="-78"/>
@@ -15537,7 +15747,7 @@
                                   </m:dPr>
                                   <m:e>
                                     <m:r>
-                                      <a:rPr lang="en-US" sz="2400" i="1">
+                                      <a:rPr lang="en-US" sz="2200" i="1">
                                         <a:latin typeface="Cambria Math" panose="02040503050406030204" pitchFamily="18" charset="0"/>
                                         <a:ea typeface="Times New Roman" panose="02020603050405020304" pitchFamily="18" charset="0"/>
                                         <a:cs typeface="B Nazanin" panose="00000400000000000000" pitchFamily="2" charset="-78"/>
@@ -15551,7 +15761,7 @@
                           </m:den>
                         </m:f>
                         <m:r>
-                          <a:rPr lang="en-US" sz="2400" i="1">
+                          <a:rPr lang="en-US" sz="2200" i="1">
                             <a:latin typeface="Cambria Math" panose="02040503050406030204" pitchFamily="18" charset="0"/>
                             <a:ea typeface="Times New Roman" panose="02020603050405020304" pitchFamily="18" charset="0"/>
                             <a:cs typeface="B Nazanin" panose="00000400000000000000" pitchFamily="2" charset="-78"/>
@@ -15561,7 +15771,7 @@
                         <m:sSup>
                           <m:sSupPr>
                             <m:ctrlPr>
-                              <a:rPr lang="en-US" sz="2400" i="1">
+                              <a:rPr lang="en-US" sz="2200" i="1">
                                 <a:latin typeface="Cambria Math" panose="02040503050406030204" pitchFamily="18" charset="0"/>
                                 <a:ea typeface="Times New Roman" panose="02020603050405020304" pitchFamily="18" charset="0"/>
                                 <a:cs typeface="B Nazanin" panose="00000400000000000000" pitchFamily="2" charset="-78"/>
@@ -15572,7 +15782,7 @@
                             <m:sSup>
                               <m:sSupPr>
                                 <m:ctrlPr>
-                                  <a:rPr lang="en-US" sz="2400" i="1">
+                                  <a:rPr lang="en-US" sz="2200" i="1">
                                     <a:latin typeface="Cambria Math" panose="02040503050406030204" pitchFamily="18" charset="0"/>
                                     <a:ea typeface="Times New Roman" panose="02020603050405020304" pitchFamily="18" charset="0"/>
                                     <a:cs typeface="B Nazanin" panose="00000400000000000000" pitchFamily="2" charset="-78"/>
@@ -15581,7 +15791,7 @@
                               </m:sSupPr>
                               <m:e>
                                 <m:r>
-                                  <a:rPr lang="en-US" sz="2400" i="1">
+                                  <a:rPr lang="en-US" sz="2200" i="1">
                                     <a:latin typeface="Cambria Math" panose="02040503050406030204" pitchFamily="18" charset="0"/>
                                     <a:ea typeface="Times New Roman" panose="02020603050405020304" pitchFamily="18" charset="0"/>
                                     <a:cs typeface="B Nazanin" panose="00000400000000000000" pitchFamily="2" charset="-78"/>
@@ -15591,7 +15801,7 @@
                               </m:e>
                               <m:sup>
                                 <m:r>
-                                  <a:rPr lang="en-US" sz="2400" i="1">
+                                  <a:rPr lang="en-US" sz="2200" i="1">
                                     <a:latin typeface="Cambria Math" panose="02040503050406030204" pitchFamily="18" charset="0"/>
                                     <a:ea typeface="Times New Roman" panose="02020603050405020304" pitchFamily="18" charset="0"/>
                                     <a:cs typeface="B Nazanin" panose="00000400000000000000" pitchFamily="2" charset="-78"/>
@@ -15607,7 +15817,7 @@
                                 <m:begChr m:val="["/>
                                 <m:endChr m:val="]"/>
                                 <m:ctrlPr>
-                                  <a:rPr lang="en-US" sz="2400" i="1">
+                                  <a:rPr lang="en-US" sz="2200" i="1">
                                     <a:latin typeface="Cambria Math" panose="02040503050406030204" pitchFamily="18" charset="0"/>
                                     <a:ea typeface="Times New Roman" panose="02020603050405020304" pitchFamily="18" charset="0"/>
                                     <a:cs typeface="B Nazanin" panose="00000400000000000000" pitchFamily="2" charset="-78"/>
@@ -15616,7 +15826,7 @@
                               </m:dPr>
                               <m:e>
                                 <m:r>
-                                  <a:rPr lang="en-US" sz="2400" i="1">
+                                  <a:rPr lang="en-US" sz="2200" i="1">
                                     <a:latin typeface="Cambria Math" panose="02040503050406030204" pitchFamily="18" charset="0"/>
                                     <a:ea typeface="Times New Roman" panose="02020603050405020304" pitchFamily="18" charset="0"/>
                                     <a:cs typeface="B Nazanin" panose="00000400000000000000" pitchFamily="2" charset="-78"/>
@@ -15630,7 +15840,7 @@
                         <m:d>
                           <m:dPr>
                             <m:ctrlPr>
-                              <a:rPr lang="en-US" sz="2400" i="1">
+                              <a:rPr lang="en-US" sz="2200" i="1">
                                 <a:latin typeface="Cambria Math" panose="02040503050406030204" pitchFamily="18" charset="0"/>
                                 <a:ea typeface="Times New Roman" panose="02020603050405020304" pitchFamily="18" charset="0"/>
                                 <a:cs typeface="B Nazanin" panose="00000400000000000000" pitchFamily="2" charset="-78"/>
@@ -15641,7 +15851,7 @@
                             <m:sSup>
                               <m:sSupPr>
                                 <m:ctrlPr>
-                                  <a:rPr lang="en-US" sz="2400" i="1">
+                                  <a:rPr lang="en-US" sz="2200" i="1">
                                     <a:latin typeface="Cambria Math" panose="02040503050406030204" pitchFamily="18" charset="0"/>
                                     <a:ea typeface="Times New Roman" panose="02020603050405020304" pitchFamily="18" charset="0"/>
                                     <a:cs typeface="B Nazanin" panose="00000400000000000000" pitchFamily="2" charset="-78"/>
@@ -15650,7 +15860,7 @@
                               </m:sSupPr>
                               <m:e>
                                 <m:r>
-                                  <a:rPr lang="en-US" sz="2400" i="1">
+                                  <a:rPr lang="en-US" sz="2200" i="1">
                                     <a:latin typeface="Cambria Math" panose="02040503050406030204" pitchFamily="18" charset="0"/>
                                     <a:ea typeface="Times New Roman" panose="02020603050405020304" pitchFamily="18" charset="0"/>
                                     <a:cs typeface="B Nazanin" panose="00000400000000000000" pitchFamily="2" charset="-78"/>
@@ -15664,7 +15874,7 @@
                                     <m:begChr m:val="["/>
                                     <m:endChr m:val="]"/>
                                     <m:ctrlPr>
-                                      <a:rPr lang="en-US" sz="2400" i="1">
+                                      <a:rPr lang="en-US" sz="2200" i="1">
                                         <a:latin typeface="Cambria Math" panose="02040503050406030204" pitchFamily="18" charset="0"/>
                                         <a:ea typeface="Times New Roman" panose="02020603050405020304" pitchFamily="18" charset="0"/>
                                         <a:cs typeface="B Nazanin" panose="00000400000000000000" pitchFamily="2" charset="-78"/>
@@ -15673,7 +15883,7 @@
                                   </m:dPr>
                                   <m:e>
                                     <m:r>
-                                      <a:rPr lang="en-US" sz="2400" i="1">
+                                      <a:rPr lang="en-US" sz="2200" i="1">
                                         <a:latin typeface="Cambria Math" panose="02040503050406030204" pitchFamily="18" charset="0"/>
                                         <a:ea typeface="Times New Roman" panose="02020603050405020304" pitchFamily="18" charset="0"/>
                                         <a:cs typeface="B Nazanin" panose="00000400000000000000" pitchFamily="2" charset="-78"/>
@@ -15691,7 +15901,7 @@
                   </m:oMath>
                 </a14:m>
                 <a:r>
-                  <a:rPr lang="en-US" sz="2400" dirty="0">
+                  <a:rPr lang="en-US" sz="2200" dirty="0">
                     <a:latin typeface="Times New Roman" panose="02020603050405020304" pitchFamily="18" charset="0"/>
                     <a:ea typeface="Calibri" panose="020F0502020204030204" pitchFamily="34" charset="0"/>
                     <a:cs typeface="B Nazanin" panose="00000400000000000000" pitchFamily="2" charset="-78"/>
@@ -15701,7 +15911,7 @@
                 <a14:m>
                   <m:oMath xmlns:m="http://schemas.openxmlformats.org/officeDocument/2006/math">
                     <m:r>
-                      <a:rPr lang="en-US" sz="2400" i="1">
+                      <a:rPr lang="en-US" sz="2200" i="1">
                         <a:latin typeface="Cambria Math" panose="02040503050406030204" pitchFamily="18" charset="0"/>
                         <a:ea typeface="Times New Roman" panose="02020603050405020304" pitchFamily="18" charset="0"/>
                         <a:cs typeface="B Nazanin" panose="00000400000000000000" pitchFamily="2" charset="-78"/>
@@ -15709,7 +15919,7 @@
                       <m:t>∀</m:t>
                     </m:r>
                     <m:r>
-                      <a:rPr lang="en-US" sz="2400" i="1">
+                      <a:rPr lang="en-US" sz="2200" i="1">
                         <a:latin typeface="Cambria Math" panose="02040503050406030204" pitchFamily="18" charset="0"/>
                         <a:ea typeface="Times New Roman" panose="02020603050405020304" pitchFamily="18" charset="0"/>
                         <a:cs typeface="B Nazanin" panose="00000400000000000000" pitchFamily="2" charset="-78"/>
@@ -15717,7 +15927,7 @@
                       <m:t>𝑙</m:t>
                     </m:r>
                     <m:r>
-                      <a:rPr lang="en-US" sz="2400" i="1">
+                      <a:rPr lang="en-US" sz="2200" i="1">
                         <a:latin typeface="Cambria Math" panose="02040503050406030204" pitchFamily="18" charset="0"/>
                         <a:ea typeface="Times New Roman" panose="02020603050405020304" pitchFamily="18" charset="0"/>
                         <a:cs typeface="B Nazanin" panose="00000400000000000000" pitchFamily="2" charset="-78"/>
@@ -15725,7 +15935,7 @@
                       <m:t>=</m:t>
                     </m:r>
                     <m:r>
-                      <a:rPr lang="en-US" sz="2400" i="1">
+                      <a:rPr lang="en-US" sz="2200" i="1">
                         <a:latin typeface="Cambria Math" panose="02040503050406030204" pitchFamily="18" charset="0"/>
                         <a:ea typeface="Times New Roman" panose="02020603050405020304" pitchFamily="18" charset="0"/>
                         <a:cs typeface="B Nazanin" panose="00000400000000000000" pitchFamily="2" charset="-78"/>
@@ -15733,7 +15943,7 @@
                       <m:t>𝐿</m:t>
                     </m:r>
                     <m:r>
-                      <a:rPr lang="en-US" sz="2400" i="1">
+                      <a:rPr lang="en-US" sz="2200" i="1">
                         <a:latin typeface="Cambria Math" panose="02040503050406030204" pitchFamily="18" charset="0"/>
                         <a:ea typeface="Times New Roman" panose="02020603050405020304" pitchFamily="18" charset="0"/>
                         <a:cs typeface="B Nazanin" panose="00000400000000000000" pitchFamily="2" charset="-78"/>
@@ -15741,7 +15951,7 @@
                       <m:t>,</m:t>
                     </m:r>
                     <m:r>
-                      <a:rPr lang="en-US" sz="2400" i="1">
+                      <a:rPr lang="en-US" sz="2200" i="1">
                         <a:latin typeface="Cambria Math" panose="02040503050406030204" pitchFamily="18" charset="0"/>
                         <a:ea typeface="Times New Roman" panose="02020603050405020304" pitchFamily="18" charset="0"/>
                         <a:cs typeface="B Nazanin" panose="00000400000000000000" pitchFamily="2" charset="-78"/>
@@ -15749,7 +15959,7 @@
                       <m:t>𝐿</m:t>
                     </m:r>
                     <m:r>
-                      <a:rPr lang="en-US" sz="2400" i="1">
+                      <a:rPr lang="en-US" sz="2200" i="1">
                         <a:latin typeface="Cambria Math" panose="02040503050406030204" pitchFamily="18" charset="0"/>
                         <a:ea typeface="Times New Roman" panose="02020603050405020304" pitchFamily="18" charset="0"/>
                         <a:cs typeface="B Nazanin" panose="00000400000000000000" pitchFamily="2" charset="-78"/>
@@ -15757,7 +15967,7 @@
                       <m:t>−</m:t>
                     </m:r>
                     <m:r>
-                      <a:rPr lang="en-US" sz="2400" i="1">
+                      <a:rPr lang="en-US" sz="2200" i="1">
                         <a:latin typeface="Cambria Math" panose="02040503050406030204" pitchFamily="18" charset="0"/>
                         <a:ea typeface="Times New Roman" panose="02020603050405020304" pitchFamily="18" charset="0"/>
                         <a:cs typeface="B Nazanin" panose="00000400000000000000" pitchFamily="2" charset="-78"/>
@@ -15765,7 +15975,7 @@
                       <m:t>1</m:t>
                     </m:r>
                     <m:r>
-                      <a:rPr lang="en-US" sz="2400" i="1">
+                      <a:rPr lang="en-US" sz="2200" i="1">
                         <a:latin typeface="Cambria Math" panose="02040503050406030204" pitchFamily="18" charset="0"/>
                         <a:ea typeface="Times New Roman" panose="02020603050405020304" pitchFamily="18" charset="0"/>
                         <a:cs typeface="B Nazanin" panose="00000400000000000000" pitchFamily="2" charset="-78"/>
@@ -15773,7 +15983,7 @@
                       <m:t>,…,</m:t>
                     </m:r>
                     <m:r>
-                      <a:rPr lang="en-US" sz="2400" i="1">
+                      <a:rPr lang="en-US" sz="2200" i="1">
                         <a:latin typeface="Cambria Math" panose="02040503050406030204" pitchFamily="18" charset="0"/>
                         <a:ea typeface="Times New Roman" panose="02020603050405020304" pitchFamily="18" charset="0"/>
                         <a:cs typeface="B Nazanin" panose="00000400000000000000" pitchFamily="2" charset="-78"/>
@@ -15782,14 +15992,14 @@
                     </m:r>
                   </m:oMath>
                 </a14:m>
-                <a:endParaRPr lang="en-US" sz="2400" dirty="0">
+                <a:endParaRPr lang="en-US" sz="2200" dirty="0">
                   <a:latin typeface="Times New Roman" panose="02020603050405020304" pitchFamily="18" charset="0"/>
                   <a:ea typeface="Calibri" panose="020F0502020204030204" pitchFamily="34" charset="0"/>
                   <a:cs typeface="B Nazanin" panose="00000400000000000000" pitchFamily="2" charset="-78"/>
                 </a:endParaRPr>
               </a:p>
               <a:p>
-                <a:pPr marL="0" marR="0" lvl="0" indent="0">
+                <a:pPr marL="342900" marR="0" lvl="0" indent="-342900">
                   <a:lnSpc>
                     <a:spcPct val="150000"/>
                   </a:lnSpc>
@@ -15799,14 +16009,15 @@
                   <a:spcAft>
                     <a:spcPts val="0"/>
                   </a:spcAft>
-                  <a:buNone/>
+                  <a:buFont typeface="Symbol" panose="05050102010706020507" pitchFamily="18" charset="2"/>
+                  <a:buChar char=""/>
                 </a:pPr>
                 <a14:m>
                   <m:oMath xmlns:m="http://schemas.openxmlformats.org/officeDocument/2006/math">
                     <m:f>
                       <m:fPr>
                         <m:ctrlPr>
-                          <a:rPr lang="en-US" sz="2400" i="1">
+                          <a:rPr lang="en-US" sz="2200" i="1">
                             <a:latin typeface="Cambria Math" panose="02040503050406030204" pitchFamily="18" charset="0"/>
                             <a:ea typeface="Times New Roman" panose="02020603050405020304" pitchFamily="18" charset="0"/>
                             <a:cs typeface="B Nazanin" panose="00000400000000000000" pitchFamily="2" charset="-78"/>
@@ -15815,7 +16026,7 @@
                       </m:fPr>
                       <m:num>
                         <m:r>
-                          <a:rPr lang="en-US" sz="2400" i="1">
+                          <a:rPr lang="en-US" sz="2200" i="1">
                             <a:latin typeface="Cambria Math" panose="02040503050406030204" pitchFamily="18" charset="0"/>
                             <a:ea typeface="Times New Roman" panose="02020603050405020304" pitchFamily="18" charset="0"/>
                             <a:cs typeface="B Nazanin" panose="00000400000000000000" pitchFamily="2" charset="-78"/>
@@ -15823,7 +16034,7 @@
                           <m:t>𝜕</m:t>
                         </m:r>
                         <m:r>
-                          <a:rPr lang="en-US" sz="2400" i="1">
+                          <a:rPr lang="en-US" sz="2200" i="1">
                             <a:latin typeface="Cambria Math" panose="02040503050406030204" pitchFamily="18" charset="0"/>
                             <a:ea typeface="Times New Roman" panose="02020603050405020304" pitchFamily="18" charset="0"/>
                             <a:cs typeface="B Nazanin" panose="00000400000000000000" pitchFamily="2" charset="-78"/>
@@ -15833,7 +16044,7 @@
                       </m:num>
                       <m:den>
                         <m:r>
-                          <a:rPr lang="en-US" sz="2400" i="1">
+                          <a:rPr lang="en-US" sz="2200" i="1">
                             <a:latin typeface="Cambria Math" panose="02040503050406030204" pitchFamily="18" charset="0"/>
                             <a:ea typeface="Times New Roman" panose="02020603050405020304" pitchFamily="18" charset="0"/>
                             <a:cs typeface="B Nazanin" panose="00000400000000000000" pitchFamily="2" charset="-78"/>
@@ -15843,7 +16054,7 @@
                         <m:sSup>
                           <m:sSupPr>
                             <m:ctrlPr>
-                              <a:rPr lang="en-US" sz="2400" i="1">
+                              <a:rPr lang="en-US" sz="2200" i="1">
                                 <a:latin typeface="Cambria Math" panose="02040503050406030204" pitchFamily="18" charset="0"/>
                                 <a:ea typeface="Times New Roman" panose="02020603050405020304" pitchFamily="18" charset="0"/>
                                 <a:cs typeface="B Nazanin" panose="00000400000000000000" pitchFamily="2" charset="-78"/>
@@ -15852,7 +16063,7 @@
                           </m:sSupPr>
                           <m:e>
                             <m:r>
-                              <a:rPr lang="en-US" sz="2400" i="1">
+                              <a:rPr lang="en-US" sz="2200" i="1">
                                 <a:latin typeface="Cambria Math" panose="02040503050406030204" pitchFamily="18" charset="0"/>
                                 <a:ea typeface="Times New Roman" panose="02020603050405020304" pitchFamily="18" charset="0"/>
                                 <a:cs typeface="B Nazanin" panose="00000400000000000000" pitchFamily="2" charset="-78"/>
@@ -15866,7 +16077,7 @@
                                 <m:begChr m:val="["/>
                                 <m:endChr m:val="]"/>
                                 <m:ctrlPr>
-                                  <a:rPr lang="en-US" sz="2400" i="1">
+                                  <a:rPr lang="en-US" sz="2200" i="1">
                                     <a:latin typeface="Cambria Math" panose="02040503050406030204" pitchFamily="18" charset="0"/>
                                     <a:ea typeface="Times New Roman" panose="02020603050405020304" pitchFamily="18" charset="0"/>
                                     <a:cs typeface="B Nazanin" panose="00000400000000000000" pitchFamily="2" charset="-78"/>
@@ -15875,7 +16086,7 @@
                               </m:dPr>
                               <m:e>
                                 <m:r>
-                                  <a:rPr lang="en-US" sz="2400" i="1">
+                                  <a:rPr lang="en-US" sz="2200" i="1">
                                     <a:latin typeface="Cambria Math" panose="02040503050406030204" pitchFamily="18" charset="0"/>
                                     <a:ea typeface="Times New Roman" panose="02020603050405020304" pitchFamily="18" charset="0"/>
                                     <a:cs typeface="B Nazanin" panose="00000400000000000000" pitchFamily="2" charset="-78"/>
@@ -15889,7 +16100,7 @@
                       </m:den>
                     </m:f>
                     <m:r>
-                      <a:rPr lang="en-US" sz="2400" i="1">
+                      <a:rPr lang="en-US" sz="2200" i="1">
                         <a:latin typeface="Cambria Math" panose="02040503050406030204" pitchFamily="18" charset="0"/>
                         <a:ea typeface="Times New Roman" panose="02020603050405020304" pitchFamily="18" charset="0"/>
                         <a:cs typeface="B Nazanin" panose="00000400000000000000" pitchFamily="2" charset="-78"/>
@@ -15899,7 +16110,7 @@
                     <m:f>
                       <m:fPr>
                         <m:ctrlPr>
-                          <a:rPr lang="en-US" sz="2400" i="1" smtClean="0">
+                          <a:rPr lang="en-US" sz="2200" i="1">
                             <a:latin typeface="Cambria Math" panose="02040503050406030204" pitchFamily="18" charset="0"/>
                             <a:ea typeface="Times New Roman" panose="02020603050405020304" pitchFamily="18" charset="0"/>
                             <a:cs typeface="B Nazanin" panose="00000400000000000000" pitchFamily="2" charset="-78"/>
@@ -15908,7 +16119,7 @@
                       </m:fPr>
                       <m:num>
                         <m:r>
-                          <a:rPr lang="en-US" sz="2400" i="1">
+                          <a:rPr lang="en-US" sz="2200" i="1">
                             <a:latin typeface="Cambria Math" panose="02040503050406030204" pitchFamily="18" charset="0"/>
                             <a:ea typeface="Times New Roman" panose="02020603050405020304" pitchFamily="18" charset="0"/>
                             <a:cs typeface="B Nazanin" panose="00000400000000000000" pitchFamily="2" charset="-78"/>
@@ -15918,7 +16129,7 @@
                         <m:sSup>
                           <m:sSupPr>
                             <m:ctrlPr>
-                              <a:rPr lang="en-US" sz="2400" i="1">
+                              <a:rPr lang="en-US" sz="2200" i="1">
                                 <a:latin typeface="Cambria Math" panose="02040503050406030204" pitchFamily="18" charset="0"/>
                                 <a:ea typeface="Times New Roman" panose="02020603050405020304" pitchFamily="18" charset="0"/>
                                 <a:cs typeface="B Nazanin" panose="00000400000000000000" pitchFamily="2" charset="-78"/>
@@ -15927,7 +16138,7 @@
                           </m:sSupPr>
                           <m:e>
                             <m:r>
-                              <a:rPr lang="en-US" sz="2400" i="1">
+                              <a:rPr lang="en-US" sz="2200" i="1">
                                 <a:latin typeface="Cambria Math" panose="02040503050406030204" pitchFamily="18" charset="0"/>
                                 <a:ea typeface="Times New Roman" panose="02020603050405020304" pitchFamily="18" charset="0"/>
                                 <a:cs typeface="B Nazanin" panose="00000400000000000000" pitchFamily="2" charset="-78"/>
@@ -15941,7 +16152,7 @@
                                 <m:begChr m:val="["/>
                                 <m:endChr m:val="]"/>
                                 <m:ctrlPr>
-                                  <a:rPr lang="en-US" sz="2400" i="1">
+                                  <a:rPr lang="en-US" sz="2200" i="1">
                                     <a:latin typeface="Cambria Math" panose="02040503050406030204" pitchFamily="18" charset="0"/>
                                     <a:ea typeface="Times New Roman" panose="02020603050405020304" pitchFamily="18" charset="0"/>
                                     <a:cs typeface="B Nazanin" panose="00000400000000000000" pitchFamily="2" charset="-78"/>
@@ -15950,7 +16161,7 @@
                               </m:dPr>
                               <m:e>
                                 <m:r>
-                                  <a:rPr lang="en-US" sz="2400" i="1">
+                                  <a:rPr lang="en-US" sz="2200" i="1">
                                     <a:latin typeface="Cambria Math" panose="02040503050406030204" pitchFamily="18" charset="0"/>
                                     <a:ea typeface="Times New Roman" panose="02020603050405020304" pitchFamily="18" charset="0"/>
                                     <a:cs typeface="B Nazanin" panose="00000400000000000000" pitchFamily="2" charset="-78"/>
@@ -15964,7 +16175,7 @@
                       </m:num>
                       <m:den>
                         <m:r>
-                          <a:rPr lang="en-US" sz="2400" i="1">
+                          <a:rPr lang="en-US" sz="2200" i="1">
                             <a:latin typeface="Cambria Math" panose="02040503050406030204" pitchFamily="18" charset="0"/>
                             <a:ea typeface="Times New Roman" panose="02020603050405020304" pitchFamily="18" charset="0"/>
                             <a:cs typeface="B Nazanin" panose="00000400000000000000" pitchFamily="2" charset="-78"/>
@@ -15974,7 +16185,7 @@
                         <m:sSup>
                           <m:sSupPr>
                             <m:ctrlPr>
-                              <a:rPr lang="en-US" sz="2400" i="1">
+                              <a:rPr lang="en-US" sz="2200" i="1">
                                 <a:latin typeface="Cambria Math" panose="02040503050406030204" pitchFamily="18" charset="0"/>
                                 <a:ea typeface="Times New Roman" panose="02020603050405020304" pitchFamily="18" charset="0"/>
                                 <a:cs typeface="B Nazanin" panose="00000400000000000000" pitchFamily="2" charset="-78"/>
@@ -15983,7 +16194,7 @@
                           </m:sSupPr>
                           <m:e>
                             <m:r>
-                              <a:rPr lang="en-US" sz="2400" i="1">
+                              <a:rPr lang="en-US" sz="2200" i="1">
                                 <a:latin typeface="Cambria Math" panose="02040503050406030204" pitchFamily="18" charset="0"/>
                                 <a:ea typeface="Times New Roman" panose="02020603050405020304" pitchFamily="18" charset="0"/>
                                 <a:cs typeface="B Nazanin" panose="00000400000000000000" pitchFamily="2" charset="-78"/>
@@ -15997,7 +16208,7 @@
                                 <m:begChr m:val="["/>
                                 <m:endChr m:val="]"/>
                                 <m:ctrlPr>
-                                  <a:rPr lang="en-US" sz="2400" i="1">
+                                  <a:rPr lang="en-US" sz="2200" i="1">
                                     <a:latin typeface="Cambria Math" panose="02040503050406030204" pitchFamily="18" charset="0"/>
                                     <a:ea typeface="Times New Roman" panose="02020603050405020304" pitchFamily="18" charset="0"/>
                                     <a:cs typeface="B Nazanin" panose="00000400000000000000" pitchFamily="2" charset="-78"/>
@@ -16006,7 +16217,7 @@
                               </m:dPr>
                               <m:e>
                                 <m:r>
-                                  <a:rPr lang="en-US" sz="2400" i="1">
+                                  <a:rPr lang="en-US" sz="2200" i="1">
                                     <a:latin typeface="Cambria Math" panose="02040503050406030204" pitchFamily="18" charset="0"/>
                                     <a:ea typeface="Times New Roman" panose="02020603050405020304" pitchFamily="18" charset="0"/>
                                     <a:cs typeface="B Nazanin" panose="00000400000000000000" pitchFamily="2" charset="-78"/>
@@ -16022,7 +16233,7 @@
                     <m:d>
                       <m:dPr>
                         <m:ctrlPr>
-                          <a:rPr lang="en-US" sz="2400" i="1">
+                          <a:rPr lang="en-US" sz="2200" i="1">
                             <a:latin typeface="Cambria Math" panose="02040503050406030204" pitchFamily="18" charset="0"/>
                             <a:ea typeface="Times New Roman" panose="02020603050405020304" pitchFamily="18" charset="0"/>
                             <a:cs typeface="B Nazanin" panose="00000400000000000000" pitchFamily="2" charset="-78"/>
@@ -16033,7 +16244,7 @@
                         <m:f>
                           <m:fPr>
                             <m:ctrlPr>
-                              <a:rPr lang="en-US" sz="2400" i="1">
+                              <a:rPr lang="en-US" sz="2200" i="1">
                                 <a:latin typeface="Cambria Math" panose="02040503050406030204" pitchFamily="18" charset="0"/>
                                 <a:ea typeface="Times New Roman" panose="02020603050405020304" pitchFamily="18" charset="0"/>
                                 <a:cs typeface="B Nazanin" panose="00000400000000000000" pitchFamily="2" charset="-78"/>
@@ -16042,7 +16253,7 @@
                           </m:fPr>
                           <m:num>
                             <m:r>
-                              <a:rPr lang="en-US" sz="2400" i="1">
+                              <a:rPr lang="en-US" sz="2200" i="1">
                                 <a:latin typeface="Cambria Math" panose="02040503050406030204" pitchFamily="18" charset="0"/>
                                 <a:ea typeface="Times New Roman" panose="02020603050405020304" pitchFamily="18" charset="0"/>
                                 <a:cs typeface="B Nazanin" panose="00000400000000000000" pitchFamily="2" charset="-78"/>
@@ -16050,7 +16261,7 @@
                               <m:t>𝜕</m:t>
                             </m:r>
                             <m:r>
-                              <a:rPr lang="en-US" sz="2400" i="1">
+                              <a:rPr lang="en-US" sz="2200" i="1">
                                 <a:latin typeface="Cambria Math" panose="02040503050406030204" pitchFamily="18" charset="0"/>
                                 <a:ea typeface="Times New Roman" panose="02020603050405020304" pitchFamily="18" charset="0"/>
                                 <a:cs typeface="B Nazanin" panose="00000400000000000000" pitchFamily="2" charset="-78"/>
@@ -16060,7 +16271,7 @@
                           </m:num>
                           <m:den>
                             <m:r>
-                              <a:rPr lang="en-US" sz="2400" i="1">
+                              <a:rPr lang="en-US" sz="2200" i="1">
                                 <a:latin typeface="Cambria Math" panose="02040503050406030204" pitchFamily="18" charset="0"/>
                                 <a:ea typeface="Times New Roman" panose="02020603050405020304" pitchFamily="18" charset="0"/>
                                 <a:cs typeface="B Nazanin" panose="00000400000000000000" pitchFamily="2" charset="-78"/>
@@ -16070,7 +16281,7 @@
                             <m:sSup>
                               <m:sSupPr>
                                 <m:ctrlPr>
-                                  <a:rPr lang="en-US" sz="2400" i="1">
+                                  <a:rPr lang="en-US" sz="2200" i="1">
                                     <a:latin typeface="Cambria Math" panose="02040503050406030204" pitchFamily="18" charset="0"/>
                                     <a:ea typeface="Times New Roman" panose="02020603050405020304" pitchFamily="18" charset="0"/>
                                     <a:cs typeface="B Nazanin" panose="00000400000000000000" pitchFamily="2" charset="-78"/>
@@ -16079,7 +16290,7 @@
                               </m:sSupPr>
                               <m:e>
                                 <m:r>
-                                  <a:rPr lang="en-US" sz="2400" i="1">
+                                  <a:rPr lang="en-US" sz="2200" i="1">
                                     <a:latin typeface="Cambria Math" panose="02040503050406030204" pitchFamily="18" charset="0"/>
                                     <a:ea typeface="Times New Roman" panose="02020603050405020304" pitchFamily="18" charset="0"/>
                                     <a:cs typeface="B Nazanin" panose="00000400000000000000" pitchFamily="2" charset="-78"/>
@@ -16089,7 +16300,7 @@
                               </m:e>
                               <m:sup>
                                 <m:r>
-                                  <a:rPr lang="en-US" sz="2400" i="1">
+                                  <a:rPr lang="en-US" sz="2200" i="1">
                                     <a:latin typeface="Cambria Math" panose="02040503050406030204" pitchFamily="18" charset="0"/>
                                     <a:ea typeface="Times New Roman" panose="02020603050405020304" pitchFamily="18" charset="0"/>
                                     <a:cs typeface="B Nazanin" panose="00000400000000000000" pitchFamily="2" charset="-78"/>
@@ -16097,7 +16308,7 @@
                                   <m:t>[</m:t>
                                 </m:r>
                                 <m:r>
-                                  <a:rPr lang="en-US" sz="2400" i="1">
+                                  <a:rPr lang="en-US" sz="2200" i="1">
                                     <a:latin typeface="Cambria Math" panose="02040503050406030204" pitchFamily="18" charset="0"/>
                                     <a:ea typeface="Times New Roman" panose="02020603050405020304" pitchFamily="18" charset="0"/>
                                     <a:cs typeface="B Nazanin" panose="00000400000000000000" pitchFamily="2" charset="-78"/>
@@ -16105,7 +16316,7 @@
                                   <m:t>𝑙</m:t>
                                 </m:r>
                                 <m:r>
-                                  <a:rPr lang="en-US" sz="2400" i="1">
+                                  <a:rPr lang="en-US" sz="2200" i="1">
                                     <a:latin typeface="Cambria Math" panose="02040503050406030204" pitchFamily="18" charset="0"/>
                                     <a:ea typeface="Times New Roman" panose="02020603050405020304" pitchFamily="18" charset="0"/>
                                     <a:cs typeface="B Nazanin" panose="00000400000000000000" pitchFamily="2" charset="-78"/>
@@ -16117,7 +16328,7 @@
                           </m:den>
                         </m:f>
                         <m:r>
-                          <a:rPr lang="en-US" sz="2400" i="1">
+                          <a:rPr lang="en-US" sz="2200" i="1">
                             <a:latin typeface="Cambria Math" panose="02040503050406030204" pitchFamily="18" charset="0"/>
                             <a:ea typeface="Times New Roman" panose="02020603050405020304" pitchFamily="18" charset="0"/>
                             <a:cs typeface="B Nazanin" panose="00000400000000000000" pitchFamily="2" charset="-78"/>
@@ -16127,7 +16338,7 @@
                         <m:f>
                           <m:fPr>
                             <m:ctrlPr>
-                              <a:rPr lang="en-US" sz="2400" i="1">
+                              <a:rPr lang="en-US" sz="2200" i="1">
                                 <a:latin typeface="Cambria Math" panose="02040503050406030204" pitchFamily="18" charset="0"/>
                                 <a:ea typeface="Times New Roman" panose="02020603050405020304" pitchFamily="18" charset="0"/>
                                 <a:cs typeface="B Nazanin" panose="00000400000000000000" pitchFamily="2" charset="-78"/>
@@ -16136,7 +16347,7 @@
                           </m:fPr>
                           <m:num>
                             <m:r>
-                              <a:rPr lang="en-US" sz="2400" i="1">
+                              <a:rPr lang="en-US" sz="2200" i="1">
                                 <a:latin typeface="Cambria Math" panose="02040503050406030204" pitchFamily="18" charset="0"/>
                                 <a:ea typeface="Times New Roman" panose="02020603050405020304" pitchFamily="18" charset="0"/>
                                 <a:cs typeface="B Nazanin" panose="00000400000000000000" pitchFamily="2" charset="-78"/>
@@ -16146,7 +16357,7 @@
                             <m:sSup>
                               <m:sSupPr>
                                 <m:ctrlPr>
-                                  <a:rPr lang="en-US" sz="2400" i="1">
+                                  <a:rPr lang="en-US" sz="2200" i="1">
                                     <a:latin typeface="Cambria Math" panose="02040503050406030204" pitchFamily="18" charset="0"/>
                                     <a:ea typeface="Times New Roman" panose="02020603050405020304" pitchFamily="18" charset="0"/>
                                     <a:cs typeface="B Nazanin" panose="00000400000000000000" pitchFamily="2" charset="-78"/>
@@ -16155,7 +16366,7 @@
                               </m:sSupPr>
                               <m:e>
                                 <m:r>
-                                  <a:rPr lang="en-US" sz="2400" i="1">
+                                  <a:rPr lang="en-US" sz="2200" i="1">
                                     <a:latin typeface="Cambria Math" panose="02040503050406030204" pitchFamily="18" charset="0"/>
                                     <a:ea typeface="Times New Roman" panose="02020603050405020304" pitchFamily="18" charset="0"/>
                                     <a:cs typeface="B Nazanin" panose="00000400000000000000" pitchFamily="2" charset="-78"/>
@@ -16169,7 +16380,7 @@
                                     <m:begChr m:val="["/>
                                     <m:endChr m:val="]"/>
                                     <m:ctrlPr>
-                                      <a:rPr lang="en-US" sz="2400" i="1">
+                                      <a:rPr lang="en-US" sz="2200" i="1">
                                         <a:latin typeface="Cambria Math" panose="02040503050406030204" pitchFamily="18" charset="0"/>
                                         <a:ea typeface="Times New Roman" panose="02020603050405020304" pitchFamily="18" charset="0"/>
                                         <a:cs typeface="B Nazanin" panose="00000400000000000000" pitchFamily="2" charset="-78"/>
@@ -16178,7 +16389,7 @@
                                   </m:dPr>
                                   <m:e>
                                     <m:r>
-                                      <a:rPr lang="en-US" sz="2400" i="1">
+                                      <a:rPr lang="en-US" sz="2200" i="1">
                                         <a:latin typeface="Cambria Math" panose="02040503050406030204" pitchFamily="18" charset="0"/>
                                         <a:ea typeface="Times New Roman" panose="02020603050405020304" pitchFamily="18" charset="0"/>
                                         <a:cs typeface="B Nazanin" panose="00000400000000000000" pitchFamily="2" charset="-78"/>
@@ -16192,7 +16403,7 @@
                           </m:num>
                           <m:den>
                             <m:r>
-                              <a:rPr lang="en-US" sz="2400" i="1">
+                              <a:rPr lang="en-US" sz="2200" i="1">
                                 <a:latin typeface="Cambria Math" panose="02040503050406030204" pitchFamily="18" charset="0"/>
                                 <a:ea typeface="Times New Roman" panose="02020603050405020304" pitchFamily="18" charset="0"/>
                                 <a:cs typeface="B Nazanin" panose="00000400000000000000" pitchFamily="2" charset="-78"/>
@@ -16202,7 +16413,7 @@
                             <m:sSup>
                               <m:sSupPr>
                                 <m:ctrlPr>
-                                  <a:rPr lang="en-US" sz="2400" i="1">
+                                  <a:rPr lang="en-US" sz="2200" i="1">
                                     <a:latin typeface="Cambria Math" panose="02040503050406030204" pitchFamily="18" charset="0"/>
                                     <a:ea typeface="Times New Roman" panose="02020603050405020304" pitchFamily="18" charset="0"/>
                                     <a:cs typeface="B Nazanin" panose="00000400000000000000" pitchFamily="2" charset="-78"/>
@@ -16211,7 +16422,7 @@
                               </m:sSupPr>
                               <m:e>
                                 <m:r>
-                                  <a:rPr lang="en-US" sz="2400" i="1">
+                                  <a:rPr lang="en-US" sz="2200" i="1">
                                     <a:latin typeface="Cambria Math" panose="02040503050406030204" pitchFamily="18" charset="0"/>
                                     <a:ea typeface="Times New Roman" panose="02020603050405020304" pitchFamily="18" charset="0"/>
                                     <a:cs typeface="B Nazanin" panose="00000400000000000000" pitchFamily="2" charset="-78"/>
@@ -16225,7 +16436,7 @@
                                     <m:begChr m:val="["/>
                                     <m:endChr m:val="]"/>
                                     <m:ctrlPr>
-                                      <a:rPr lang="en-US" sz="2400" i="1">
+                                      <a:rPr lang="en-US" sz="2200" i="1">
                                         <a:latin typeface="Cambria Math" panose="02040503050406030204" pitchFamily="18" charset="0"/>
                                         <a:ea typeface="Times New Roman" panose="02020603050405020304" pitchFamily="18" charset="0"/>
                                         <a:cs typeface="B Nazanin" panose="00000400000000000000" pitchFamily="2" charset="-78"/>
@@ -16234,7 +16445,7 @@
                                   </m:dPr>
                                   <m:e>
                                     <m:r>
-                                      <a:rPr lang="en-US" sz="2400" i="1">
+                                      <a:rPr lang="en-US" sz="2200" i="1">
                                         <a:latin typeface="Cambria Math" panose="02040503050406030204" pitchFamily="18" charset="0"/>
                                         <a:ea typeface="Times New Roman" panose="02020603050405020304" pitchFamily="18" charset="0"/>
                                         <a:cs typeface="B Nazanin" panose="00000400000000000000" pitchFamily="2" charset="-78"/>
@@ -16250,7 +16461,7 @@
                       </m:e>
                     </m:d>
                     <m:r>
-                      <a:rPr lang="en-US" sz="2400" i="1">
+                      <a:rPr lang="en-US" sz="2200" i="1">
                         <a:latin typeface="Cambria Math" panose="02040503050406030204" pitchFamily="18" charset="0"/>
                         <a:ea typeface="Times New Roman" panose="02020603050405020304" pitchFamily="18" charset="0"/>
                         <a:cs typeface="B Nazanin" panose="00000400000000000000" pitchFamily="2" charset="-78"/>
@@ -16260,7 +16471,7 @@
                     <m:sSub>
                       <m:sSubPr>
                         <m:ctrlPr>
-                          <a:rPr lang="en-US" sz="2400" i="1">
+                          <a:rPr lang="en-US" sz="2200" i="1">
                             <a:latin typeface="Cambria Math" panose="02040503050406030204" pitchFamily="18" charset="0"/>
                             <a:ea typeface="Times New Roman" panose="02020603050405020304" pitchFamily="18" charset="0"/>
                             <a:cs typeface="B Nazanin" panose="00000400000000000000" pitchFamily="2" charset="-78"/>
@@ -16269,7 +16480,7 @@
                       </m:sSubPr>
                       <m:e>
                         <m:r>
-                          <a:rPr lang="en-US" sz="2400" i="1">
+                          <a:rPr lang="en-US" sz="2200" i="1">
                             <a:latin typeface="Cambria Math" panose="02040503050406030204" pitchFamily="18" charset="0"/>
                             <a:ea typeface="Times New Roman" panose="02020603050405020304" pitchFamily="18" charset="0"/>
                             <a:cs typeface="B Nazanin" panose="00000400000000000000" pitchFamily="2" charset="-78"/>
@@ -16279,7 +16490,7 @@
                       </m:e>
                       <m:sub>
                         <m:r>
-                          <a:rPr lang="en-US" sz="2400" b="0" i="1" smtClean="0">
+                          <a:rPr lang="en-US" sz="2200" i="1">
                             <a:latin typeface="Cambria Math" panose="02040503050406030204" pitchFamily="18" charset="0"/>
                             <a:ea typeface="Times New Roman" panose="02020603050405020304" pitchFamily="18" charset="0"/>
                             <a:cs typeface="B Nazanin" panose="00000400000000000000" pitchFamily="2" charset="-78"/>
@@ -16287,7 +16498,7 @@
                           <m:t>1</m:t>
                         </m:r>
                         <m:r>
-                          <a:rPr lang="en-US" sz="2400" b="0" i="1" smtClean="0">
+                          <a:rPr lang="en-US" sz="2200" i="1">
                             <a:latin typeface="Cambria Math" panose="02040503050406030204" pitchFamily="18" charset="0"/>
                             <a:ea typeface="Times New Roman" panose="02020603050405020304" pitchFamily="18" charset="0"/>
                             <a:cs typeface="B Nazanin" panose="00000400000000000000" pitchFamily="2" charset="-78"/>
@@ -16295,7 +16506,7 @@
                           <m:t>×</m:t>
                         </m:r>
                         <m:r>
-                          <a:rPr lang="en-US" sz="2400" b="0" i="1" smtClean="0">
+                          <a:rPr lang="en-US" sz="2200" i="1">
                             <a:latin typeface="Cambria Math" panose="02040503050406030204" pitchFamily="18" charset="0"/>
                             <a:ea typeface="Times New Roman" panose="02020603050405020304" pitchFamily="18" charset="0"/>
                             <a:cs typeface="B Nazanin" panose="00000400000000000000" pitchFamily="2" charset="-78"/>
@@ -16307,7 +16518,7 @@
                     <m:d>
                       <m:dPr>
                         <m:ctrlPr>
-                          <a:rPr lang="en-US" sz="2400" i="1">
+                          <a:rPr lang="en-US" sz="2200" i="1">
                             <a:latin typeface="Cambria Math" panose="02040503050406030204" pitchFamily="18" charset="0"/>
                             <a:ea typeface="Times New Roman" panose="02020603050405020304" pitchFamily="18" charset="0"/>
                             <a:cs typeface="B Nazanin" panose="00000400000000000000" pitchFamily="2" charset="-78"/>
@@ -16318,7 +16529,7 @@
                         <m:f>
                           <m:fPr>
                             <m:ctrlPr>
-                              <a:rPr lang="en-US" sz="2400" i="1">
+                              <a:rPr lang="en-US" sz="2200" i="1">
                                 <a:latin typeface="Cambria Math" panose="02040503050406030204" pitchFamily="18" charset="0"/>
                                 <a:ea typeface="Times New Roman" panose="02020603050405020304" pitchFamily="18" charset="0"/>
                                 <a:cs typeface="B Nazanin" panose="00000400000000000000" pitchFamily="2" charset="-78"/>
@@ -16327,7 +16538,7 @@
                           </m:fPr>
                           <m:num>
                             <m:r>
-                              <a:rPr lang="en-US" sz="2400" i="1">
+                              <a:rPr lang="en-US" sz="2200" i="1">
                                 <a:latin typeface="Cambria Math" panose="02040503050406030204" pitchFamily="18" charset="0"/>
                                 <a:ea typeface="Times New Roman" panose="02020603050405020304" pitchFamily="18" charset="0"/>
                                 <a:cs typeface="B Nazanin" panose="00000400000000000000" pitchFamily="2" charset="-78"/>
@@ -16335,7 +16546,7 @@
                               <m:t>𝜕</m:t>
                             </m:r>
                             <m:r>
-                              <a:rPr lang="en-US" sz="2400" i="1">
+                              <a:rPr lang="en-US" sz="2200" i="1">
                                 <a:latin typeface="Cambria Math" panose="02040503050406030204" pitchFamily="18" charset="0"/>
                                 <a:ea typeface="Times New Roman" panose="02020603050405020304" pitchFamily="18" charset="0"/>
                                 <a:cs typeface="B Nazanin" panose="00000400000000000000" pitchFamily="2" charset="-78"/>
@@ -16345,7 +16556,7 @@
                           </m:num>
                           <m:den>
                             <m:r>
-                              <a:rPr lang="en-US" sz="2400" i="1">
+                              <a:rPr lang="en-US" sz="2200" i="1">
                                 <a:latin typeface="Cambria Math" panose="02040503050406030204" pitchFamily="18" charset="0"/>
                                 <a:ea typeface="Times New Roman" panose="02020603050405020304" pitchFamily="18" charset="0"/>
                                 <a:cs typeface="B Nazanin" panose="00000400000000000000" pitchFamily="2" charset="-78"/>
@@ -16355,7 +16566,7 @@
                             <m:sSup>
                               <m:sSupPr>
                                 <m:ctrlPr>
-                                  <a:rPr lang="en-US" sz="2400" i="1">
+                                  <a:rPr lang="en-US" sz="2200" i="1">
                                     <a:latin typeface="Cambria Math" panose="02040503050406030204" pitchFamily="18" charset="0"/>
                                     <a:ea typeface="Times New Roman" panose="02020603050405020304" pitchFamily="18" charset="0"/>
                                     <a:cs typeface="B Nazanin" panose="00000400000000000000" pitchFamily="2" charset="-78"/>
@@ -16364,7 +16575,7 @@
                               </m:sSupPr>
                               <m:e>
                                 <m:r>
-                                  <a:rPr lang="en-US" sz="2400" i="1">
+                                  <a:rPr lang="en-US" sz="2200" i="1">
                                     <a:latin typeface="Cambria Math" panose="02040503050406030204" pitchFamily="18" charset="0"/>
                                     <a:ea typeface="Times New Roman" panose="02020603050405020304" pitchFamily="18" charset="0"/>
                                     <a:cs typeface="B Nazanin" panose="00000400000000000000" pitchFamily="2" charset="-78"/>
@@ -16378,7 +16589,7 @@
                                     <m:begChr m:val="["/>
                                     <m:endChr m:val="]"/>
                                     <m:ctrlPr>
-                                      <a:rPr lang="en-US" sz="2400" i="1">
+                                      <a:rPr lang="en-US" sz="2200" i="1">
                                         <a:latin typeface="Cambria Math" panose="02040503050406030204" pitchFamily="18" charset="0"/>
                                         <a:ea typeface="Times New Roman" panose="02020603050405020304" pitchFamily="18" charset="0"/>
                                         <a:cs typeface="B Nazanin" panose="00000400000000000000" pitchFamily="2" charset="-78"/>
@@ -16387,7 +16598,7 @@
                                   </m:dPr>
                                   <m:e>
                                     <m:r>
-                                      <a:rPr lang="en-US" sz="2400" i="1">
+                                      <a:rPr lang="en-US" sz="2200" i="1">
                                         <a:latin typeface="Cambria Math" panose="02040503050406030204" pitchFamily="18" charset="0"/>
                                         <a:ea typeface="Times New Roman" panose="02020603050405020304" pitchFamily="18" charset="0"/>
                                         <a:cs typeface="B Nazanin" panose="00000400000000000000" pitchFamily="2" charset="-78"/>
@@ -16401,7 +16612,7 @@
                           </m:den>
                         </m:f>
                         <m:r>
-                          <a:rPr lang="en-US" sz="2400" i="1">
+                          <a:rPr lang="en-US" sz="2200" i="1">
                             <a:latin typeface="Cambria Math" panose="02040503050406030204" pitchFamily="18" charset="0"/>
                             <a:ea typeface="Times New Roman" panose="02020603050405020304" pitchFamily="18" charset="0"/>
                             <a:cs typeface="B Nazanin" panose="00000400000000000000" pitchFamily="2" charset="-78"/>
@@ -16411,7 +16622,7 @@
                         <m:sSup>
                           <m:sSupPr>
                             <m:ctrlPr>
-                              <a:rPr lang="en-US" sz="2400" i="1">
+                              <a:rPr lang="en-US" sz="2200" i="1">
                                 <a:latin typeface="Cambria Math" panose="02040503050406030204" pitchFamily="18" charset="0"/>
                                 <a:ea typeface="Times New Roman" panose="02020603050405020304" pitchFamily="18" charset="0"/>
                                 <a:cs typeface="B Nazanin" panose="00000400000000000000" pitchFamily="2" charset="-78"/>
@@ -16422,7 +16633,7 @@
                             <m:sSup>
                               <m:sSupPr>
                                 <m:ctrlPr>
-                                  <a:rPr lang="en-US" sz="2400" i="1">
+                                  <a:rPr lang="en-US" sz="2200" i="1">
                                     <a:latin typeface="Cambria Math" panose="02040503050406030204" pitchFamily="18" charset="0"/>
                                     <a:ea typeface="Times New Roman" panose="02020603050405020304" pitchFamily="18" charset="0"/>
                                     <a:cs typeface="B Nazanin" panose="00000400000000000000" pitchFamily="2" charset="-78"/>
@@ -16431,7 +16642,7 @@
                               </m:sSupPr>
                               <m:e>
                                 <m:r>
-                                  <a:rPr lang="en-US" sz="2400" i="1">
+                                  <a:rPr lang="en-US" sz="2200" i="1">
                                     <a:latin typeface="Cambria Math" panose="02040503050406030204" pitchFamily="18" charset="0"/>
                                     <a:ea typeface="Times New Roman" panose="02020603050405020304" pitchFamily="18" charset="0"/>
                                     <a:cs typeface="B Nazanin" panose="00000400000000000000" pitchFamily="2" charset="-78"/>
@@ -16441,7 +16652,7 @@
                               </m:e>
                               <m:sup>
                                 <m:r>
-                                  <a:rPr lang="en-US" sz="2400" i="1">
+                                  <a:rPr lang="en-US" sz="2200" i="1">
                                     <a:latin typeface="Cambria Math" panose="02040503050406030204" pitchFamily="18" charset="0"/>
                                     <a:ea typeface="Times New Roman" panose="02020603050405020304" pitchFamily="18" charset="0"/>
                                     <a:cs typeface="B Nazanin" panose="00000400000000000000" pitchFamily="2" charset="-78"/>
@@ -16457,7 +16668,7 @@
                                 <m:begChr m:val="["/>
                                 <m:endChr m:val="]"/>
                                 <m:ctrlPr>
-                                  <a:rPr lang="en-US" sz="2400" i="1">
+                                  <a:rPr lang="en-US" sz="2200" i="1">
                                     <a:latin typeface="Cambria Math" panose="02040503050406030204" pitchFamily="18" charset="0"/>
                                     <a:ea typeface="Times New Roman" panose="02020603050405020304" pitchFamily="18" charset="0"/>
                                     <a:cs typeface="B Nazanin" panose="00000400000000000000" pitchFamily="2" charset="-78"/>
@@ -16466,7 +16677,7 @@
                               </m:dPr>
                               <m:e>
                                 <m:r>
-                                  <a:rPr lang="en-US" sz="2400" i="1">
+                                  <a:rPr lang="en-US" sz="2200" i="1">
                                     <a:latin typeface="Cambria Math" panose="02040503050406030204" pitchFamily="18" charset="0"/>
                                     <a:ea typeface="Times New Roman" panose="02020603050405020304" pitchFamily="18" charset="0"/>
                                     <a:cs typeface="B Nazanin" panose="00000400000000000000" pitchFamily="2" charset="-78"/>
@@ -16480,7 +16691,7 @@
                         <m:d>
                           <m:dPr>
                             <m:ctrlPr>
-                              <a:rPr lang="en-US" sz="2400" i="1">
+                              <a:rPr lang="en-US" sz="2200" i="1">
                                 <a:latin typeface="Cambria Math" panose="02040503050406030204" pitchFamily="18" charset="0"/>
                                 <a:ea typeface="Times New Roman" panose="02020603050405020304" pitchFamily="18" charset="0"/>
                                 <a:cs typeface="B Nazanin" panose="00000400000000000000" pitchFamily="2" charset="-78"/>
@@ -16491,7 +16702,7 @@
                             <m:sSup>
                               <m:sSupPr>
                                 <m:ctrlPr>
-                                  <a:rPr lang="en-US" sz="2400" i="1">
+                                  <a:rPr lang="en-US" sz="2200" i="1">
                                     <a:latin typeface="Cambria Math" panose="02040503050406030204" pitchFamily="18" charset="0"/>
                                     <a:ea typeface="Times New Roman" panose="02020603050405020304" pitchFamily="18" charset="0"/>
                                     <a:cs typeface="B Nazanin" panose="00000400000000000000" pitchFamily="2" charset="-78"/>
@@ -16500,7 +16711,7 @@
                               </m:sSupPr>
                               <m:e>
                                 <m:r>
-                                  <a:rPr lang="en-US" sz="2400" i="1">
+                                  <a:rPr lang="en-US" sz="2200" i="1">
                                     <a:latin typeface="Cambria Math" panose="02040503050406030204" pitchFamily="18" charset="0"/>
                                     <a:ea typeface="Times New Roman" panose="02020603050405020304" pitchFamily="18" charset="0"/>
                                     <a:cs typeface="B Nazanin" panose="00000400000000000000" pitchFamily="2" charset="-78"/>
@@ -16514,7 +16725,7 @@
                                     <m:begChr m:val="["/>
                                     <m:endChr m:val="]"/>
                                     <m:ctrlPr>
-                                      <a:rPr lang="en-US" sz="2400" i="1">
+                                      <a:rPr lang="en-US" sz="2200" i="1">
                                         <a:latin typeface="Cambria Math" panose="02040503050406030204" pitchFamily="18" charset="0"/>
                                         <a:ea typeface="Times New Roman" panose="02020603050405020304" pitchFamily="18" charset="0"/>
                                         <a:cs typeface="B Nazanin" panose="00000400000000000000" pitchFamily="2" charset="-78"/>
@@ -16523,7 +16734,7 @@
                                   </m:dPr>
                                   <m:e>
                                     <m:r>
-                                      <a:rPr lang="en-US" sz="2400" i="1">
+                                      <a:rPr lang="en-US" sz="2200" i="1">
                                         <a:latin typeface="Cambria Math" panose="02040503050406030204" pitchFamily="18" charset="0"/>
                                         <a:ea typeface="Times New Roman" panose="02020603050405020304" pitchFamily="18" charset="0"/>
                                         <a:cs typeface="B Nazanin" panose="00000400000000000000" pitchFamily="2" charset="-78"/>
@@ -16541,7 +16752,7 @@
                   </m:oMath>
                 </a14:m>
                 <a:r>
-                  <a:rPr lang="en-US" sz="2400" dirty="0">
+                  <a:rPr lang="en-US" sz="2200" dirty="0">
                     <a:latin typeface="Times New Roman" panose="02020603050405020304" pitchFamily="18" charset="0"/>
                     <a:ea typeface="Calibri" panose="020F0502020204030204" pitchFamily="34" charset="0"/>
                     <a:cs typeface="B Nazanin" panose="00000400000000000000" pitchFamily="2" charset="-78"/>
@@ -16551,7 +16762,7 @@
                 <a14:m>
                   <m:oMath xmlns:m="http://schemas.openxmlformats.org/officeDocument/2006/math">
                     <m:r>
-                      <a:rPr lang="en-US" sz="2400" i="1">
+                      <a:rPr lang="en-US" sz="2200" i="1">
                         <a:latin typeface="Cambria Math" panose="02040503050406030204" pitchFamily="18" charset="0"/>
                         <a:ea typeface="Times New Roman" panose="02020603050405020304" pitchFamily="18" charset="0"/>
                         <a:cs typeface="B Nazanin" panose="00000400000000000000" pitchFamily="2" charset="-78"/>
@@ -16559,7 +16770,7 @@
                       <m:t>∀</m:t>
                     </m:r>
                     <m:r>
-                      <a:rPr lang="en-US" sz="2400" i="1">
+                      <a:rPr lang="en-US" sz="2200" i="1">
                         <a:latin typeface="Cambria Math" panose="02040503050406030204" pitchFamily="18" charset="0"/>
                         <a:ea typeface="Times New Roman" panose="02020603050405020304" pitchFamily="18" charset="0"/>
                         <a:cs typeface="B Nazanin" panose="00000400000000000000" pitchFamily="2" charset="-78"/>
@@ -16567,7 +16778,7 @@
                       <m:t>𝑙</m:t>
                     </m:r>
                     <m:r>
-                      <a:rPr lang="en-US" sz="2400" i="1">
+                      <a:rPr lang="en-US" sz="2200" i="1">
                         <a:latin typeface="Cambria Math" panose="02040503050406030204" pitchFamily="18" charset="0"/>
                         <a:ea typeface="Times New Roman" panose="02020603050405020304" pitchFamily="18" charset="0"/>
                         <a:cs typeface="B Nazanin" panose="00000400000000000000" pitchFamily="2" charset="-78"/>
@@ -16575,7 +16786,7 @@
                       <m:t>=</m:t>
                     </m:r>
                     <m:r>
-                      <a:rPr lang="en-US" sz="2400" i="1">
+                      <a:rPr lang="en-US" sz="2200" i="1">
                         <a:latin typeface="Cambria Math" panose="02040503050406030204" pitchFamily="18" charset="0"/>
                         <a:ea typeface="Times New Roman" panose="02020603050405020304" pitchFamily="18" charset="0"/>
                         <a:cs typeface="B Nazanin" panose="00000400000000000000" pitchFamily="2" charset="-78"/>
@@ -16583,7 +16794,7 @@
                       <m:t>𝐿</m:t>
                     </m:r>
                     <m:r>
-                      <a:rPr lang="en-US" sz="2400" i="1">
+                      <a:rPr lang="en-US" sz="2200" i="1">
                         <a:latin typeface="Cambria Math" panose="02040503050406030204" pitchFamily="18" charset="0"/>
                         <a:ea typeface="Times New Roman" panose="02020603050405020304" pitchFamily="18" charset="0"/>
                         <a:cs typeface="B Nazanin" panose="00000400000000000000" pitchFamily="2" charset="-78"/>
@@ -16591,7 +16802,7 @@
                       <m:t>,</m:t>
                     </m:r>
                     <m:r>
-                      <a:rPr lang="en-US" sz="2400" i="1">
+                      <a:rPr lang="en-US" sz="2200" i="1">
                         <a:latin typeface="Cambria Math" panose="02040503050406030204" pitchFamily="18" charset="0"/>
                         <a:ea typeface="Times New Roman" panose="02020603050405020304" pitchFamily="18" charset="0"/>
                         <a:cs typeface="B Nazanin" panose="00000400000000000000" pitchFamily="2" charset="-78"/>
@@ -16599,7 +16810,7 @@
                       <m:t>𝐿</m:t>
                     </m:r>
                     <m:r>
-                      <a:rPr lang="en-US" sz="2400" i="1">
+                      <a:rPr lang="en-US" sz="2200" i="1">
                         <a:latin typeface="Cambria Math" panose="02040503050406030204" pitchFamily="18" charset="0"/>
                         <a:ea typeface="Times New Roman" panose="02020603050405020304" pitchFamily="18" charset="0"/>
                         <a:cs typeface="B Nazanin" panose="00000400000000000000" pitchFamily="2" charset="-78"/>
@@ -16607,7 +16818,7 @@
                       <m:t>−</m:t>
                     </m:r>
                     <m:r>
-                      <a:rPr lang="en-US" sz="2400" i="1">
+                      <a:rPr lang="en-US" sz="2200" i="1">
                         <a:latin typeface="Cambria Math" panose="02040503050406030204" pitchFamily="18" charset="0"/>
                         <a:ea typeface="Times New Roman" panose="02020603050405020304" pitchFamily="18" charset="0"/>
                         <a:cs typeface="B Nazanin" panose="00000400000000000000" pitchFamily="2" charset="-78"/>
@@ -16615,7 +16826,7 @@
                       <m:t>1</m:t>
                     </m:r>
                     <m:r>
-                      <a:rPr lang="en-US" sz="2400" i="1">
+                      <a:rPr lang="en-US" sz="2200" i="1">
                         <a:latin typeface="Cambria Math" panose="02040503050406030204" pitchFamily="18" charset="0"/>
                         <a:ea typeface="Times New Roman" panose="02020603050405020304" pitchFamily="18" charset="0"/>
                         <a:cs typeface="B Nazanin" panose="00000400000000000000" pitchFamily="2" charset="-78"/>
@@ -16623,7 +16834,7 @@
                       <m:t>,…,</m:t>
                     </m:r>
                     <m:r>
-                      <a:rPr lang="en-US" sz="2400" i="1">
+                      <a:rPr lang="en-US" sz="2200" i="1">
                         <a:latin typeface="Cambria Math" panose="02040503050406030204" pitchFamily="18" charset="0"/>
                         <a:ea typeface="Times New Roman" panose="02020603050405020304" pitchFamily="18" charset="0"/>
                         <a:cs typeface="B Nazanin" panose="00000400000000000000" pitchFamily="2" charset="-78"/>
@@ -16632,14 +16843,14 @@
                     </m:r>
                   </m:oMath>
                 </a14:m>
-                <a:endParaRPr lang="en-US" sz="2400" dirty="0">
+                <a:endParaRPr lang="en-US" sz="2200" dirty="0">
                   <a:latin typeface="Times New Roman" panose="02020603050405020304" pitchFamily="18" charset="0"/>
                   <a:ea typeface="Calibri" panose="020F0502020204030204" pitchFamily="34" charset="0"/>
                   <a:cs typeface="B Nazanin" panose="00000400000000000000" pitchFamily="2" charset="-78"/>
                 </a:endParaRPr>
               </a:p>
               <a:p>
-                <a:pPr marL="0" marR="0" lvl="0" indent="0">
+                <a:pPr marL="342900" marR="0" lvl="0" indent="-342900">
                   <a:lnSpc>
                     <a:spcPct val="150000"/>
                   </a:lnSpc>
@@ -16649,14 +16860,15 @@
                   <a:spcAft>
                     <a:spcPts val="600"/>
                   </a:spcAft>
-                  <a:buNone/>
+                  <a:buFont typeface="Symbol" panose="05050102010706020507" pitchFamily="18" charset="2"/>
+                  <a:buChar char=""/>
                 </a:pPr>
                 <a14:m>
                   <m:oMath xmlns:m="http://schemas.openxmlformats.org/officeDocument/2006/math">
                     <m:f>
                       <m:fPr>
                         <m:ctrlPr>
-                          <a:rPr lang="en-US" sz="2400" i="1">
+                          <a:rPr lang="en-US" sz="2200" i="1">
                             <a:latin typeface="Cambria Math" panose="02040503050406030204" pitchFamily="18" charset="0"/>
                             <a:ea typeface="Times New Roman" panose="02020603050405020304" pitchFamily="18" charset="0"/>
                             <a:cs typeface="B Nazanin" panose="00000400000000000000" pitchFamily="2" charset="-78"/>
@@ -16665,7 +16877,7 @@
                       </m:fPr>
                       <m:num>
                         <m:r>
-                          <a:rPr lang="en-US" sz="2400" i="1">
+                          <a:rPr lang="en-US" sz="2200" i="1">
                             <a:latin typeface="Cambria Math" panose="02040503050406030204" pitchFamily="18" charset="0"/>
                             <a:ea typeface="Times New Roman" panose="02020603050405020304" pitchFamily="18" charset="0"/>
                             <a:cs typeface="B Nazanin" panose="00000400000000000000" pitchFamily="2" charset="-78"/>
@@ -16673,7 +16885,7 @@
                           <m:t>𝜕</m:t>
                         </m:r>
                         <m:r>
-                          <a:rPr lang="en-US" sz="2400" i="1">
+                          <a:rPr lang="en-US" sz="2200" i="1">
                             <a:latin typeface="Cambria Math" panose="02040503050406030204" pitchFamily="18" charset="0"/>
                             <a:ea typeface="Times New Roman" panose="02020603050405020304" pitchFamily="18" charset="0"/>
                             <a:cs typeface="B Nazanin" panose="00000400000000000000" pitchFamily="2" charset="-78"/>
@@ -16683,7 +16895,7 @@
                       </m:num>
                       <m:den>
                         <m:r>
-                          <a:rPr lang="en-US" sz="2400" i="1">
+                          <a:rPr lang="en-US" sz="2200" i="1">
                             <a:latin typeface="Cambria Math" panose="02040503050406030204" pitchFamily="18" charset="0"/>
                             <a:ea typeface="Times New Roman" panose="02020603050405020304" pitchFamily="18" charset="0"/>
                             <a:cs typeface="B Nazanin" panose="00000400000000000000" pitchFamily="2" charset="-78"/>
@@ -16693,7 +16905,7 @@
                         <m:sSup>
                           <m:sSupPr>
                             <m:ctrlPr>
-                              <a:rPr lang="en-US" sz="2400" i="1">
+                              <a:rPr lang="en-US" sz="2200" i="1">
                                 <a:latin typeface="Cambria Math" panose="02040503050406030204" pitchFamily="18" charset="0"/>
                                 <a:ea typeface="Times New Roman" panose="02020603050405020304" pitchFamily="18" charset="0"/>
                                 <a:cs typeface="B Nazanin" panose="00000400000000000000" pitchFamily="2" charset="-78"/>
@@ -16702,7 +16914,7 @@
                           </m:sSupPr>
                           <m:e>
                             <m:r>
-                              <a:rPr lang="en-US" sz="2400" i="1">
+                              <a:rPr lang="en-US" sz="2200" i="1">
                                 <a:latin typeface="Cambria Math" panose="02040503050406030204" pitchFamily="18" charset="0"/>
                                 <a:ea typeface="Times New Roman" panose="02020603050405020304" pitchFamily="18" charset="0"/>
                                 <a:cs typeface="B Nazanin" panose="00000400000000000000" pitchFamily="2" charset="-78"/>
@@ -16712,7 +16924,7 @@
                           </m:e>
                           <m:sup>
                             <m:r>
-                              <a:rPr lang="en-US" sz="2400" i="1">
+                              <a:rPr lang="en-US" sz="2200" i="1">
                                 <a:latin typeface="Cambria Math" panose="02040503050406030204" pitchFamily="18" charset="0"/>
                                 <a:ea typeface="Times New Roman" panose="02020603050405020304" pitchFamily="18" charset="0"/>
                                 <a:cs typeface="B Nazanin" panose="00000400000000000000" pitchFamily="2" charset="-78"/>
@@ -16720,7 +16932,7 @@
                               <m:t>[</m:t>
                             </m:r>
                             <m:r>
-                              <a:rPr lang="en-US" sz="2400" i="1">
+                              <a:rPr lang="en-US" sz="2200" i="1">
                                 <a:latin typeface="Cambria Math" panose="02040503050406030204" pitchFamily="18" charset="0"/>
                                 <a:ea typeface="Times New Roman" panose="02020603050405020304" pitchFamily="18" charset="0"/>
                                 <a:cs typeface="B Nazanin" panose="00000400000000000000" pitchFamily="2" charset="-78"/>
@@ -16728,7 +16940,7 @@
                               <m:t>𝑙</m:t>
                             </m:r>
                             <m:r>
-                              <a:rPr lang="en-US" sz="2400" i="1">
+                              <a:rPr lang="en-US" sz="2200" i="1">
                                 <a:latin typeface="Cambria Math" panose="02040503050406030204" pitchFamily="18" charset="0"/>
                                 <a:ea typeface="Times New Roman" panose="02020603050405020304" pitchFamily="18" charset="0"/>
                                 <a:cs typeface="B Nazanin" panose="00000400000000000000" pitchFamily="2" charset="-78"/>
@@ -16736,7 +16948,7 @@
                               <m:t>−</m:t>
                             </m:r>
                             <m:r>
-                              <a:rPr lang="en-US" sz="2400" i="1">
+                              <a:rPr lang="en-US" sz="2200" i="1">
                                 <a:latin typeface="Cambria Math" panose="02040503050406030204" pitchFamily="18" charset="0"/>
                                 <a:ea typeface="Times New Roman" panose="02020603050405020304" pitchFamily="18" charset="0"/>
                                 <a:cs typeface="B Nazanin" panose="00000400000000000000" pitchFamily="2" charset="-78"/>
@@ -16744,7 +16956,7 @@
                               <m:t>1</m:t>
                             </m:r>
                             <m:r>
-                              <a:rPr lang="en-US" sz="2400" i="1">
+                              <a:rPr lang="en-US" sz="2200" i="1">
                                 <a:latin typeface="Cambria Math" panose="02040503050406030204" pitchFamily="18" charset="0"/>
                                 <a:ea typeface="Times New Roman" panose="02020603050405020304" pitchFamily="18" charset="0"/>
                                 <a:cs typeface="B Nazanin" panose="00000400000000000000" pitchFamily="2" charset="-78"/>
@@ -16756,7 +16968,7 @@
                       </m:den>
                     </m:f>
                     <m:r>
-                      <a:rPr lang="en-US" sz="2400" i="1">
+                      <a:rPr lang="en-US" sz="2200" i="1">
                         <a:latin typeface="Cambria Math" panose="02040503050406030204" pitchFamily="18" charset="0"/>
                         <a:ea typeface="Times New Roman" panose="02020603050405020304" pitchFamily="18" charset="0"/>
                         <a:cs typeface="B Nazanin" panose="00000400000000000000" pitchFamily="2" charset="-78"/>
@@ -16766,7 +16978,7 @@
                     <m:d>
                       <m:dPr>
                         <m:ctrlPr>
-                          <a:rPr lang="en-US" sz="2400" i="1">
+                          <a:rPr lang="en-US" sz="2200" i="1">
                             <a:latin typeface="Cambria Math" panose="02040503050406030204" pitchFamily="18" charset="0"/>
                             <a:ea typeface="Times New Roman" panose="02020603050405020304" pitchFamily="18" charset="0"/>
                             <a:cs typeface="B Nazanin" panose="00000400000000000000" pitchFamily="2" charset="-78"/>
@@ -16777,7 +16989,7 @@
                         <m:f>
                           <m:fPr>
                             <m:ctrlPr>
-                              <a:rPr lang="en-US" sz="2400" i="1">
+                              <a:rPr lang="en-US" sz="2200" i="1">
                                 <a:latin typeface="Cambria Math" panose="02040503050406030204" pitchFamily="18" charset="0"/>
                                 <a:ea typeface="Times New Roman" panose="02020603050405020304" pitchFamily="18" charset="0"/>
                                 <a:cs typeface="B Nazanin" panose="00000400000000000000" pitchFamily="2" charset="-78"/>
@@ -16786,7 +16998,7 @@
                           </m:fPr>
                           <m:num>
                             <m:r>
-                              <a:rPr lang="en-US" sz="2400" i="1">
+                              <a:rPr lang="en-US" sz="2200" i="1">
                                 <a:latin typeface="Cambria Math" panose="02040503050406030204" pitchFamily="18" charset="0"/>
                                 <a:ea typeface="Times New Roman" panose="02020603050405020304" pitchFamily="18" charset="0"/>
                                 <a:cs typeface="B Nazanin" panose="00000400000000000000" pitchFamily="2" charset="-78"/>
@@ -16794,7 +17006,7 @@
                               <m:t>𝜕</m:t>
                             </m:r>
                             <m:r>
-                              <a:rPr lang="en-US" sz="2400" i="1">
+                              <a:rPr lang="en-US" sz="2200" i="1">
                                 <a:latin typeface="Cambria Math" panose="02040503050406030204" pitchFamily="18" charset="0"/>
                                 <a:ea typeface="Times New Roman" panose="02020603050405020304" pitchFamily="18" charset="0"/>
                                 <a:cs typeface="B Nazanin" panose="00000400000000000000" pitchFamily="2" charset="-78"/>
@@ -16804,7 +17016,7 @@
                           </m:num>
                           <m:den>
                             <m:r>
-                              <a:rPr lang="en-US" sz="2400" i="1">
+                              <a:rPr lang="en-US" sz="2200" i="1">
                                 <a:latin typeface="Cambria Math" panose="02040503050406030204" pitchFamily="18" charset="0"/>
                                 <a:ea typeface="Times New Roman" panose="02020603050405020304" pitchFamily="18" charset="0"/>
                                 <a:cs typeface="B Nazanin" panose="00000400000000000000" pitchFamily="2" charset="-78"/>
@@ -16814,7 +17026,7 @@
                             <m:sSup>
                               <m:sSupPr>
                                 <m:ctrlPr>
-                                  <a:rPr lang="en-US" sz="2400" i="1">
+                                  <a:rPr lang="en-US" sz="2200" i="1">
                                     <a:latin typeface="Cambria Math" panose="02040503050406030204" pitchFamily="18" charset="0"/>
                                     <a:ea typeface="Times New Roman" panose="02020603050405020304" pitchFamily="18" charset="0"/>
                                     <a:cs typeface="B Nazanin" panose="00000400000000000000" pitchFamily="2" charset="-78"/>
@@ -16823,7 +17035,7 @@
                               </m:sSupPr>
                               <m:e>
                                 <m:r>
-                                  <a:rPr lang="en-US" sz="2400" i="1">
+                                  <a:rPr lang="en-US" sz="2200" i="1">
                                     <a:latin typeface="Cambria Math" panose="02040503050406030204" pitchFamily="18" charset="0"/>
                                     <a:ea typeface="Times New Roman" panose="02020603050405020304" pitchFamily="18" charset="0"/>
                                     <a:cs typeface="B Nazanin" panose="00000400000000000000" pitchFamily="2" charset="-78"/>
@@ -16833,7 +17045,7 @@
                               </m:e>
                               <m:sup>
                                 <m:r>
-                                  <a:rPr lang="en-US" sz="2400" i="1">
+                                  <a:rPr lang="en-US" sz="2200" i="1">
                                     <a:latin typeface="Cambria Math" panose="02040503050406030204" pitchFamily="18" charset="0"/>
                                     <a:ea typeface="Times New Roman" panose="02020603050405020304" pitchFamily="18" charset="0"/>
                                     <a:cs typeface="B Nazanin" panose="00000400000000000000" pitchFamily="2" charset="-78"/>
@@ -16841,7 +17053,7 @@
                                   <m:t>[</m:t>
                                 </m:r>
                                 <m:r>
-                                  <a:rPr lang="en-US" sz="2400" i="1">
+                                  <a:rPr lang="en-US" sz="2200" i="1">
                                     <a:latin typeface="Cambria Math" panose="02040503050406030204" pitchFamily="18" charset="0"/>
                                     <a:ea typeface="Times New Roman" panose="02020603050405020304" pitchFamily="18" charset="0"/>
                                     <a:cs typeface="B Nazanin" panose="00000400000000000000" pitchFamily="2" charset="-78"/>
@@ -16849,7 +17061,7 @@
                                   <m:t>𝑙</m:t>
                                 </m:r>
                                 <m:r>
-                                  <a:rPr lang="en-US" sz="2400" i="1">
+                                  <a:rPr lang="en-US" sz="2200" i="1">
                                     <a:latin typeface="Cambria Math" panose="02040503050406030204" pitchFamily="18" charset="0"/>
                                     <a:ea typeface="Times New Roman" panose="02020603050405020304" pitchFamily="18" charset="0"/>
                                     <a:cs typeface="B Nazanin" panose="00000400000000000000" pitchFamily="2" charset="-78"/>
@@ -16861,7 +17073,7 @@
                           </m:den>
                         </m:f>
                         <m:r>
-                          <a:rPr lang="en-US" sz="2400" i="1">
+                          <a:rPr lang="en-US" sz="2200" i="1">
                             <a:latin typeface="Cambria Math" panose="02040503050406030204" pitchFamily="18" charset="0"/>
                             <a:ea typeface="Times New Roman" panose="02020603050405020304" pitchFamily="18" charset="0"/>
                             <a:cs typeface="B Nazanin" panose="00000400000000000000" pitchFamily="2" charset="-78"/>
@@ -16871,7 +17083,7 @@
                         <m:f>
                           <m:fPr>
                             <m:ctrlPr>
-                              <a:rPr lang="en-US" sz="2400" i="1">
+                              <a:rPr lang="en-US" sz="2200" i="1">
                                 <a:latin typeface="Cambria Math" panose="02040503050406030204" pitchFamily="18" charset="0"/>
                                 <a:ea typeface="Times New Roman" panose="02020603050405020304" pitchFamily="18" charset="0"/>
                                 <a:cs typeface="B Nazanin" panose="00000400000000000000" pitchFamily="2" charset="-78"/>
@@ -16880,7 +17092,7 @@
                           </m:fPr>
                           <m:num>
                             <m:r>
-                              <a:rPr lang="en-US" sz="2400" i="1">
+                              <a:rPr lang="en-US" sz="2200" i="1">
                                 <a:latin typeface="Cambria Math" panose="02040503050406030204" pitchFamily="18" charset="0"/>
                                 <a:ea typeface="Times New Roman" panose="02020603050405020304" pitchFamily="18" charset="0"/>
                                 <a:cs typeface="B Nazanin" panose="00000400000000000000" pitchFamily="2" charset="-78"/>
@@ -16890,7 +17102,7 @@
                             <m:sSup>
                               <m:sSupPr>
                                 <m:ctrlPr>
-                                  <a:rPr lang="en-US" sz="2400" i="1">
+                                  <a:rPr lang="en-US" sz="2200" i="1">
                                     <a:latin typeface="Cambria Math" panose="02040503050406030204" pitchFamily="18" charset="0"/>
                                     <a:ea typeface="Times New Roman" panose="02020603050405020304" pitchFamily="18" charset="0"/>
                                     <a:cs typeface="B Nazanin" panose="00000400000000000000" pitchFamily="2" charset="-78"/>
@@ -16899,7 +17111,7 @@
                               </m:sSupPr>
                               <m:e>
                                 <m:r>
-                                  <a:rPr lang="en-US" sz="2400" i="1">
+                                  <a:rPr lang="en-US" sz="2200" i="1">
                                     <a:latin typeface="Cambria Math" panose="02040503050406030204" pitchFamily="18" charset="0"/>
                                     <a:ea typeface="Times New Roman" panose="02020603050405020304" pitchFamily="18" charset="0"/>
                                     <a:cs typeface="B Nazanin" panose="00000400000000000000" pitchFamily="2" charset="-78"/>
@@ -16913,7 +17125,7 @@
                                     <m:begChr m:val="["/>
                                     <m:endChr m:val="]"/>
                                     <m:ctrlPr>
-                                      <a:rPr lang="en-US" sz="2400" i="1">
+                                      <a:rPr lang="en-US" sz="2200" i="1">
                                         <a:latin typeface="Cambria Math" panose="02040503050406030204" pitchFamily="18" charset="0"/>
                                         <a:ea typeface="Times New Roman" panose="02020603050405020304" pitchFamily="18" charset="0"/>
                                         <a:cs typeface="B Nazanin" panose="00000400000000000000" pitchFamily="2" charset="-78"/>
@@ -16922,7 +17134,7 @@
                                   </m:dPr>
                                   <m:e>
                                     <m:r>
-                                      <a:rPr lang="en-US" sz="2400" i="1">
+                                      <a:rPr lang="en-US" sz="2200" i="1">
                                         <a:latin typeface="Cambria Math" panose="02040503050406030204" pitchFamily="18" charset="0"/>
                                         <a:ea typeface="Times New Roman" panose="02020603050405020304" pitchFamily="18" charset="0"/>
                                         <a:cs typeface="B Nazanin" panose="00000400000000000000" pitchFamily="2" charset="-78"/>
@@ -16936,7 +17148,7 @@
                           </m:num>
                           <m:den>
                             <m:r>
-                              <a:rPr lang="en-US" sz="2400" i="1">
+                              <a:rPr lang="en-US" sz="2200" i="1">
                                 <a:latin typeface="Cambria Math" panose="02040503050406030204" pitchFamily="18" charset="0"/>
                                 <a:ea typeface="Times New Roman" panose="02020603050405020304" pitchFamily="18" charset="0"/>
                                 <a:cs typeface="B Nazanin" panose="00000400000000000000" pitchFamily="2" charset="-78"/>
@@ -16946,7 +17158,7 @@
                             <m:sSup>
                               <m:sSupPr>
                                 <m:ctrlPr>
-                                  <a:rPr lang="en-US" sz="2400" i="1">
+                                  <a:rPr lang="en-US" sz="2200" i="1">
                                     <a:latin typeface="Cambria Math" panose="02040503050406030204" pitchFamily="18" charset="0"/>
                                     <a:ea typeface="Times New Roman" panose="02020603050405020304" pitchFamily="18" charset="0"/>
                                     <a:cs typeface="B Nazanin" panose="00000400000000000000" pitchFamily="2" charset="-78"/>
@@ -16955,7 +17167,7 @@
                               </m:sSupPr>
                               <m:e>
                                 <m:r>
-                                  <a:rPr lang="en-US" sz="2400" i="1">
+                                  <a:rPr lang="en-US" sz="2200" i="1">
                                     <a:latin typeface="Cambria Math" panose="02040503050406030204" pitchFamily="18" charset="0"/>
                                     <a:ea typeface="Times New Roman" panose="02020603050405020304" pitchFamily="18" charset="0"/>
                                     <a:cs typeface="B Nazanin" panose="00000400000000000000" pitchFamily="2" charset="-78"/>
@@ -16969,7 +17181,7 @@
                                     <m:begChr m:val="["/>
                                     <m:endChr m:val="]"/>
                                     <m:ctrlPr>
-                                      <a:rPr lang="en-US" sz="2400" i="1">
+                                      <a:rPr lang="en-US" sz="2200" i="1">
                                         <a:latin typeface="Cambria Math" panose="02040503050406030204" pitchFamily="18" charset="0"/>
                                         <a:ea typeface="Times New Roman" panose="02020603050405020304" pitchFamily="18" charset="0"/>
                                         <a:cs typeface="B Nazanin" panose="00000400000000000000" pitchFamily="2" charset="-78"/>
@@ -16978,7 +17190,7 @@
                                   </m:dPr>
                                   <m:e>
                                     <m:r>
-                                      <a:rPr lang="en-US" sz="2400" i="1">
+                                      <a:rPr lang="en-US" sz="2200" i="1">
                                         <a:latin typeface="Cambria Math" panose="02040503050406030204" pitchFamily="18" charset="0"/>
                                         <a:ea typeface="Times New Roman" panose="02020603050405020304" pitchFamily="18" charset="0"/>
                                         <a:cs typeface="B Nazanin" panose="00000400000000000000" pitchFamily="2" charset="-78"/>
@@ -16996,7 +17208,7 @@
                     <m:f>
                       <m:fPr>
                         <m:ctrlPr>
-                          <a:rPr lang="en-US" sz="2400" i="1">
+                          <a:rPr lang="en-US" sz="2200" i="1">
                             <a:latin typeface="Cambria Math" panose="02040503050406030204" pitchFamily="18" charset="0"/>
                             <a:ea typeface="Times New Roman" panose="02020603050405020304" pitchFamily="18" charset="0"/>
                             <a:cs typeface="B Nazanin" panose="00000400000000000000" pitchFamily="2" charset="-78"/>
@@ -17005,7 +17217,7 @@
                       </m:fPr>
                       <m:num>
                         <m:r>
-                          <a:rPr lang="en-US" sz="2400" i="1">
+                          <a:rPr lang="en-US" sz="2200" i="1">
                             <a:latin typeface="Cambria Math" panose="02040503050406030204" pitchFamily="18" charset="0"/>
                             <a:ea typeface="Times New Roman" panose="02020603050405020304" pitchFamily="18" charset="0"/>
                             <a:cs typeface="B Nazanin" panose="00000400000000000000" pitchFamily="2" charset="-78"/>
@@ -17015,7 +17227,7 @@
                         <m:sSup>
                           <m:sSupPr>
                             <m:ctrlPr>
-                              <a:rPr lang="en-US" sz="2400" i="1">
+                              <a:rPr lang="en-US" sz="2200" i="1">
                                 <a:latin typeface="Cambria Math" panose="02040503050406030204" pitchFamily="18" charset="0"/>
                                 <a:ea typeface="Times New Roman" panose="02020603050405020304" pitchFamily="18" charset="0"/>
                                 <a:cs typeface="B Nazanin" panose="00000400000000000000" pitchFamily="2" charset="-78"/>
@@ -17024,7 +17236,7 @@
                           </m:sSupPr>
                           <m:e>
                             <m:r>
-                              <a:rPr lang="en-US" sz="2400" i="1">
+                              <a:rPr lang="en-US" sz="2200" i="1">
                                 <a:latin typeface="Cambria Math" panose="02040503050406030204" pitchFamily="18" charset="0"/>
                                 <a:ea typeface="Times New Roman" panose="02020603050405020304" pitchFamily="18" charset="0"/>
                                 <a:cs typeface="B Nazanin" panose="00000400000000000000" pitchFamily="2" charset="-78"/>
@@ -17038,7 +17250,7 @@
                                 <m:begChr m:val="["/>
                                 <m:endChr m:val="]"/>
                                 <m:ctrlPr>
-                                  <a:rPr lang="en-US" sz="2400" i="1">
+                                  <a:rPr lang="en-US" sz="2200" i="1">
                                     <a:latin typeface="Cambria Math" panose="02040503050406030204" pitchFamily="18" charset="0"/>
                                     <a:ea typeface="Times New Roman" panose="02020603050405020304" pitchFamily="18" charset="0"/>
                                     <a:cs typeface="B Nazanin" panose="00000400000000000000" pitchFamily="2" charset="-78"/>
@@ -17047,7 +17259,7 @@
                               </m:dPr>
                               <m:e>
                                 <m:r>
-                                  <a:rPr lang="en-US" sz="2400" i="1">
+                                  <a:rPr lang="en-US" sz="2200" i="1">
                                     <a:latin typeface="Cambria Math" panose="02040503050406030204" pitchFamily="18" charset="0"/>
                                     <a:ea typeface="Times New Roman" panose="02020603050405020304" pitchFamily="18" charset="0"/>
                                     <a:cs typeface="B Nazanin" panose="00000400000000000000" pitchFamily="2" charset="-78"/>
@@ -17061,7 +17273,7 @@
                       </m:num>
                       <m:den>
                         <m:r>
-                          <a:rPr lang="en-US" sz="2400" i="1">
+                          <a:rPr lang="en-US" sz="2200" i="1">
                             <a:latin typeface="Cambria Math" panose="02040503050406030204" pitchFamily="18" charset="0"/>
                             <a:ea typeface="Times New Roman" panose="02020603050405020304" pitchFamily="18" charset="0"/>
                             <a:cs typeface="B Nazanin" panose="00000400000000000000" pitchFamily="2" charset="-78"/>
@@ -17071,7 +17283,7 @@
                         <m:sSup>
                           <m:sSupPr>
                             <m:ctrlPr>
-                              <a:rPr lang="en-US" sz="2400" i="1">
+                              <a:rPr lang="en-US" sz="2200" i="1">
                                 <a:latin typeface="Cambria Math" panose="02040503050406030204" pitchFamily="18" charset="0"/>
                                 <a:ea typeface="Times New Roman" panose="02020603050405020304" pitchFamily="18" charset="0"/>
                                 <a:cs typeface="B Nazanin" panose="00000400000000000000" pitchFamily="2" charset="-78"/>
@@ -17080,7 +17292,7 @@
                           </m:sSupPr>
                           <m:e>
                             <m:r>
-                              <a:rPr lang="en-US" sz="2400" i="1">
+                              <a:rPr lang="en-US" sz="2200" i="1">
                                 <a:latin typeface="Cambria Math" panose="02040503050406030204" pitchFamily="18" charset="0"/>
                                 <a:ea typeface="Times New Roman" panose="02020603050405020304" pitchFamily="18" charset="0"/>
                                 <a:cs typeface="B Nazanin" panose="00000400000000000000" pitchFamily="2" charset="-78"/>
@@ -17094,7 +17306,7 @@
                                 <m:begChr m:val="["/>
                                 <m:endChr m:val="]"/>
                                 <m:ctrlPr>
-                                  <a:rPr lang="en-US" sz="2400" i="1">
+                                  <a:rPr lang="en-US" sz="2200" i="1">
                                     <a:latin typeface="Cambria Math" panose="02040503050406030204" pitchFamily="18" charset="0"/>
                                     <a:ea typeface="Times New Roman" panose="02020603050405020304" pitchFamily="18" charset="0"/>
                                     <a:cs typeface="B Nazanin" panose="00000400000000000000" pitchFamily="2" charset="-78"/>
@@ -17103,7 +17315,7 @@
                               </m:dPr>
                               <m:e>
                                 <m:r>
-                                  <a:rPr lang="en-US" sz="2400" i="1">
+                                  <a:rPr lang="en-US" sz="2200" i="1">
                                     <a:latin typeface="Cambria Math" panose="02040503050406030204" pitchFamily="18" charset="0"/>
                                     <a:ea typeface="Times New Roman" panose="02020603050405020304" pitchFamily="18" charset="0"/>
                                     <a:cs typeface="B Nazanin" panose="00000400000000000000" pitchFamily="2" charset="-78"/>
@@ -17111,7 +17323,7 @@
                                   <m:t>𝑙</m:t>
                                 </m:r>
                                 <m:r>
-                                  <a:rPr lang="en-US" sz="2400" i="1">
+                                  <a:rPr lang="en-US" sz="2200" i="1">
                                     <a:latin typeface="Cambria Math" panose="02040503050406030204" pitchFamily="18" charset="0"/>
                                     <a:ea typeface="Times New Roman" panose="02020603050405020304" pitchFamily="18" charset="0"/>
                                     <a:cs typeface="B Nazanin" panose="00000400000000000000" pitchFamily="2" charset="-78"/>
@@ -17119,7 +17331,7 @@
                                   <m:t>−</m:t>
                                 </m:r>
                                 <m:r>
-                                  <a:rPr lang="en-US" sz="2400" i="1">
+                                  <a:rPr lang="en-US" sz="2200" i="1">
                                     <a:latin typeface="Cambria Math" panose="02040503050406030204" pitchFamily="18" charset="0"/>
                                     <a:ea typeface="Times New Roman" panose="02020603050405020304" pitchFamily="18" charset="0"/>
                                     <a:cs typeface="B Nazanin" panose="00000400000000000000" pitchFamily="2" charset="-78"/>
@@ -17133,7 +17345,7 @@
                       </m:den>
                     </m:f>
                     <m:r>
-                      <a:rPr lang="en-US" sz="2400" i="1">
+                      <a:rPr lang="en-US" sz="2200" i="1">
                         <a:latin typeface="Cambria Math" panose="02040503050406030204" pitchFamily="18" charset="0"/>
                         <a:ea typeface="Times New Roman" panose="02020603050405020304" pitchFamily="18" charset="0"/>
                         <a:cs typeface="B Nazanin" panose="00000400000000000000" pitchFamily="2" charset="-78"/>
@@ -17143,7 +17355,7 @@
                     <m:d>
                       <m:dPr>
                         <m:ctrlPr>
-                          <a:rPr lang="en-US" sz="2400" i="1">
+                          <a:rPr lang="en-US" sz="2200" i="1">
                             <a:latin typeface="Cambria Math" panose="02040503050406030204" pitchFamily="18" charset="0"/>
                             <a:ea typeface="Times New Roman" panose="02020603050405020304" pitchFamily="18" charset="0"/>
                             <a:cs typeface="B Nazanin" panose="00000400000000000000" pitchFamily="2" charset="-78"/>
@@ -17154,7 +17366,7 @@
                         <m:f>
                           <m:fPr>
                             <m:ctrlPr>
-                              <a:rPr lang="en-US" sz="2400" i="1">
+                              <a:rPr lang="en-US" sz="2200" i="1">
                                 <a:latin typeface="Cambria Math" panose="02040503050406030204" pitchFamily="18" charset="0"/>
                                 <a:ea typeface="Times New Roman" panose="02020603050405020304" pitchFamily="18" charset="0"/>
                                 <a:cs typeface="B Nazanin" panose="00000400000000000000" pitchFamily="2" charset="-78"/>
@@ -17163,7 +17375,7 @@
                           </m:fPr>
                           <m:num>
                             <m:r>
-                              <a:rPr lang="en-US" sz="2400" i="1">
+                              <a:rPr lang="en-US" sz="2200" i="1">
                                 <a:latin typeface="Cambria Math" panose="02040503050406030204" pitchFamily="18" charset="0"/>
                                 <a:ea typeface="Times New Roman" panose="02020603050405020304" pitchFamily="18" charset="0"/>
                                 <a:cs typeface="B Nazanin" panose="00000400000000000000" pitchFamily="2" charset="-78"/>
@@ -17171,7 +17383,7 @@
                               <m:t>𝜕</m:t>
                             </m:r>
                             <m:r>
-                              <a:rPr lang="en-US" sz="2400" i="1">
+                              <a:rPr lang="en-US" sz="2200" i="1">
                                 <a:latin typeface="Cambria Math" panose="02040503050406030204" pitchFamily="18" charset="0"/>
                                 <a:ea typeface="Times New Roman" panose="02020603050405020304" pitchFamily="18" charset="0"/>
                                 <a:cs typeface="B Nazanin" panose="00000400000000000000" pitchFamily="2" charset="-78"/>
@@ -17181,7 +17393,7 @@
                           </m:num>
                           <m:den>
                             <m:r>
-                              <a:rPr lang="en-US" sz="2400" i="1">
+                              <a:rPr lang="en-US" sz="2200" i="1">
                                 <a:latin typeface="Cambria Math" panose="02040503050406030204" pitchFamily="18" charset="0"/>
                                 <a:ea typeface="Times New Roman" panose="02020603050405020304" pitchFamily="18" charset="0"/>
                                 <a:cs typeface="B Nazanin" panose="00000400000000000000" pitchFamily="2" charset="-78"/>
@@ -17191,7 +17403,7 @@
                             <m:sSup>
                               <m:sSupPr>
                                 <m:ctrlPr>
-                                  <a:rPr lang="en-US" sz="2400" i="1">
+                                  <a:rPr lang="en-US" sz="2200" i="1">
                                     <a:latin typeface="Cambria Math" panose="02040503050406030204" pitchFamily="18" charset="0"/>
                                     <a:ea typeface="Times New Roman" panose="02020603050405020304" pitchFamily="18" charset="0"/>
                                     <a:cs typeface="B Nazanin" panose="00000400000000000000" pitchFamily="2" charset="-78"/>
@@ -17200,7 +17412,7 @@
                               </m:sSupPr>
                               <m:e>
                                 <m:r>
-                                  <a:rPr lang="en-US" sz="2400" i="1">
+                                  <a:rPr lang="en-US" sz="2200" i="1">
                                     <a:latin typeface="Cambria Math" panose="02040503050406030204" pitchFamily="18" charset="0"/>
                                     <a:ea typeface="Times New Roman" panose="02020603050405020304" pitchFamily="18" charset="0"/>
                                     <a:cs typeface="B Nazanin" panose="00000400000000000000" pitchFamily="2" charset="-78"/>
@@ -17214,7 +17426,7 @@
                                     <m:begChr m:val="["/>
                                     <m:endChr m:val="]"/>
                                     <m:ctrlPr>
-                                      <a:rPr lang="en-US" sz="2400" i="1">
+                                      <a:rPr lang="en-US" sz="2200" i="1">
                                         <a:latin typeface="Cambria Math" panose="02040503050406030204" pitchFamily="18" charset="0"/>
                                         <a:ea typeface="Times New Roman" panose="02020603050405020304" pitchFamily="18" charset="0"/>
                                         <a:cs typeface="B Nazanin" panose="00000400000000000000" pitchFamily="2" charset="-78"/>
@@ -17223,7 +17435,7 @@
                                   </m:dPr>
                                   <m:e>
                                     <m:r>
-                                      <a:rPr lang="en-US" sz="2400" i="1">
+                                      <a:rPr lang="en-US" sz="2200" i="1">
                                         <a:latin typeface="Cambria Math" panose="02040503050406030204" pitchFamily="18" charset="0"/>
                                         <a:ea typeface="Times New Roman" panose="02020603050405020304" pitchFamily="18" charset="0"/>
                                         <a:cs typeface="B Nazanin" panose="00000400000000000000" pitchFamily="2" charset="-78"/>
@@ -17237,7 +17449,7 @@
                           </m:den>
                         </m:f>
                         <m:r>
-                          <a:rPr lang="en-US" sz="2400" i="1">
+                          <a:rPr lang="en-US" sz="2200" i="1">
                             <a:latin typeface="Cambria Math" panose="02040503050406030204" pitchFamily="18" charset="0"/>
                             <a:ea typeface="Times New Roman" panose="02020603050405020304" pitchFamily="18" charset="0"/>
                             <a:cs typeface="B Nazanin" panose="00000400000000000000" pitchFamily="2" charset="-78"/>
@@ -17247,7 +17459,7 @@
                         <m:sSup>
                           <m:sSupPr>
                             <m:ctrlPr>
-                              <a:rPr lang="en-US" sz="2400" i="1">
+                              <a:rPr lang="en-US" sz="2200" i="1">
                                 <a:latin typeface="Cambria Math" panose="02040503050406030204" pitchFamily="18" charset="0"/>
                                 <a:ea typeface="Times New Roman" panose="02020603050405020304" pitchFamily="18" charset="0"/>
                                 <a:cs typeface="B Nazanin" panose="00000400000000000000" pitchFamily="2" charset="-78"/>
@@ -17258,7 +17470,7 @@
                             <m:sSup>
                               <m:sSupPr>
                                 <m:ctrlPr>
-                                  <a:rPr lang="en-US" sz="2400" i="1">
+                                  <a:rPr lang="en-US" sz="2200" i="1">
                                     <a:latin typeface="Cambria Math" panose="02040503050406030204" pitchFamily="18" charset="0"/>
                                     <a:ea typeface="Times New Roman" panose="02020603050405020304" pitchFamily="18" charset="0"/>
                                     <a:cs typeface="B Nazanin" panose="00000400000000000000" pitchFamily="2" charset="-78"/>
@@ -17267,7 +17479,7 @@
                               </m:sSupPr>
                               <m:e>
                                 <m:r>
-                                  <a:rPr lang="en-US" sz="2400" i="1">
+                                  <a:rPr lang="en-US" sz="2200" i="1">
                                     <a:latin typeface="Cambria Math" panose="02040503050406030204" pitchFamily="18" charset="0"/>
                                     <a:ea typeface="Times New Roman" panose="02020603050405020304" pitchFamily="18" charset="0"/>
                                     <a:cs typeface="B Nazanin" panose="00000400000000000000" pitchFamily="2" charset="-78"/>
@@ -17277,7 +17489,7 @@
                               </m:e>
                               <m:sup>
                                 <m:r>
-                                  <a:rPr lang="en-US" sz="2400" i="1">
+                                  <a:rPr lang="en-US" sz="2200" i="1">
                                     <a:latin typeface="Cambria Math" panose="02040503050406030204" pitchFamily="18" charset="0"/>
                                     <a:ea typeface="Times New Roman" panose="02020603050405020304" pitchFamily="18" charset="0"/>
                                     <a:cs typeface="B Nazanin" panose="00000400000000000000" pitchFamily="2" charset="-78"/>
@@ -17293,7 +17505,7 @@
                                 <m:begChr m:val="["/>
                                 <m:endChr m:val="]"/>
                                 <m:ctrlPr>
-                                  <a:rPr lang="en-US" sz="2400" i="1">
+                                  <a:rPr lang="en-US" sz="2200" i="1">
                                     <a:latin typeface="Cambria Math" panose="02040503050406030204" pitchFamily="18" charset="0"/>
                                     <a:ea typeface="Times New Roman" panose="02020603050405020304" pitchFamily="18" charset="0"/>
                                     <a:cs typeface="B Nazanin" panose="00000400000000000000" pitchFamily="2" charset="-78"/>
@@ -17302,7 +17514,7 @@
                               </m:dPr>
                               <m:e>
                                 <m:r>
-                                  <a:rPr lang="en-US" sz="2400" i="1">
+                                  <a:rPr lang="en-US" sz="2200" i="1">
                                     <a:latin typeface="Cambria Math" panose="02040503050406030204" pitchFamily="18" charset="0"/>
                                     <a:ea typeface="Times New Roman" panose="02020603050405020304" pitchFamily="18" charset="0"/>
                                     <a:cs typeface="B Nazanin" panose="00000400000000000000" pitchFamily="2" charset="-78"/>
@@ -17316,7 +17528,7 @@
                         <m:d>
                           <m:dPr>
                             <m:ctrlPr>
-                              <a:rPr lang="en-US" sz="2400" i="1">
+                              <a:rPr lang="en-US" sz="2200" i="1">
                                 <a:latin typeface="Cambria Math" panose="02040503050406030204" pitchFamily="18" charset="0"/>
                                 <a:ea typeface="Times New Roman" panose="02020603050405020304" pitchFamily="18" charset="0"/>
                                 <a:cs typeface="B Nazanin" panose="00000400000000000000" pitchFamily="2" charset="-78"/>
@@ -17327,7 +17539,7 @@
                             <m:sSup>
                               <m:sSupPr>
                                 <m:ctrlPr>
-                                  <a:rPr lang="en-US" sz="2400" i="1">
+                                  <a:rPr lang="en-US" sz="2200" i="1">
                                     <a:latin typeface="Cambria Math" panose="02040503050406030204" pitchFamily="18" charset="0"/>
                                     <a:ea typeface="Times New Roman" panose="02020603050405020304" pitchFamily="18" charset="0"/>
                                     <a:cs typeface="B Nazanin" panose="00000400000000000000" pitchFamily="2" charset="-78"/>
@@ -17336,7 +17548,7 @@
                               </m:sSupPr>
                               <m:e>
                                 <m:r>
-                                  <a:rPr lang="en-US" sz="2400" i="1">
+                                  <a:rPr lang="en-US" sz="2200" i="1">
                                     <a:latin typeface="Cambria Math" panose="02040503050406030204" pitchFamily="18" charset="0"/>
                                     <a:ea typeface="Times New Roman" panose="02020603050405020304" pitchFamily="18" charset="0"/>
                                     <a:cs typeface="B Nazanin" panose="00000400000000000000" pitchFamily="2" charset="-78"/>
@@ -17350,7 +17562,7 @@
                                     <m:begChr m:val="["/>
                                     <m:endChr m:val="]"/>
                                     <m:ctrlPr>
-                                      <a:rPr lang="en-US" sz="2400" i="1">
+                                      <a:rPr lang="en-US" sz="2200" i="1">
                                         <a:latin typeface="Cambria Math" panose="02040503050406030204" pitchFamily="18" charset="0"/>
                                         <a:ea typeface="Times New Roman" panose="02020603050405020304" pitchFamily="18" charset="0"/>
                                         <a:cs typeface="B Nazanin" panose="00000400000000000000" pitchFamily="2" charset="-78"/>
@@ -17359,7 +17571,7 @@
                                   </m:dPr>
                                   <m:e>
                                     <m:r>
-                                      <a:rPr lang="en-US" sz="2400" i="1">
+                                      <a:rPr lang="en-US" sz="2200" i="1">
                                         <a:latin typeface="Cambria Math" panose="02040503050406030204" pitchFamily="18" charset="0"/>
                                         <a:ea typeface="Times New Roman" panose="02020603050405020304" pitchFamily="18" charset="0"/>
                                         <a:cs typeface="B Nazanin" panose="00000400000000000000" pitchFamily="2" charset="-78"/>
@@ -17377,10 +17589,7 @@
                     <m:sSup>
                       <m:sSupPr>
                         <m:ctrlPr>
-                          <a:rPr lang="en-US" sz="2400" i="1">
-                            <a:solidFill>
-                              <a:prstClr val="black"/>
-                            </a:solidFill>
+                          <a:rPr lang="en-US" sz="2200" i="1">
                             <a:latin typeface="Cambria Math" panose="02040503050406030204" pitchFamily="18" charset="0"/>
                             <a:ea typeface="Times New Roman" panose="02020603050405020304" pitchFamily="18" charset="0"/>
                             <a:cs typeface="B Nazanin" panose="00000400000000000000" pitchFamily="2" charset="-78"/>
@@ -17389,10 +17598,7 @@
                       </m:sSupPr>
                       <m:e>
                         <m:r>
-                          <a:rPr lang="en-US" sz="2400" i="1">
-                            <a:solidFill>
-                              <a:prstClr val="black"/>
-                            </a:solidFill>
+                          <a:rPr lang="en-US" sz="2200" i="1">
                             <a:latin typeface="Cambria Math" panose="02040503050406030204" pitchFamily="18" charset="0"/>
                             <a:ea typeface="Times New Roman" panose="02020603050405020304" pitchFamily="18" charset="0"/>
                             <a:cs typeface="B Nazanin" panose="00000400000000000000" pitchFamily="2" charset="-78"/>
@@ -17406,10 +17612,7 @@
                             <m:begChr m:val="["/>
                             <m:endChr m:val="]"/>
                             <m:ctrlPr>
-                              <a:rPr lang="en-US" sz="2400" i="1">
-                                <a:solidFill>
-                                  <a:prstClr val="black"/>
-                                </a:solidFill>
+                              <a:rPr lang="en-US" sz="2200" i="1">
                                 <a:latin typeface="Cambria Math" panose="02040503050406030204" pitchFamily="18" charset="0"/>
                                 <a:ea typeface="Times New Roman" panose="02020603050405020304" pitchFamily="18" charset="0"/>
                                 <a:cs typeface="B Nazanin" panose="00000400000000000000" pitchFamily="2" charset="-78"/>
@@ -17418,10 +17621,7 @@
                           </m:dPr>
                           <m:e>
                             <m:r>
-                              <a:rPr lang="en-US" sz="2400" i="1">
-                                <a:solidFill>
-                                  <a:prstClr val="black"/>
-                                </a:solidFill>
+                              <a:rPr lang="en-US" sz="2200" i="1">
                                 <a:latin typeface="Cambria Math" panose="02040503050406030204" pitchFamily="18" charset="0"/>
                                 <a:ea typeface="Times New Roman" panose="02020603050405020304" pitchFamily="18" charset="0"/>
                                 <a:cs typeface="B Nazanin" panose="00000400000000000000" pitchFamily="2" charset="-78"/>
@@ -17431,10 +17631,7 @@
                           </m:e>
                         </m:d>
                         <m:r>
-                          <a:rPr lang="en-US" sz="2400" i="1">
-                            <a:solidFill>
-                              <a:prstClr val="black"/>
-                            </a:solidFill>
+                          <a:rPr lang="en-US" sz="2200" i="1">
                             <a:latin typeface="Cambria Math" panose="02040503050406030204" pitchFamily="18" charset="0"/>
                             <a:ea typeface="Times New Roman" panose="02020603050405020304" pitchFamily="18" charset="0"/>
                             <a:cs typeface="B Nazanin" panose="00000400000000000000" pitchFamily="2" charset="-78"/>
@@ -17442,10 +17639,7 @@
                           <m:t>,</m:t>
                         </m:r>
                         <m:r>
-                          <a:rPr lang="en-US" sz="2400" i="1">
-                            <a:solidFill>
-                              <a:prstClr val="black"/>
-                            </a:solidFill>
+                          <a:rPr lang="en-US" sz="2200" i="1">
                             <a:latin typeface="Cambria Math" panose="02040503050406030204" pitchFamily="18" charset="0"/>
                             <a:ea typeface="Times New Roman" panose="02020603050405020304" pitchFamily="18" charset="0"/>
                             <a:cs typeface="B Nazanin" panose="00000400000000000000" pitchFamily="2" charset="-78"/>
@@ -17457,7 +17651,7 @@
                   </m:oMath>
                 </a14:m>
                 <a:r>
-                  <a:rPr lang="en-US" sz="2400" dirty="0">
+                  <a:rPr lang="en-US" sz="2200" dirty="0">
                     <a:latin typeface="Times New Roman" panose="02020603050405020304" pitchFamily="18" charset="0"/>
                     <a:ea typeface="Calibri" panose="020F0502020204030204" pitchFamily="34" charset="0"/>
                     <a:cs typeface="B Nazanin" panose="00000400000000000000" pitchFamily="2" charset="-78"/>
@@ -17467,7 +17661,7 @@
                 <a14:m>
                   <m:oMath xmlns:m="http://schemas.openxmlformats.org/officeDocument/2006/math">
                     <m:r>
-                      <a:rPr lang="en-US" sz="2400" i="1">
+                      <a:rPr lang="en-US" sz="2200" i="1">
                         <a:latin typeface="Cambria Math" panose="02040503050406030204" pitchFamily="18" charset="0"/>
                         <a:ea typeface="Times New Roman" panose="02020603050405020304" pitchFamily="18" charset="0"/>
                         <a:cs typeface="B Nazanin" panose="00000400000000000000" pitchFamily="2" charset="-78"/>
@@ -17475,7 +17669,7 @@
                       <m:t>∀</m:t>
                     </m:r>
                     <m:r>
-                      <a:rPr lang="en-US" sz="2400" i="1">
+                      <a:rPr lang="en-US" sz="2200" i="1">
                         <a:latin typeface="Cambria Math" panose="02040503050406030204" pitchFamily="18" charset="0"/>
                         <a:ea typeface="Times New Roman" panose="02020603050405020304" pitchFamily="18" charset="0"/>
                         <a:cs typeface="B Nazanin" panose="00000400000000000000" pitchFamily="2" charset="-78"/>
@@ -17483,7 +17677,7 @@
                       <m:t>𝑙</m:t>
                     </m:r>
                     <m:r>
-                      <a:rPr lang="en-US" sz="2400" i="1">
+                      <a:rPr lang="en-US" sz="2200" i="1">
                         <a:latin typeface="Cambria Math" panose="02040503050406030204" pitchFamily="18" charset="0"/>
                         <a:ea typeface="Times New Roman" panose="02020603050405020304" pitchFamily="18" charset="0"/>
                         <a:cs typeface="B Nazanin" panose="00000400000000000000" pitchFamily="2" charset="-78"/>
@@ -17491,7 +17685,7 @@
                       <m:t>=</m:t>
                     </m:r>
                     <m:r>
-                      <a:rPr lang="en-US" sz="2400" i="1">
+                      <a:rPr lang="en-US" sz="2200" i="1">
                         <a:latin typeface="Cambria Math" panose="02040503050406030204" pitchFamily="18" charset="0"/>
                         <a:ea typeface="Times New Roman" panose="02020603050405020304" pitchFamily="18" charset="0"/>
                         <a:cs typeface="B Nazanin" panose="00000400000000000000" pitchFamily="2" charset="-78"/>
@@ -17499,7 +17693,7 @@
                       <m:t>𝐿</m:t>
                     </m:r>
                     <m:r>
-                      <a:rPr lang="en-US" sz="2400" i="1">
+                      <a:rPr lang="en-US" sz="2200" i="1">
                         <a:latin typeface="Cambria Math" panose="02040503050406030204" pitchFamily="18" charset="0"/>
                         <a:ea typeface="Times New Roman" panose="02020603050405020304" pitchFamily="18" charset="0"/>
                         <a:cs typeface="B Nazanin" panose="00000400000000000000" pitchFamily="2" charset="-78"/>
@@ -17507,7 +17701,7 @@
                       <m:t>,</m:t>
                     </m:r>
                     <m:r>
-                      <a:rPr lang="en-US" sz="2400" i="1">
+                      <a:rPr lang="en-US" sz="2200" i="1">
                         <a:latin typeface="Cambria Math" panose="02040503050406030204" pitchFamily="18" charset="0"/>
                         <a:ea typeface="Times New Roman" panose="02020603050405020304" pitchFamily="18" charset="0"/>
                         <a:cs typeface="B Nazanin" panose="00000400000000000000" pitchFamily="2" charset="-78"/>
@@ -17515,7 +17709,7 @@
                       <m:t>𝐿</m:t>
                     </m:r>
                     <m:r>
-                      <a:rPr lang="en-US" sz="2400" i="1">
+                      <a:rPr lang="en-US" sz="2200" i="1">
                         <a:latin typeface="Cambria Math" panose="02040503050406030204" pitchFamily="18" charset="0"/>
                         <a:ea typeface="Times New Roman" panose="02020603050405020304" pitchFamily="18" charset="0"/>
                         <a:cs typeface="B Nazanin" panose="00000400000000000000" pitchFamily="2" charset="-78"/>
@@ -17523,7 +17717,7 @@
                       <m:t>−</m:t>
                     </m:r>
                     <m:r>
-                      <a:rPr lang="en-US" sz="2400" i="1">
+                      <a:rPr lang="en-US" sz="2200" i="1">
                         <a:latin typeface="Cambria Math" panose="02040503050406030204" pitchFamily="18" charset="0"/>
                         <a:ea typeface="Times New Roman" panose="02020603050405020304" pitchFamily="18" charset="0"/>
                         <a:cs typeface="B Nazanin" panose="00000400000000000000" pitchFamily="2" charset="-78"/>
@@ -17531,7 +17725,7 @@
                       <m:t>1</m:t>
                     </m:r>
                     <m:r>
-                      <a:rPr lang="en-US" sz="2400" i="1">
+                      <a:rPr lang="en-US" sz="2200" i="1">
                         <a:latin typeface="Cambria Math" panose="02040503050406030204" pitchFamily="18" charset="0"/>
                         <a:ea typeface="Times New Roman" panose="02020603050405020304" pitchFamily="18" charset="0"/>
                         <a:cs typeface="B Nazanin" panose="00000400000000000000" pitchFamily="2" charset="-78"/>
@@ -17539,7 +17733,7 @@
                       <m:t>,…,</m:t>
                     </m:r>
                     <m:r>
-                      <a:rPr lang="en-US" sz="2400" i="1">
+                      <a:rPr lang="en-US" sz="2200" i="1">
                         <a:latin typeface="Cambria Math" panose="02040503050406030204" pitchFamily="18" charset="0"/>
                         <a:ea typeface="Times New Roman" panose="02020603050405020304" pitchFamily="18" charset="0"/>
                         <a:cs typeface="B Nazanin" panose="00000400000000000000" pitchFamily="2" charset="-78"/>
@@ -17548,7 +17742,7 @@
                     </m:r>
                   </m:oMath>
                 </a14:m>
-                <a:endParaRPr lang="en-US" sz="2400" dirty="0">
+                <a:endParaRPr lang="en-US" sz="2200" dirty="0">
                   <a:latin typeface="Times New Roman" panose="02020603050405020304" pitchFamily="18" charset="0"/>
                   <a:ea typeface="Calibri" panose="020F0502020204030204" pitchFamily="34" charset="0"/>
                   <a:cs typeface="B Nazanin" panose="00000400000000000000" pitchFamily="2" charset="-78"/>
@@ -17557,7 +17751,7 @@
             </p:txBody>
           </p:sp>
         </mc:Choice>
-        <mc:Fallback xmlns="">
+        <mc:Fallback>
           <p:sp>
             <p:nvSpPr>
               <p:cNvPr id="3" name="Content Placeholder 2">
@@ -19339,15 +19533,6 @@
 </file>
 
 <file path=customXml/item1.xml><?xml version="1.0" encoding="utf-8"?>
-<?mso-contentType ?>
-<FormTemplates xmlns="http://schemas.microsoft.com/sharepoint/v3/contenttype/forms">
-  <Display>DocumentLibraryForm</Display>
-  <Edit>DocumentLibraryForm</Edit>
-  <New>DocumentLibraryForm</New>
-</FormTemplates>
-</file>
-
-<file path=customXml/item2.xml><?xml version="1.0" encoding="utf-8"?>
 <ct:contentTypeSchema xmlns:ct="http://schemas.microsoft.com/office/2006/metadata/contentType" xmlns:ma="http://schemas.microsoft.com/office/2006/metadata/properties/metaAttributes" ct:_="" ma:_="" ma:contentTypeName="Document" ma:contentTypeID="0x01010079F111ED35F8CC479449609E8A0923A6" ma:contentTypeVersion="28" ma:contentTypeDescription="Create a new document." ma:contentTypeScope="" ma:versionID="60f5a4f2d2b0abadcf532d48ebf9cb71">
   <xsd:schema xmlns:xsd="http://www.w3.org/2001/XMLSchema" xmlns:xs="http://www.w3.org/2001/XMLSchema" xmlns:p="http://schemas.microsoft.com/office/2006/metadata/properties" xmlns:ns1="http://schemas.microsoft.com/sharepoint/v3" xmlns:ns2="71af3243-3dd4-4a8d-8c0d-dd76da1f02a5" xmlns:ns3="16c05727-aa75-4e4a-9b5f-8a80a1165891" xmlns:ns4="230e9df3-be65-4c73-a93b-d1236ebd677e" targetNamespace="http://schemas.microsoft.com/office/2006/metadata/properties" ma:root="true" ma:fieldsID="7dd78129e6a1811f84807ad11c651531" ns1:_="" ns2:_="" ns3:_="" ns4:_="">
     <xsd:import namespace="http://schemas.microsoft.com/sharepoint/v3"/>
@@ -19659,6 +19844,15 @@
 </ct:contentTypeSchema>
 </file>
 
+<file path=customXml/item2.xml><?xml version="1.0" encoding="utf-8"?>
+<?mso-contentType ?>
+<FormTemplates xmlns="http://schemas.microsoft.com/sharepoint/v3/contenttype/forms">
+  <Display>DocumentLibraryForm</Display>
+  <Edit>DocumentLibraryForm</Edit>
+  <New>DocumentLibraryForm</New>
+</FormTemplates>
+</file>
+
 <file path=customXml/item3.xml><?xml version="1.0" encoding="utf-8"?>
 <p:properties xmlns:p="http://schemas.microsoft.com/office/2006/metadata/properties" xmlns:xsi="http://www.w3.org/2001/XMLSchema-instance" xmlns:pc="http://schemas.microsoft.com/office/infopath/2007/PartnerControls">
   <documentManagement>
@@ -19680,14 +19874,6 @@
 </file>
 
 <file path=customXml/itemProps1.xml><?xml version="1.0" encoding="utf-8"?>
-<ds:datastoreItem xmlns:ds="http://schemas.openxmlformats.org/officeDocument/2006/customXml" ds:itemID="{45A8381C-73EB-48EA-B45F-7B7C8C7DF409}">
-  <ds:schemaRefs>
-    <ds:schemaRef ds:uri="http://schemas.microsoft.com/sharepoint/v3/contenttype/forms"/>
-  </ds:schemaRefs>
-</ds:datastoreItem>
-</file>
-
-<file path=customXml/itemProps2.xml><?xml version="1.0" encoding="utf-8"?>
 <ds:datastoreItem xmlns:ds="http://schemas.openxmlformats.org/officeDocument/2006/customXml" ds:itemID="{5AA6A711-2C3F-4EC0-B88B-62D740851176}">
   <ds:schemaRefs>
     <ds:schemaRef ds:uri="http://schemas.microsoft.com/office/2006/metadata/contentType"/>
@@ -19708,6 +19894,14 @@
 </ds:datastoreItem>
 </file>
 
+<file path=customXml/itemProps2.xml><?xml version="1.0" encoding="utf-8"?>
+<ds:datastoreItem xmlns:ds="http://schemas.openxmlformats.org/officeDocument/2006/customXml" ds:itemID="{45A8381C-73EB-48EA-B45F-7B7C8C7DF409}">
+  <ds:schemaRefs>
+    <ds:schemaRef ds:uri="http://schemas.microsoft.com/sharepoint/v3/contenttype/forms"/>
+  </ds:schemaRefs>
+</ds:datastoreItem>
+</file>
+
 <file path=customXml/itemProps3.xml><?xml version="1.0" encoding="utf-8"?>
 <ds:datastoreItem xmlns:ds="http://schemas.openxmlformats.org/officeDocument/2006/customXml" ds:itemID="{61E98C35-9ECE-4425-BCBA-00E118C705CE}">
   <ds:schemaRefs>
